--- a/Doc/presentation.pptx
+++ b/Doc/presentation.pptx
@@ -19,7 +19,7 @@
     <p:sldId id="437" r:id="rId7"/>
     <p:sldId id="438" r:id="rId8"/>
     <p:sldId id="282" r:id="rId9"/>
-    <p:sldId id="301" r:id="rId10"/>
+    <p:sldId id="492" r:id="rId10"/>
     <p:sldId id="440" r:id="rId11"/>
     <p:sldId id="300" r:id="rId12"/>
     <p:sldId id="313" r:id="rId13"/>
@@ -136,6 +136,9 @@
     <p:ext uri="{EFAFB233-063F-42B5-8137-9DF3F51BA10A}">
       <p15:sldGuideLst xmlns:p15="http://schemas.microsoft.com/office/powerpoint/2012/main"/>
     </p:ext>
+    <p:ext uri="{2D200454-40CA-4A62-9FC3-DE9A4176ACB9}">
+      <p15:notesGuideLst xmlns:p15="http://schemas.microsoft.com/office/powerpoint/2012/main"/>
+    </p:ext>
   </p:extLst>
 </p:presentation>
 </file>
@@ -234,7 +237,7 @@
           <a:p>
             <a:fld id="{92F3CE76-7176-4FBE-B077-376474FFB476}" type="datetimeFigureOut">
               <a:rPr lang="fr-CH" smtClean="0"/>
-              <a:t>14.06.2018</a:t>
+              <a:t>15.06.2018</a:t>
             </a:fld>
             <a:endParaRPr lang="fr-CH"/>
           </a:p>
@@ -411,7 +414,7 @@
           <a:p>
             <a:fld id="{72524E61-018D-487F-8504-5EE0B2CABB85}" type="datetimeFigureOut">
               <a:rPr lang="fr-CH" smtClean="0"/>
-              <a:t>14.06.2018</a:t>
+              <a:t>15.06.2018</a:t>
             </a:fld>
             <a:endParaRPr lang="fr-CH"/>
           </a:p>
@@ -807,7 +810,7 @@
           <a:bodyPr/>
           <a:lstStyle/>
           <a:p>
-            <a:endParaRPr lang="en-US"/>
+            <a:endParaRPr lang="en-US" dirty="0"/>
           </a:p>
         </p:txBody>
       </p:sp>
@@ -828,7 +831,7 @@
           <a:p>
             <a:fld id="{250503B6-F4CD-DE49-AB30-479371E8558D}" type="slidenum">
               <a:rPr lang="en-US" smtClean="0"/>
-              <a:t>11</a:t>
+              <a:t>12</a:t>
             </a:fld>
             <a:endParaRPr lang="en-US"/>
           </a:p>
@@ -837,7 +840,7 @@
     </p:spTree>
     <p:extLst>
       <p:ext uri="{BB962C8B-B14F-4D97-AF65-F5344CB8AC3E}">
-        <p14:creationId xmlns:p14="http://schemas.microsoft.com/office/powerpoint/2010/main" val="1566307122"/>
+        <p14:creationId xmlns:p14="http://schemas.microsoft.com/office/powerpoint/2010/main" val="4028429707"/>
       </p:ext>
     </p:extLst>
   </p:cSld>
@@ -912,7 +915,7 @@
           <a:p>
             <a:fld id="{250503B6-F4CD-DE49-AB30-479371E8558D}" type="slidenum">
               <a:rPr lang="en-US" smtClean="0"/>
-              <a:t>12</a:t>
+              <a:t>13</a:t>
             </a:fld>
             <a:endParaRPr lang="en-US"/>
           </a:p>
@@ -921,7 +924,7 @@
     </p:spTree>
     <p:extLst>
       <p:ext uri="{BB962C8B-B14F-4D97-AF65-F5344CB8AC3E}">
-        <p14:creationId xmlns:p14="http://schemas.microsoft.com/office/powerpoint/2010/main" val="4028429707"/>
+        <p14:creationId xmlns:p14="http://schemas.microsoft.com/office/powerpoint/2010/main" val="2234372038"/>
       </p:ext>
     </p:extLst>
   </p:cSld>
@@ -996,7 +999,7 @@
           <a:p>
             <a:fld id="{250503B6-F4CD-DE49-AB30-479371E8558D}" type="slidenum">
               <a:rPr lang="en-US" smtClean="0"/>
-              <a:t>13</a:t>
+              <a:t>14</a:t>
             </a:fld>
             <a:endParaRPr lang="en-US"/>
           </a:p>
@@ -1005,7 +1008,7 @@
     </p:spTree>
     <p:extLst>
       <p:ext uri="{BB962C8B-B14F-4D97-AF65-F5344CB8AC3E}">
-        <p14:creationId xmlns:p14="http://schemas.microsoft.com/office/powerpoint/2010/main" val="2234372038"/>
+        <p14:creationId xmlns:p14="http://schemas.microsoft.com/office/powerpoint/2010/main" val="2123470838"/>
       </p:ext>
     </p:extLst>
   </p:cSld>
@@ -1080,90 +1083,6 @@
           <a:p>
             <a:fld id="{250503B6-F4CD-DE49-AB30-479371E8558D}" type="slidenum">
               <a:rPr lang="en-US" smtClean="0"/>
-              <a:t>14</a:t>
-            </a:fld>
-            <a:endParaRPr lang="en-US"/>
-          </a:p>
-        </p:txBody>
-      </p:sp>
-    </p:spTree>
-    <p:extLst>
-      <p:ext uri="{BB962C8B-B14F-4D97-AF65-F5344CB8AC3E}">
-        <p14:creationId xmlns:p14="http://schemas.microsoft.com/office/powerpoint/2010/main" val="2123470838"/>
-      </p:ext>
-    </p:extLst>
-  </p:cSld>
-  <p:clrMapOvr>
-    <a:masterClrMapping/>
-  </p:clrMapOvr>
-</p:notes>
-</file>
-
-<file path=ppt/notesSlides/notesSlide14.xml><?xml version="1.0" encoding="utf-8"?>
-<p:notes xmlns:a="http://schemas.openxmlformats.org/drawingml/2006/main" xmlns:r="http://schemas.openxmlformats.org/officeDocument/2006/relationships" xmlns:p="http://schemas.openxmlformats.org/presentationml/2006/main">
-  <p:cSld>
-    <p:spTree>
-      <p:nvGrpSpPr>
-        <p:cNvPr id="1" name=""/>
-        <p:cNvGrpSpPr/>
-        <p:nvPr/>
-      </p:nvGrpSpPr>
-      <p:grpSpPr>
-        <a:xfrm>
-          <a:off x="0" y="0"/>
-          <a:ext cx="0" cy="0"/>
-          <a:chOff x="0" y="0"/>
-          <a:chExt cx="0" cy="0"/>
-        </a:xfrm>
-      </p:grpSpPr>
-      <p:sp>
-        <p:nvSpPr>
-          <p:cNvPr id="2" name="Slide Image Placeholder 1"/>
-          <p:cNvSpPr>
-            <a:spLocks noGrp="1" noRot="1" noChangeAspect="1"/>
-          </p:cNvSpPr>
-          <p:nvPr>
-            <p:ph type="sldImg"/>
-          </p:nvPr>
-        </p:nvSpPr>
-        <p:spPr/>
-      </p:sp>
-      <p:sp>
-        <p:nvSpPr>
-          <p:cNvPr id="3" name="Notes Placeholder 2"/>
-          <p:cNvSpPr>
-            <a:spLocks noGrp="1"/>
-          </p:cNvSpPr>
-          <p:nvPr>
-            <p:ph type="body" idx="1"/>
-          </p:nvPr>
-        </p:nvSpPr>
-        <p:spPr/>
-        <p:txBody>
-          <a:bodyPr/>
-          <a:lstStyle/>
-          <a:p>
-            <a:endParaRPr lang="en-US" dirty="0"/>
-          </a:p>
-        </p:txBody>
-      </p:sp>
-      <p:sp>
-        <p:nvSpPr>
-          <p:cNvPr id="4" name="Slide Number Placeholder 3"/>
-          <p:cNvSpPr>
-            <a:spLocks noGrp="1"/>
-          </p:cNvSpPr>
-          <p:nvPr>
-            <p:ph type="sldNum" sz="quarter" idx="10"/>
-          </p:nvPr>
-        </p:nvSpPr>
-        <p:spPr/>
-        <p:txBody>
-          <a:bodyPr/>
-          <a:lstStyle/>
-          <a:p>
-            <a:fld id="{250503B6-F4CD-DE49-AB30-479371E8558D}" type="slidenum">
-              <a:rPr lang="en-US" smtClean="0"/>
               <a:t>15</a:t>
             </a:fld>
             <a:endParaRPr lang="en-US"/>
@@ -1183,7 +1102,7 @@
 </p:notes>
 </file>
 
-<file path=ppt/notesSlides/notesSlide15.xml><?xml version="1.0" encoding="utf-8"?>
+<file path=ppt/notesSlides/notesSlide14.xml><?xml version="1.0" encoding="utf-8"?>
 <p:notes xmlns:a="http://schemas.openxmlformats.org/drawingml/2006/main" xmlns:r="http://schemas.openxmlformats.org/officeDocument/2006/relationships" xmlns:p="http://schemas.openxmlformats.org/presentationml/2006/main">
   <p:cSld>
     <p:spTree>
@@ -1327,7 +1246,7 @@
 </p:notes>
 </file>
 
-<file path=ppt/notesSlides/notesSlide16.xml><?xml version="1.0" encoding="utf-8"?>
+<file path=ppt/notesSlides/notesSlide15.xml><?xml version="1.0" encoding="utf-8"?>
 <p:notes xmlns:a="http://schemas.openxmlformats.org/drawingml/2006/main" xmlns:r="http://schemas.openxmlformats.org/officeDocument/2006/relationships" xmlns:p="http://schemas.openxmlformats.org/presentationml/2006/main">
   <p:cSld>
     <p:spTree>
@@ -1411,7 +1330,7 @@
 </p:notes>
 </file>
 
-<file path=ppt/notesSlides/notesSlide17.xml><?xml version="1.0" encoding="utf-8"?>
+<file path=ppt/notesSlides/notesSlide16.xml><?xml version="1.0" encoding="utf-8"?>
 <p:notes xmlns:a="http://schemas.openxmlformats.org/drawingml/2006/main" xmlns:r="http://schemas.openxmlformats.org/officeDocument/2006/relationships" xmlns:p="http://schemas.openxmlformats.org/presentationml/2006/main">
   <p:cSld>
     <p:spTree>
@@ -1872,90 +1791,6 @@
           <a:p>
             <a:fld id="{250503B6-F4CD-DE49-AB30-479371E8558D}" type="slidenum">
               <a:rPr lang="en-US" smtClean="0"/>
-              <a:t>5</a:t>
-            </a:fld>
-            <a:endParaRPr lang="en-US"/>
-          </a:p>
-        </p:txBody>
-      </p:sp>
-    </p:spTree>
-    <p:extLst>
-      <p:ext uri="{BB962C8B-B14F-4D97-AF65-F5344CB8AC3E}">
-        <p14:creationId xmlns:p14="http://schemas.microsoft.com/office/powerpoint/2010/main" val="4278313634"/>
-      </p:ext>
-    </p:extLst>
-  </p:cSld>
-  <p:clrMapOvr>
-    <a:masterClrMapping/>
-  </p:clrMapOvr>
-</p:notes>
-</file>
-
-<file path=ppt/notesSlides/notesSlide6.xml><?xml version="1.0" encoding="utf-8"?>
-<p:notes xmlns:a="http://schemas.openxmlformats.org/drawingml/2006/main" xmlns:r="http://schemas.openxmlformats.org/officeDocument/2006/relationships" xmlns:p="http://schemas.openxmlformats.org/presentationml/2006/main">
-  <p:cSld>
-    <p:spTree>
-      <p:nvGrpSpPr>
-        <p:cNvPr id="1" name=""/>
-        <p:cNvGrpSpPr/>
-        <p:nvPr/>
-      </p:nvGrpSpPr>
-      <p:grpSpPr>
-        <a:xfrm>
-          <a:off x="0" y="0"/>
-          <a:ext cx="0" cy="0"/>
-          <a:chOff x="0" y="0"/>
-          <a:chExt cx="0" cy="0"/>
-        </a:xfrm>
-      </p:grpSpPr>
-      <p:sp>
-        <p:nvSpPr>
-          <p:cNvPr id="2" name="Slide Image Placeholder 1"/>
-          <p:cNvSpPr>
-            <a:spLocks noGrp="1" noRot="1" noChangeAspect="1"/>
-          </p:cNvSpPr>
-          <p:nvPr>
-            <p:ph type="sldImg"/>
-          </p:nvPr>
-        </p:nvSpPr>
-        <p:spPr/>
-      </p:sp>
-      <p:sp>
-        <p:nvSpPr>
-          <p:cNvPr id="3" name="Notes Placeholder 2"/>
-          <p:cNvSpPr>
-            <a:spLocks noGrp="1"/>
-          </p:cNvSpPr>
-          <p:nvPr>
-            <p:ph type="body" idx="1"/>
-          </p:nvPr>
-        </p:nvSpPr>
-        <p:spPr/>
-        <p:txBody>
-          <a:bodyPr/>
-          <a:lstStyle/>
-          <a:p>
-            <a:endParaRPr lang="en-US" dirty="0"/>
-          </a:p>
-        </p:txBody>
-      </p:sp>
-      <p:sp>
-        <p:nvSpPr>
-          <p:cNvPr id="4" name="Slide Number Placeholder 3"/>
-          <p:cNvSpPr>
-            <a:spLocks noGrp="1"/>
-          </p:cNvSpPr>
-          <p:nvPr>
-            <p:ph type="sldNum" sz="quarter" idx="10"/>
-          </p:nvPr>
-        </p:nvSpPr>
-        <p:spPr/>
-        <p:txBody>
-          <a:bodyPr/>
-          <a:lstStyle/>
-          <a:p>
-            <a:fld id="{250503B6-F4CD-DE49-AB30-479371E8558D}" type="slidenum">
-              <a:rPr lang="en-US" smtClean="0"/>
               <a:t>6</a:t>
             </a:fld>
             <a:endParaRPr lang="en-US"/>
@@ -1975,7 +1810,7 @@
 </p:notes>
 </file>
 
-<file path=ppt/notesSlides/notesSlide7.xml><?xml version="1.0" encoding="utf-8"?>
+<file path=ppt/notesSlides/notesSlide6.xml><?xml version="1.0" encoding="utf-8"?>
 <p:notes xmlns:a="http://schemas.openxmlformats.org/drawingml/2006/main" xmlns:r="http://schemas.openxmlformats.org/officeDocument/2006/relationships" xmlns:p="http://schemas.openxmlformats.org/presentationml/2006/main">
   <p:cSld>
     <p:spTree>
@@ -2119,6 +1954,90 @@
 </p:notes>
 </file>
 
+<file path=ppt/notesSlides/notesSlide7.xml><?xml version="1.0" encoding="utf-8"?>
+<p:notes xmlns:a="http://schemas.openxmlformats.org/drawingml/2006/main" xmlns:r="http://schemas.openxmlformats.org/officeDocument/2006/relationships" xmlns:p="http://schemas.openxmlformats.org/presentationml/2006/main">
+  <p:cSld>
+    <p:spTree>
+      <p:nvGrpSpPr>
+        <p:cNvPr id="1" name=""/>
+        <p:cNvGrpSpPr/>
+        <p:nvPr/>
+      </p:nvGrpSpPr>
+      <p:grpSpPr>
+        <a:xfrm>
+          <a:off x="0" y="0"/>
+          <a:ext cx="0" cy="0"/>
+          <a:chOff x="0" y="0"/>
+          <a:chExt cx="0" cy="0"/>
+        </a:xfrm>
+      </p:grpSpPr>
+      <p:sp>
+        <p:nvSpPr>
+          <p:cNvPr id="2" name="Slide Image Placeholder 1"/>
+          <p:cNvSpPr>
+            <a:spLocks noGrp="1" noRot="1" noChangeAspect="1"/>
+          </p:cNvSpPr>
+          <p:nvPr>
+            <p:ph type="sldImg"/>
+          </p:nvPr>
+        </p:nvSpPr>
+        <p:spPr/>
+      </p:sp>
+      <p:sp>
+        <p:nvSpPr>
+          <p:cNvPr id="3" name="Notes Placeholder 2"/>
+          <p:cNvSpPr>
+            <a:spLocks noGrp="1"/>
+          </p:cNvSpPr>
+          <p:nvPr>
+            <p:ph type="body" idx="1"/>
+          </p:nvPr>
+        </p:nvSpPr>
+        <p:spPr/>
+        <p:txBody>
+          <a:bodyPr/>
+          <a:lstStyle/>
+          <a:p>
+            <a:endParaRPr lang="en-US" dirty="0"/>
+          </a:p>
+        </p:txBody>
+      </p:sp>
+      <p:sp>
+        <p:nvSpPr>
+          <p:cNvPr id="4" name="Slide Number Placeholder 3"/>
+          <p:cNvSpPr>
+            <a:spLocks noGrp="1"/>
+          </p:cNvSpPr>
+          <p:nvPr>
+            <p:ph type="sldNum" sz="quarter" idx="10"/>
+          </p:nvPr>
+        </p:nvSpPr>
+        <p:spPr/>
+        <p:txBody>
+          <a:bodyPr/>
+          <a:lstStyle/>
+          <a:p>
+            <a:fld id="{250503B6-F4CD-DE49-AB30-479371E8558D}" type="slidenum">
+              <a:rPr lang="en-US" smtClean="0"/>
+              <a:t>9</a:t>
+            </a:fld>
+            <a:endParaRPr lang="en-US"/>
+          </a:p>
+        </p:txBody>
+      </p:sp>
+    </p:spTree>
+    <p:extLst>
+      <p:ext uri="{BB962C8B-B14F-4D97-AF65-F5344CB8AC3E}">
+        <p14:creationId xmlns:p14="http://schemas.microsoft.com/office/powerpoint/2010/main" val="3481642961"/>
+      </p:ext>
+    </p:extLst>
+  </p:cSld>
+  <p:clrMapOvr>
+    <a:masterClrMapping/>
+  </p:clrMapOvr>
+</p:notes>
+</file>
+
 <file path=ppt/notesSlides/notesSlide8.xml><?xml version="1.0" encoding="utf-8"?>
 <p:notes xmlns:a="http://schemas.openxmlformats.org/drawingml/2006/main" xmlns:r="http://schemas.openxmlformats.org/officeDocument/2006/relationships" xmlns:p="http://schemas.openxmlformats.org/presentationml/2006/main">
   <p:cSld>
@@ -2184,7 +2103,7 @@
           <a:p>
             <a:fld id="{250503B6-F4CD-DE49-AB30-479371E8558D}" type="slidenum">
               <a:rPr lang="en-US" smtClean="0"/>
-              <a:t>9</a:t>
+              <a:t>10</a:t>
             </a:fld>
             <a:endParaRPr lang="en-US"/>
           </a:p>
@@ -2193,7 +2112,7 @@
     </p:spTree>
     <p:extLst>
       <p:ext uri="{BB962C8B-B14F-4D97-AF65-F5344CB8AC3E}">
-        <p14:creationId xmlns:p14="http://schemas.microsoft.com/office/powerpoint/2010/main" val="3481642961"/>
+        <p14:creationId xmlns:p14="http://schemas.microsoft.com/office/powerpoint/2010/main" val="4158813062"/>
       </p:ext>
     </p:extLst>
   </p:cSld>
@@ -2247,7 +2166,7 @@
           <a:bodyPr/>
           <a:lstStyle/>
           <a:p>
-            <a:endParaRPr lang="en-US" dirty="0"/>
+            <a:endParaRPr lang="en-US"/>
           </a:p>
         </p:txBody>
       </p:sp>
@@ -2268,7 +2187,7 @@
           <a:p>
             <a:fld id="{250503B6-F4CD-DE49-AB30-479371E8558D}" type="slidenum">
               <a:rPr lang="en-US" smtClean="0"/>
-              <a:t>10</a:t>
+              <a:t>11</a:t>
             </a:fld>
             <a:endParaRPr lang="en-US"/>
           </a:p>
@@ -2277,7 +2196,7 @@
     </p:spTree>
     <p:extLst>
       <p:ext uri="{BB962C8B-B14F-4D97-AF65-F5344CB8AC3E}">
-        <p14:creationId xmlns:p14="http://schemas.microsoft.com/office/powerpoint/2010/main" val="4158813062"/>
+        <p14:creationId xmlns:p14="http://schemas.microsoft.com/office/powerpoint/2010/main" val="1566307122"/>
       </p:ext>
     </p:extLst>
   </p:cSld>
@@ -2436,7 +2355,7 @@
           <a:p>
             <a:fld id="{7DAECAA3-EED9-4F83-9C39-4E8F2572032F}" type="datetimeFigureOut">
               <a:rPr lang="fr-CH" smtClean="0"/>
-              <a:t>14.06.2018</a:t>
+              <a:t>15.06.2018</a:t>
             </a:fld>
             <a:endParaRPr lang="fr-CH"/>
           </a:p>
@@ -2636,7 +2555,7 @@
           <a:p>
             <a:fld id="{7DAECAA3-EED9-4F83-9C39-4E8F2572032F}" type="datetimeFigureOut">
               <a:rPr lang="fr-CH" smtClean="0"/>
-              <a:t>14.06.2018</a:t>
+              <a:t>15.06.2018</a:t>
             </a:fld>
             <a:endParaRPr lang="fr-CH"/>
           </a:p>
@@ -2846,7 +2765,7 @@
           <a:p>
             <a:fld id="{7DAECAA3-EED9-4F83-9C39-4E8F2572032F}" type="datetimeFigureOut">
               <a:rPr lang="fr-CH" smtClean="0"/>
-              <a:t>14.06.2018</a:t>
+              <a:t>15.06.2018</a:t>
             </a:fld>
             <a:endParaRPr lang="fr-CH"/>
           </a:p>
@@ -4379,7 +4298,7 @@
           <a:p>
             <a:fld id="{7DAECAA3-EED9-4F83-9C39-4E8F2572032F}" type="datetimeFigureOut">
               <a:rPr lang="fr-CH" smtClean="0"/>
-              <a:t>14.06.2018</a:t>
+              <a:t>15.06.2018</a:t>
             </a:fld>
             <a:endParaRPr lang="fr-CH"/>
           </a:p>
@@ -6687,7 +6606,7 @@
           <a:p>
             <a:fld id="{7DAECAA3-EED9-4F83-9C39-4E8F2572032F}" type="datetimeFigureOut">
               <a:rPr lang="fr-CH" smtClean="0"/>
-              <a:t>14.06.2018</a:t>
+              <a:t>15.06.2018</a:t>
             </a:fld>
             <a:endParaRPr lang="fr-CH"/>
           </a:p>
@@ -7973,7 +7892,7 @@
           <a:p>
             <a:fld id="{7DAECAA3-EED9-4F83-9C39-4E8F2572032F}" type="datetimeFigureOut">
               <a:rPr lang="fr-CH" smtClean="0"/>
-              <a:t>14.06.2018</a:t>
+              <a:t>15.06.2018</a:t>
             </a:fld>
             <a:endParaRPr lang="fr-CH"/>
           </a:p>
@@ -8388,7 +8307,7 @@
           <a:p>
             <a:fld id="{7DAECAA3-EED9-4F83-9C39-4E8F2572032F}" type="datetimeFigureOut">
               <a:rPr lang="fr-CH" smtClean="0"/>
-              <a:t>14.06.2018</a:t>
+              <a:t>15.06.2018</a:t>
             </a:fld>
             <a:endParaRPr lang="fr-CH"/>
           </a:p>
@@ -8530,7 +8449,7 @@
           <a:p>
             <a:fld id="{7DAECAA3-EED9-4F83-9C39-4E8F2572032F}" type="datetimeFigureOut">
               <a:rPr lang="fr-CH" smtClean="0"/>
-              <a:t>14.06.2018</a:t>
+              <a:t>15.06.2018</a:t>
             </a:fld>
             <a:endParaRPr lang="fr-CH"/>
           </a:p>
@@ -8643,7 +8562,7 @@
           <a:p>
             <a:fld id="{7DAECAA3-EED9-4F83-9C39-4E8F2572032F}" type="datetimeFigureOut">
               <a:rPr lang="fr-CH" smtClean="0"/>
-              <a:t>14.06.2018</a:t>
+              <a:t>15.06.2018</a:t>
             </a:fld>
             <a:endParaRPr lang="fr-CH"/>
           </a:p>
@@ -8956,7 +8875,7 @@
           <a:p>
             <a:fld id="{7DAECAA3-EED9-4F83-9C39-4E8F2572032F}" type="datetimeFigureOut">
               <a:rPr lang="fr-CH" smtClean="0"/>
-              <a:t>14.06.2018</a:t>
+              <a:t>15.06.2018</a:t>
             </a:fld>
             <a:endParaRPr lang="fr-CH"/>
           </a:p>
@@ -9245,7 +9164,7 @@
           <a:p>
             <a:fld id="{7DAECAA3-EED9-4F83-9C39-4E8F2572032F}" type="datetimeFigureOut">
               <a:rPr lang="fr-CH" smtClean="0"/>
-              <a:t>14.06.2018</a:t>
+              <a:t>15.06.2018</a:t>
             </a:fld>
             <a:endParaRPr lang="fr-CH"/>
           </a:p>
@@ -9488,7 +9407,7 @@
           <a:p>
             <a:fld id="{7DAECAA3-EED9-4F83-9C39-4E8F2572032F}" type="datetimeFigureOut">
               <a:rPr lang="fr-CH" smtClean="0"/>
-              <a:t>14.06.2018</a:t>
+              <a:t>15.06.2018</a:t>
             </a:fld>
             <a:endParaRPr lang="fr-CH"/>
           </a:p>
@@ -10475,7 +10394,9 @@
             <a:avLst/>
           </a:prstGeom>
           <a:solidFill>
-            <a:schemeClr val="accent6"/>
+            <a:schemeClr val="bg1">
+              <a:lumMod val="50000"/>
+            </a:schemeClr>
           </a:solidFill>
           <a:ln>
             <a:noFill/>
@@ -16766,7 +16687,7 @@
         </p:nvSpPr>
         <p:spPr>
           <a:xfrm>
-            <a:off x="529562" y="1191493"/>
+            <a:off x="529559" y="1052994"/>
             <a:ext cx="4487595" cy="923330"/>
           </a:xfrm>
           <a:prstGeom prst="rect">
@@ -16849,7 +16770,7 @@
         </p:nvSpPr>
         <p:spPr>
           <a:xfrm>
-            <a:off x="529560" y="2967335"/>
+            <a:off x="529559" y="2860501"/>
             <a:ext cx="4487595" cy="1200329"/>
           </a:xfrm>
           <a:prstGeom prst="rect">
@@ -16905,7 +16826,7 @@
         </p:nvSpPr>
         <p:spPr>
           <a:xfrm>
-            <a:off x="529560" y="4946550"/>
+            <a:off x="587308" y="5085047"/>
             <a:ext cx="4487595" cy="646331"/>
           </a:xfrm>
           <a:prstGeom prst="rect">
@@ -16947,7 +16868,7 @@
         </p:nvSpPr>
         <p:spPr>
           <a:xfrm>
-            <a:off x="7174843" y="2860501"/>
+            <a:off x="7174842" y="2822168"/>
             <a:ext cx="4315817" cy="1200329"/>
           </a:xfrm>
           <a:prstGeom prst="rect">
@@ -16981,6 +16902,82 @@
             <a:r>
               <a:rPr lang="fr-CH" dirty="0"/>
               <a:t>Gestion des cases "Cartes chances"</a:t>
+            </a:r>
+          </a:p>
+        </p:txBody>
+      </p:sp>
+      <p:sp>
+        <p:nvSpPr>
+          <p:cNvPr id="12" name="Rectangle 11">
+            <a:extLst>
+              <a:ext uri="{FF2B5EF4-FFF2-40B4-BE49-F238E27FC236}">
+                <a16:creationId xmlns:a16="http://schemas.microsoft.com/office/drawing/2014/main" id="{AA70EE9E-47C2-43B2-A4E6-0F0FE830A2A2}"/>
+              </a:ext>
+            </a:extLst>
+          </p:cNvPr>
+          <p:cNvSpPr/>
+          <p:nvPr/>
+        </p:nvSpPr>
+        <p:spPr>
+          <a:xfrm>
+            <a:off x="7174842" y="4808047"/>
+            <a:ext cx="4315817" cy="1200329"/>
+          </a:xfrm>
+          <a:prstGeom prst="rect">
+            <a:avLst/>
+          </a:prstGeom>
+        </p:spPr>
+        <p:txBody>
+          <a:bodyPr wrap="square">
+            <a:spAutoFit/>
+          </a:bodyPr>
+          <a:lstStyle/>
+          <a:p>
+            <a:r>
+              <a:rPr lang="fr-FR" dirty="0"/>
+              <a:t>L</a:t>
+            </a:r>
+            <a:r>
+              <a:rPr lang="fr-CH" dirty="0" err="1"/>
+              <a:t>ancement</a:t>
+            </a:r>
+            <a:r>
+              <a:rPr lang="fr-CH" dirty="0"/>
+              <a:t> d'une partie (Client)</a:t>
+            </a:r>
+          </a:p>
+          <a:p>
+            <a:r>
+              <a:rPr lang="fr-CH" dirty="0"/>
+              <a:t>Plateau de jeu (GUI)</a:t>
+            </a:r>
+          </a:p>
+          <a:p>
+            <a:r>
+              <a:rPr lang="fr-FR" dirty="0"/>
+              <a:t>D</a:t>
+            </a:r>
+            <a:r>
+              <a:rPr lang="fr-CH" dirty="0" err="1"/>
+              <a:t>éplacement</a:t>
+            </a:r>
+            <a:r>
+              <a:rPr lang="fr-CH" dirty="0"/>
+              <a:t> des pions</a:t>
+            </a:r>
+          </a:p>
+          <a:p>
+            <a:r>
+              <a:rPr lang="fr-FR" dirty="0"/>
+              <a:t>G</a:t>
+            </a:r>
+            <a:r>
+              <a:rPr lang="fr-CH" dirty="0" err="1"/>
+              <a:t>estion</a:t>
+            </a:r>
+            <a:r>
+              <a:rPr lang="fr-CH" dirty="0"/>
+              <a:t> de certaines cases</a:t>
             </a:r>
           </a:p>
         </p:txBody>
@@ -17211,6 +17208,268 @@
           </a:p>
         </p:txBody>
       </p:sp>
+      <p:sp>
+        <p:nvSpPr>
+          <p:cNvPr id="2" name="Rectangle 1">
+            <a:extLst>
+              <a:ext uri="{FF2B5EF4-FFF2-40B4-BE49-F238E27FC236}">
+                <a16:creationId xmlns:a16="http://schemas.microsoft.com/office/drawing/2014/main" id="{534D49D1-5453-4CA3-88FD-2F3FD57C87EF}"/>
+              </a:ext>
+            </a:extLst>
+          </p:cNvPr>
+          <p:cNvSpPr/>
+          <p:nvPr/>
+        </p:nvSpPr>
+        <p:spPr>
+          <a:xfrm>
+            <a:off x="7174844" y="625210"/>
+            <a:ext cx="3635354" cy="1477328"/>
+          </a:xfrm>
+          <a:prstGeom prst="rect">
+            <a:avLst/>
+          </a:prstGeom>
+        </p:spPr>
+        <p:txBody>
+          <a:bodyPr wrap="none">
+            <a:spAutoFit/>
+          </a:bodyPr>
+          <a:lstStyle/>
+          <a:p>
+            <a:r>
+              <a:rPr lang="fr-FR" dirty="0"/>
+              <a:t>Gestion des cases</a:t>
+            </a:r>
+          </a:p>
+          <a:p>
+            <a:r>
+              <a:rPr lang="fr-FR" dirty="0"/>
+              <a:t>Information du plateau (GUI)</a:t>
+            </a:r>
+          </a:p>
+          <a:p>
+            <a:r>
+              <a:rPr lang="fr-FR" dirty="0"/>
+              <a:t>Hypothèque</a:t>
+            </a:r>
+          </a:p>
+          <a:p>
+            <a:r>
+              <a:rPr lang="fr-FR" dirty="0"/>
+              <a:t>Achat vente de propriété</a:t>
+            </a:r>
+          </a:p>
+          <a:p>
+            <a:r>
+              <a:rPr lang="fr-FR" dirty="0"/>
+              <a:t>Gestion de la salle d'examen (prison)</a:t>
+            </a:r>
+            <a:endParaRPr lang="fr-CH" dirty="0"/>
+          </a:p>
+        </p:txBody>
+      </p:sp>
+      <p:sp>
+        <p:nvSpPr>
+          <p:cNvPr id="7" name="Rectangle 6">
+            <a:extLst>
+              <a:ext uri="{FF2B5EF4-FFF2-40B4-BE49-F238E27FC236}">
+                <a16:creationId xmlns:a16="http://schemas.microsoft.com/office/drawing/2014/main" id="{FB374E94-ECEC-42B6-A4EA-271CC3137DEB}"/>
+              </a:ext>
+            </a:extLst>
+          </p:cNvPr>
+          <p:cNvSpPr/>
+          <p:nvPr/>
+        </p:nvSpPr>
+        <p:spPr>
+          <a:xfrm>
+            <a:off x="529560" y="917528"/>
+            <a:ext cx="4487595" cy="923330"/>
+          </a:xfrm>
+          <a:prstGeom prst="rect">
+            <a:avLst/>
+          </a:prstGeom>
+        </p:spPr>
+        <p:txBody>
+          <a:bodyPr wrap="square">
+            <a:spAutoFit/>
+          </a:bodyPr>
+          <a:lstStyle/>
+          <a:p>
+            <a:pPr algn="r"/>
+            <a:r>
+              <a:rPr lang="fr-CH" dirty="0"/>
+              <a:t>Manipulation des cases (achat/vente/…)</a:t>
+            </a:r>
+          </a:p>
+          <a:p>
+            <a:pPr algn="r"/>
+            <a:r>
+              <a:rPr lang="fr-FR" dirty="0"/>
+              <a:t>G</a:t>
+            </a:r>
+            <a:r>
+              <a:rPr lang="fr-CH" dirty="0" err="1"/>
+              <a:t>estion</a:t>
+            </a:r>
+            <a:r>
+              <a:rPr lang="fr-CH" dirty="0"/>
+              <a:t> de la salle d'examen (prison)</a:t>
+            </a:r>
+          </a:p>
+          <a:p>
+            <a:pPr algn="r"/>
+            <a:r>
+              <a:rPr lang="fr-FR" dirty="0"/>
+              <a:t>B</a:t>
+            </a:r>
+            <a:r>
+              <a:rPr lang="fr-CH" dirty="0" err="1"/>
+              <a:t>anqueroute</a:t>
+            </a:r>
+            <a:endParaRPr lang="fr-CH" dirty="0"/>
+          </a:p>
+        </p:txBody>
+      </p:sp>
+      <p:sp>
+        <p:nvSpPr>
+          <p:cNvPr id="8" name="Rectangle 7">
+            <a:extLst>
+              <a:ext uri="{FF2B5EF4-FFF2-40B4-BE49-F238E27FC236}">
+                <a16:creationId xmlns:a16="http://schemas.microsoft.com/office/drawing/2014/main" id="{B3775958-0E55-4E70-AD35-AFCB5B2FA56C}"/>
+              </a:ext>
+            </a:extLst>
+          </p:cNvPr>
+          <p:cNvSpPr/>
+          <p:nvPr/>
+        </p:nvSpPr>
+        <p:spPr>
+          <a:xfrm>
+            <a:off x="529560" y="2786547"/>
+            <a:ext cx="4487595" cy="2031325"/>
+          </a:xfrm>
+          <a:prstGeom prst="rect">
+            <a:avLst/>
+          </a:prstGeom>
+        </p:spPr>
+        <p:txBody>
+          <a:bodyPr wrap="square">
+            <a:spAutoFit/>
+          </a:bodyPr>
+          <a:lstStyle/>
+          <a:p>
+            <a:pPr algn="r"/>
+            <a:r>
+              <a:rPr lang="fr-FR" dirty="0"/>
+              <a:t>Banqueroute</a:t>
+            </a:r>
+          </a:p>
+          <a:p>
+            <a:pPr algn="r"/>
+            <a:r>
+              <a:rPr lang="fr-FR" dirty="0"/>
+              <a:t>Fin de partie</a:t>
+            </a:r>
+          </a:p>
+          <a:p>
+            <a:pPr algn="r"/>
+            <a:r>
+              <a:rPr lang="fr-FR" dirty="0"/>
+              <a:t>GUI</a:t>
+            </a:r>
+          </a:p>
+          <a:p>
+            <a:pPr algn="r"/>
+            <a:r>
+              <a:rPr lang="fr-FR" dirty="0"/>
+              <a:t>Zone admin</a:t>
+            </a:r>
+          </a:p>
+          <a:p>
+            <a:pPr algn="r"/>
+            <a:r>
+              <a:rPr lang="fr-FR" dirty="0"/>
+              <a:t>Finalisation de la gestion des cases</a:t>
+            </a:r>
+          </a:p>
+          <a:p>
+            <a:pPr algn="r"/>
+            <a:r>
+              <a:rPr lang="fr-FR" dirty="0"/>
+              <a:t>Documentation</a:t>
+            </a:r>
+          </a:p>
+          <a:p>
+            <a:pPr algn="r"/>
+            <a:endParaRPr lang="fr-CH" dirty="0"/>
+          </a:p>
+        </p:txBody>
+      </p:sp>
+      <p:sp>
+        <p:nvSpPr>
+          <p:cNvPr id="11" name="Rectangle 10">
+            <a:extLst>
+              <a:ext uri="{FF2B5EF4-FFF2-40B4-BE49-F238E27FC236}">
+                <a16:creationId xmlns:a16="http://schemas.microsoft.com/office/drawing/2014/main" id="{24876FFC-3B3C-4847-BFAF-4EC7F8C64E72}"/>
+              </a:ext>
+            </a:extLst>
+          </p:cNvPr>
+          <p:cNvSpPr/>
+          <p:nvPr/>
+        </p:nvSpPr>
+        <p:spPr>
+          <a:xfrm>
+            <a:off x="7174844" y="2786548"/>
+            <a:ext cx="3430298" cy="2031325"/>
+          </a:xfrm>
+          <a:prstGeom prst="rect">
+            <a:avLst/>
+          </a:prstGeom>
+        </p:spPr>
+        <p:txBody>
+          <a:bodyPr wrap="none">
+            <a:spAutoFit/>
+          </a:bodyPr>
+          <a:lstStyle/>
+          <a:p>
+            <a:r>
+              <a:rPr lang="fr-FR" dirty="0"/>
+              <a:t>Banqueroute</a:t>
+            </a:r>
+          </a:p>
+          <a:p>
+            <a:r>
+              <a:rPr lang="fr-FR" dirty="0"/>
+              <a:t>Fin de partie</a:t>
+            </a:r>
+          </a:p>
+          <a:p>
+            <a:r>
+              <a:rPr lang="fr-FR" dirty="0"/>
+              <a:t>GUI</a:t>
+            </a:r>
+          </a:p>
+          <a:p>
+            <a:r>
+              <a:rPr lang="fr-FR" dirty="0"/>
+              <a:t>Zone admin</a:t>
+            </a:r>
+          </a:p>
+          <a:p>
+            <a:r>
+              <a:rPr lang="fr-FR" dirty="0"/>
+              <a:t>Finalisation de la gestion des cases</a:t>
+            </a:r>
+          </a:p>
+          <a:p>
+            <a:r>
+              <a:rPr lang="fr-FR" dirty="0"/>
+              <a:t>Documentation</a:t>
+            </a:r>
+          </a:p>
+          <a:p>
+            <a:endParaRPr lang="fr-CH" dirty="0"/>
+          </a:p>
+        </p:txBody>
+      </p:sp>
     </p:spTree>
     <p:extLst>
       <p:ext uri="{BB962C8B-B14F-4D97-AF65-F5344CB8AC3E}">
@@ -17856,877 +18115,6 @@
       </p:sp>
       <p:sp>
         <p:nvSpPr>
-          <p:cNvPr id="26" name="Freeform 25"/>
-          <p:cNvSpPr>
-            <a:spLocks noChangeArrowheads="1"/>
-          </p:cNvSpPr>
-          <p:nvPr/>
-        </p:nvSpPr>
-        <p:spPr bwMode="auto">
-          <a:xfrm>
-            <a:off x="2188318" y="5529347"/>
-            <a:ext cx="285941" cy="250928"/>
-          </a:xfrm>
-          <a:custGeom>
-            <a:avLst/>
-            <a:gdLst>
-              <a:gd name="T0" fmla="*/ 378 w 430"/>
-              <a:gd name="T1" fmla="*/ 22 h 379"/>
-              <a:gd name="T2" fmla="*/ 346 w 430"/>
-              <a:gd name="T3" fmla="*/ 0 h 379"/>
-              <a:gd name="T4" fmla="*/ 82 w 430"/>
-              <a:gd name="T5" fmla="*/ 0 h 379"/>
-              <a:gd name="T6" fmla="*/ 50 w 430"/>
-              <a:gd name="T7" fmla="*/ 22 h 379"/>
-              <a:gd name="T8" fmla="*/ 0 w 430"/>
-              <a:gd name="T9" fmla="*/ 164 h 379"/>
-              <a:gd name="T10" fmla="*/ 0 w 430"/>
-              <a:gd name="T11" fmla="*/ 355 h 379"/>
-              <a:gd name="T12" fmla="*/ 23 w 430"/>
-              <a:gd name="T13" fmla="*/ 378 h 379"/>
-              <a:gd name="T14" fmla="*/ 46 w 430"/>
-              <a:gd name="T15" fmla="*/ 378 h 379"/>
-              <a:gd name="T16" fmla="*/ 69 w 430"/>
-              <a:gd name="T17" fmla="*/ 355 h 379"/>
-              <a:gd name="T18" fmla="*/ 69 w 430"/>
-              <a:gd name="T19" fmla="*/ 332 h 379"/>
-              <a:gd name="T20" fmla="*/ 356 w 430"/>
-              <a:gd name="T21" fmla="*/ 332 h 379"/>
-              <a:gd name="T22" fmla="*/ 356 w 430"/>
-              <a:gd name="T23" fmla="*/ 355 h 379"/>
-              <a:gd name="T24" fmla="*/ 378 w 430"/>
-              <a:gd name="T25" fmla="*/ 378 h 379"/>
-              <a:gd name="T26" fmla="*/ 406 w 430"/>
-              <a:gd name="T27" fmla="*/ 378 h 379"/>
-              <a:gd name="T28" fmla="*/ 429 w 430"/>
-              <a:gd name="T29" fmla="*/ 355 h 379"/>
-              <a:gd name="T30" fmla="*/ 429 w 430"/>
-              <a:gd name="T31" fmla="*/ 164 h 379"/>
-              <a:gd name="T32" fmla="*/ 378 w 430"/>
-              <a:gd name="T33" fmla="*/ 22 h 379"/>
-              <a:gd name="T34" fmla="*/ 82 w 430"/>
-              <a:gd name="T35" fmla="*/ 259 h 379"/>
-              <a:gd name="T36" fmla="*/ 46 w 430"/>
-              <a:gd name="T37" fmla="*/ 223 h 379"/>
-              <a:gd name="T38" fmla="*/ 82 w 430"/>
-              <a:gd name="T39" fmla="*/ 186 h 379"/>
-              <a:gd name="T40" fmla="*/ 119 w 430"/>
-              <a:gd name="T41" fmla="*/ 223 h 379"/>
-              <a:gd name="T42" fmla="*/ 82 w 430"/>
-              <a:gd name="T43" fmla="*/ 259 h 379"/>
-              <a:gd name="T44" fmla="*/ 346 w 430"/>
-              <a:gd name="T45" fmla="*/ 259 h 379"/>
-              <a:gd name="T46" fmla="*/ 310 w 430"/>
-              <a:gd name="T47" fmla="*/ 223 h 379"/>
-              <a:gd name="T48" fmla="*/ 346 w 430"/>
-              <a:gd name="T49" fmla="*/ 186 h 379"/>
-              <a:gd name="T50" fmla="*/ 378 w 430"/>
-              <a:gd name="T51" fmla="*/ 223 h 379"/>
-              <a:gd name="T52" fmla="*/ 346 w 430"/>
-              <a:gd name="T53" fmla="*/ 259 h 379"/>
-              <a:gd name="T54" fmla="*/ 46 w 430"/>
-              <a:gd name="T55" fmla="*/ 141 h 379"/>
-              <a:gd name="T56" fmla="*/ 82 w 430"/>
-              <a:gd name="T57" fmla="*/ 31 h 379"/>
-              <a:gd name="T58" fmla="*/ 346 w 430"/>
-              <a:gd name="T59" fmla="*/ 31 h 379"/>
-              <a:gd name="T60" fmla="*/ 378 w 430"/>
-              <a:gd name="T61" fmla="*/ 141 h 379"/>
-              <a:gd name="T62" fmla="*/ 46 w 430"/>
-              <a:gd name="T63" fmla="*/ 141 h 379"/>
-            </a:gdLst>
-            <a:ahLst/>
-            <a:cxnLst>
-              <a:cxn ang="0">
-                <a:pos x="T0" y="T1"/>
-              </a:cxn>
-              <a:cxn ang="0">
-                <a:pos x="T2" y="T3"/>
-              </a:cxn>
-              <a:cxn ang="0">
-                <a:pos x="T4" y="T5"/>
-              </a:cxn>
-              <a:cxn ang="0">
-                <a:pos x="T6" y="T7"/>
-              </a:cxn>
-              <a:cxn ang="0">
-                <a:pos x="T8" y="T9"/>
-              </a:cxn>
-              <a:cxn ang="0">
-                <a:pos x="T10" y="T11"/>
-              </a:cxn>
-              <a:cxn ang="0">
-                <a:pos x="T12" y="T13"/>
-              </a:cxn>
-              <a:cxn ang="0">
-                <a:pos x="T14" y="T15"/>
-              </a:cxn>
-              <a:cxn ang="0">
-                <a:pos x="T16" y="T17"/>
-              </a:cxn>
-              <a:cxn ang="0">
-                <a:pos x="T18" y="T19"/>
-              </a:cxn>
-              <a:cxn ang="0">
-                <a:pos x="T20" y="T21"/>
-              </a:cxn>
-              <a:cxn ang="0">
-                <a:pos x="T22" y="T23"/>
-              </a:cxn>
-              <a:cxn ang="0">
-                <a:pos x="T24" y="T25"/>
-              </a:cxn>
-              <a:cxn ang="0">
-                <a:pos x="T26" y="T27"/>
-              </a:cxn>
-              <a:cxn ang="0">
-                <a:pos x="T28" y="T29"/>
-              </a:cxn>
-              <a:cxn ang="0">
-                <a:pos x="T30" y="T31"/>
-              </a:cxn>
-              <a:cxn ang="0">
-                <a:pos x="T32" y="T33"/>
-              </a:cxn>
-              <a:cxn ang="0">
-                <a:pos x="T34" y="T35"/>
-              </a:cxn>
-              <a:cxn ang="0">
-                <a:pos x="T36" y="T37"/>
-              </a:cxn>
-              <a:cxn ang="0">
-                <a:pos x="T38" y="T39"/>
-              </a:cxn>
-              <a:cxn ang="0">
-                <a:pos x="T40" y="T41"/>
-              </a:cxn>
-              <a:cxn ang="0">
-                <a:pos x="T42" y="T43"/>
-              </a:cxn>
-              <a:cxn ang="0">
-                <a:pos x="T44" y="T45"/>
-              </a:cxn>
-              <a:cxn ang="0">
-                <a:pos x="T46" y="T47"/>
-              </a:cxn>
-              <a:cxn ang="0">
-                <a:pos x="T48" y="T49"/>
-              </a:cxn>
-              <a:cxn ang="0">
-                <a:pos x="T50" y="T51"/>
-              </a:cxn>
-              <a:cxn ang="0">
-                <a:pos x="T52" y="T53"/>
-              </a:cxn>
-              <a:cxn ang="0">
-                <a:pos x="T54" y="T55"/>
-              </a:cxn>
-              <a:cxn ang="0">
-                <a:pos x="T56" y="T57"/>
-              </a:cxn>
-              <a:cxn ang="0">
-                <a:pos x="T58" y="T59"/>
-              </a:cxn>
-              <a:cxn ang="0">
-                <a:pos x="T60" y="T61"/>
-              </a:cxn>
-              <a:cxn ang="0">
-                <a:pos x="T62" y="T63"/>
-              </a:cxn>
-            </a:cxnLst>
-            <a:rect l="0" t="0" r="r" b="b"/>
-            <a:pathLst>
-              <a:path w="430" h="379">
-                <a:moveTo>
-                  <a:pt x="378" y="22"/>
-                </a:moveTo>
-                <a:cubicBezTo>
-                  <a:pt x="374" y="9"/>
-                  <a:pt x="360" y="0"/>
-                  <a:pt x="346" y="0"/>
-                </a:cubicBezTo>
-                <a:lnTo>
-                  <a:pt x="82" y="0"/>
-                </a:lnTo>
-                <a:cubicBezTo>
-                  <a:pt x="64" y="0"/>
-                  <a:pt x="55" y="9"/>
-                  <a:pt x="50" y="22"/>
-                </a:cubicBezTo>
-                <a:lnTo>
-                  <a:pt x="0" y="164"/>
-                </a:lnTo>
-                <a:lnTo>
-                  <a:pt x="0" y="355"/>
-                </a:lnTo>
-                <a:cubicBezTo>
-                  <a:pt x="0" y="369"/>
-                  <a:pt x="9" y="378"/>
-                  <a:pt x="23" y="378"/>
-                </a:cubicBezTo>
-                <a:lnTo>
-                  <a:pt x="46" y="378"/>
-                </a:lnTo>
-                <a:cubicBezTo>
-                  <a:pt x="59" y="378"/>
-                  <a:pt x="69" y="369"/>
-                  <a:pt x="69" y="355"/>
-                </a:cubicBezTo>
-                <a:lnTo>
-                  <a:pt x="69" y="332"/>
-                </a:lnTo>
-                <a:lnTo>
-                  <a:pt x="356" y="332"/>
-                </a:lnTo>
-                <a:lnTo>
-                  <a:pt x="356" y="355"/>
-                </a:lnTo>
-                <a:cubicBezTo>
-                  <a:pt x="356" y="369"/>
-                  <a:pt x="365" y="378"/>
-                  <a:pt x="378" y="378"/>
-                </a:cubicBezTo>
-                <a:lnTo>
-                  <a:pt x="406" y="378"/>
-                </a:lnTo>
-                <a:cubicBezTo>
-                  <a:pt x="419" y="378"/>
-                  <a:pt x="429" y="369"/>
-                  <a:pt x="429" y="355"/>
-                </a:cubicBezTo>
-                <a:lnTo>
-                  <a:pt x="429" y="164"/>
-                </a:lnTo>
-                <a:lnTo>
-                  <a:pt x="378" y="22"/>
-                </a:lnTo>
-                <a:close/>
-                <a:moveTo>
-                  <a:pt x="82" y="259"/>
-                </a:moveTo>
-                <a:cubicBezTo>
-                  <a:pt x="64" y="259"/>
-                  <a:pt x="46" y="241"/>
-                  <a:pt x="46" y="223"/>
-                </a:cubicBezTo>
-                <a:cubicBezTo>
-                  <a:pt x="46" y="205"/>
-                  <a:pt x="64" y="186"/>
-                  <a:pt x="82" y="186"/>
-                </a:cubicBezTo>
-                <a:cubicBezTo>
-                  <a:pt x="100" y="186"/>
-                  <a:pt x="119" y="205"/>
-                  <a:pt x="119" y="223"/>
-                </a:cubicBezTo>
-                <a:cubicBezTo>
-                  <a:pt x="119" y="241"/>
-                  <a:pt x="100" y="259"/>
-                  <a:pt x="82" y="259"/>
-                </a:cubicBezTo>
-                <a:close/>
-                <a:moveTo>
-                  <a:pt x="346" y="259"/>
-                </a:moveTo>
-                <a:cubicBezTo>
-                  <a:pt x="324" y="259"/>
-                  <a:pt x="310" y="241"/>
-                  <a:pt x="310" y="223"/>
-                </a:cubicBezTo>
-                <a:cubicBezTo>
-                  <a:pt x="310" y="205"/>
-                  <a:pt x="326" y="186"/>
-                  <a:pt x="346" y="186"/>
-                </a:cubicBezTo>
-                <a:cubicBezTo>
-                  <a:pt x="367" y="186"/>
-                  <a:pt x="378" y="205"/>
-                  <a:pt x="378" y="223"/>
-                </a:cubicBezTo>
-                <a:cubicBezTo>
-                  <a:pt x="378" y="241"/>
-                  <a:pt x="365" y="259"/>
-                  <a:pt x="346" y="259"/>
-                </a:cubicBezTo>
-                <a:close/>
-                <a:moveTo>
-                  <a:pt x="46" y="141"/>
-                </a:moveTo>
-                <a:lnTo>
-                  <a:pt x="82" y="31"/>
-                </a:lnTo>
-                <a:lnTo>
-                  <a:pt x="346" y="31"/>
-                </a:lnTo>
-                <a:lnTo>
-                  <a:pt x="378" y="141"/>
-                </a:lnTo>
-                <a:lnTo>
-                  <a:pt x="46" y="141"/>
-                </a:lnTo>
-                <a:close/>
-              </a:path>
-            </a:pathLst>
-          </a:custGeom>
-          <a:solidFill>
-            <a:schemeClr val="bg1"/>
-          </a:solidFill>
-          <a:ln>
-            <a:noFill/>
-          </a:ln>
-          <a:effectLst/>
-        </p:spPr>
-        <p:txBody>
-          <a:bodyPr wrap="none" anchor="ctr"/>
-          <a:lstStyle/>
-          <a:p>
-            <a:pPr marL="0" marR="0" lvl="0" indent="0" algn="l" defTabSz="914400" rtl="0" eaLnBrk="1" fontAlgn="auto" latinLnBrk="0" hangingPunct="1">
-              <a:lnSpc>
-                <a:spcPct val="100000"/>
-              </a:lnSpc>
-              <a:spcBef>
-                <a:spcPts val="0"/>
-              </a:spcBef>
-              <a:spcAft>
-                <a:spcPts val="0"/>
-              </a:spcAft>
-              <a:buClrTx/>
-              <a:buSzTx/>
-              <a:buFontTx/>
-              <a:buNone/>
-              <a:tabLst/>
-              <a:defRPr/>
-            </a:pPr>
-            <a:endParaRPr kumimoji="0" lang="en-US" sz="1800" b="0" i="0" u="none" strike="noStrike" kern="1200" cap="none" spc="0" normalizeH="0" baseline="0" noProof="0">
-              <a:ln>
-                <a:noFill/>
-              </a:ln>
-              <a:solidFill>
-                <a:srgbClr val="000000"/>
-              </a:solidFill>
-              <a:effectLst/>
-              <a:uLnTx/>
-              <a:uFillTx/>
-              <a:latin typeface="Calibri" panose="020F0502020204030204"/>
-              <a:ea typeface="+mn-ea"/>
-              <a:cs typeface="+mn-cs"/>
-            </a:endParaRPr>
-          </a:p>
-        </p:txBody>
-      </p:sp>
-      <p:sp>
-        <p:nvSpPr>
-          <p:cNvPr id="27" name="Freeform 35"/>
-          <p:cNvSpPr>
-            <a:spLocks noChangeArrowheads="1"/>
-          </p:cNvSpPr>
-          <p:nvPr/>
-        </p:nvSpPr>
-        <p:spPr bwMode="auto">
-          <a:xfrm>
-            <a:off x="5989499" y="5514283"/>
-            <a:ext cx="305304" cy="302821"/>
-          </a:xfrm>
-          <a:custGeom>
-            <a:avLst/>
-            <a:gdLst>
-              <a:gd name="T0" fmla="*/ 267 w 541"/>
-              <a:gd name="T1" fmla="*/ 0 h 540"/>
-              <a:gd name="T2" fmla="*/ 0 w 541"/>
-              <a:gd name="T3" fmla="*/ 272 h 540"/>
-              <a:gd name="T4" fmla="*/ 267 w 541"/>
-              <a:gd name="T5" fmla="*/ 539 h 540"/>
-              <a:gd name="T6" fmla="*/ 540 w 541"/>
-              <a:gd name="T7" fmla="*/ 272 h 540"/>
-              <a:gd name="T8" fmla="*/ 267 w 541"/>
-              <a:gd name="T9" fmla="*/ 0 h 540"/>
-              <a:gd name="T10" fmla="*/ 242 w 541"/>
-              <a:gd name="T11" fmla="*/ 483 h 540"/>
-              <a:gd name="T12" fmla="*/ 52 w 541"/>
-              <a:gd name="T13" fmla="*/ 272 h 540"/>
-              <a:gd name="T14" fmla="*/ 57 w 541"/>
-              <a:gd name="T15" fmla="*/ 221 h 540"/>
-              <a:gd name="T16" fmla="*/ 190 w 541"/>
-              <a:gd name="T17" fmla="*/ 349 h 540"/>
-              <a:gd name="T18" fmla="*/ 190 w 541"/>
-              <a:gd name="T19" fmla="*/ 375 h 540"/>
-              <a:gd name="T20" fmla="*/ 242 w 541"/>
-              <a:gd name="T21" fmla="*/ 431 h 540"/>
-              <a:gd name="T22" fmla="*/ 242 w 541"/>
-              <a:gd name="T23" fmla="*/ 483 h 540"/>
-              <a:gd name="T24" fmla="*/ 427 w 541"/>
-              <a:gd name="T25" fmla="*/ 416 h 540"/>
-              <a:gd name="T26" fmla="*/ 375 w 541"/>
-              <a:gd name="T27" fmla="*/ 375 h 540"/>
-              <a:gd name="T28" fmla="*/ 350 w 541"/>
-              <a:gd name="T29" fmla="*/ 375 h 540"/>
-              <a:gd name="T30" fmla="*/ 350 w 541"/>
-              <a:gd name="T31" fmla="*/ 298 h 540"/>
-              <a:gd name="T32" fmla="*/ 324 w 541"/>
-              <a:gd name="T33" fmla="*/ 272 h 540"/>
-              <a:gd name="T34" fmla="*/ 160 w 541"/>
-              <a:gd name="T35" fmla="*/ 272 h 540"/>
-              <a:gd name="T36" fmla="*/ 160 w 541"/>
-              <a:gd name="T37" fmla="*/ 215 h 540"/>
-              <a:gd name="T38" fmla="*/ 216 w 541"/>
-              <a:gd name="T39" fmla="*/ 215 h 540"/>
-              <a:gd name="T40" fmla="*/ 242 w 541"/>
-              <a:gd name="T41" fmla="*/ 190 h 540"/>
-              <a:gd name="T42" fmla="*/ 242 w 541"/>
-              <a:gd name="T43" fmla="*/ 133 h 540"/>
-              <a:gd name="T44" fmla="*/ 293 w 541"/>
-              <a:gd name="T45" fmla="*/ 133 h 540"/>
-              <a:gd name="T46" fmla="*/ 350 w 541"/>
-              <a:gd name="T47" fmla="*/ 82 h 540"/>
-              <a:gd name="T48" fmla="*/ 350 w 541"/>
-              <a:gd name="T49" fmla="*/ 72 h 540"/>
-              <a:gd name="T50" fmla="*/ 483 w 541"/>
-              <a:gd name="T51" fmla="*/ 272 h 540"/>
-              <a:gd name="T52" fmla="*/ 427 w 541"/>
-              <a:gd name="T53" fmla="*/ 416 h 540"/>
-            </a:gdLst>
-            <a:ahLst/>
-            <a:cxnLst>
-              <a:cxn ang="0">
-                <a:pos x="T0" y="T1"/>
-              </a:cxn>
-              <a:cxn ang="0">
-                <a:pos x="T2" y="T3"/>
-              </a:cxn>
-              <a:cxn ang="0">
-                <a:pos x="T4" y="T5"/>
-              </a:cxn>
-              <a:cxn ang="0">
-                <a:pos x="T6" y="T7"/>
-              </a:cxn>
-              <a:cxn ang="0">
-                <a:pos x="T8" y="T9"/>
-              </a:cxn>
-              <a:cxn ang="0">
-                <a:pos x="T10" y="T11"/>
-              </a:cxn>
-              <a:cxn ang="0">
-                <a:pos x="T12" y="T13"/>
-              </a:cxn>
-              <a:cxn ang="0">
-                <a:pos x="T14" y="T15"/>
-              </a:cxn>
-              <a:cxn ang="0">
-                <a:pos x="T16" y="T17"/>
-              </a:cxn>
-              <a:cxn ang="0">
-                <a:pos x="T18" y="T19"/>
-              </a:cxn>
-              <a:cxn ang="0">
-                <a:pos x="T20" y="T21"/>
-              </a:cxn>
-              <a:cxn ang="0">
-                <a:pos x="T22" y="T23"/>
-              </a:cxn>
-              <a:cxn ang="0">
-                <a:pos x="T24" y="T25"/>
-              </a:cxn>
-              <a:cxn ang="0">
-                <a:pos x="T26" y="T27"/>
-              </a:cxn>
-              <a:cxn ang="0">
-                <a:pos x="T28" y="T29"/>
-              </a:cxn>
-              <a:cxn ang="0">
-                <a:pos x="T30" y="T31"/>
-              </a:cxn>
-              <a:cxn ang="0">
-                <a:pos x="T32" y="T33"/>
-              </a:cxn>
-              <a:cxn ang="0">
-                <a:pos x="T34" y="T35"/>
-              </a:cxn>
-              <a:cxn ang="0">
-                <a:pos x="T36" y="T37"/>
-              </a:cxn>
-              <a:cxn ang="0">
-                <a:pos x="T38" y="T39"/>
-              </a:cxn>
-              <a:cxn ang="0">
-                <a:pos x="T40" y="T41"/>
-              </a:cxn>
-              <a:cxn ang="0">
-                <a:pos x="T42" y="T43"/>
-              </a:cxn>
-              <a:cxn ang="0">
-                <a:pos x="T44" y="T45"/>
-              </a:cxn>
-              <a:cxn ang="0">
-                <a:pos x="T46" y="T47"/>
-              </a:cxn>
-              <a:cxn ang="0">
-                <a:pos x="T48" y="T49"/>
-              </a:cxn>
-              <a:cxn ang="0">
-                <a:pos x="T50" y="T51"/>
-              </a:cxn>
-              <a:cxn ang="0">
-                <a:pos x="T52" y="T53"/>
-              </a:cxn>
-            </a:cxnLst>
-            <a:rect l="0" t="0" r="r" b="b"/>
-            <a:pathLst>
-              <a:path w="541" h="540">
-                <a:moveTo>
-                  <a:pt x="267" y="0"/>
-                </a:moveTo>
-                <a:cubicBezTo>
-                  <a:pt x="118" y="0"/>
-                  <a:pt x="0" y="126"/>
-                  <a:pt x="0" y="272"/>
-                </a:cubicBezTo>
-                <a:cubicBezTo>
-                  <a:pt x="0" y="418"/>
-                  <a:pt x="118" y="539"/>
-                  <a:pt x="267" y="539"/>
-                </a:cubicBezTo>
-                <a:cubicBezTo>
-                  <a:pt x="417" y="539"/>
-                  <a:pt x="540" y="418"/>
-                  <a:pt x="540" y="272"/>
-                </a:cubicBezTo>
-                <a:cubicBezTo>
-                  <a:pt x="540" y="126"/>
-                  <a:pt x="417" y="0"/>
-                  <a:pt x="267" y="0"/>
-                </a:cubicBezTo>
-                <a:close/>
-                <a:moveTo>
-                  <a:pt x="242" y="483"/>
-                </a:moveTo>
-                <a:cubicBezTo>
-                  <a:pt x="139" y="467"/>
-                  <a:pt x="52" y="375"/>
-                  <a:pt x="52" y="272"/>
-                </a:cubicBezTo>
-                <a:cubicBezTo>
-                  <a:pt x="52" y="251"/>
-                  <a:pt x="57" y="236"/>
-                  <a:pt x="57" y="221"/>
-                </a:cubicBezTo>
-                <a:lnTo>
-                  <a:pt x="190" y="349"/>
-                </a:lnTo>
-                <a:lnTo>
-                  <a:pt x="190" y="375"/>
-                </a:lnTo>
-                <a:cubicBezTo>
-                  <a:pt x="190" y="406"/>
-                  <a:pt x="211" y="431"/>
-                  <a:pt x="242" y="431"/>
-                </a:cubicBezTo>
-                <a:lnTo>
-                  <a:pt x="242" y="483"/>
-                </a:lnTo>
-                <a:close/>
-                <a:moveTo>
-                  <a:pt x="427" y="416"/>
-                </a:moveTo>
-                <a:cubicBezTo>
-                  <a:pt x="422" y="395"/>
-                  <a:pt x="401" y="375"/>
-                  <a:pt x="375" y="375"/>
-                </a:cubicBezTo>
-                <a:lnTo>
-                  <a:pt x="350" y="375"/>
-                </a:lnTo>
-                <a:lnTo>
-                  <a:pt x="350" y="298"/>
-                </a:lnTo>
-                <a:cubicBezTo>
-                  <a:pt x="350" y="282"/>
-                  <a:pt x="339" y="272"/>
-                  <a:pt x="324" y="272"/>
-                </a:cubicBezTo>
-                <a:lnTo>
-                  <a:pt x="160" y="272"/>
-                </a:lnTo>
-                <a:lnTo>
-                  <a:pt x="160" y="215"/>
-                </a:lnTo>
-                <a:lnTo>
-                  <a:pt x="216" y="215"/>
-                </a:lnTo>
-                <a:cubicBezTo>
-                  <a:pt x="232" y="215"/>
-                  <a:pt x="242" y="205"/>
-                  <a:pt x="242" y="190"/>
-                </a:cubicBezTo>
-                <a:lnTo>
-                  <a:pt x="242" y="133"/>
-                </a:lnTo>
-                <a:lnTo>
-                  <a:pt x="293" y="133"/>
-                </a:lnTo>
-                <a:cubicBezTo>
-                  <a:pt x="324" y="133"/>
-                  <a:pt x="350" y="113"/>
-                  <a:pt x="350" y="82"/>
-                </a:cubicBezTo>
-                <a:lnTo>
-                  <a:pt x="350" y="72"/>
-                </a:lnTo>
-                <a:cubicBezTo>
-                  <a:pt x="427" y="102"/>
-                  <a:pt x="483" y="179"/>
-                  <a:pt x="483" y="272"/>
-                </a:cubicBezTo>
-                <a:cubicBezTo>
-                  <a:pt x="483" y="329"/>
-                  <a:pt x="463" y="375"/>
-                  <a:pt x="427" y="416"/>
-                </a:cubicBezTo>
-                <a:close/>
-              </a:path>
-            </a:pathLst>
-          </a:custGeom>
-          <a:solidFill>
-            <a:schemeClr val="bg1"/>
-          </a:solidFill>
-          <a:ln>
-            <a:noFill/>
-          </a:ln>
-          <a:effectLst/>
-        </p:spPr>
-        <p:txBody>
-          <a:bodyPr wrap="none" anchor="ctr"/>
-          <a:lstStyle/>
-          <a:p>
-            <a:pPr marL="0" marR="0" lvl="0" indent="0" algn="l" defTabSz="914400" rtl="0" eaLnBrk="1" fontAlgn="auto" latinLnBrk="0" hangingPunct="1">
-              <a:lnSpc>
-                <a:spcPct val="100000"/>
-              </a:lnSpc>
-              <a:spcBef>
-                <a:spcPts val="0"/>
-              </a:spcBef>
-              <a:spcAft>
-                <a:spcPts val="0"/>
-              </a:spcAft>
-              <a:buClrTx/>
-              <a:buSzTx/>
-              <a:buFontTx/>
-              <a:buNone/>
-              <a:tabLst/>
-              <a:defRPr/>
-            </a:pPr>
-            <a:endParaRPr kumimoji="0" lang="en-US" sz="1800" b="0" i="0" u="none" strike="noStrike" kern="1200" cap="none" spc="0" normalizeH="0" baseline="0" noProof="0">
-              <a:ln>
-                <a:noFill/>
-              </a:ln>
-              <a:solidFill>
-                <a:srgbClr val="000000"/>
-              </a:solidFill>
-              <a:effectLst/>
-              <a:uLnTx/>
-              <a:uFillTx/>
-              <a:latin typeface="Calibri" panose="020F0502020204030204"/>
-              <a:ea typeface="+mn-ea"/>
-              <a:cs typeface="+mn-cs"/>
-            </a:endParaRPr>
-          </a:p>
-        </p:txBody>
-      </p:sp>
-      <p:sp>
-        <p:nvSpPr>
-          <p:cNvPr id="28" name="Freeform 36"/>
-          <p:cNvSpPr>
-            <a:spLocks noChangeArrowheads="1"/>
-          </p:cNvSpPr>
-          <p:nvPr/>
-        </p:nvSpPr>
-        <p:spPr bwMode="auto">
-          <a:xfrm>
-            <a:off x="9688563" y="5527933"/>
-            <a:ext cx="332607" cy="275519"/>
-          </a:xfrm>
-          <a:custGeom>
-            <a:avLst/>
-            <a:gdLst>
-              <a:gd name="T0" fmla="*/ 108 w 592"/>
-              <a:gd name="T1" fmla="*/ 278 h 490"/>
-              <a:gd name="T2" fmla="*/ 108 w 592"/>
-              <a:gd name="T3" fmla="*/ 386 h 490"/>
-              <a:gd name="T4" fmla="*/ 293 w 592"/>
-              <a:gd name="T5" fmla="*/ 489 h 490"/>
-              <a:gd name="T6" fmla="*/ 483 w 592"/>
-              <a:gd name="T7" fmla="*/ 386 h 490"/>
-              <a:gd name="T8" fmla="*/ 483 w 592"/>
-              <a:gd name="T9" fmla="*/ 278 h 490"/>
-              <a:gd name="T10" fmla="*/ 293 w 592"/>
-              <a:gd name="T11" fmla="*/ 381 h 490"/>
-              <a:gd name="T12" fmla="*/ 108 w 592"/>
-              <a:gd name="T13" fmla="*/ 278 h 490"/>
-              <a:gd name="T14" fmla="*/ 293 w 592"/>
-              <a:gd name="T15" fmla="*/ 0 h 490"/>
-              <a:gd name="T16" fmla="*/ 0 w 592"/>
-              <a:gd name="T17" fmla="*/ 165 h 490"/>
-              <a:gd name="T18" fmla="*/ 293 w 592"/>
-              <a:gd name="T19" fmla="*/ 324 h 490"/>
-              <a:gd name="T20" fmla="*/ 535 w 592"/>
-              <a:gd name="T21" fmla="*/ 196 h 490"/>
-              <a:gd name="T22" fmla="*/ 535 w 592"/>
-              <a:gd name="T23" fmla="*/ 381 h 490"/>
-              <a:gd name="T24" fmla="*/ 591 w 592"/>
-              <a:gd name="T25" fmla="*/ 381 h 490"/>
-              <a:gd name="T26" fmla="*/ 591 w 592"/>
-              <a:gd name="T27" fmla="*/ 165 h 490"/>
-              <a:gd name="T28" fmla="*/ 293 w 592"/>
-              <a:gd name="T29" fmla="*/ 0 h 490"/>
-            </a:gdLst>
-            <a:ahLst/>
-            <a:cxnLst>
-              <a:cxn ang="0">
-                <a:pos x="T0" y="T1"/>
-              </a:cxn>
-              <a:cxn ang="0">
-                <a:pos x="T2" y="T3"/>
-              </a:cxn>
-              <a:cxn ang="0">
-                <a:pos x="T4" y="T5"/>
-              </a:cxn>
-              <a:cxn ang="0">
-                <a:pos x="T6" y="T7"/>
-              </a:cxn>
-              <a:cxn ang="0">
-                <a:pos x="T8" y="T9"/>
-              </a:cxn>
-              <a:cxn ang="0">
-                <a:pos x="T10" y="T11"/>
-              </a:cxn>
-              <a:cxn ang="0">
-                <a:pos x="T12" y="T13"/>
-              </a:cxn>
-              <a:cxn ang="0">
-                <a:pos x="T14" y="T15"/>
-              </a:cxn>
-              <a:cxn ang="0">
-                <a:pos x="T16" y="T17"/>
-              </a:cxn>
-              <a:cxn ang="0">
-                <a:pos x="T18" y="T19"/>
-              </a:cxn>
-              <a:cxn ang="0">
-                <a:pos x="T20" y="T21"/>
-              </a:cxn>
-              <a:cxn ang="0">
-                <a:pos x="T22" y="T23"/>
-              </a:cxn>
-              <a:cxn ang="0">
-                <a:pos x="T24" y="T25"/>
-              </a:cxn>
-              <a:cxn ang="0">
-                <a:pos x="T26" y="T27"/>
-              </a:cxn>
-              <a:cxn ang="0">
-                <a:pos x="T28" y="T29"/>
-              </a:cxn>
-            </a:cxnLst>
-            <a:rect l="0" t="0" r="r" b="b"/>
-            <a:pathLst>
-              <a:path w="592" h="490">
-                <a:moveTo>
-                  <a:pt x="108" y="278"/>
-                </a:moveTo>
-                <a:lnTo>
-                  <a:pt x="108" y="386"/>
-                </a:lnTo>
-                <a:lnTo>
-                  <a:pt x="293" y="489"/>
-                </a:lnTo>
-                <a:lnTo>
-                  <a:pt x="483" y="386"/>
-                </a:lnTo>
-                <a:lnTo>
-                  <a:pt x="483" y="278"/>
-                </a:lnTo>
-                <a:lnTo>
-                  <a:pt x="293" y="381"/>
-                </a:lnTo>
-                <a:lnTo>
-                  <a:pt x="108" y="278"/>
-                </a:lnTo>
-                <a:close/>
-                <a:moveTo>
-                  <a:pt x="293" y="0"/>
-                </a:moveTo>
-                <a:lnTo>
-                  <a:pt x="0" y="165"/>
-                </a:lnTo>
-                <a:lnTo>
-                  <a:pt x="293" y="324"/>
-                </a:lnTo>
-                <a:lnTo>
-                  <a:pt x="535" y="196"/>
-                </a:lnTo>
-                <a:lnTo>
-                  <a:pt x="535" y="381"/>
-                </a:lnTo>
-                <a:lnTo>
-                  <a:pt x="591" y="381"/>
-                </a:lnTo>
-                <a:lnTo>
-                  <a:pt x="591" y="165"/>
-                </a:lnTo>
-                <a:lnTo>
-                  <a:pt x="293" y="0"/>
-                </a:lnTo>
-                <a:close/>
-              </a:path>
-            </a:pathLst>
-          </a:custGeom>
-          <a:solidFill>
-            <a:schemeClr val="bg1"/>
-          </a:solidFill>
-          <a:ln>
-            <a:noFill/>
-          </a:ln>
-          <a:effectLst/>
-        </p:spPr>
-        <p:txBody>
-          <a:bodyPr wrap="none" anchor="ctr"/>
-          <a:lstStyle/>
-          <a:p>
-            <a:pPr marL="0" marR="0" lvl="0" indent="0" algn="l" defTabSz="914400" rtl="0" eaLnBrk="1" fontAlgn="auto" latinLnBrk="0" hangingPunct="1">
-              <a:lnSpc>
-                <a:spcPct val="100000"/>
-              </a:lnSpc>
-              <a:spcBef>
-                <a:spcPts val="0"/>
-              </a:spcBef>
-              <a:spcAft>
-                <a:spcPts val="0"/>
-              </a:spcAft>
-              <a:buClrTx/>
-              <a:buSzTx/>
-              <a:buFontTx/>
-              <a:buNone/>
-              <a:tabLst/>
-              <a:defRPr/>
-            </a:pPr>
-            <a:endParaRPr kumimoji="0" lang="en-US" sz="1800" b="0" i="0" u="none" strike="noStrike" kern="1200" cap="none" spc="0" normalizeH="0" baseline="0" noProof="0">
-              <a:ln>
-                <a:noFill/>
-              </a:ln>
-              <a:solidFill>
-                <a:srgbClr val="000000"/>
-              </a:solidFill>
-              <a:effectLst/>
-              <a:uLnTx/>
-              <a:uFillTx/>
-              <a:latin typeface="Calibri" panose="020F0502020204030204"/>
-              <a:ea typeface="+mn-ea"/>
-              <a:cs typeface="+mn-cs"/>
-            </a:endParaRPr>
-          </a:p>
-        </p:txBody>
-      </p:sp>
-      <p:sp>
-        <p:nvSpPr>
           <p:cNvPr id="6" name="Rectangle 5"/>
           <p:cNvSpPr/>
           <p:nvPr/>
@@ -18734,7 +18122,7 @@
         <p:spPr>
           <a:xfrm>
             <a:off x="777951" y="3367880"/>
-            <a:ext cx="3076874" cy="1421928"/>
+            <a:ext cx="3076874" cy="1723805"/>
           </a:xfrm>
           <a:prstGeom prst="rect">
             <a:avLst/>
@@ -18764,142 +18152,19 @@
               <a:defRPr/>
             </a:pPr>
             <a:r>
-              <a:rPr kumimoji="0" lang="en-US" sz="1800" b="0" i="0" u="none" strike="noStrike" kern="1200" cap="none" spc="0" normalizeH="0" baseline="0" noProof="0" dirty="0" err="1">
-                <a:ln>
-                  <a:noFill/>
-                </a:ln>
+              <a:rPr lang="fr-CH" dirty="0">
                 <a:solidFill>
                   <a:srgbClr val="FFFFFF">
                     <a:lumMod val="65000"/>
                   </a:srgbClr>
                 </a:solidFill>
-                <a:effectLst/>
-                <a:uLnTx/>
-                <a:uFillTx/>
                 <a:latin typeface="Roboto Light" charset="0"/>
                 <a:ea typeface="Roboto Light" charset="0"/>
                 <a:cs typeface="Roboto Light" charset="0"/>
               </a:rPr>
-              <a:t>Liquorice</a:t>
-            </a:r>
-            <a:r>
-              <a:rPr kumimoji="0" lang="en-US" sz="1800" b="0" i="0" u="none" strike="noStrike" kern="1200" cap="none" spc="0" normalizeH="0" baseline="0" noProof="0" dirty="0">
-                <a:ln>
-                  <a:noFill/>
-                </a:ln>
-                <a:solidFill>
-                  <a:srgbClr val="FFFFFF">
-                    <a:lumMod val="65000"/>
-                  </a:srgbClr>
-                </a:solidFill>
-                <a:effectLst/>
-                <a:uLnTx/>
-                <a:uFillTx/>
-                <a:latin typeface="Roboto Light" charset="0"/>
-                <a:ea typeface="Roboto Light" charset="0"/>
-                <a:cs typeface="Roboto Light" charset="0"/>
-              </a:rPr>
-              <a:t> marshmallow sugar plum powder. Oat cake </a:t>
-            </a:r>
-            <a:r>
-              <a:rPr kumimoji="0" lang="en-US" sz="1800" b="0" i="0" u="none" strike="noStrike" kern="1200" cap="none" spc="0" normalizeH="0" baseline="0" noProof="0" dirty="0" err="1">
-                <a:ln>
-                  <a:noFill/>
-                </a:ln>
-                <a:solidFill>
-                  <a:srgbClr val="FFFFFF">
-                    <a:lumMod val="65000"/>
-                  </a:srgbClr>
-                </a:solidFill>
-                <a:effectLst/>
-                <a:uLnTx/>
-                <a:uFillTx/>
-                <a:latin typeface="Roboto Light" charset="0"/>
-                <a:ea typeface="Roboto Light" charset="0"/>
-                <a:cs typeface="Roboto Light" charset="0"/>
-              </a:rPr>
-              <a:t>danish</a:t>
-            </a:r>
-            <a:r>
-              <a:rPr kumimoji="0" lang="en-US" sz="1800" b="0" i="0" u="none" strike="noStrike" kern="1200" cap="none" spc="0" normalizeH="0" baseline="0" noProof="0" dirty="0">
-                <a:ln>
-                  <a:noFill/>
-                </a:ln>
-                <a:solidFill>
-                  <a:srgbClr val="FFFFFF">
-                    <a:lumMod val="65000"/>
-                  </a:srgbClr>
-                </a:solidFill>
-                <a:effectLst/>
-                <a:uLnTx/>
-                <a:uFillTx/>
-                <a:latin typeface="Roboto Light" charset="0"/>
-                <a:ea typeface="Roboto Light" charset="0"/>
-                <a:cs typeface="Roboto Light" charset="0"/>
-              </a:rPr>
-              <a:t> tiramisu candy </a:t>
-            </a:r>
-            <a:r>
-              <a:rPr kumimoji="0" lang="en-US" sz="1800" b="0" i="0" u="none" strike="noStrike" kern="1200" cap="none" spc="0" normalizeH="0" baseline="0" noProof="0" dirty="0" err="1">
-                <a:ln>
-                  <a:noFill/>
-                </a:ln>
-                <a:solidFill>
-                  <a:srgbClr val="FFFFFF">
-                    <a:lumMod val="65000"/>
-                  </a:srgbClr>
-                </a:solidFill>
-                <a:effectLst/>
-                <a:uLnTx/>
-                <a:uFillTx/>
-                <a:latin typeface="Roboto Light" charset="0"/>
-                <a:ea typeface="Roboto Light" charset="0"/>
-                <a:cs typeface="Roboto Light" charset="0"/>
-              </a:rPr>
-              <a:t>gummi</a:t>
-            </a:r>
-            <a:r>
-              <a:rPr kumimoji="0" lang="en-US" sz="1800" b="0" i="0" u="none" strike="noStrike" kern="1200" cap="none" spc="0" normalizeH="0" baseline="0" noProof="0" dirty="0">
-                <a:ln>
-                  <a:noFill/>
-                </a:ln>
-                <a:solidFill>
-                  <a:srgbClr val="FFFFFF">
-                    <a:lumMod val="65000"/>
-                  </a:srgbClr>
-                </a:solidFill>
-                <a:effectLst/>
-                <a:uLnTx/>
-                <a:uFillTx/>
-                <a:latin typeface="Roboto Light" charset="0"/>
-                <a:ea typeface="Roboto Light" charset="0"/>
-                <a:cs typeface="Roboto Light" charset="0"/>
-              </a:rPr>
-              <a:t> bears</a:t>
-            </a:r>
-          </a:p>
-        </p:txBody>
-      </p:sp>
-      <p:sp>
-        <p:nvSpPr>
-          <p:cNvPr id="29" name="Rectangle 28"/>
-          <p:cNvSpPr/>
-          <p:nvPr/>
-        </p:nvSpPr>
-        <p:spPr>
-          <a:xfrm>
-            <a:off x="777951" y="2619786"/>
-            <a:ext cx="3076874" cy="609398"/>
-          </a:xfrm>
-          <a:prstGeom prst="rect">
-            <a:avLst/>
-          </a:prstGeom>
-        </p:spPr>
-        <p:txBody>
-          <a:bodyPr wrap="square">
-            <a:spAutoFit/>
-          </a:bodyPr>
-          <a:lstStyle/>
+              <a:t>Conception </a:t>
+            </a:r>
+          </a:p>
           <a:p>
             <a:pPr marL="0" marR="0" lvl="0" indent="0" algn="ctr" defTabSz="914400" rtl="0" eaLnBrk="1" fontAlgn="auto" latinLnBrk="0" hangingPunct="1">
               <a:lnSpc>
@@ -18919,12 +18184,14 @@
               <a:defRPr/>
             </a:pPr>
             <a:r>
-              <a:rPr kumimoji="0" lang="en-US" sz="2800" b="0" i="0" u="none" strike="noStrike" kern="1200" cap="none" spc="0" normalizeH="0" baseline="0" noProof="0" dirty="0">
+              <a:rPr kumimoji="0" lang="fr-CH" sz="1800" b="0" i="0" u="none" strike="noStrike" kern="1200" cap="none" spc="0" normalizeH="0" baseline="0" noProof="0" dirty="0">
                 <a:ln>
                   <a:noFill/>
                 </a:ln>
                 <a:solidFill>
-                  <a:srgbClr val="000000"/>
+                  <a:srgbClr val="FFFFFF">
+                    <a:lumMod val="65000"/>
+                  </a:srgbClr>
                 </a:solidFill>
                 <a:effectLst/>
                 <a:uLnTx/>
@@ -18933,45 +18200,9 @@
                 <a:ea typeface="Roboto Light" charset="0"/>
                 <a:cs typeface="Roboto Light" charset="0"/>
               </a:rPr>
-              <a:t>Mobility</a:t>
-            </a:r>
-            <a:endParaRPr kumimoji="0" lang="en-US" sz="2400" b="0" i="0" u="none" strike="noStrike" kern="1200" cap="none" spc="0" normalizeH="0" baseline="0" noProof="0" dirty="0">
-              <a:ln>
-                <a:noFill/>
-              </a:ln>
-              <a:solidFill>
-                <a:srgbClr val="000000"/>
-              </a:solidFill>
-              <a:effectLst/>
-              <a:uLnTx/>
-              <a:uFillTx/>
-              <a:latin typeface="Roboto Light" charset="0"/>
-              <a:ea typeface="Roboto Light" charset="0"/>
-              <a:cs typeface="Roboto Light" charset="0"/>
-            </a:endParaRPr>
-          </a:p>
-        </p:txBody>
-      </p:sp>
-      <p:sp>
-        <p:nvSpPr>
-          <p:cNvPr id="30" name="Rectangle 29"/>
-          <p:cNvSpPr/>
-          <p:nvPr/>
-        </p:nvSpPr>
-        <p:spPr>
-          <a:xfrm>
-            <a:off x="4547190" y="3367880"/>
-            <a:ext cx="3076874" cy="1421928"/>
-          </a:xfrm>
-          <a:prstGeom prst="rect">
-            <a:avLst/>
-          </a:prstGeom>
-        </p:spPr>
-        <p:txBody>
-          <a:bodyPr wrap="square">
-            <a:spAutoFit/>
-          </a:bodyPr>
-          <a:lstStyle/>
+              <a:t>Ressources consommées</a:t>
+            </a:r>
+          </a:p>
           <a:p>
             <a:pPr marL="0" marR="0" lvl="0" indent="0" algn="ctr" defTabSz="914400" rtl="0" eaLnBrk="1" fontAlgn="auto" latinLnBrk="0" hangingPunct="1">
               <a:lnSpc>
@@ -18991,7 +18222,7 @@
               <a:defRPr/>
             </a:pPr>
             <a:r>
-              <a:rPr kumimoji="0" lang="en-US" sz="1800" b="0" i="0" u="none" strike="noStrike" kern="1200" cap="none" spc="0" normalizeH="0" baseline="0" noProof="0" dirty="0" err="1">
+              <a:rPr kumimoji="0" lang="fr-FR" sz="1800" b="0" i="0" u="none" strike="noStrike" kern="1200" cap="none" spc="0" normalizeH="0" baseline="0" noProof="0" dirty="0">
                 <a:ln>
                   <a:noFill/>
                 </a:ln>
@@ -19007,126 +18238,9 @@
                 <a:ea typeface="Roboto Light" charset="0"/>
                 <a:cs typeface="Roboto Light" charset="0"/>
               </a:rPr>
-              <a:t>Liquorice</a:t>
-            </a:r>
-            <a:r>
-              <a:rPr kumimoji="0" lang="en-US" sz="1800" b="0" i="0" u="none" strike="noStrike" kern="1200" cap="none" spc="0" normalizeH="0" baseline="0" noProof="0" dirty="0">
-                <a:ln>
-                  <a:noFill/>
-                </a:ln>
-                <a:solidFill>
-                  <a:srgbClr val="FFFFFF">
-                    <a:lumMod val="65000"/>
-                  </a:srgbClr>
-                </a:solidFill>
-                <a:effectLst/>
-                <a:uLnTx/>
-                <a:uFillTx/>
-                <a:latin typeface="Roboto Light" charset="0"/>
-                <a:ea typeface="Roboto Light" charset="0"/>
-                <a:cs typeface="Roboto Light" charset="0"/>
-              </a:rPr>
-              <a:t> marshmallow sugar plum powder. Oat cake </a:t>
-            </a:r>
-            <a:r>
-              <a:rPr kumimoji="0" lang="en-US" sz="1800" b="0" i="0" u="none" strike="noStrike" kern="1200" cap="none" spc="0" normalizeH="0" baseline="0" noProof="0" dirty="0" err="1">
-                <a:ln>
-                  <a:noFill/>
-                </a:ln>
-                <a:solidFill>
-                  <a:srgbClr val="FFFFFF">
-                    <a:lumMod val="65000"/>
-                  </a:srgbClr>
-                </a:solidFill>
-                <a:effectLst/>
-                <a:uLnTx/>
-                <a:uFillTx/>
-                <a:latin typeface="Roboto Light" charset="0"/>
-                <a:ea typeface="Roboto Light" charset="0"/>
-                <a:cs typeface="Roboto Light" charset="0"/>
-              </a:rPr>
-              <a:t>danish</a:t>
-            </a:r>
-            <a:r>
-              <a:rPr kumimoji="0" lang="en-US" sz="1800" b="0" i="0" u="none" strike="noStrike" kern="1200" cap="none" spc="0" normalizeH="0" baseline="0" noProof="0" dirty="0">
-                <a:ln>
-                  <a:noFill/>
-                </a:ln>
-                <a:solidFill>
-                  <a:srgbClr val="FFFFFF">
-                    <a:lumMod val="65000"/>
-                  </a:srgbClr>
-                </a:solidFill>
-                <a:effectLst/>
-                <a:uLnTx/>
-                <a:uFillTx/>
-                <a:latin typeface="Roboto Light" charset="0"/>
-                <a:ea typeface="Roboto Light" charset="0"/>
-                <a:cs typeface="Roboto Light" charset="0"/>
-              </a:rPr>
-              <a:t> tiramisu candy </a:t>
-            </a:r>
-            <a:r>
-              <a:rPr kumimoji="0" lang="en-US" sz="1800" b="0" i="0" u="none" strike="noStrike" kern="1200" cap="none" spc="0" normalizeH="0" baseline="0" noProof="0" dirty="0" err="1">
-                <a:ln>
-                  <a:noFill/>
-                </a:ln>
-                <a:solidFill>
-                  <a:srgbClr val="FFFFFF">
-                    <a:lumMod val="65000"/>
-                  </a:srgbClr>
-                </a:solidFill>
-                <a:effectLst/>
-                <a:uLnTx/>
-                <a:uFillTx/>
-                <a:latin typeface="Roboto Light" charset="0"/>
-                <a:ea typeface="Roboto Light" charset="0"/>
-                <a:cs typeface="Roboto Light" charset="0"/>
-              </a:rPr>
-              <a:t>gummi</a:t>
-            </a:r>
-            <a:r>
-              <a:rPr kumimoji="0" lang="en-US" sz="1800" b="0" i="0" u="none" strike="noStrike" kern="1200" cap="none" spc="0" normalizeH="0" baseline="0" noProof="0" dirty="0">
-                <a:ln>
-                  <a:noFill/>
-                </a:ln>
-                <a:solidFill>
-                  <a:srgbClr val="FFFFFF">
-                    <a:lumMod val="65000"/>
-                  </a:srgbClr>
-                </a:solidFill>
-                <a:effectLst/>
-                <a:uLnTx/>
-                <a:uFillTx/>
-                <a:latin typeface="Roboto Light" charset="0"/>
-                <a:ea typeface="Roboto Light" charset="0"/>
-                <a:cs typeface="Roboto Light" charset="0"/>
-              </a:rPr>
-              <a:t> bears</a:t>
-            </a:r>
-          </a:p>
-        </p:txBody>
-      </p:sp>
-      <p:sp>
-        <p:nvSpPr>
-          <p:cNvPr id="31" name="Rectangle 30"/>
-          <p:cNvSpPr/>
-          <p:nvPr/>
-        </p:nvSpPr>
-        <p:spPr>
-          <a:xfrm>
-            <a:off x="4547190" y="2619786"/>
-            <a:ext cx="3076874" cy="609398"/>
-          </a:xfrm>
-          <a:prstGeom prst="rect">
-            <a:avLst/>
-          </a:prstGeom>
-        </p:spPr>
-        <p:txBody>
-          <a:bodyPr wrap="square">
-            <a:spAutoFit/>
-          </a:bodyPr>
-          <a:lstStyle/>
+              <a:t>Synchronisation GUI</a:t>
+            </a:r>
+          </a:p>
           <a:p>
             <a:pPr marL="0" marR="0" lvl="0" indent="0" algn="ctr" defTabSz="914400" rtl="0" eaLnBrk="1" fontAlgn="auto" latinLnBrk="0" hangingPunct="1">
               <a:lnSpc>
@@ -19146,12 +18260,14 @@
               <a:defRPr/>
             </a:pPr>
             <a:r>
-              <a:rPr kumimoji="0" lang="en-US" sz="2800" b="0" i="0" u="none" strike="noStrike" kern="1200" cap="none" spc="0" normalizeH="0" baseline="0" noProof="0" dirty="0">
+              <a:rPr kumimoji="0" lang="fr-FR" sz="1800" b="0" i="0" u="none" strike="noStrike" kern="1200" cap="none" spc="0" normalizeH="0" baseline="0" noProof="0" dirty="0">
                 <a:ln>
                   <a:noFill/>
                 </a:ln>
                 <a:solidFill>
-                  <a:srgbClr val="000000"/>
+                  <a:srgbClr val="FFFFFF">
+                    <a:lumMod val="65000"/>
+                  </a:srgbClr>
                 </a:solidFill>
                 <a:effectLst/>
                 <a:uLnTx/>
@@ -19160,14 +18276,16 @@
                 <a:ea typeface="Roboto Light" charset="0"/>
                 <a:cs typeface="Roboto Light" charset="0"/>
               </a:rPr>
-              <a:t>Connectivity</a:t>
-            </a:r>
-            <a:endParaRPr kumimoji="0" lang="en-US" sz="2400" b="0" i="0" u="none" strike="noStrike" kern="1200" cap="none" spc="0" normalizeH="0" baseline="0" noProof="0" dirty="0">
+              <a:t>Reconnexion</a:t>
+            </a:r>
+            <a:endParaRPr kumimoji="0" lang="fr-CH" sz="1800" b="0" i="0" u="none" strike="noStrike" kern="1200" cap="none" spc="0" normalizeH="0" baseline="0" noProof="0" dirty="0">
               <a:ln>
                 <a:noFill/>
               </a:ln>
               <a:solidFill>
-                <a:srgbClr val="000000"/>
+                <a:srgbClr val="FFFFFF">
+                  <a:lumMod val="65000"/>
+                </a:srgbClr>
               </a:solidFill>
               <a:effectLst/>
               <a:uLnTx/>
@@ -19177,28 +18295,6 @@
               <a:cs typeface="Roboto Light" charset="0"/>
             </a:endParaRPr>
           </a:p>
-        </p:txBody>
-      </p:sp>
-      <p:sp>
-        <p:nvSpPr>
-          <p:cNvPr id="32" name="Rectangle 31"/>
-          <p:cNvSpPr/>
-          <p:nvPr/>
-        </p:nvSpPr>
-        <p:spPr>
-          <a:xfrm>
-            <a:off x="8316429" y="3367880"/>
-            <a:ext cx="3076874" cy="1421928"/>
-          </a:xfrm>
-          <a:prstGeom prst="rect">
-            <a:avLst/>
-          </a:prstGeom>
-        </p:spPr>
-        <p:txBody>
-          <a:bodyPr wrap="square">
-            <a:spAutoFit/>
-          </a:bodyPr>
-          <a:lstStyle/>
           <a:p>
             <a:pPr marL="0" marR="0" lvl="0" indent="0" algn="ctr" defTabSz="914400" rtl="0" eaLnBrk="1" fontAlgn="auto" latinLnBrk="0" hangingPunct="1">
               <a:lnSpc>
@@ -19217,133 +18313,35 @@
               <a:tabLst/>
               <a:defRPr/>
             </a:pPr>
-            <a:r>
-              <a:rPr kumimoji="0" lang="en-US" sz="1800" b="0" i="0" u="none" strike="noStrike" kern="1200" cap="none" spc="0" normalizeH="0" baseline="0" noProof="0" dirty="0" err="1">
-                <a:ln>
-                  <a:noFill/>
-                </a:ln>
-                <a:solidFill>
-                  <a:srgbClr val="FFFFFF">
-                    <a:lumMod val="65000"/>
-                  </a:srgbClr>
-                </a:solidFill>
-                <a:effectLst/>
-                <a:uLnTx/>
-                <a:uFillTx/>
-                <a:latin typeface="Roboto Light" charset="0"/>
-                <a:ea typeface="Roboto Light" charset="0"/>
-                <a:cs typeface="Roboto Light" charset="0"/>
-              </a:rPr>
-              <a:t>Liquorice</a:t>
-            </a:r>
-            <a:r>
-              <a:rPr kumimoji="0" lang="en-US" sz="1800" b="0" i="0" u="none" strike="noStrike" kern="1200" cap="none" spc="0" normalizeH="0" baseline="0" noProof="0" dirty="0">
-                <a:ln>
-                  <a:noFill/>
-                </a:ln>
-                <a:solidFill>
-                  <a:srgbClr val="FFFFFF">
-                    <a:lumMod val="65000"/>
-                  </a:srgbClr>
-                </a:solidFill>
-                <a:effectLst/>
-                <a:uLnTx/>
-                <a:uFillTx/>
-                <a:latin typeface="Roboto Light" charset="0"/>
-                <a:ea typeface="Roboto Light" charset="0"/>
-                <a:cs typeface="Roboto Light" charset="0"/>
-              </a:rPr>
-              <a:t> marshmallow sugar plum powder. Oat cake </a:t>
-            </a:r>
-            <a:r>
-              <a:rPr kumimoji="0" lang="en-US" sz="1800" b="0" i="0" u="none" strike="noStrike" kern="1200" cap="none" spc="0" normalizeH="0" baseline="0" noProof="0" dirty="0" err="1">
-                <a:ln>
-                  <a:noFill/>
-                </a:ln>
-                <a:solidFill>
-                  <a:srgbClr val="FFFFFF">
-                    <a:lumMod val="65000"/>
-                  </a:srgbClr>
-                </a:solidFill>
-                <a:effectLst/>
-                <a:uLnTx/>
-                <a:uFillTx/>
-                <a:latin typeface="Roboto Light" charset="0"/>
-                <a:ea typeface="Roboto Light" charset="0"/>
-                <a:cs typeface="Roboto Light" charset="0"/>
-              </a:rPr>
-              <a:t>danish</a:t>
-            </a:r>
-            <a:r>
-              <a:rPr kumimoji="0" lang="en-US" sz="1800" b="0" i="0" u="none" strike="noStrike" kern="1200" cap="none" spc="0" normalizeH="0" baseline="0" noProof="0" dirty="0">
-                <a:ln>
-                  <a:noFill/>
-                </a:ln>
-                <a:solidFill>
-                  <a:srgbClr val="FFFFFF">
-                    <a:lumMod val="65000"/>
-                  </a:srgbClr>
-                </a:solidFill>
-                <a:effectLst/>
-                <a:uLnTx/>
-                <a:uFillTx/>
-                <a:latin typeface="Roboto Light" charset="0"/>
-                <a:ea typeface="Roboto Light" charset="0"/>
-                <a:cs typeface="Roboto Light" charset="0"/>
-              </a:rPr>
-              <a:t> tiramisu candy </a:t>
-            </a:r>
-            <a:r>
-              <a:rPr kumimoji="0" lang="en-US" sz="1800" b="0" i="0" u="none" strike="noStrike" kern="1200" cap="none" spc="0" normalizeH="0" baseline="0" noProof="0" dirty="0" err="1">
-                <a:ln>
-                  <a:noFill/>
-                </a:ln>
-                <a:solidFill>
-                  <a:srgbClr val="FFFFFF">
-                    <a:lumMod val="65000"/>
-                  </a:srgbClr>
-                </a:solidFill>
-                <a:effectLst/>
-                <a:uLnTx/>
-                <a:uFillTx/>
-                <a:latin typeface="Roboto Light" charset="0"/>
-                <a:ea typeface="Roboto Light" charset="0"/>
-                <a:cs typeface="Roboto Light" charset="0"/>
-              </a:rPr>
-              <a:t>gummi</a:t>
-            </a:r>
-            <a:r>
-              <a:rPr kumimoji="0" lang="en-US" sz="1800" b="0" i="0" u="none" strike="noStrike" kern="1200" cap="none" spc="0" normalizeH="0" baseline="0" noProof="0" dirty="0">
-                <a:ln>
-                  <a:noFill/>
-                </a:ln>
-                <a:solidFill>
-                  <a:srgbClr val="FFFFFF">
-                    <a:lumMod val="65000"/>
-                  </a:srgbClr>
-                </a:solidFill>
-                <a:effectLst/>
-                <a:uLnTx/>
-                <a:uFillTx/>
-                <a:latin typeface="Roboto Light" charset="0"/>
-                <a:ea typeface="Roboto Light" charset="0"/>
-                <a:cs typeface="Roboto Light" charset="0"/>
-              </a:rPr>
-              <a:t> bears</a:t>
-            </a:r>
-          </a:p>
-        </p:txBody>
-      </p:sp>
-      <p:sp>
-        <p:nvSpPr>
-          <p:cNvPr id="33" name="Rectangle 32"/>
+            <a:endParaRPr kumimoji="0" lang="fr-CH" sz="1800" b="0" i="0" u="none" strike="noStrike" kern="1200" cap="none" spc="0" normalizeH="0" baseline="0" noProof="0" dirty="0">
+              <a:ln>
+                <a:noFill/>
+              </a:ln>
+              <a:solidFill>
+                <a:srgbClr val="FFFFFF">
+                  <a:lumMod val="65000"/>
+                </a:srgbClr>
+              </a:solidFill>
+              <a:effectLst/>
+              <a:uLnTx/>
+              <a:uFillTx/>
+              <a:latin typeface="Roboto Light" charset="0"/>
+              <a:ea typeface="Roboto Light" charset="0"/>
+              <a:cs typeface="Roboto Light" charset="0"/>
+            </a:endParaRPr>
+          </a:p>
+        </p:txBody>
+      </p:sp>
+      <p:sp>
+        <p:nvSpPr>
+          <p:cNvPr id="29" name="Rectangle 28"/>
           <p:cNvSpPr/>
           <p:nvPr/>
         </p:nvSpPr>
         <p:spPr>
           <a:xfrm>
-            <a:off x="8316429" y="2619786"/>
-            <a:ext cx="3076874" cy="609398"/>
+            <a:off x="777951" y="2619786"/>
+            <a:ext cx="3076874" cy="561885"/>
           </a:xfrm>
           <a:prstGeom prst="rect">
             <a:avLst/>
@@ -19387,7 +18385,7 @@
                 <a:ea typeface="Roboto Light" charset="0"/>
                 <a:cs typeface="Roboto Light" charset="0"/>
               </a:rPr>
-              <a:t>Career</a:t>
+              <a:t>Notifications</a:t>
             </a:r>
             <a:endParaRPr kumimoji="0" lang="en-US" sz="2400" b="0" i="0" u="none" strike="noStrike" kern="1200" cap="none" spc="0" normalizeH="0" baseline="0" noProof="0" dirty="0">
               <a:ln>
@@ -19403,6 +18401,1467 @@
               <a:ea typeface="Roboto Light" charset="0"/>
               <a:cs typeface="Roboto Light" charset="0"/>
             </a:endParaRPr>
+          </a:p>
+        </p:txBody>
+      </p:sp>
+      <p:sp>
+        <p:nvSpPr>
+          <p:cNvPr id="30" name="Rectangle 29"/>
+          <p:cNvSpPr/>
+          <p:nvPr/>
+        </p:nvSpPr>
+        <p:spPr>
+          <a:xfrm>
+            <a:off x="4547190" y="3367880"/>
+            <a:ext cx="3076874" cy="1059008"/>
+          </a:xfrm>
+          <a:prstGeom prst="rect">
+            <a:avLst/>
+          </a:prstGeom>
+        </p:spPr>
+        <p:txBody>
+          <a:bodyPr wrap="square">
+            <a:spAutoFit/>
+          </a:bodyPr>
+          <a:lstStyle/>
+          <a:p>
+            <a:pPr marL="0" marR="0" lvl="0" indent="0" algn="ctr" defTabSz="914400" rtl="0" eaLnBrk="1" fontAlgn="auto" latinLnBrk="0" hangingPunct="1">
+              <a:lnSpc>
+                <a:spcPct val="120000"/>
+              </a:lnSpc>
+              <a:spcBef>
+                <a:spcPts val="0"/>
+              </a:spcBef>
+              <a:spcAft>
+                <a:spcPts val="0"/>
+              </a:spcAft>
+              <a:buClrTx/>
+              <a:buSzTx/>
+              <a:buFontTx/>
+              <a:buNone/>
+              <a:tabLst/>
+              <a:defRPr/>
+            </a:pPr>
+            <a:r>
+              <a:rPr kumimoji="0" lang="en-US" sz="1800" b="0" i="0" u="none" strike="noStrike" kern="1200" cap="none" spc="0" normalizeH="0" baseline="0" noProof="0" dirty="0">
+                <a:ln>
+                  <a:noFill/>
+                </a:ln>
+                <a:solidFill>
+                  <a:srgbClr val="FFFFFF">
+                    <a:lumMod val="65000"/>
+                  </a:srgbClr>
+                </a:solidFill>
+                <a:effectLst/>
+                <a:uLnTx/>
+                <a:uFillTx/>
+                <a:latin typeface="Roboto Light" charset="0"/>
+                <a:ea typeface="Roboto Light" charset="0"/>
+                <a:cs typeface="Roboto Light" charset="0"/>
+              </a:rPr>
+              <a:t>JavaFX</a:t>
+            </a:r>
+          </a:p>
+          <a:p>
+            <a:pPr marL="0" marR="0" lvl="0" indent="0" algn="ctr" defTabSz="914400" rtl="0" eaLnBrk="1" fontAlgn="auto" latinLnBrk="0" hangingPunct="1">
+              <a:lnSpc>
+                <a:spcPct val="120000"/>
+              </a:lnSpc>
+              <a:spcBef>
+                <a:spcPts val="0"/>
+              </a:spcBef>
+              <a:spcAft>
+                <a:spcPts val="0"/>
+              </a:spcAft>
+              <a:buClrTx/>
+              <a:buSzTx/>
+              <a:buFontTx/>
+              <a:buNone/>
+              <a:tabLst/>
+              <a:defRPr/>
+            </a:pPr>
+            <a:r>
+              <a:rPr lang="en-US" dirty="0" err="1">
+                <a:solidFill>
+                  <a:srgbClr val="FFFFFF">
+                    <a:lumMod val="65000"/>
+                  </a:srgbClr>
+                </a:solidFill>
+                <a:latin typeface="Roboto Light" charset="0"/>
+                <a:ea typeface="Roboto Light" charset="0"/>
+                <a:cs typeface="Roboto Light" charset="0"/>
+              </a:rPr>
+              <a:t>Logique</a:t>
+            </a:r>
+            <a:r>
+              <a:rPr lang="en-US" dirty="0">
+                <a:solidFill>
+                  <a:srgbClr val="FFFFFF">
+                    <a:lumMod val="65000"/>
+                  </a:srgbClr>
+                </a:solidFill>
+                <a:latin typeface="Roboto Light" charset="0"/>
+                <a:ea typeface="Roboto Light" charset="0"/>
+                <a:cs typeface="Roboto Light" charset="0"/>
+              </a:rPr>
+              <a:t> du </a:t>
+            </a:r>
+            <a:r>
+              <a:rPr lang="en-US" dirty="0" err="1">
+                <a:solidFill>
+                  <a:srgbClr val="FFFFFF">
+                    <a:lumMod val="65000"/>
+                  </a:srgbClr>
+                </a:solidFill>
+                <a:latin typeface="Roboto Light" charset="0"/>
+                <a:ea typeface="Roboto Light" charset="0"/>
+                <a:cs typeface="Roboto Light" charset="0"/>
+              </a:rPr>
+              <a:t>jeu</a:t>
+            </a:r>
+            <a:endParaRPr lang="en-US" dirty="0">
+              <a:solidFill>
+                <a:srgbClr val="FFFFFF">
+                  <a:lumMod val="65000"/>
+                </a:srgbClr>
+              </a:solidFill>
+              <a:latin typeface="Roboto Light" charset="0"/>
+              <a:ea typeface="Roboto Light" charset="0"/>
+              <a:cs typeface="Roboto Light" charset="0"/>
+            </a:endParaRPr>
+          </a:p>
+          <a:p>
+            <a:pPr marL="0" marR="0" lvl="0" indent="0" algn="ctr" defTabSz="914400" rtl="0" eaLnBrk="1" fontAlgn="auto" latinLnBrk="0" hangingPunct="1">
+              <a:lnSpc>
+                <a:spcPct val="120000"/>
+              </a:lnSpc>
+              <a:spcBef>
+                <a:spcPts val="0"/>
+              </a:spcBef>
+              <a:spcAft>
+                <a:spcPts val="0"/>
+              </a:spcAft>
+              <a:buClrTx/>
+              <a:buSzTx/>
+              <a:buFontTx/>
+              <a:buNone/>
+              <a:tabLst/>
+              <a:defRPr/>
+            </a:pPr>
+            <a:r>
+              <a:rPr kumimoji="0" lang="en-US" sz="1800" b="0" i="0" u="none" strike="noStrike" kern="1200" cap="none" spc="0" normalizeH="0" baseline="0" noProof="0" dirty="0">
+                <a:ln>
+                  <a:noFill/>
+                </a:ln>
+                <a:solidFill>
+                  <a:srgbClr val="FFFFFF">
+                    <a:lumMod val="65000"/>
+                  </a:srgbClr>
+                </a:solidFill>
+                <a:effectLst/>
+                <a:uLnTx/>
+                <a:uFillTx/>
+                <a:latin typeface="Roboto Light" charset="0"/>
+                <a:ea typeface="Roboto Light" charset="0"/>
+                <a:cs typeface="Roboto Light" charset="0"/>
+              </a:rPr>
+              <a:t>Mise a jour du plateau</a:t>
+            </a:r>
+          </a:p>
+        </p:txBody>
+      </p:sp>
+      <p:sp>
+        <p:nvSpPr>
+          <p:cNvPr id="31" name="Rectangle 30"/>
+          <p:cNvSpPr/>
+          <p:nvPr/>
+        </p:nvSpPr>
+        <p:spPr>
+          <a:xfrm>
+            <a:off x="4547190" y="2619786"/>
+            <a:ext cx="3076874" cy="561885"/>
+          </a:xfrm>
+          <a:prstGeom prst="rect">
+            <a:avLst/>
+          </a:prstGeom>
+        </p:spPr>
+        <p:txBody>
+          <a:bodyPr wrap="square">
+            <a:spAutoFit/>
+          </a:bodyPr>
+          <a:lstStyle/>
+          <a:p>
+            <a:pPr marL="0" marR="0" lvl="0" indent="0" algn="ctr" defTabSz="914400" rtl="0" eaLnBrk="1" fontAlgn="auto" latinLnBrk="0" hangingPunct="1">
+              <a:lnSpc>
+                <a:spcPct val="120000"/>
+              </a:lnSpc>
+              <a:spcBef>
+                <a:spcPts val="0"/>
+              </a:spcBef>
+              <a:spcAft>
+                <a:spcPts val="0"/>
+              </a:spcAft>
+              <a:buClrTx/>
+              <a:buSzTx/>
+              <a:buFontTx/>
+              <a:buNone/>
+              <a:tabLst/>
+              <a:defRPr/>
+            </a:pPr>
+            <a:r>
+              <a:rPr kumimoji="0" lang="en-US" sz="2800" b="0" i="0" u="none" strike="noStrike" kern="1200" cap="none" spc="0" normalizeH="0" baseline="0" noProof="0" dirty="0">
+                <a:ln>
+                  <a:noFill/>
+                </a:ln>
+                <a:solidFill>
+                  <a:srgbClr val="000000"/>
+                </a:solidFill>
+                <a:effectLst/>
+                <a:uLnTx/>
+                <a:uFillTx/>
+                <a:latin typeface="Roboto Light" charset="0"/>
+                <a:ea typeface="Roboto Light" charset="0"/>
+                <a:cs typeface="Roboto Light" charset="0"/>
+              </a:rPr>
+              <a:t>GUI</a:t>
+            </a:r>
+            <a:endParaRPr kumimoji="0" lang="en-US" sz="2400" b="0" i="0" u="none" strike="noStrike" kern="1200" cap="none" spc="0" normalizeH="0" baseline="0" noProof="0" dirty="0">
+              <a:ln>
+                <a:noFill/>
+              </a:ln>
+              <a:solidFill>
+                <a:srgbClr val="000000"/>
+              </a:solidFill>
+              <a:effectLst/>
+              <a:uLnTx/>
+              <a:uFillTx/>
+              <a:latin typeface="Roboto Light" charset="0"/>
+              <a:ea typeface="Roboto Light" charset="0"/>
+              <a:cs typeface="Roboto Light" charset="0"/>
+            </a:endParaRPr>
+          </a:p>
+        </p:txBody>
+      </p:sp>
+      <p:sp>
+        <p:nvSpPr>
+          <p:cNvPr id="32" name="Rectangle 31"/>
+          <p:cNvSpPr/>
+          <p:nvPr/>
+        </p:nvSpPr>
+        <p:spPr>
+          <a:xfrm>
+            <a:off x="8316429" y="3367880"/>
+            <a:ext cx="3076874" cy="1059008"/>
+          </a:xfrm>
+          <a:prstGeom prst="rect">
+            <a:avLst/>
+          </a:prstGeom>
+        </p:spPr>
+        <p:txBody>
+          <a:bodyPr wrap="square">
+            <a:spAutoFit/>
+          </a:bodyPr>
+          <a:lstStyle/>
+          <a:p>
+            <a:pPr marL="0" marR="0" lvl="0" indent="0" algn="ctr" defTabSz="914400" rtl="0" eaLnBrk="1" fontAlgn="auto" latinLnBrk="0" hangingPunct="1">
+              <a:lnSpc>
+                <a:spcPct val="120000"/>
+              </a:lnSpc>
+              <a:spcBef>
+                <a:spcPts val="0"/>
+              </a:spcBef>
+              <a:spcAft>
+                <a:spcPts val="0"/>
+              </a:spcAft>
+              <a:buClrTx/>
+              <a:buSzTx/>
+              <a:buFontTx/>
+              <a:buNone/>
+              <a:tabLst/>
+              <a:defRPr/>
+            </a:pPr>
+            <a:r>
+              <a:rPr kumimoji="0" lang="en-US" sz="1800" b="0" i="0" u="none" strike="noStrike" kern="1200" cap="none" spc="0" normalizeH="0" baseline="0" noProof="0" dirty="0" err="1">
+                <a:ln>
+                  <a:noFill/>
+                </a:ln>
+                <a:solidFill>
+                  <a:srgbClr val="FFFFFF">
+                    <a:lumMod val="65000"/>
+                  </a:srgbClr>
+                </a:solidFill>
+                <a:effectLst/>
+                <a:uLnTx/>
+                <a:uFillTx/>
+                <a:latin typeface="Roboto Light" charset="0"/>
+                <a:ea typeface="Roboto Light" charset="0"/>
+                <a:cs typeface="Roboto Light" charset="0"/>
+              </a:rPr>
+              <a:t>Finalisation</a:t>
+            </a:r>
+            <a:r>
+              <a:rPr kumimoji="0" lang="en-US" sz="1800" b="0" i="0" u="none" strike="noStrike" kern="1200" cap="none" spc="0" normalizeH="0" baseline="0" noProof="0" dirty="0">
+                <a:ln>
+                  <a:noFill/>
+                </a:ln>
+                <a:solidFill>
+                  <a:srgbClr val="FFFFFF">
+                    <a:lumMod val="65000"/>
+                  </a:srgbClr>
+                </a:solidFill>
+                <a:effectLst/>
+                <a:uLnTx/>
+                <a:uFillTx/>
+                <a:latin typeface="Roboto Light" charset="0"/>
+                <a:ea typeface="Roboto Light" charset="0"/>
+                <a:cs typeface="Roboto Light" charset="0"/>
+              </a:rPr>
+              <a:t> des </a:t>
+            </a:r>
+            <a:r>
+              <a:rPr kumimoji="0" lang="en-US" sz="1800" b="0" i="0" u="none" strike="noStrike" kern="1200" cap="none" spc="0" normalizeH="0" baseline="0" noProof="0" dirty="0" err="1">
+                <a:ln>
+                  <a:noFill/>
+                </a:ln>
+                <a:solidFill>
+                  <a:srgbClr val="FFFFFF">
+                    <a:lumMod val="65000"/>
+                  </a:srgbClr>
+                </a:solidFill>
+                <a:effectLst/>
+                <a:uLnTx/>
+                <a:uFillTx/>
+                <a:latin typeface="Roboto Light" charset="0"/>
+                <a:ea typeface="Roboto Light" charset="0"/>
+                <a:cs typeface="Roboto Light" charset="0"/>
+              </a:rPr>
+              <a:t>histoires</a:t>
+            </a:r>
+            <a:endParaRPr kumimoji="0" lang="en-US" sz="1800" b="0" i="0" u="none" strike="noStrike" kern="1200" cap="none" spc="0" normalizeH="0" baseline="0" noProof="0" dirty="0">
+              <a:ln>
+                <a:noFill/>
+              </a:ln>
+              <a:solidFill>
+                <a:srgbClr val="FFFFFF">
+                  <a:lumMod val="65000"/>
+                </a:srgbClr>
+              </a:solidFill>
+              <a:effectLst/>
+              <a:uLnTx/>
+              <a:uFillTx/>
+              <a:latin typeface="Roboto Light" charset="0"/>
+              <a:ea typeface="Roboto Light" charset="0"/>
+              <a:cs typeface="Roboto Light" charset="0"/>
+            </a:endParaRPr>
+          </a:p>
+          <a:p>
+            <a:pPr marL="0" marR="0" lvl="0" indent="0" algn="ctr" defTabSz="914400" rtl="0" eaLnBrk="1" fontAlgn="auto" latinLnBrk="0" hangingPunct="1">
+              <a:lnSpc>
+                <a:spcPct val="120000"/>
+              </a:lnSpc>
+              <a:spcBef>
+                <a:spcPts val="0"/>
+              </a:spcBef>
+              <a:spcAft>
+                <a:spcPts val="0"/>
+              </a:spcAft>
+              <a:buClrTx/>
+              <a:buSzTx/>
+              <a:buFontTx/>
+              <a:buNone/>
+              <a:tabLst/>
+              <a:defRPr/>
+            </a:pPr>
+            <a:r>
+              <a:rPr kumimoji="0" lang="en-US" sz="1800" b="0" i="0" u="none" strike="noStrike" kern="1200" cap="none" spc="0" normalizeH="0" baseline="0" noProof="0" dirty="0">
+                <a:ln>
+                  <a:noFill/>
+                </a:ln>
+                <a:solidFill>
+                  <a:srgbClr val="FFFFFF">
+                    <a:lumMod val="65000"/>
+                  </a:srgbClr>
+                </a:solidFill>
+                <a:effectLst/>
+                <a:uLnTx/>
+                <a:uFillTx/>
+                <a:latin typeface="Roboto Light" charset="0"/>
+                <a:ea typeface="Roboto Light" charset="0"/>
+                <a:cs typeface="Roboto Light" charset="0"/>
+              </a:rPr>
+              <a:t>Validation des tests</a:t>
+            </a:r>
+          </a:p>
+          <a:p>
+            <a:pPr marL="0" marR="0" lvl="0" indent="0" algn="ctr" defTabSz="914400" rtl="0" eaLnBrk="1" fontAlgn="auto" latinLnBrk="0" hangingPunct="1">
+              <a:lnSpc>
+                <a:spcPct val="120000"/>
+              </a:lnSpc>
+              <a:spcBef>
+                <a:spcPts val="0"/>
+              </a:spcBef>
+              <a:spcAft>
+                <a:spcPts val="0"/>
+              </a:spcAft>
+              <a:buClrTx/>
+              <a:buSzTx/>
+              <a:buFontTx/>
+              <a:buNone/>
+              <a:tabLst/>
+              <a:defRPr/>
+            </a:pPr>
+            <a:r>
+              <a:rPr lang="en-US" dirty="0">
+                <a:solidFill>
+                  <a:srgbClr val="FFFFFF">
+                    <a:lumMod val="65000"/>
+                  </a:srgbClr>
+                </a:solidFill>
+                <a:latin typeface="Roboto Light" charset="0"/>
+                <a:ea typeface="Roboto Light" charset="0"/>
+                <a:cs typeface="Roboto Light" charset="0"/>
+              </a:rPr>
+              <a:t>Dispersion </a:t>
+            </a:r>
+            <a:r>
+              <a:rPr lang="en-US" dirty="0" err="1">
+                <a:solidFill>
+                  <a:srgbClr val="FFFFFF">
+                    <a:lumMod val="65000"/>
+                  </a:srgbClr>
+                </a:solidFill>
+                <a:latin typeface="Roboto Light" charset="0"/>
+                <a:ea typeface="Roboto Light" charset="0"/>
+                <a:cs typeface="Roboto Light" charset="0"/>
+              </a:rPr>
+              <a:t>générale</a:t>
+            </a:r>
+            <a:endParaRPr kumimoji="0" lang="en-US" sz="1800" b="0" i="0" u="none" strike="noStrike" kern="1200" cap="none" spc="0" normalizeH="0" baseline="0" noProof="0" dirty="0">
+              <a:ln>
+                <a:noFill/>
+              </a:ln>
+              <a:solidFill>
+                <a:srgbClr val="FFFFFF">
+                  <a:lumMod val="65000"/>
+                </a:srgbClr>
+              </a:solidFill>
+              <a:effectLst/>
+              <a:uLnTx/>
+              <a:uFillTx/>
+              <a:latin typeface="Roboto Light" charset="0"/>
+              <a:ea typeface="Roboto Light" charset="0"/>
+              <a:cs typeface="Roboto Light" charset="0"/>
+            </a:endParaRPr>
+          </a:p>
+        </p:txBody>
+      </p:sp>
+      <p:sp>
+        <p:nvSpPr>
+          <p:cNvPr id="33" name="Rectangle 32"/>
+          <p:cNvSpPr/>
+          <p:nvPr/>
+        </p:nvSpPr>
+        <p:spPr>
+          <a:xfrm>
+            <a:off x="8316429" y="2615419"/>
+            <a:ext cx="3076874" cy="561885"/>
+          </a:xfrm>
+          <a:prstGeom prst="rect">
+            <a:avLst/>
+          </a:prstGeom>
+        </p:spPr>
+        <p:txBody>
+          <a:bodyPr wrap="square">
+            <a:spAutoFit/>
+          </a:bodyPr>
+          <a:lstStyle/>
+          <a:p>
+            <a:pPr marL="0" marR="0" lvl="0" indent="0" algn="ctr" defTabSz="914400" rtl="0" eaLnBrk="1" fontAlgn="auto" latinLnBrk="0" hangingPunct="1">
+              <a:lnSpc>
+                <a:spcPct val="120000"/>
+              </a:lnSpc>
+              <a:spcBef>
+                <a:spcPts val="0"/>
+              </a:spcBef>
+              <a:spcAft>
+                <a:spcPts val="0"/>
+              </a:spcAft>
+              <a:buClrTx/>
+              <a:buSzTx/>
+              <a:buFontTx/>
+              <a:buNone/>
+              <a:tabLst/>
+              <a:defRPr/>
+            </a:pPr>
+            <a:r>
+              <a:rPr lang="en-US" sz="2800" dirty="0" err="1">
+                <a:solidFill>
+                  <a:srgbClr val="000000"/>
+                </a:solidFill>
+                <a:latin typeface="Roboto Light" charset="0"/>
+                <a:ea typeface="Roboto Light" charset="0"/>
+                <a:cs typeface="Roboto Light" charset="0"/>
+              </a:rPr>
+              <a:t>Finalisation</a:t>
+            </a:r>
+            <a:endParaRPr kumimoji="0" lang="en-US" sz="2400" b="0" i="0" u="none" strike="noStrike" kern="1200" cap="none" spc="0" normalizeH="0" baseline="0" noProof="0" dirty="0">
+              <a:ln>
+                <a:noFill/>
+              </a:ln>
+              <a:solidFill>
+                <a:srgbClr val="000000"/>
+              </a:solidFill>
+              <a:effectLst/>
+              <a:uLnTx/>
+              <a:uFillTx/>
+              <a:latin typeface="Roboto Light" charset="0"/>
+              <a:ea typeface="Roboto Light" charset="0"/>
+              <a:cs typeface="Roboto Light" charset="0"/>
+            </a:endParaRPr>
+          </a:p>
+        </p:txBody>
+      </p:sp>
+      <p:sp>
+        <p:nvSpPr>
+          <p:cNvPr id="19" name="Freeform 14">
+            <a:extLst>
+              <a:ext uri="{FF2B5EF4-FFF2-40B4-BE49-F238E27FC236}">
+                <a16:creationId xmlns:a16="http://schemas.microsoft.com/office/drawing/2014/main" id="{7C48E5B8-4EF9-4059-A2E7-DE03546922C6}"/>
+              </a:ext>
+            </a:extLst>
+          </p:cNvPr>
+          <p:cNvSpPr>
+            <a:spLocks noChangeArrowheads="1"/>
+          </p:cNvSpPr>
+          <p:nvPr/>
+        </p:nvSpPr>
+        <p:spPr bwMode="auto">
+          <a:xfrm>
+            <a:off x="2130153" y="5447940"/>
+            <a:ext cx="374922" cy="443418"/>
+          </a:xfrm>
+          <a:custGeom>
+            <a:avLst/>
+            <a:gdLst>
+              <a:gd name="T0" fmla="*/ 231 w 458"/>
+              <a:gd name="T1" fmla="*/ 540 h 541"/>
+              <a:gd name="T2" fmla="*/ 282 w 458"/>
+              <a:gd name="T3" fmla="*/ 488 h 541"/>
+              <a:gd name="T4" fmla="*/ 174 w 458"/>
+              <a:gd name="T5" fmla="*/ 488 h 541"/>
+              <a:gd name="T6" fmla="*/ 231 w 458"/>
+              <a:gd name="T7" fmla="*/ 540 h 541"/>
+              <a:gd name="T8" fmla="*/ 406 w 458"/>
+              <a:gd name="T9" fmla="*/ 380 h 541"/>
+              <a:gd name="T10" fmla="*/ 406 w 458"/>
+              <a:gd name="T11" fmla="*/ 231 h 541"/>
+              <a:gd name="T12" fmla="*/ 272 w 458"/>
+              <a:gd name="T13" fmla="*/ 62 h 541"/>
+              <a:gd name="T14" fmla="*/ 272 w 458"/>
+              <a:gd name="T15" fmla="*/ 41 h 541"/>
+              <a:gd name="T16" fmla="*/ 231 w 458"/>
+              <a:gd name="T17" fmla="*/ 0 h 541"/>
+              <a:gd name="T18" fmla="*/ 190 w 458"/>
+              <a:gd name="T19" fmla="*/ 41 h 541"/>
+              <a:gd name="T20" fmla="*/ 190 w 458"/>
+              <a:gd name="T21" fmla="*/ 62 h 541"/>
+              <a:gd name="T22" fmla="*/ 56 w 458"/>
+              <a:gd name="T23" fmla="*/ 231 h 541"/>
+              <a:gd name="T24" fmla="*/ 56 w 458"/>
+              <a:gd name="T25" fmla="*/ 380 h 541"/>
+              <a:gd name="T26" fmla="*/ 0 w 458"/>
+              <a:gd name="T27" fmla="*/ 432 h 541"/>
+              <a:gd name="T28" fmla="*/ 0 w 458"/>
+              <a:gd name="T29" fmla="*/ 457 h 541"/>
+              <a:gd name="T30" fmla="*/ 457 w 458"/>
+              <a:gd name="T31" fmla="*/ 457 h 541"/>
+              <a:gd name="T32" fmla="*/ 457 w 458"/>
+              <a:gd name="T33" fmla="*/ 432 h 541"/>
+              <a:gd name="T34" fmla="*/ 406 w 458"/>
+              <a:gd name="T35" fmla="*/ 380 h 541"/>
+              <a:gd name="T36" fmla="*/ 349 w 458"/>
+              <a:gd name="T37" fmla="*/ 406 h 541"/>
+              <a:gd name="T38" fmla="*/ 108 w 458"/>
+              <a:gd name="T39" fmla="*/ 406 h 541"/>
+              <a:gd name="T40" fmla="*/ 108 w 458"/>
+              <a:gd name="T41" fmla="*/ 231 h 541"/>
+              <a:gd name="T42" fmla="*/ 231 w 458"/>
+              <a:gd name="T43" fmla="*/ 108 h 541"/>
+              <a:gd name="T44" fmla="*/ 349 w 458"/>
+              <a:gd name="T45" fmla="*/ 231 h 541"/>
+              <a:gd name="T46" fmla="*/ 349 w 458"/>
+              <a:gd name="T47" fmla="*/ 406 h 541"/>
+            </a:gdLst>
+            <a:ahLst/>
+            <a:cxnLst>
+              <a:cxn ang="0">
+                <a:pos x="T0" y="T1"/>
+              </a:cxn>
+              <a:cxn ang="0">
+                <a:pos x="T2" y="T3"/>
+              </a:cxn>
+              <a:cxn ang="0">
+                <a:pos x="T4" y="T5"/>
+              </a:cxn>
+              <a:cxn ang="0">
+                <a:pos x="T6" y="T7"/>
+              </a:cxn>
+              <a:cxn ang="0">
+                <a:pos x="T8" y="T9"/>
+              </a:cxn>
+              <a:cxn ang="0">
+                <a:pos x="T10" y="T11"/>
+              </a:cxn>
+              <a:cxn ang="0">
+                <a:pos x="T12" y="T13"/>
+              </a:cxn>
+              <a:cxn ang="0">
+                <a:pos x="T14" y="T15"/>
+              </a:cxn>
+              <a:cxn ang="0">
+                <a:pos x="T16" y="T17"/>
+              </a:cxn>
+              <a:cxn ang="0">
+                <a:pos x="T18" y="T19"/>
+              </a:cxn>
+              <a:cxn ang="0">
+                <a:pos x="T20" y="T21"/>
+              </a:cxn>
+              <a:cxn ang="0">
+                <a:pos x="T22" y="T23"/>
+              </a:cxn>
+              <a:cxn ang="0">
+                <a:pos x="T24" y="T25"/>
+              </a:cxn>
+              <a:cxn ang="0">
+                <a:pos x="T26" y="T27"/>
+              </a:cxn>
+              <a:cxn ang="0">
+                <a:pos x="T28" y="T29"/>
+              </a:cxn>
+              <a:cxn ang="0">
+                <a:pos x="T30" y="T31"/>
+              </a:cxn>
+              <a:cxn ang="0">
+                <a:pos x="T32" y="T33"/>
+              </a:cxn>
+              <a:cxn ang="0">
+                <a:pos x="T34" y="T35"/>
+              </a:cxn>
+              <a:cxn ang="0">
+                <a:pos x="T36" y="T37"/>
+              </a:cxn>
+              <a:cxn ang="0">
+                <a:pos x="T38" y="T39"/>
+              </a:cxn>
+              <a:cxn ang="0">
+                <a:pos x="T40" y="T41"/>
+              </a:cxn>
+              <a:cxn ang="0">
+                <a:pos x="T42" y="T43"/>
+              </a:cxn>
+              <a:cxn ang="0">
+                <a:pos x="T44" y="T45"/>
+              </a:cxn>
+              <a:cxn ang="0">
+                <a:pos x="T46" y="T47"/>
+              </a:cxn>
+            </a:cxnLst>
+            <a:rect l="0" t="0" r="r" b="b"/>
+            <a:pathLst>
+              <a:path w="458" h="541">
+                <a:moveTo>
+                  <a:pt x="231" y="540"/>
+                </a:moveTo>
+                <a:cubicBezTo>
+                  <a:pt x="262" y="540"/>
+                  <a:pt x="282" y="514"/>
+                  <a:pt x="282" y="488"/>
+                </a:cubicBezTo>
+                <a:lnTo>
+                  <a:pt x="174" y="488"/>
+                </a:lnTo>
+                <a:cubicBezTo>
+                  <a:pt x="174" y="514"/>
+                  <a:pt x="200" y="540"/>
+                  <a:pt x="231" y="540"/>
+                </a:cubicBezTo>
+                <a:close/>
+                <a:moveTo>
+                  <a:pt x="406" y="380"/>
+                </a:moveTo>
+                <a:lnTo>
+                  <a:pt x="406" y="231"/>
+                </a:lnTo>
+                <a:cubicBezTo>
+                  <a:pt x="406" y="149"/>
+                  <a:pt x="349" y="82"/>
+                  <a:pt x="272" y="62"/>
+                </a:cubicBezTo>
+                <a:lnTo>
+                  <a:pt x="272" y="41"/>
+                </a:lnTo>
+                <a:cubicBezTo>
+                  <a:pt x="272" y="21"/>
+                  <a:pt x="251" y="0"/>
+                  <a:pt x="231" y="0"/>
+                </a:cubicBezTo>
+                <a:cubicBezTo>
+                  <a:pt x="210" y="0"/>
+                  <a:pt x="190" y="21"/>
+                  <a:pt x="190" y="41"/>
+                </a:cubicBezTo>
+                <a:lnTo>
+                  <a:pt x="190" y="62"/>
+                </a:lnTo>
+                <a:cubicBezTo>
+                  <a:pt x="113" y="82"/>
+                  <a:pt x="56" y="149"/>
+                  <a:pt x="56" y="231"/>
+                </a:cubicBezTo>
+                <a:lnTo>
+                  <a:pt x="56" y="380"/>
+                </a:lnTo>
+                <a:lnTo>
+                  <a:pt x="0" y="432"/>
+                </a:lnTo>
+                <a:lnTo>
+                  <a:pt x="0" y="457"/>
+                </a:lnTo>
+                <a:lnTo>
+                  <a:pt x="457" y="457"/>
+                </a:lnTo>
+                <a:lnTo>
+                  <a:pt x="457" y="432"/>
+                </a:lnTo>
+                <a:lnTo>
+                  <a:pt x="406" y="380"/>
+                </a:lnTo>
+                <a:close/>
+                <a:moveTo>
+                  <a:pt x="349" y="406"/>
+                </a:moveTo>
+                <a:lnTo>
+                  <a:pt x="108" y="406"/>
+                </a:lnTo>
+                <a:lnTo>
+                  <a:pt x="108" y="231"/>
+                </a:lnTo>
+                <a:cubicBezTo>
+                  <a:pt x="108" y="164"/>
+                  <a:pt x="164" y="108"/>
+                  <a:pt x="231" y="108"/>
+                </a:cubicBezTo>
+                <a:cubicBezTo>
+                  <a:pt x="298" y="108"/>
+                  <a:pt x="349" y="164"/>
+                  <a:pt x="349" y="231"/>
+                </a:cubicBezTo>
+                <a:lnTo>
+                  <a:pt x="349" y="406"/>
+                </a:lnTo>
+                <a:close/>
+              </a:path>
+            </a:pathLst>
+          </a:custGeom>
+          <a:solidFill>
+            <a:schemeClr val="bg1"/>
+          </a:solidFill>
+          <a:ln>
+            <a:noFill/>
+          </a:ln>
+          <a:effectLst/>
+        </p:spPr>
+        <p:txBody>
+          <a:bodyPr wrap="none" anchor="ctr"/>
+          <a:lstStyle/>
+          <a:p>
+            <a:endParaRPr lang="en-US" sz="1350"/>
+          </a:p>
+        </p:txBody>
+      </p:sp>
+      <p:sp>
+        <p:nvSpPr>
+          <p:cNvPr id="20" name="Freeform 18">
+            <a:extLst>
+              <a:ext uri="{FF2B5EF4-FFF2-40B4-BE49-F238E27FC236}">
+                <a16:creationId xmlns:a16="http://schemas.microsoft.com/office/drawing/2014/main" id="{A834C247-AAE6-436A-8DBF-03EC2D936473}"/>
+              </a:ext>
+            </a:extLst>
+          </p:cNvPr>
+          <p:cNvSpPr>
+            <a:spLocks noChangeArrowheads="1"/>
+          </p:cNvSpPr>
+          <p:nvPr/>
+        </p:nvSpPr>
+        <p:spPr bwMode="auto">
+          <a:xfrm>
+            <a:off x="5961341" y="5527932"/>
+            <a:ext cx="361620" cy="275520"/>
+          </a:xfrm>
+          <a:custGeom>
+            <a:avLst/>
+            <a:gdLst>
+              <a:gd name="T0" fmla="*/ 160 w 462"/>
+              <a:gd name="T1" fmla="*/ 353 h 354"/>
+              <a:gd name="T2" fmla="*/ 295 w 462"/>
+              <a:gd name="T3" fmla="*/ 353 h 354"/>
+              <a:gd name="T4" fmla="*/ 295 w 462"/>
+              <a:gd name="T5" fmla="*/ 192 h 354"/>
+              <a:gd name="T6" fmla="*/ 160 w 462"/>
+              <a:gd name="T7" fmla="*/ 192 h 354"/>
+              <a:gd name="T8" fmla="*/ 160 w 462"/>
+              <a:gd name="T9" fmla="*/ 353 h 354"/>
+              <a:gd name="T10" fmla="*/ 0 w 462"/>
+              <a:gd name="T11" fmla="*/ 353 h 354"/>
+              <a:gd name="T12" fmla="*/ 134 w 462"/>
+              <a:gd name="T13" fmla="*/ 353 h 354"/>
+              <a:gd name="T14" fmla="*/ 134 w 462"/>
+              <a:gd name="T15" fmla="*/ 0 h 354"/>
+              <a:gd name="T16" fmla="*/ 0 w 462"/>
+              <a:gd name="T17" fmla="*/ 0 h 354"/>
+              <a:gd name="T18" fmla="*/ 0 w 462"/>
+              <a:gd name="T19" fmla="*/ 353 h 354"/>
+              <a:gd name="T20" fmla="*/ 326 w 462"/>
+              <a:gd name="T21" fmla="*/ 353 h 354"/>
+              <a:gd name="T22" fmla="*/ 461 w 462"/>
+              <a:gd name="T23" fmla="*/ 353 h 354"/>
+              <a:gd name="T24" fmla="*/ 461 w 462"/>
+              <a:gd name="T25" fmla="*/ 192 h 354"/>
+              <a:gd name="T26" fmla="*/ 326 w 462"/>
+              <a:gd name="T27" fmla="*/ 192 h 354"/>
+              <a:gd name="T28" fmla="*/ 326 w 462"/>
+              <a:gd name="T29" fmla="*/ 353 h 354"/>
+              <a:gd name="T30" fmla="*/ 160 w 462"/>
+              <a:gd name="T31" fmla="*/ 0 h 354"/>
+              <a:gd name="T32" fmla="*/ 160 w 462"/>
+              <a:gd name="T33" fmla="*/ 166 h 354"/>
+              <a:gd name="T34" fmla="*/ 461 w 462"/>
+              <a:gd name="T35" fmla="*/ 166 h 354"/>
+              <a:gd name="T36" fmla="*/ 461 w 462"/>
+              <a:gd name="T37" fmla="*/ 0 h 354"/>
+              <a:gd name="T38" fmla="*/ 160 w 462"/>
+              <a:gd name="T39" fmla="*/ 0 h 354"/>
+            </a:gdLst>
+            <a:ahLst/>
+            <a:cxnLst>
+              <a:cxn ang="0">
+                <a:pos x="T0" y="T1"/>
+              </a:cxn>
+              <a:cxn ang="0">
+                <a:pos x="T2" y="T3"/>
+              </a:cxn>
+              <a:cxn ang="0">
+                <a:pos x="T4" y="T5"/>
+              </a:cxn>
+              <a:cxn ang="0">
+                <a:pos x="T6" y="T7"/>
+              </a:cxn>
+              <a:cxn ang="0">
+                <a:pos x="T8" y="T9"/>
+              </a:cxn>
+              <a:cxn ang="0">
+                <a:pos x="T10" y="T11"/>
+              </a:cxn>
+              <a:cxn ang="0">
+                <a:pos x="T12" y="T13"/>
+              </a:cxn>
+              <a:cxn ang="0">
+                <a:pos x="T14" y="T15"/>
+              </a:cxn>
+              <a:cxn ang="0">
+                <a:pos x="T16" y="T17"/>
+              </a:cxn>
+              <a:cxn ang="0">
+                <a:pos x="T18" y="T19"/>
+              </a:cxn>
+              <a:cxn ang="0">
+                <a:pos x="T20" y="T21"/>
+              </a:cxn>
+              <a:cxn ang="0">
+                <a:pos x="T22" y="T23"/>
+              </a:cxn>
+              <a:cxn ang="0">
+                <a:pos x="T24" y="T25"/>
+              </a:cxn>
+              <a:cxn ang="0">
+                <a:pos x="T26" y="T27"/>
+              </a:cxn>
+              <a:cxn ang="0">
+                <a:pos x="T28" y="T29"/>
+              </a:cxn>
+              <a:cxn ang="0">
+                <a:pos x="T30" y="T31"/>
+              </a:cxn>
+              <a:cxn ang="0">
+                <a:pos x="T32" y="T33"/>
+              </a:cxn>
+              <a:cxn ang="0">
+                <a:pos x="T34" y="T35"/>
+              </a:cxn>
+              <a:cxn ang="0">
+                <a:pos x="T36" y="T37"/>
+              </a:cxn>
+              <a:cxn ang="0">
+                <a:pos x="T38" y="T39"/>
+              </a:cxn>
+            </a:cxnLst>
+            <a:rect l="0" t="0" r="r" b="b"/>
+            <a:pathLst>
+              <a:path w="462" h="354">
+                <a:moveTo>
+                  <a:pt x="160" y="353"/>
+                </a:moveTo>
+                <a:lnTo>
+                  <a:pt x="295" y="353"/>
+                </a:lnTo>
+                <a:lnTo>
+                  <a:pt x="295" y="192"/>
+                </a:lnTo>
+                <a:lnTo>
+                  <a:pt x="160" y="192"/>
+                </a:lnTo>
+                <a:lnTo>
+                  <a:pt x="160" y="353"/>
+                </a:lnTo>
+                <a:close/>
+                <a:moveTo>
+                  <a:pt x="0" y="353"/>
+                </a:moveTo>
+                <a:lnTo>
+                  <a:pt x="134" y="353"/>
+                </a:lnTo>
+                <a:lnTo>
+                  <a:pt x="134" y="0"/>
+                </a:lnTo>
+                <a:lnTo>
+                  <a:pt x="0" y="0"/>
+                </a:lnTo>
+                <a:lnTo>
+                  <a:pt x="0" y="353"/>
+                </a:lnTo>
+                <a:close/>
+                <a:moveTo>
+                  <a:pt x="326" y="353"/>
+                </a:moveTo>
+                <a:lnTo>
+                  <a:pt x="461" y="353"/>
+                </a:lnTo>
+                <a:lnTo>
+                  <a:pt x="461" y="192"/>
+                </a:lnTo>
+                <a:lnTo>
+                  <a:pt x="326" y="192"/>
+                </a:lnTo>
+                <a:lnTo>
+                  <a:pt x="326" y="353"/>
+                </a:lnTo>
+                <a:close/>
+                <a:moveTo>
+                  <a:pt x="160" y="0"/>
+                </a:moveTo>
+                <a:lnTo>
+                  <a:pt x="160" y="166"/>
+                </a:lnTo>
+                <a:lnTo>
+                  <a:pt x="461" y="166"/>
+                </a:lnTo>
+                <a:lnTo>
+                  <a:pt x="461" y="0"/>
+                </a:lnTo>
+                <a:lnTo>
+                  <a:pt x="160" y="0"/>
+                </a:lnTo>
+                <a:close/>
+              </a:path>
+            </a:pathLst>
+          </a:custGeom>
+          <a:solidFill>
+            <a:schemeClr val="bg1"/>
+          </a:solidFill>
+          <a:ln>
+            <a:noFill/>
+          </a:ln>
+          <a:effectLst/>
+        </p:spPr>
+        <p:txBody>
+          <a:bodyPr wrap="none" anchor="ctr"/>
+          <a:lstStyle/>
+          <a:p>
+            <a:endParaRPr lang="en-US" sz="1350"/>
+          </a:p>
+        </p:txBody>
+      </p:sp>
+      <p:sp>
+        <p:nvSpPr>
+          <p:cNvPr id="21" name="Freeform 474">
+            <a:extLst>
+              <a:ext uri="{FF2B5EF4-FFF2-40B4-BE49-F238E27FC236}">
+                <a16:creationId xmlns:a16="http://schemas.microsoft.com/office/drawing/2014/main" id="{D129C0D6-3A24-430A-9AEB-CC64BDEECA0F}"/>
+              </a:ext>
+            </a:extLst>
+          </p:cNvPr>
+          <p:cNvSpPr>
+            <a:spLocks noEditPoints="1"/>
+          </p:cNvSpPr>
+          <p:nvPr/>
+        </p:nvSpPr>
+        <p:spPr bwMode="auto">
+          <a:xfrm>
+            <a:off x="9672383" y="5494534"/>
+            <a:ext cx="364966" cy="361736"/>
+          </a:xfrm>
+          <a:custGeom>
+            <a:avLst/>
+            <a:gdLst>
+              <a:gd name="T0" fmla="*/ 157 w 186"/>
+              <a:gd name="T1" fmla="*/ 159 h 185"/>
+              <a:gd name="T2" fmla="*/ 186 w 186"/>
+              <a:gd name="T3" fmla="*/ 93 h 185"/>
+              <a:gd name="T4" fmla="*/ 93 w 186"/>
+              <a:gd name="T5" fmla="*/ 0 h 185"/>
+              <a:gd name="T6" fmla="*/ 0 w 186"/>
+              <a:gd name="T7" fmla="*/ 93 h 185"/>
+              <a:gd name="T8" fmla="*/ 29 w 186"/>
+              <a:gd name="T9" fmla="*/ 159 h 185"/>
+              <a:gd name="T10" fmla="*/ 18 w 186"/>
+              <a:gd name="T11" fmla="*/ 178 h 185"/>
+              <a:gd name="T12" fmla="*/ 17 w 186"/>
+              <a:gd name="T13" fmla="*/ 181 h 185"/>
+              <a:gd name="T14" fmla="*/ 21 w 186"/>
+              <a:gd name="T15" fmla="*/ 185 h 185"/>
+              <a:gd name="T16" fmla="*/ 24 w 186"/>
+              <a:gd name="T17" fmla="*/ 184 h 185"/>
+              <a:gd name="T18" fmla="*/ 25 w 186"/>
+              <a:gd name="T19" fmla="*/ 182 h 185"/>
+              <a:gd name="T20" fmla="*/ 35 w 186"/>
+              <a:gd name="T21" fmla="*/ 165 h 185"/>
+              <a:gd name="T22" fmla="*/ 93 w 186"/>
+              <a:gd name="T23" fmla="*/ 185 h 185"/>
+              <a:gd name="T24" fmla="*/ 151 w 186"/>
+              <a:gd name="T25" fmla="*/ 165 h 185"/>
+              <a:gd name="T26" fmla="*/ 161 w 186"/>
+              <a:gd name="T27" fmla="*/ 182 h 185"/>
+              <a:gd name="T28" fmla="*/ 165 w 186"/>
+              <a:gd name="T29" fmla="*/ 185 h 185"/>
+              <a:gd name="T30" fmla="*/ 169 w 186"/>
+              <a:gd name="T31" fmla="*/ 181 h 185"/>
+              <a:gd name="T32" fmla="*/ 168 w 186"/>
+              <a:gd name="T33" fmla="*/ 178 h 185"/>
+              <a:gd name="T34" fmla="*/ 157 w 186"/>
+              <a:gd name="T35" fmla="*/ 159 h 185"/>
+              <a:gd name="T36" fmla="*/ 93 w 186"/>
+              <a:gd name="T37" fmla="*/ 177 h 185"/>
+              <a:gd name="T38" fmla="*/ 9 w 186"/>
+              <a:gd name="T39" fmla="*/ 93 h 185"/>
+              <a:gd name="T40" fmla="*/ 93 w 186"/>
+              <a:gd name="T41" fmla="*/ 8 h 185"/>
+              <a:gd name="T42" fmla="*/ 177 w 186"/>
+              <a:gd name="T43" fmla="*/ 93 h 185"/>
+              <a:gd name="T44" fmla="*/ 93 w 186"/>
+              <a:gd name="T45" fmla="*/ 177 h 185"/>
+              <a:gd name="T46" fmla="*/ 93 w 186"/>
+              <a:gd name="T47" fmla="*/ 34 h 185"/>
+              <a:gd name="T48" fmla="*/ 34 w 186"/>
+              <a:gd name="T49" fmla="*/ 93 h 185"/>
+              <a:gd name="T50" fmla="*/ 93 w 186"/>
+              <a:gd name="T51" fmla="*/ 152 h 185"/>
+              <a:gd name="T52" fmla="*/ 152 w 186"/>
+              <a:gd name="T53" fmla="*/ 93 h 185"/>
+              <a:gd name="T54" fmla="*/ 93 w 186"/>
+              <a:gd name="T55" fmla="*/ 34 h 185"/>
+              <a:gd name="T56" fmla="*/ 93 w 186"/>
+              <a:gd name="T57" fmla="*/ 143 h 185"/>
+              <a:gd name="T58" fmla="*/ 42 w 186"/>
+              <a:gd name="T59" fmla="*/ 93 h 185"/>
+              <a:gd name="T60" fmla="*/ 93 w 186"/>
+              <a:gd name="T61" fmla="*/ 42 h 185"/>
+              <a:gd name="T62" fmla="*/ 144 w 186"/>
+              <a:gd name="T63" fmla="*/ 93 h 185"/>
+              <a:gd name="T64" fmla="*/ 93 w 186"/>
+              <a:gd name="T65" fmla="*/ 143 h 185"/>
+              <a:gd name="T66" fmla="*/ 93 w 186"/>
+              <a:gd name="T67" fmla="*/ 67 h 185"/>
+              <a:gd name="T68" fmla="*/ 68 w 186"/>
+              <a:gd name="T69" fmla="*/ 93 h 185"/>
+              <a:gd name="T70" fmla="*/ 93 w 186"/>
+              <a:gd name="T71" fmla="*/ 118 h 185"/>
+              <a:gd name="T72" fmla="*/ 118 w 186"/>
+              <a:gd name="T73" fmla="*/ 93 h 185"/>
+              <a:gd name="T74" fmla="*/ 93 w 186"/>
+              <a:gd name="T75" fmla="*/ 67 h 185"/>
+              <a:gd name="T76" fmla="*/ 93 w 186"/>
+              <a:gd name="T77" fmla="*/ 109 h 185"/>
+              <a:gd name="T78" fmla="*/ 76 w 186"/>
+              <a:gd name="T79" fmla="*/ 93 h 185"/>
+              <a:gd name="T80" fmla="*/ 93 w 186"/>
+              <a:gd name="T81" fmla="*/ 76 h 185"/>
+              <a:gd name="T82" fmla="*/ 110 w 186"/>
+              <a:gd name="T83" fmla="*/ 93 h 185"/>
+              <a:gd name="T84" fmla="*/ 93 w 186"/>
+              <a:gd name="T85" fmla="*/ 109 h 185"/>
+            </a:gdLst>
+            <a:ahLst/>
+            <a:cxnLst>
+              <a:cxn ang="0">
+                <a:pos x="T0" y="T1"/>
+              </a:cxn>
+              <a:cxn ang="0">
+                <a:pos x="T2" y="T3"/>
+              </a:cxn>
+              <a:cxn ang="0">
+                <a:pos x="T4" y="T5"/>
+              </a:cxn>
+              <a:cxn ang="0">
+                <a:pos x="T6" y="T7"/>
+              </a:cxn>
+              <a:cxn ang="0">
+                <a:pos x="T8" y="T9"/>
+              </a:cxn>
+              <a:cxn ang="0">
+                <a:pos x="T10" y="T11"/>
+              </a:cxn>
+              <a:cxn ang="0">
+                <a:pos x="T12" y="T13"/>
+              </a:cxn>
+              <a:cxn ang="0">
+                <a:pos x="T14" y="T15"/>
+              </a:cxn>
+              <a:cxn ang="0">
+                <a:pos x="T16" y="T17"/>
+              </a:cxn>
+              <a:cxn ang="0">
+                <a:pos x="T18" y="T19"/>
+              </a:cxn>
+              <a:cxn ang="0">
+                <a:pos x="T20" y="T21"/>
+              </a:cxn>
+              <a:cxn ang="0">
+                <a:pos x="T22" y="T23"/>
+              </a:cxn>
+              <a:cxn ang="0">
+                <a:pos x="T24" y="T25"/>
+              </a:cxn>
+              <a:cxn ang="0">
+                <a:pos x="T26" y="T27"/>
+              </a:cxn>
+              <a:cxn ang="0">
+                <a:pos x="T28" y="T29"/>
+              </a:cxn>
+              <a:cxn ang="0">
+                <a:pos x="T30" y="T31"/>
+              </a:cxn>
+              <a:cxn ang="0">
+                <a:pos x="T32" y="T33"/>
+              </a:cxn>
+              <a:cxn ang="0">
+                <a:pos x="T34" y="T35"/>
+              </a:cxn>
+              <a:cxn ang="0">
+                <a:pos x="T36" y="T37"/>
+              </a:cxn>
+              <a:cxn ang="0">
+                <a:pos x="T38" y="T39"/>
+              </a:cxn>
+              <a:cxn ang="0">
+                <a:pos x="T40" y="T41"/>
+              </a:cxn>
+              <a:cxn ang="0">
+                <a:pos x="T42" y="T43"/>
+              </a:cxn>
+              <a:cxn ang="0">
+                <a:pos x="T44" y="T45"/>
+              </a:cxn>
+              <a:cxn ang="0">
+                <a:pos x="T46" y="T47"/>
+              </a:cxn>
+              <a:cxn ang="0">
+                <a:pos x="T48" y="T49"/>
+              </a:cxn>
+              <a:cxn ang="0">
+                <a:pos x="T50" y="T51"/>
+              </a:cxn>
+              <a:cxn ang="0">
+                <a:pos x="T52" y="T53"/>
+              </a:cxn>
+              <a:cxn ang="0">
+                <a:pos x="T54" y="T55"/>
+              </a:cxn>
+              <a:cxn ang="0">
+                <a:pos x="T56" y="T57"/>
+              </a:cxn>
+              <a:cxn ang="0">
+                <a:pos x="T58" y="T59"/>
+              </a:cxn>
+              <a:cxn ang="0">
+                <a:pos x="T60" y="T61"/>
+              </a:cxn>
+              <a:cxn ang="0">
+                <a:pos x="T62" y="T63"/>
+              </a:cxn>
+              <a:cxn ang="0">
+                <a:pos x="T64" y="T65"/>
+              </a:cxn>
+              <a:cxn ang="0">
+                <a:pos x="T66" y="T67"/>
+              </a:cxn>
+              <a:cxn ang="0">
+                <a:pos x="T68" y="T69"/>
+              </a:cxn>
+              <a:cxn ang="0">
+                <a:pos x="T70" y="T71"/>
+              </a:cxn>
+              <a:cxn ang="0">
+                <a:pos x="T72" y="T73"/>
+              </a:cxn>
+              <a:cxn ang="0">
+                <a:pos x="T74" y="T75"/>
+              </a:cxn>
+              <a:cxn ang="0">
+                <a:pos x="T76" y="T77"/>
+              </a:cxn>
+              <a:cxn ang="0">
+                <a:pos x="T78" y="T79"/>
+              </a:cxn>
+              <a:cxn ang="0">
+                <a:pos x="T80" y="T81"/>
+              </a:cxn>
+              <a:cxn ang="0">
+                <a:pos x="T82" y="T83"/>
+              </a:cxn>
+              <a:cxn ang="0">
+                <a:pos x="T84" y="T85"/>
+              </a:cxn>
+            </a:cxnLst>
+            <a:rect l="0" t="0" r="r" b="b"/>
+            <a:pathLst>
+              <a:path w="186" h="185">
+                <a:moveTo>
+                  <a:pt x="157" y="159"/>
+                </a:moveTo>
+                <a:cubicBezTo>
+                  <a:pt x="175" y="143"/>
+                  <a:pt x="186" y="119"/>
+                  <a:pt x="186" y="93"/>
+                </a:cubicBezTo>
+                <a:cubicBezTo>
+                  <a:pt x="186" y="41"/>
+                  <a:pt x="144" y="0"/>
+                  <a:pt x="93" y="0"/>
+                </a:cubicBezTo>
+                <a:cubicBezTo>
+                  <a:pt x="42" y="0"/>
+                  <a:pt x="0" y="41"/>
+                  <a:pt x="0" y="93"/>
+                </a:cubicBezTo>
+                <a:cubicBezTo>
+                  <a:pt x="0" y="119"/>
+                  <a:pt x="11" y="143"/>
+                  <a:pt x="29" y="159"/>
+                </a:cubicBezTo>
+                <a:cubicBezTo>
+                  <a:pt x="18" y="178"/>
+                  <a:pt x="18" y="178"/>
+                  <a:pt x="18" y="178"/>
+                </a:cubicBezTo>
+                <a:cubicBezTo>
+                  <a:pt x="18" y="179"/>
+                  <a:pt x="17" y="180"/>
+                  <a:pt x="17" y="181"/>
+                </a:cubicBezTo>
+                <a:cubicBezTo>
+                  <a:pt x="17" y="183"/>
+                  <a:pt x="19" y="185"/>
+                  <a:pt x="21" y="185"/>
+                </a:cubicBezTo>
+                <a:cubicBezTo>
+                  <a:pt x="22" y="185"/>
+                  <a:pt x="24" y="185"/>
+                  <a:pt x="24" y="184"/>
+                </a:cubicBezTo>
+                <a:cubicBezTo>
+                  <a:pt x="25" y="184"/>
+                  <a:pt x="25" y="183"/>
+                  <a:pt x="25" y="182"/>
+                </a:cubicBezTo>
+                <a:cubicBezTo>
+                  <a:pt x="35" y="165"/>
+                  <a:pt x="35" y="165"/>
+                  <a:pt x="35" y="165"/>
+                </a:cubicBezTo>
+                <a:cubicBezTo>
+                  <a:pt x="51" y="178"/>
+                  <a:pt x="71" y="185"/>
+                  <a:pt x="93" y="185"/>
+                </a:cubicBezTo>
+                <a:cubicBezTo>
+                  <a:pt x="115" y="185"/>
+                  <a:pt x="135" y="178"/>
+                  <a:pt x="151" y="165"/>
+                </a:cubicBezTo>
+                <a:cubicBezTo>
+                  <a:pt x="161" y="182"/>
+                  <a:pt x="161" y="182"/>
+                  <a:pt x="161" y="182"/>
+                </a:cubicBezTo>
+                <a:cubicBezTo>
+                  <a:pt x="161" y="184"/>
+                  <a:pt x="163" y="185"/>
+                  <a:pt x="165" y="185"/>
+                </a:cubicBezTo>
+                <a:cubicBezTo>
+                  <a:pt x="167" y="185"/>
+                  <a:pt x="169" y="183"/>
+                  <a:pt x="169" y="181"/>
+                </a:cubicBezTo>
+                <a:cubicBezTo>
+                  <a:pt x="169" y="180"/>
+                  <a:pt x="168" y="179"/>
+                  <a:pt x="168" y="178"/>
+                </a:cubicBezTo>
+                <a:lnTo>
+                  <a:pt x="157" y="159"/>
+                </a:lnTo>
+                <a:close/>
+                <a:moveTo>
+                  <a:pt x="93" y="177"/>
+                </a:moveTo>
+                <a:cubicBezTo>
+                  <a:pt x="46" y="177"/>
+                  <a:pt x="9" y="139"/>
+                  <a:pt x="9" y="93"/>
+                </a:cubicBezTo>
+                <a:cubicBezTo>
+                  <a:pt x="9" y="46"/>
+                  <a:pt x="46" y="8"/>
+                  <a:pt x="93" y="8"/>
+                </a:cubicBezTo>
+                <a:cubicBezTo>
+                  <a:pt x="140" y="8"/>
+                  <a:pt x="177" y="46"/>
+                  <a:pt x="177" y="93"/>
+                </a:cubicBezTo>
+                <a:cubicBezTo>
+                  <a:pt x="177" y="139"/>
+                  <a:pt x="140" y="177"/>
+                  <a:pt x="93" y="177"/>
+                </a:cubicBezTo>
+                <a:close/>
+                <a:moveTo>
+                  <a:pt x="93" y="34"/>
+                </a:moveTo>
+                <a:cubicBezTo>
+                  <a:pt x="60" y="34"/>
+                  <a:pt x="34" y="60"/>
+                  <a:pt x="34" y="93"/>
+                </a:cubicBezTo>
+                <a:cubicBezTo>
+                  <a:pt x="34" y="125"/>
+                  <a:pt x="60" y="152"/>
+                  <a:pt x="93" y="152"/>
+                </a:cubicBezTo>
+                <a:cubicBezTo>
+                  <a:pt x="126" y="152"/>
+                  <a:pt x="152" y="125"/>
+                  <a:pt x="152" y="93"/>
+                </a:cubicBezTo>
+                <a:cubicBezTo>
+                  <a:pt x="152" y="60"/>
+                  <a:pt x="126" y="34"/>
+                  <a:pt x="93" y="34"/>
+                </a:cubicBezTo>
+                <a:close/>
+                <a:moveTo>
+                  <a:pt x="93" y="143"/>
+                </a:moveTo>
+                <a:cubicBezTo>
+                  <a:pt x="65" y="143"/>
+                  <a:pt x="42" y="121"/>
+                  <a:pt x="42" y="93"/>
+                </a:cubicBezTo>
+                <a:cubicBezTo>
+                  <a:pt x="42" y="65"/>
+                  <a:pt x="65" y="42"/>
+                  <a:pt x="93" y="42"/>
+                </a:cubicBezTo>
+                <a:cubicBezTo>
+                  <a:pt x="121" y="42"/>
+                  <a:pt x="144" y="65"/>
+                  <a:pt x="144" y="93"/>
+                </a:cubicBezTo>
+                <a:cubicBezTo>
+                  <a:pt x="144" y="121"/>
+                  <a:pt x="121" y="143"/>
+                  <a:pt x="93" y="143"/>
+                </a:cubicBezTo>
+                <a:close/>
+                <a:moveTo>
+                  <a:pt x="93" y="67"/>
+                </a:moveTo>
+                <a:cubicBezTo>
+                  <a:pt x="79" y="67"/>
+                  <a:pt x="68" y="79"/>
+                  <a:pt x="68" y="93"/>
+                </a:cubicBezTo>
+                <a:cubicBezTo>
+                  <a:pt x="68" y="107"/>
+                  <a:pt x="79" y="118"/>
+                  <a:pt x="93" y="118"/>
+                </a:cubicBezTo>
+                <a:cubicBezTo>
+                  <a:pt x="107" y="118"/>
+                  <a:pt x="118" y="107"/>
+                  <a:pt x="118" y="93"/>
+                </a:cubicBezTo>
+                <a:cubicBezTo>
+                  <a:pt x="118" y="79"/>
+                  <a:pt x="107" y="67"/>
+                  <a:pt x="93" y="67"/>
+                </a:cubicBezTo>
+                <a:close/>
+                <a:moveTo>
+                  <a:pt x="93" y="109"/>
+                </a:moveTo>
+                <a:cubicBezTo>
+                  <a:pt x="84" y="109"/>
+                  <a:pt x="76" y="102"/>
+                  <a:pt x="76" y="93"/>
+                </a:cubicBezTo>
+                <a:cubicBezTo>
+                  <a:pt x="76" y="83"/>
+                  <a:pt x="84" y="76"/>
+                  <a:pt x="93" y="76"/>
+                </a:cubicBezTo>
+                <a:cubicBezTo>
+                  <a:pt x="102" y="76"/>
+                  <a:pt x="110" y="83"/>
+                  <a:pt x="110" y="93"/>
+                </a:cubicBezTo>
+                <a:cubicBezTo>
+                  <a:pt x="110" y="102"/>
+                  <a:pt x="102" y="109"/>
+                  <a:pt x="93" y="109"/>
+                </a:cubicBezTo>
+                <a:close/>
+              </a:path>
+            </a:pathLst>
+          </a:custGeom>
+          <a:solidFill>
+            <a:schemeClr val="bg1"/>
+          </a:solidFill>
+          <a:ln>
+            <a:noFill/>
+          </a:ln>
+        </p:spPr>
+        <p:txBody>
+          <a:bodyPr vert="horz" wrap="square" lIns="68580" tIns="34290" rIns="68580" bIns="34290" numCol="1" anchor="t" anchorCtr="0" compatLnSpc="1">
+            <a:prstTxWarp prst="textNoShape">
+              <a:avLst/>
+            </a:prstTxWarp>
+          </a:bodyPr>
+          <a:lstStyle/>
+          <a:p>
+            <a:endParaRPr lang="en-US" sz="1350"/>
           </a:p>
         </p:txBody>
       </p:sp>
@@ -19836,7 +20295,7 @@
         <p:spPr>
           <a:xfrm>
             <a:off x="367032" y="1357105"/>
-            <a:ext cx="8150655" cy="4992276"/>
+            <a:ext cx="8311142" cy="5233738"/>
           </a:xfrm>
           <a:prstGeom prst="rect">
             <a:avLst/>
@@ -19878,52 +20337,6 @@
               <a:ea typeface="Roboto Light" charset="0"/>
               <a:cs typeface="Roboto Light" charset="0"/>
             </a:endParaRPr>
-          </a:p>
-        </p:txBody>
-      </p:sp>
-      <p:sp>
-        <p:nvSpPr>
-          <p:cNvPr id="24" name="Rectangle 23"/>
-          <p:cNvSpPr/>
-          <p:nvPr/>
-        </p:nvSpPr>
-        <p:spPr>
-          <a:xfrm>
-            <a:off x="1680117" y="2072513"/>
-            <a:ext cx="5531005" cy="3471037"/>
-          </a:xfrm>
-          <a:prstGeom prst="rect">
-            <a:avLst/>
-          </a:prstGeom>
-          <a:solidFill>
-            <a:schemeClr val="bg1"/>
-          </a:solidFill>
-          <a:ln>
-            <a:noFill/>
-          </a:ln>
-        </p:spPr>
-        <p:style>
-          <a:lnRef idx="2">
-            <a:schemeClr val="accent1">
-              <a:shade val="50000"/>
-            </a:schemeClr>
-          </a:lnRef>
-          <a:fillRef idx="1">
-            <a:schemeClr val="accent1"/>
-          </a:fillRef>
-          <a:effectRef idx="0">
-            <a:schemeClr val="accent1"/>
-          </a:effectRef>
-          <a:fontRef idx="minor">
-            <a:schemeClr val="lt1"/>
-          </a:fontRef>
-        </p:style>
-        <p:txBody>
-          <a:bodyPr rtlCol="0" anchor="ctr"/>
-          <a:lstStyle/>
-          <a:p>
-            <a:pPr algn="ctr"/>
-            <a:endParaRPr lang="en-US"/>
           </a:p>
         </p:txBody>
       </p:sp>
@@ -19965,16 +20378,14 @@
       </p:sp>
       <p:pic>
         <p:nvPicPr>
-          <p:cNvPr id="14" name="Image 13">
+          <p:cNvPr id="11" name="Image 10">
             <a:extLst>
               <a:ext uri="{FF2B5EF4-FFF2-40B4-BE49-F238E27FC236}">
-                <a16:creationId xmlns:a16="http://schemas.microsoft.com/office/drawing/2014/main" id="{FA8497AC-4CE2-4BD6-B1D1-57C7C194997A}"/>
+                <a16:creationId xmlns:a16="http://schemas.microsoft.com/office/drawing/2014/main" id="{116BD681-1D2E-46EC-B537-E908AB503DD9}"/>
               </a:ext>
             </a:extLst>
           </p:cNvPr>
-          <p:cNvPicPr>
-            <a:picLocks noChangeAspect="1"/>
-          </p:cNvPicPr>
+          <p:cNvPicPr/>
           <p:nvPr/>
         </p:nvPicPr>
         <p:blipFill>
@@ -19985,8 +20396,8 @@
         </p:blipFill>
         <p:spPr>
           <a:xfrm>
-            <a:off x="2922402" y="2365546"/>
-            <a:ext cx="3039914" cy="2749979"/>
+            <a:off x="1698134" y="2098393"/>
+            <a:ext cx="5648938" cy="3629547"/>
           </a:xfrm>
           <a:prstGeom prst="rect">
             <a:avLst/>
@@ -20161,7 +20572,7 @@
             <a:lstStyle/>
             <a:p>
               <a:r>
-                <a:rPr lang="en-US" dirty="0" err="1">
+                <a:rPr lang="en-US" dirty="0">
                   <a:solidFill>
                     <a:schemeClr val="tx1"/>
                   </a:solidFill>
@@ -20169,16 +20580,8 @@
                   <a:ea typeface="Roboto Light" charset="0"/>
                   <a:cs typeface="Roboto Light" charset="0"/>
                 </a:rPr>
-                <a:t>Organisation</a:t>
+                <a:t>Gestion</a:t>
               </a:r>
-              <a:endParaRPr lang="en-US" dirty="0">
-                <a:solidFill>
-                  <a:schemeClr val="tx1"/>
-                </a:solidFill>
-                <a:latin typeface="Roboto Light" charset="0"/>
-                <a:ea typeface="Roboto Light" charset="0"/>
-                <a:cs typeface="Roboto Light" charset="0"/>
-              </a:endParaRPr>
             </a:p>
           </p:txBody>
         </p:sp>
@@ -20299,7 +20702,7 @@
             <a:lstStyle/>
             <a:p>
               <a:r>
-                <a:rPr lang="en-US" dirty="0">
+                <a:rPr lang="en-US" dirty="0" err="1">
                   <a:solidFill>
                     <a:schemeClr val="tx1"/>
                   </a:solidFill>
@@ -20307,8 +20710,16 @@
                   <a:ea typeface="Roboto Light" charset="0"/>
                   <a:cs typeface="Roboto Light" charset="0"/>
                 </a:rPr>
-                <a:t>Presentation after Break</a:t>
+                <a:t>Déroulement</a:t>
               </a:r>
+              <a:endParaRPr lang="en-US" dirty="0">
+                <a:solidFill>
+                  <a:schemeClr val="tx1"/>
+                </a:solidFill>
+                <a:latin typeface="Roboto Light" charset="0"/>
+                <a:ea typeface="Roboto Light" charset="0"/>
+                <a:cs typeface="Roboto Light" charset="0"/>
+              </a:endParaRPr>
             </a:p>
           </p:txBody>
         </p:sp>
@@ -20429,7 +20840,7 @@
             <a:lstStyle/>
             <a:p>
               <a:r>
-                <a:rPr lang="en-US" dirty="0">
+                <a:rPr lang="en-US" dirty="0" err="1">
                   <a:solidFill>
                     <a:schemeClr val="tx1"/>
                   </a:solidFill>
@@ -20437,8 +20848,16 @@
                   <a:ea typeface="Roboto Light" charset="0"/>
                   <a:cs typeface="Roboto Light" charset="0"/>
                 </a:rPr>
-                <a:t>Closure</a:t>
+                <a:t>Rétrospective</a:t>
               </a:r>
+              <a:endParaRPr lang="en-US" dirty="0">
+                <a:solidFill>
+                  <a:schemeClr val="tx1"/>
+                </a:solidFill>
+                <a:latin typeface="Roboto Light" charset="0"/>
+                <a:ea typeface="Roboto Light" charset="0"/>
+                <a:cs typeface="Roboto Light" charset="0"/>
+              </a:endParaRPr>
             </a:p>
           </p:txBody>
         </p:sp>
@@ -20546,18 +20965,9 @@
                 <a:ea typeface="Roboto Light" charset="0"/>
                 <a:cs typeface="Roboto Light" charset="0"/>
               </a:rPr>
-              <a:t>Charge de travail conséquente</a:t>
-            </a:r>
-          </a:p>
-          <a:p>
-            <a:pPr marL="380990" indent="-380990">
-              <a:buClr>
-                <a:schemeClr val="accent2"/>
-              </a:buClr>
-              <a:buFont typeface="Raleway" panose="020B0003030101060003" pitchFamily="34" charset="0"/>
-              <a:buChar char="—"/>
-            </a:pPr>
-            <a:endParaRPr lang="fr-CH" sz="1200" dirty="0">
+              <a:t>Organisation globalement bonne</a:t>
+            </a:r>
+            <a:endParaRPr lang="fr-FR" sz="1200" dirty="0">
               <a:solidFill>
                 <a:schemeClr val="tx1">
                   <a:lumMod val="50000"/>
@@ -20577,8 +20987,28 @@
               <a:buFont typeface="Raleway" panose="020B0003030101060003" pitchFamily="34" charset="0"/>
               <a:buChar char="—"/>
             </a:pPr>
-            <a:r>
-              <a:rPr lang="fr-CH" sz="1200" dirty="0">
+            <a:endParaRPr lang="fr-FR" sz="1200" dirty="0">
+              <a:solidFill>
+                <a:schemeClr val="tx1">
+                  <a:lumMod val="50000"/>
+                  <a:lumOff val="50000"/>
+                </a:schemeClr>
+              </a:solidFill>
+              <a:latin typeface="Roboto Light" charset="0"/>
+              <a:ea typeface="Roboto Light" charset="0"/>
+              <a:cs typeface="Roboto Light" charset="0"/>
+            </a:endParaRPr>
+          </a:p>
+          <a:p>
+            <a:pPr marL="380990" indent="-380990">
+              <a:buClr>
+                <a:schemeClr val="accent2"/>
+              </a:buClr>
+              <a:buFont typeface="Raleway" panose="020B0003030101060003" pitchFamily="34" charset="0"/>
+              <a:buChar char="—"/>
+            </a:pPr>
+            <a:r>
+              <a:rPr lang="fr-FR" sz="1200" dirty="0">
                 <a:solidFill>
                   <a:schemeClr val="tx1">
                     <a:lumMod val="50000"/>
@@ -20589,7 +21019,7 @@
                 <a:ea typeface="Roboto Light" charset="0"/>
                 <a:cs typeface="Roboto Light" charset="0"/>
               </a:rPr>
-              <a:t>Souvent à la dernière minute</a:t>
+              <a:t>Régularité</a:t>
             </a:r>
           </a:p>
           <a:p>
@@ -20600,7 +21030,7 @@
               <a:buFont typeface="Raleway" panose="020B0003030101060003" pitchFamily="34" charset="0"/>
               <a:buChar char="—"/>
             </a:pPr>
-            <a:endParaRPr lang="fr-CH" sz="1200" dirty="0">
+            <a:endParaRPr lang="fr-FR" sz="1200" dirty="0">
               <a:solidFill>
                 <a:schemeClr val="tx1">
                   <a:lumMod val="50000"/>
@@ -20621,7 +21051,7 @@
               <a:buChar char="—"/>
             </a:pPr>
             <a:r>
-              <a:rPr lang="fr-CH" sz="1200" dirty="0">
+              <a:rPr lang="fr-FR" sz="1200" dirty="0">
                 <a:solidFill>
                   <a:schemeClr val="tx1">
                     <a:lumMod val="50000"/>
@@ -20632,8 +21062,62 @@
                 <a:ea typeface="Roboto Light" charset="0"/>
                 <a:cs typeface="Roboto Light" charset="0"/>
               </a:rPr>
-              <a:t>Sous-estimation du travail à effectuer</a:t>
-            </a:r>
+              <a:t>Sous-estimations des tâches</a:t>
+            </a:r>
+          </a:p>
+          <a:p>
+            <a:pPr marL="380990" indent="-380990">
+              <a:buClr>
+                <a:schemeClr val="accent2"/>
+              </a:buClr>
+              <a:buFont typeface="Raleway" panose="020B0003030101060003" pitchFamily="34" charset="0"/>
+              <a:buChar char="—"/>
+            </a:pPr>
+            <a:endParaRPr lang="fr-FR" sz="1200" dirty="0">
+              <a:solidFill>
+                <a:schemeClr val="tx1">
+                  <a:lumMod val="50000"/>
+                  <a:lumOff val="50000"/>
+                </a:schemeClr>
+              </a:solidFill>
+              <a:latin typeface="Roboto Light" charset="0"/>
+              <a:ea typeface="Roboto Light" charset="0"/>
+              <a:cs typeface="Roboto Light" charset="0"/>
+            </a:endParaRPr>
+          </a:p>
+          <a:p>
+            <a:pPr marL="380990" indent="-380990">
+              <a:buClr>
+                <a:schemeClr val="accent2"/>
+              </a:buClr>
+              <a:buFont typeface="Raleway" panose="020B0003030101060003" pitchFamily="34" charset="0"/>
+              <a:buChar char="—"/>
+            </a:pPr>
+            <a:r>
+              <a:rPr lang="fr-FR" sz="1200" b="1" dirty="0">
+                <a:solidFill>
+                  <a:schemeClr val="tx1">
+                    <a:lumMod val="50000"/>
+                    <a:lumOff val="50000"/>
+                  </a:schemeClr>
+                </a:solidFill>
+                <a:latin typeface="Roboto Light" charset="0"/>
+                <a:ea typeface="Roboto Light" charset="0"/>
+                <a:cs typeface="Roboto Light" charset="0"/>
+              </a:rPr>
+              <a:t>Fin de semaine un peu chargée</a:t>
+            </a:r>
+            <a:endParaRPr lang="fr-CH" sz="1200" b="1" dirty="0">
+              <a:solidFill>
+                <a:schemeClr val="tx1">
+                  <a:lumMod val="50000"/>
+                  <a:lumOff val="50000"/>
+                </a:schemeClr>
+              </a:solidFill>
+              <a:latin typeface="Roboto Light" charset="0"/>
+              <a:ea typeface="Roboto Light" charset="0"/>
+              <a:cs typeface="Roboto Light" charset="0"/>
+            </a:endParaRPr>
           </a:p>
         </p:txBody>
       </p:sp>
@@ -20664,7 +21148,7 @@
         </p:spPr>
         <p:txBody>
           <a:bodyPr wrap="square" lIns="254000" tIns="254000" rIns="254000" bIns="254000" rtlCol="0">
-            <a:spAutoFit/>
+            <a:noAutofit/>
           </a:bodyPr>
           <a:lstStyle/>
           <a:p>
@@ -20675,6 +21159,20 @@
               <a:buFont typeface="Raleway" panose="020B0003030101060003" pitchFamily="34" charset="0"/>
               <a:buChar char="—"/>
             </a:pPr>
+            <a:r>
+              <a:rPr lang="en-US" sz="1200" dirty="0" err="1">
+                <a:solidFill>
+                  <a:schemeClr val="tx1">
+                    <a:lumMod val="50000"/>
+                    <a:lumOff val="50000"/>
+                  </a:schemeClr>
+                </a:solidFill>
+                <a:latin typeface="Roboto Light" charset="0"/>
+                <a:ea typeface="Roboto Light" charset="0"/>
+                <a:cs typeface="Roboto Light" charset="0"/>
+              </a:rPr>
+              <a:t>Départ</a:t>
+            </a:r>
             <a:r>
               <a:rPr lang="en-US" sz="1200" dirty="0">
                 <a:solidFill>
@@ -20687,15 +21185,22 @@
                 <a:ea typeface="Roboto Light" charset="0"/>
                 <a:cs typeface="Roboto Light" charset="0"/>
               </a:rPr>
-              <a:t>Sesame snaps jelly dessert tootsie roll sweet roll. </a:t>
-            </a:r>
-          </a:p>
-          <a:p>
-            <a:pPr>
-              <a:buClr>
-                <a:schemeClr val="accent2"/>
-              </a:buClr>
-            </a:pPr>
+              <a:t> </a:t>
+            </a:r>
+            <a:r>
+              <a:rPr lang="en-US" sz="1200" dirty="0" err="1">
+                <a:solidFill>
+                  <a:schemeClr val="tx1">
+                    <a:lumMod val="50000"/>
+                    <a:lumOff val="50000"/>
+                  </a:schemeClr>
+                </a:solidFill>
+                <a:latin typeface="Roboto Light" charset="0"/>
+                <a:ea typeface="Roboto Light" charset="0"/>
+                <a:cs typeface="Roboto Light" charset="0"/>
+              </a:rPr>
+              <a:t>satisfaisant</a:t>
+            </a:r>
             <a:endParaRPr lang="en-US" sz="1200" dirty="0">
               <a:solidFill>
                 <a:schemeClr val="tx1">
@@ -20707,29 +21212,6 @@
               <a:ea typeface="Roboto Light" charset="0"/>
               <a:cs typeface="Roboto Light" charset="0"/>
             </a:endParaRPr>
-          </a:p>
-          <a:p>
-            <a:pPr marL="380990" indent="-380990">
-              <a:buClr>
-                <a:schemeClr val="accent2"/>
-              </a:buClr>
-              <a:buFont typeface="Raleway" panose="020B0003030101060003" pitchFamily="34" charset="0"/>
-              <a:buChar char="—"/>
-            </a:pPr>
-            <a:r>
-              <a:rPr lang="en-US" sz="1200" dirty="0">
-                <a:solidFill>
-                  <a:schemeClr val="tx1">
-                    <a:lumMod val="50000"/>
-                    <a:lumOff val="50000"/>
-                  </a:schemeClr>
-                </a:solidFill>
-                <a:latin typeface="Roboto Light" charset="0"/>
-                <a:ea typeface="Roboto Light" charset="0"/>
-                <a:cs typeface="Roboto Light" charset="0"/>
-              </a:rPr>
-              <a:t>Muffin marshmallow ice cream. Macaroon lemon</a:t>
-            </a:r>
           </a:p>
           <a:p>
             <a:pPr marL="380990" indent="-380990">
@@ -20771,8 +21253,33 @@
                 <a:ea typeface="Roboto Light" charset="0"/>
                 <a:cs typeface="Roboto Light" charset="0"/>
               </a:rPr>
-              <a:t>Cake apple pie bonbon jelly-o cake. Cake pudding ice</a:t>
-            </a:r>
+              <a:t>Retard de </a:t>
+            </a:r>
+            <a:r>
+              <a:rPr lang="en-US" sz="1200" dirty="0" err="1">
+                <a:solidFill>
+                  <a:schemeClr val="tx1">
+                    <a:lumMod val="50000"/>
+                    <a:lumOff val="50000"/>
+                  </a:schemeClr>
+                </a:solidFill>
+                <a:latin typeface="Roboto Light" charset="0"/>
+                <a:ea typeface="Roboto Light" charset="0"/>
+                <a:cs typeface="Roboto Light" charset="0"/>
+              </a:rPr>
+              <a:t>l'ascension</a:t>
+            </a:r>
+            <a:endParaRPr lang="en-US" sz="1200" dirty="0">
+              <a:solidFill>
+                <a:schemeClr val="tx1">
+                  <a:lumMod val="50000"/>
+                  <a:lumOff val="50000"/>
+                </a:schemeClr>
+              </a:solidFill>
+              <a:latin typeface="Roboto Light" charset="0"/>
+              <a:ea typeface="Roboto Light" charset="0"/>
+              <a:cs typeface="Roboto Light" charset="0"/>
+            </a:endParaRPr>
           </a:p>
           <a:p>
             <a:pPr marL="380990" indent="-380990">
@@ -20803,6 +21310,20 @@
               <a:buChar char="—"/>
             </a:pPr>
             <a:r>
+              <a:rPr lang="en-US" sz="1200" dirty="0" err="1">
+                <a:solidFill>
+                  <a:schemeClr val="tx1">
+                    <a:lumMod val="50000"/>
+                    <a:lumOff val="50000"/>
+                  </a:schemeClr>
+                </a:solidFill>
+                <a:latin typeface="Roboto Light" charset="0"/>
+                <a:ea typeface="Roboto Light" charset="0"/>
+                <a:cs typeface="Roboto Light" charset="0"/>
+              </a:rPr>
+              <a:t>Certaines</a:t>
+            </a:r>
+            <a:r>
               <a:rPr lang="en-US" sz="1200" dirty="0">
                 <a:solidFill>
                   <a:schemeClr val="tx1">
@@ -20814,8 +21335,61 @@
                 <a:ea typeface="Roboto Light" charset="0"/>
                 <a:cs typeface="Roboto Light" charset="0"/>
               </a:rPr>
-              <a:t>Jujubes sweet roll jelly-o chocolate bar wafer soufflé</a:t>
-            </a:r>
+              <a:t> </a:t>
+            </a:r>
+            <a:r>
+              <a:rPr lang="en-US" sz="1200" dirty="0" err="1">
+                <a:solidFill>
+                  <a:schemeClr val="tx1">
+                    <a:lumMod val="50000"/>
+                    <a:lumOff val="50000"/>
+                  </a:schemeClr>
+                </a:solidFill>
+                <a:latin typeface="Roboto Light" charset="0"/>
+                <a:ea typeface="Roboto Light" charset="0"/>
+                <a:cs typeface="Roboto Light" charset="0"/>
+              </a:rPr>
+              <a:t>fonctionnalités</a:t>
+            </a:r>
+            <a:r>
+              <a:rPr lang="en-US" sz="1200" dirty="0">
+                <a:solidFill>
+                  <a:schemeClr val="tx1">
+                    <a:lumMod val="50000"/>
+                    <a:lumOff val="50000"/>
+                  </a:schemeClr>
+                </a:solidFill>
+                <a:latin typeface="Roboto Light" charset="0"/>
+                <a:ea typeface="Roboto Light" charset="0"/>
+                <a:cs typeface="Roboto Light" charset="0"/>
+              </a:rPr>
+              <a:t> </a:t>
+            </a:r>
+            <a:r>
+              <a:rPr lang="en-US" sz="1200" dirty="0" err="1">
+                <a:solidFill>
+                  <a:schemeClr val="tx1">
+                    <a:lumMod val="50000"/>
+                    <a:lumOff val="50000"/>
+                  </a:schemeClr>
+                </a:solidFill>
+                <a:latin typeface="Roboto Light" charset="0"/>
+                <a:ea typeface="Roboto Light" charset="0"/>
+                <a:cs typeface="Roboto Light" charset="0"/>
+              </a:rPr>
+              <a:t>abandonnées</a:t>
+            </a:r>
+            <a:endParaRPr lang="en-US" sz="1200" dirty="0">
+              <a:solidFill>
+                <a:schemeClr val="tx1">
+                  <a:lumMod val="50000"/>
+                  <a:lumOff val="50000"/>
+                </a:schemeClr>
+              </a:solidFill>
+              <a:latin typeface="Roboto Light" charset="0"/>
+              <a:ea typeface="Roboto Light" charset="0"/>
+              <a:cs typeface="Roboto Light" charset="0"/>
+            </a:endParaRPr>
           </a:p>
           <a:p>
             <a:pPr marL="380990" indent="-380990">
@@ -20846,7 +21420,7 @@
               <a:buChar char="—"/>
             </a:pPr>
             <a:r>
-              <a:rPr lang="en-US" sz="1200" dirty="0">
+              <a:rPr lang="en-US" sz="1200" b="1" dirty="0" err="1">
                 <a:solidFill>
                   <a:schemeClr val="tx1">
                     <a:lumMod val="50000"/>
@@ -20857,10 +21431,10 @@
                 <a:ea typeface="Roboto Light" charset="0"/>
                 <a:cs typeface="Roboto Light" charset="0"/>
               </a:rPr>
-              <a:t>Jujubes sweet roll gummies </a:t>
-            </a:r>
-            <a:r>
-              <a:rPr lang="en-US" sz="1200" dirty="0" err="1">
+              <a:t>Optimisme</a:t>
+            </a:r>
+            <a:r>
+              <a:rPr lang="en-US" sz="1200" b="1" dirty="0">
                 <a:solidFill>
                   <a:schemeClr val="tx1">
                     <a:lumMod val="50000"/>
@@ -20871,10 +21445,10 @@
                 <a:ea typeface="Roboto Light" charset="0"/>
                 <a:cs typeface="Roboto Light" charset="0"/>
               </a:rPr>
-              <a:t>liquorice</a:t>
-            </a:r>
-            <a:r>
-              <a:rPr lang="en-US" sz="1200" dirty="0">
+              <a:t> </a:t>
+            </a:r>
+            <a:r>
+              <a:rPr lang="en-US" sz="1200" b="1" dirty="0" err="1">
                 <a:solidFill>
                   <a:schemeClr val="tx1">
                     <a:lumMod val="50000"/>
@@ -20885,8 +21459,79 @@
                 <a:ea typeface="Roboto Light" charset="0"/>
                 <a:cs typeface="Roboto Light" charset="0"/>
               </a:rPr>
-              <a:t> jelly beans cake</a:t>
-            </a:r>
+              <a:t>omniprésent</a:t>
+            </a:r>
+            <a:endParaRPr lang="en-US" sz="1200" b="1" dirty="0">
+              <a:solidFill>
+                <a:schemeClr val="tx1">
+                  <a:lumMod val="50000"/>
+                  <a:lumOff val="50000"/>
+                </a:schemeClr>
+              </a:solidFill>
+              <a:latin typeface="Roboto Light" charset="0"/>
+              <a:ea typeface="Roboto Light" charset="0"/>
+              <a:cs typeface="Roboto Light" charset="0"/>
+            </a:endParaRPr>
+          </a:p>
+          <a:p>
+            <a:pPr marL="380990" indent="-380990">
+              <a:buClr>
+                <a:schemeClr val="accent2"/>
+              </a:buClr>
+              <a:buFont typeface="Raleway" panose="020B0003030101060003" pitchFamily="34" charset="0"/>
+              <a:buChar char="—"/>
+            </a:pPr>
+            <a:endParaRPr lang="en-US" sz="1200" dirty="0">
+              <a:solidFill>
+                <a:schemeClr val="tx1">
+                  <a:lumMod val="50000"/>
+                  <a:lumOff val="50000"/>
+                </a:schemeClr>
+              </a:solidFill>
+              <a:latin typeface="Roboto Light" charset="0"/>
+              <a:ea typeface="Roboto Light" charset="0"/>
+              <a:cs typeface="Roboto Light" charset="0"/>
+            </a:endParaRPr>
+          </a:p>
+          <a:p>
+            <a:pPr marL="380990" indent="-380990">
+              <a:buClr>
+                <a:schemeClr val="accent2"/>
+              </a:buClr>
+              <a:buFont typeface="Raleway" panose="020B0003030101060003" pitchFamily="34" charset="0"/>
+              <a:buChar char="—"/>
+            </a:pPr>
+            <a:endParaRPr lang="en-US" sz="1200" dirty="0">
+              <a:solidFill>
+                <a:schemeClr val="tx1">
+                  <a:lumMod val="50000"/>
+                  <a:lumOff val="50000"/>
+                </a:schemeClr>
+              </a:solidFill>
+              <a:latin typeface="Roboto Light" charset="0"/>
+              <a:ea typeface="Roboto Light" charset="0"/>
+              <a:cs typeface="Roboto Light" charset="0"/>
+            </a:endParaRPr>
+          </a:p>
+          <a:p>
+            <a:pPr marL="380990" indent="-380990">
+              <a:buClr>
+                <a:schemeClr val="accent2"/>
+              </a:buClr>
+              <a:buFont typeface="Raleway" panose="020B0003030101060003" pitchFamily="34" charset="0"/>
+              <a:buChar char="—"/>
+            </a:pPr>
+            <a:endParaRPr lang="en-US" sz="1200" dirty="0">
+              <a:solidFill>
+                <a:schemeClr val="tx1">
+                  <a:lumMod val="50000"/>
+                  <a:lumOff val="50000"/>
+                </a:schemeClr>
+              </a:solidFill>
+              <a:latin typeface="Roboto Light" charset="0"/>
+              <a:ea typeface="Roboto Light" charset="0"/>
+              <a:cs typeface="Roboto Light" charset="0"/>
+            </a:endParaRPr>
           </a:p>
         </p:txBody>
       </p:sp>
@@ -20917,7 +21562,7 @@
         </p:spPr>
         <p:txBody>
           <a:bodyPr wrap="square" lIns="254000" tIns="254000" rIns="254000" bIns="254000" rtlCol="0">
-            <a:spAutoFit/>
+            <a:noAutofit/>
           </a:bodyPr>
           <a:lstStyle/>
           <a:p>
@@ -20940,15 +21585,22 @@
                 <a:ea typeface="Roboto Light" charset="0"/>
                 <a:cs typeface="Roboto Light" charset="0"/>
               </a:rPr>
-              <a:t>Sesame snaps jelly dessert tootsie roll sweet roll. </a:t>
-            </a:r>
-          </a:p>
-          <a:p>
-            <a:pPr>
-              <a:buClr>
-                <a:schemeClr val="accent2"/>
-              </a:buClr>
-            </a:pPr>
+              <a:t>Satisfaction </a:t>
+            </a:r>
+            <a:r>
+              <a:rPr lang="en-US" sz="1200" dirty="0" err="1">
+                <a:solidFill>
+                  <a:schemeClr val="tx1">
+                    <a:lumMod val="50000"/>
+                    <a:lumOff val="50000"/>
+                  </a:schemeClr>
+                </a:solidFill>
+                <a:latin typeface="Roboto Light" charset="0"/>
+                <a:ea typeface="Roboto Light" charset="0"/>
+                <a:cs typeface="Roboto Light" charset="0"/>
+              </a:rPr>
+              <a:t>globale</a:t>
+            </a:r>
             <a:endParaRPr lang="en-US" sz="1200" dirty="0">
               <a:solidFill>
                 <a:schemeClr val="tx1">
@@ -20960,29 +21612,6 @@
               <a:ea typeface="Roboto Light" charset="0"/>
               <a:cs typeface="Roboto Light" charset="0"/>
             </a:endParaRPr>
-          </a:p>
-          <a:p>
-            <a:pPr marL="380990" indent="-380990">
-              <a:buClr>
-                <a:schemeClr val="accent2"/>
-              </a:buClr>
-              <a:buFont typeface="Raleway" panose="020B0003030101060003" pitchFamily="34" charset="0"/>
-              <a:buChar char="—"/>
-            </a:pPr>
-            <a:r>
-              <a:rPr lang="en-US" sz="1200" dirty="0">
-                <a:solidFill>
-                  <a:schemeClr val="tx1">
-                    <a:lumMod val="50000"/>
-                    <a:lumOff val="50000"/>
-                  </a:schemeClr>
-                </a:solidFill>
-                <a:latin typeface="Roboto Light" charset="0"/>
-                <a:ea typeface="Roboto Light" charset="0"/>
-                <a:cs typeface="Roboto Light" charset="0"/>
-              </a:rPr>
-              <a:t>Muffin marshmallow ice cream. Macaroon lemon</a:t>
-            </a:r>
           </a:p>
           <a:p>
             <a:pPr marL="380990" indent="-380990">
@@ -21013,6 +21642,20 @@
               <a:buChar char="—"/>
             </a:pPr>
             <a:r>
+              <a:rPr lang="en-US" sz="1200" dirty="0" err="1">
+                <a:solidFill>
+                  <a:schemeClr val="tx1">
+                    <a:lumMod val="50000"/>
+                    <a:lumOff val="50000"/>
+                  </a:schemeClr>
+                </a:solidFill>
+                <a:latin typeface="Roboto Light" charset="0"/>
+                <a:ea typeface="Roboto Light" charset="0"/>
+                <a:cs typeface="Roboto Light" charset="0"/>
+              </a:rPr>
+              <a:t>Très</a:t>
+            </a:r>
+            <a:r>
               <a:rPr lang="en-US" sz="1200" dirty="0">
                 <a:solidFill>
                   <a:schemeClr val="tx1">
@@ -21024,7 +21667,7 @@
                 <a:ea typeface="Roboto Light" charset="0"/>
                 <a:cs typeface="Roboto Light" charset="0"/>
               </a:rPr>
-              <a:t>Cake apple pie bonbon jelly-o cake. Cake pudding ice</a:t>
+              <a:t> bonne ambiance</a:t>
             </a:r>
           </a:p>
           <a:p>
@@ -21067,7 +21710,35 @@
                 <a:ea typeface="Roboto Light" charset="0"/>
                 <a:cs typeface="Roboto Light" charset="0"/>
               </a:rPr>
-              <a:t>Jujubes sweet roll jelly-o chocolate bar wafer soufflé</a:t>
+              <a:t>Une fin "</a:t>
+            </a:r>
+            <a:r>
+              <a:rPr lang="en-US" sz="1200" dirty="0" err="1">
+                <a:solidFill>
+                  <a:schemeClr val="tx1">
+                    <a:lumMod val="50000"/>
+                    <a:lumOff val="50000"/>
+                  </a:schemeClr>
+                </a:solidFill>
+                <a:latin typeface="Roboto Light" charset="0"/>
+                <a:ea typeface="Roboto Light" charset="0"/>
+                <a:cs typeface="Roboto Light" charset="0"/>
+              </a:rPr>
+              <a:t>nerveuse</a:t>
+            </a:r>
+            <a:r>
+              <a:rPr lang="en-US" sz="1200" dirty="0">
+                <a:solidFill>
+                  <a:schemeClr val="tx1">
+                    <a:lumMod val="50000"/>
+                    <a:lumOff val="50000"/>
+                  </a:schemeClr>
+                </a:solidFill>
+                <a:latin typeface="Roboto Light" charset="0"/>
+                <a:ea typeface="Roboto Light" charset="0"/>
+                <a:cs typeface="Roboto Light" charset="0"/>
+              </a:rPr>
+              <a:t>"</a:t>
             </a:r>
           </a:p>
           <a:p>
@@ -21110,7 +21781,7 @@
                 <a:ea typeface="Roboto Light" charset="0"/>
                 <a:cs typeface="Roboto Light" charset="0"/>
               </a:rPr>
-              <a:t>Jujubes sweet roll gummies </a:t>
+              <a:t>Chef de </a:t>
             </a:r>
             <a:r>
               <a:rPr lang="en-US" sz="1200" dirty="0" err="1">
@@ -21124,7 +21795,7 @@
                 <a:ea typeface="Roboto Light" charset="0"/>
                 <a:cs typeface="Roboto Light" charset="0"/>
               </a:rPr>
-              <a:t>liquorice</a:t>
+              <a:t>projet</a:t>
             </a:r>
             <a:r>
               <a:rPr lang="en-US" sz="1200" dirty="0">
@@ -21138,8 +21809,183 @@
                 <a:ea typeface="Roboto Light" charset="0"/>
                 <a:cs typeface="Roboto Light" charset="0"/>
               </a:rPr>
-              <a:t> jelly beans cake</a:t>
-            </a:r>
+              <a:t> un </a:t>
+            </a:r>
+            <a:r>
+              <a:rPr lang="en-US" sz="1200" dirty="0" err="1">
+                <a:solidFill>
+                  <a:schemeClr val="tx1">
+                    <a:lumMod val="50000"/>
+                    <a:lumOff val="50000"/>
+                  </a:schemeClr>
+                </a:solidFill>
+                <a:latin typeface="Roboto Light" charset="0"/>
+                <a:ea typeface="Roboto Light" charset="0"/>
+                <a:cs typeface="Roboto Light" charset="0"/>
+              </a:rPr>
+              <a:t>peu</a:t>
+            </a:r>
+            <a:r>
+              <a:rPr lang="en-US" sz="1200" dirty="0">
+                <a:solidFill>
+                  <a:schemeClr val="tx1">
+                    <a:lumMod val="50000"/>
+                    <a:lumOff val="50000"/>
+                  </a:schemeClr>
+                </a:solidFill>
+                <a:latin typeface="Roboto Light" charset="0"/>
+                <a:ea typeface="Roboto Light" charset="0"/>
+                <a:cs typeface="Roboto Light" charset="0"/>
+              </a:rPr>
+              <a:t> </a:t>
+            </a:r>
+            <a:r>
+              <a:rPr lang="en-US" sz="1200" dirty="0" err="1">
+                <a:solidFill>
+                  <a:schemeClr val="tx1">
+                    <a:lumMod val="50000"/>
+                    <a:lumOff val="50000"/>
+                  </a:schemeClr>
+                </a:solidFill>
+                <a:latin typeface="Roboto Light" charset="0"/>
+                <a:ea typeface="Roboto Light" charset="0"/>
+                <a:cs typeface="Roboto Light" charset="0"/>
+              </a:rPr>
+              <a:t>laxiste</a:t>
+            </a:r>
+            <a:endParaRPr lang="en-US" sz="1200" dirty="0">
+              <a:solidFill>
+                <a:schemeClr val="tx1">
+                  <a:lumMod val="50000"/>
+                  <a:lumOff val="50000"/>
+                </a:schemeClr>
+              </a:solidFill>
+              <a:latin typeface="Roboto Light" charset="0"/>
+              <a:ea typeface="Roboto Light" charset="0"/>
+              <a:cs typeface="Roboto Light" charset="0"/>
+            </a:endParaRPr>
+          </a:p>
+          <a:p>
+            <a:pPr marL="380990" indent="-380990">
+              <a:buClr>
+                <a:schemeClr val="accent2"/>
+              </a:buClr>
+              <a:buFont typeface="Raleway" panose="020B0003030101060003" pitchFamily="34" charset="0"/>
+              <a:buChar char="—"/>
+            </a:pPr>
+            <a:endParaRPr lang="en-US" sz="1200" dirty="0">
+              <a:solidFill>
+                <a:schemeClr val="tx1">
+                  <a:lumMod val="50000"/>
+                  <a:lumOff val="50000"/>
+                </a:schemeClr>
+              </a:solidFill>
+              <a:latin typeface="Roboto Light" charset="0"/>
+              <a:ea typeface="Roboto Light" charset="0"/>
+              <a:cs typeface="Roboto Light" charset="0"/>
+            </a:endParaRPr>
+          </a:p>
+          <a:p>
+            <a:pPr marL="380990" indent="-380990">
+              <a:buClr>
+                <a:schemeClr val="accent2"/>
+              </a:buClr>
+              <a:buFont typeface="Raleway" panose="020B0003030101060003" pitchFamily="34" charset="0"/>
+              <a:buChar char="—"/>
+            </a:pPr>
+            <a:r>
+              <a:rPr lang="en-US" sz="1200" b="1" dirty="0" err="1">
+                <a:solidFill>
+                  <a:schemeClr val="tx1">
+                    <a:lumMod val="50000"/>
+                    <a:lumOff val="50000"/>
+                  </a:schemeClr>
+                </a:solidFill>
+                <a:latin typeface="Roboto Light" charset="0"/>
+                <a:ea typeface="Roboto Light" charset="0"/>
+                <a:cs typeface="Roboto Light" charset="0"/>
+              </a:rPr>
+              <a:t>Produit</a:t>
+            </a:r>
+            <a:r>
+              <a:rPr lang="en-US" sz="1200" b="1" dirty="0">
+                <a:solidFill>
+                  <a:schemeClr val="tx1">
+                    <a:lumMod val="50000"/>
+                    <a:lumOff val="50000"/>
+                  </a:schemeClr>
+                </a:solidFill>
+                <a:latin typeface="Roboto Light" charset="0"/>
+                <a:ea typeface="Roboto Light" charset="0"/>
+                <a:cs typeface="Roboto Light" charset="0"/>
+              </a:rPr>
+              <a:t> </a:t>
+            </a:r>
+            <a:r>
+              <a:rPr lang="en-US" sz="1200" b="1" dirty="0" err="1">
+                <a:solidFill>
+                  <a:schemeClr val="tx1">
+                    <a:lumMod val="50000"/>
+                    <a:lumOff val="50000"/>
+                  </a:schemeClr>
+                </a:solidFill>
+                <a:latin typeface="Roboto Light" charset="0"/>
+                <a:ea typeface="Roboto Light" charset="0"/>
+                <a:cs typeface="Roboto Light" charset="0"/>
+              </a:rPr>
+              <a:t>fonctionnel</a:t>
+            </a:r>
+            <a:endParaRPr lang="en-US" sz="1200" b="1" dirty="0">
+              <a:solidFill>
+                <a:schemeClr val="tx1">
+                  <a:lumMod val="50000"/>
+                  <a:lumOff val="50000"/>
+                </a:schemeClr>
+              </a:solidFill>
+              <a:latin typeface="Roboto Light" charset="0"/>
+              <a:ea typeface="Roboto Light" charset="0"/>
+              <a:cs typeface="Roboto Light" charset="0"/>
+            </a:endParaRPr>
+          </a:p>
+          <a:p>
+            <a:pPr marL="380990" indent="-380990">
+              <a:buClr>
+                <a:schemeClr val="accent2"/>
+              </a:buClr>
+              <a:buFont typeface="Raleway" panose="020B0003030101060003" pitchFamily="34" charset="0"/>
+              <a:buChar char="—"/>
+            </a:pPr>
+            <a:endParaRPr lang="en-US" sz="1200" dirty="0">
+              <a:solidFill>
+                <a:schemeClr val="tx1">
+                  <a:lumMod val="50000"/>
+                  <a:lumOff val="50000"/>
+                </a:schemeClr>
+              </a:solidFill>
+              <a:latin typeface="Roboto Light" charset="0"/>
+              <a:ea typeface="Roboto Light" charset="0"/>
+              <a:cs typeface="Roboto Light" charset="0"/>
+            </a:endParaRPr>
+          </a:p>
+          <a:p>
+            <a:pPr marL="380990" indent="-380990">
+              <a:buClr>
+                <a:schemeClr val="accent2"/>
+              </a:buClr>
+              <a:buFont typeface="Raleway" panose="020B0003030101060003" pitchFamily="34" charset="0"/>
+              <a:buChar char="—"/>
+            </a:pPr>
+            <a:endParaRPr lang="en-US" sz="1200" dirty="0">
+              <a:solidFill>
+                <a:schemeClr val="tx1">
+                  <a:lumMod val="50000"/>
+                  <a:lumOff val="50000"/>
+                </a:schemeClr>
+              </a:solidFill>
+              <a:latin typeface="Roboto Light" charset="0"/>
+              <a:ea typeface="Roboto Light" charset="0"/>
+              <a:cs typeface="Roboto Light" charset="0"/>
+            </a:endParaRPr>
           </a:p>
         </p:txBody>
       </p:sp>
@@ -21276,24 +22122,6 @@
           <a:bodyPr rtlCol="0" anchor="ctr"/>
           <a:lstStyle/>
           <a:p>
-            <a:pPr algn="ctr">
-              <a:lnSpc>
-                <a:spcPct val="140000"/>
-              </a:lnSpc>
-            </a:pPr>
-            <a:r>
-              <a:rPr lang="en-US" sz="6000" dirty="0">
-                <a:solidFill>
-                  <a:schemeClr val="tx1"/>
-                </a:solidFill>
-                <a:latin typeface="Roboto Light" charset="0"/>
-                <a:ea typeface="Roboto Light" charset="0"/>
-                <a:cs typeface="Roboto Light" charset="0"/>
-              </a:rPr>
-              <a:t>Merci !</a:t>
-            </a:r>
-          </a:p>
-          <a:p>
             <a:pPr algn="ctr"/>
             <a:r>
               <a:rPr lang="en-US" sz="2400" dirty="0">
@@ -21355,7 +22183,7 @@
         </p:blipFill>
         <p:spPr>
           <a:xfrm>
-            <a:off x="4576043" y="422446"/>
+            <a:off x="4576043" y="679021"/>
             <a:ext cx="3039914" cy="2749979"/>
           </a:xfrm>
           <a:prstGeom prst="rect">
@@ -21363,6 +22191,55 @@
           </a:prstGeom>
         </p:spPr>
       </p:pic>
+      <p:sp>
+        <p:nvSpPr>
+          <p:cNvPr id="4" name="ZoneTexte 3">
+            <a:extLst>
+              <a:ext uri="{FF2B5EF4-FFF2-40B4-BE49-F238E27FC236}">
+                <a16:creationId xmlns:a16="http://schemas.microsoft.com/office/drawing/2014/main" id="{E5BD4C69-0EBF-42EB-9712-849D3654344F}"/>
+              </a:ext>
+            </a:extLst>
+          </p:cNvPr>
+          <p:cNvSpPr txBox="1"/>
+          <p:nvPr/>
+        </p:nvSpPr>
+        <p:spPr>
+          <a:xfrm>
+            <a:off x="4657724" y="1981198"/>
+            <a:ext cx="2895601" cy="1352552"/>
+          </a:xfrm>
+          <a:prstGeom prst="rect">
+            <a:avLst/>
+          </a:prstGeom>
+          <a:solidFill>
+            <a:srgbClr val="E20613"/>
+          </a:solidFill>
+        </p:spPr>
+        <p:txBody>
+          <a:bodyPr wrap="square" rtlCol="0" anchor="ctr">
+            <a:noAutofit/>
+          </a:bodyPr>
+          <a:lstStyle/>
+          <a:p>
+            <a:pPr algn="ctr"/>
+            <a:r>
+              <a:rPr lang="fr-FR" sz="6000" dirty="0">
+                <a:solidFill>
+                  <a:schemeClr val="bg1"/>
+                </a:solidFill>
+                <a:latin typeface="Roboto Light"/>
+              </a:rPr>
+              <a:t>Merci !</a:t>
+            </a:r>
+            <a:endParaRPr lang="fr-CH" sz="6000" dirty="0">
+              <a:solidFill>
+                <a:schemeClr val="bg1"/>
+              </a:solidFill>
+              <a:latin typeface="Roboto Light"/>
+            </a:endParaRPr>
+          </a:p>
+        </p:txBody>
+      </p:sp>
     </p:spTree>
     <p:extLst>
       <p:ext uri="{BB962C8B-B14F-4D97-AF65-F5344CB8AC3E}">
@@ -23299,7 +24176,7 @@
                 <a:ea typeface="Roboto Light" charset="0"/>
                 <a:cs typeface="Roboto Light" charset="0"/>
               </a:rPr>
-              <a:t>Java 10</a:t>
+              <a:t>Java</a:t>
             </a:r>
           </a:p>
           <a:p>
@@ -23950,7 +24827,7 @@
                 <a:ea typeface="Roboto Light" charset="0"/>
                 <a:cs typeface="Roboto Light" charset="0"/>
               </a:rPr>
-              <a:t>dépendance</a:t>
+              <a:t>dépendances</a:t>
             </a:r>
             <a:endParaRPr lang="en-US" sz="1600" dirty="0">
               <a:solidFill>
@@ -24303,7 +25180,7 @@
       </p:grpSpPr>
       <p:sp>
         <p:nvSpPr>
-          <p:cNvPr id="2" name="Title 1"/>
+          <p:cNvPr id="432" name="Shape 432"/>
           <p:cNvSpPr>
             <a:spLocks noGrp="1"/>
           </p:cNvSpPr>
@@ -24316,6 +25193,7 @@
           <a:bodyPr/>
           <a:lstStyle/>
           <a:p>
+            <a:pPr lvl="0"/>
             <a:r>
               <a:rPr lang="en-US" dirty="0"/>
               <a:t>Architecture</a:t>
@@ -24325,7 +25203,7 @@
       </p:sp>
       <p:sp>
         <p:nvSpPr>
-          <p:cNvPr id="4" name="Slide Number Placeholder 3"/>
+          <p:cNvPr id="431" name="Shape 431"/>
           <p:cNvSpPr>
             <a:spLocks noGrp="1"/>
           </p:cNvSpPr>
@@ -24333,29 +25211,2316 @@
             <p:ph type="sldNum" sz="quarter" idx="4"/>
           </p:nvPr>
         </p:nvSpPr>
+        <p:spPr/>
+        <p:txBody>
+          <a:bodyPr/>
+          <a:lstStyle/>
+          <a:p>
+            <a:pPr lvl="0"/>
+            <a:fld id="{86CB4B4D-7CA3-9044-876B-883B54F8677D}" type="slidenum">
+              <a:rPr lang="en-US" smtClean="0"/>
+              <a:pPr lvl="0"/>
+              <a:t>5</a:t>
+            </a:fld>
+            <a:endParaRPr lang="en-US"/>
+          </a:p>
+        </p:txBody>
+      </p:sp>
+      <p:sp>
+        <p:nvSpPr>
+          <p:cNvPr id="434" name="Shape 434"/>
+          <p:cNvSpPr/>
+          <p:nvPr/>
+        </p:nvSpPr>
         <p:spPr>
           <a:xfrm>
-            <a:off x="10919018" y="1346518"/>
-            <a:ext cx="725296" cy="365125"/>
+            <a:off x="3779211" y="3675011"/>
+            <a:ext cx="1144948" cy="1144948"/>
           </a:xfrm>
+          <a:custGeom>
+            <a:avLst/>
+            <a:gdLst/>
+            <a:ahLst/>
+            <a:cxnLst>
+              <a:cxn ang="0">
+                <a:pos x="wd2" y="hd2"/>
+              </a:cxn>
+              <a:cxn ang="5400000">
+                <a:pos x="wd2" y="hd2"/>
+              </a:cxn>
+              <a:cxn ang="10800000">
+                <a:pos x="wd2" y="hd2"/>
+              </a:cxn>
+              <a:cxn ang="16200000">
+                <a:pos x="wd2" y="hd2"/>
+              </a:cxn>
+            </a:cxnLst>
+            <a:rect l="0" t="0" r="r" b="b"/>
+            <a:pathLst>
+              <a:path w="19679" h="19679" extrusionOk="0">
+                <a:moveTo>
+                  <a:pt x="16796" y="2882"/>
+                </a:moveTo>
+                <a:cubicBezTo>
+                  <a:pt x="20639" y="6724"/>
+                  <a:pt x="20639" y="12954"/>
+                  <a:pt x="16796" y="16796"/>
+                </a:cubicBezTo>
+                <a:cubicBezTo>
+                  <a:pt x="12954" y="20639"/>
+                  <a:pt x="6724" y="20639"/>
+                  <a:pt x="2882" y="16796"/>
+                </a:cubicBezTo>
+                <a:cubicBezTo>
+                  <a:pt x="-961" y="12954"/>
+                  <a:pt x="-961" y="6724"/>
+                  <a:pt x="2882" y="2882"/>
+                </a:cubicBezTo>
+                <a:cubicBezTo>
+                  <a:pt x="6724" y="-961"/>
+                  <a:pt x="12954" y="-961"/>
+                  <a:pt x="16796" y="2882"/>
+                </a:cubicBezTo>
+                <a:close/>
+              </a:path>
+            </a:pathLst>
+          </a:custGeom>
+          <a:solidFill>
+            <a:schemeClr val="tx2"/>
+          </a:solidFill>
+          <a:ln w="12700">
+            <a:miter lim="400000"/>
+          </a:ln>
+          <a:effectLst>
+            <a:outerShdw blurRad="50800" dist="25400" dir="5400000" algn="ctr" rotWithShape="0">
+              <a:srgbClr val="000000">
+                <a:alpha val="30000"/>
+              </a:srgbClr>
+            </a:outerShdw>
+          </a:effectLst>
+          <a:extLst>
+            <a:ext uri="{C572A759-6A51-4108-AA02-DFA0A04FC94B}">
+              <ma14:wrappingTextBoxFlag xmlns="" xmlns:ma14="http://schemas.microsoft.com/office/mac/drawingml/2011/main" val="1"/>
+            </a:ext>
+          </a:extLst>
         </p:spPr>
         <p:txBody>
-          <a:bodyPr/>
+          <a:bodyPr lIns="25400" tIns="25400" rIns="25400" bIns="25400" anchor="ctr"/>
+          <a:lstStyle>
+            <a:lvl1pPr>
+              <a:defRPr sz="8000" b="1">
+                <a:solidFill>
+                  <a:srgbClr val="FFFFFF"/>
+                </a:solidFill>
+                <a:latin typeface="helium"/>
+                <a:ea typeface="helium"/>
+                <a:cs typeface="helium"/>
+                <a:sym typeface="helium"/>
+              </a:defRPr>
+            </a:lvl1pPr>
+          </a:lstStyle>
+          <a:p>
+            <a:pPr lvl="0">
+              <a:defRPr sz="1800" b="0">
+                <a:solidFill>
+                  <a:srgbClr val="000000"/>
+                </a:solidFill>
+              </a:defRPr>
+            </a:pPr>
+            <a:endParaRPr sz="4000" dirty="0"/>
+          </a:p>
+        </p:txBody>
+      </p:sp>
+      <p:sp>
+        <p:nvSpPr>
+          <p:cNvPr id="435" name="Shape 435"/>
+          <p:cNvSpPr/>
+          <p:nvPr/>
+        </p:nvSpPr>
+        <p:spPr>
+          <a:xfrm>
+            <a:off x="5523526" y="1997491"/>
+            <a:ext cx="1144948" cy="1144948"/>
+          </a:xfrm>
+          <a:custGeom>
+            <a:avLst/>
+            <a:gdLst/>
+            <a:ahLst/>
+            <a:cxnLst>
+              <a:cxn ang="0">
+                <a:pos x="wd2" y="hd2"/>
+              </a:cxn>
+              <a:cxn ang="5400000">
+                <a:pos x="wd2" y="hd2"/>
+              </a:cxn>
+              <a:cxn ang="10800000">
+                <a:pos x="wd2" y="hd2"/>
+              </a:cxn>
+              <a:cxn ang="16200000">
+                <a:pos x="wd2" y="hd2"/>
+              </a:cxn>
+            </a:cxnLst>
+            <a:rect l="0" t="0" r="r" b="b"/>
+            <a:pathLst>
+              <a:path w="19679" h="19679" extrusionOk="0">
+                <a:moveTo>
+                  <a:pt x="16796" y="2882"/>
+                </a:moveTo>
+                <a:cubicBezTo>
+                  <a:pt x="20639" y="6724"/>
+                  <a:pt x="20639" y="12954"/>
+                  <a:pt x="16796" y="16796"/>
+                </a:cubicBezTo>
+                <a:cubicBezTo>
+                  <a:pt x="12954" y="20639"/>
+                  <a:pt x="6724" y="20639"/>
+                  <a:pt x="2882" y="16796"/>
+                </a:cubicBezTo>
+                <a:cubicBezTo>
+                  <a:pt x="-961" y="12954"/>
+                  <a:pt x="-961" y="6724"/>
+                  <a:pt x="2882" y="2882"/>
+                </a:cubicBezTo>
+                <a:cubicBezTo>
+                  <a:pt x="6724" y="-961"/>
+                  <a:pt x="12954" y="-961"/>
+                  <a:pt x="16796" y="2882"/>
+                </a:cubicBezTo>
+                <a:close/>
+              </a:path>
+            </a:pathLst>
+          </a:custGeom>
+          <a:solidFill>
+            <a:schemeClr val="accent2"/>
+          </a:solidFill>
+          <a:ln w="12700">
+            <a:miter lim="400000"/>
+          </a:ln>
+          <a:effectLst>
+            <a:outerShdw blurRad="50800" dist="25400" dir="5400000" algn="ctr" rotWithShape="0">
+              <a:srgbClr val="000000">
+                <a:alpha val="30000"/>
+              </a:srgbClr>
+            </a:outerShdw>
+          </a:effectLst>
+          <a:extLst>
+            <a:ext uri="{C572A759-6A51-4108-AA02-DFA0A04FC94B}">
+              <ma14:wrappingTextBoxFlag xmlns="" xmlns:ma14="http://schemas.microsoft.com/office/mac/drawingml/2011/main" val="1"/>
+            </a:ext>
+          </a:extLst>
+        </p:spPr>
+        <p:txBody>
+          <a:bodyPr lIns="0" tIns="0" rIns="0" bIns="0" anchor="ctr"/>
+          <a:lstStyle>
+            <a:lvl1pPr>
+              <a:defRPr sz="8000" b="1">
+                <a:solidFill>
+                  <a:srgbClr val="FFFFFF"/>
+                </a:solidFill>
+                <a:latin typeface="helium"/>
+                <a:ea typeface="helium"/>
+                <a:cs typeface="helium"/>
+                <a:sym typeface="helium"/>
+              </a:defRPr>
+            </a:lvl1pPr>
+          </a:lstStyle>
+          <a:p>
+            <a:pPr lvl="0">
+              <a:defRPr sz="1800" b="0">
+                <a:solidFill>
+                  <a:srgbClr val="000000"/>
+                </a:solidFill>
+              </a:defRPr>
+            </a:pPr>
+            <a:endParaRPr sz="4000" dirty="0"/>
+          </a:p>
+        </p:txBody>
+      </p:sp>
+      <p:sp>
+        <p:nvSpPr>
+          <p:cNvPr id="436" name="Shape 436"/>
+          <p:cNvSpPr/>
+          <p:nvPr/>
+        </p:nvSpPr>
+        <p:spPr>
+          <a:xfrm>
+            <a:off x="5722463" y="5467201"/>
+            <a:ext cx="747074" cy="747074"/>
+          </a:xfrm>
+          <a:custGeom>
+            <a:avLst/>
+            <a:gdLst/>
+            <a:ahLst/>
+            <a:cxnLst>
+              <a:cxn ang="0">
+                <a:pos x="wd2" y="hd2"/>
+              </a:cxn>
+              <a:cxn ang="5400000">
+                <a:pos x="wd2" y="hd2"/>
+              </a:cxn>
+              <a:cxn ang="10800000">
+                <a:pos x="wd2" y="hd2"/>
+              </a:cxn>
+              <a:cxn ang="16200000">
+                <a:pos x="wd2" y="hd2"/>
+              </a:cxn>
+            </a:cxnLst>
+            <a:rect l="0" t="0" r="r" b="b"/>
+            <a:pathLst>
+              <a:path w="19679" h="19679" extrusionOk="0">
+                <a:moveTo>
+                  <a:pt x="16796" y="2882"/>
+                </a:moveTo>
+                <a:cubicBezTo>
+                  <a:pt x="20639" y="6724"/>
+                  <a:pt x="20639" y="12954"/>
+                  <a:pt x="16796" y="16796"/>
+                </a:cubicBezTo>
+                <a:cubicBezTo>
+                  <a:pt x="12954" y="20639"/>
+                  <a:pt x="6724" y="20639"/>
+                  <a:pt x="2882" y="16796"/>
+                </a:cubicBezTo>
+                <a:cubicBezTo>
+                  <a:pt x="-961" y="12954"/>
+                  <a:pt x="-961" y="6724"/>
+                  <a:pt x="2882" y="2882"/>
+                </a:cubicBezTo>
+                <a:cubicBezTo>
+                  <a:pt x="6724" y="-961"/>
+                  <a:pt x="12954" y="-961"/>
+                  <a:pt x="16796" y="2882"/>
+                </a:cubicBezTo>
+                <a:close/>
+              </a:path>
+            </a:pathLst>
+          </a:custGeom>
+          <a:solidFill>
+            <a:schemeClr val="accent6"/>
+          </a:solidFill>
+          <a:ln w="12700">
+            <a:miter lim="400000"/>
+          </a:ln>
+          <a:effectLst>
+            <a:outerShdw blurRad="50800" dist="25400" dir="5400000" algn="ctr" rotWithShape="0">
+              <a:srgbClr val="000000">
+                <a:alpha val="30000"/>
+              </a:srgbClr>
+            </a:outerShdw>
+          </a:effectLst>
+          <a:extLst>
+            <a:ext uri="{C572A759-6A51-4108-AA02-DFA0A04FC94B}">
+              <ma14:wrappingTextBoxFlag xmlns="" xmlns:ma14="http://schemas.microsoft.com/office/mac/drawingml/2011/main" val="1"/>
+            </a:ext>
+          </a:extLst>
+        </p:spPr>
+        <p:txBody>
+          <a:bodyPr lIns="0" tIns="0" rIns="0" bIns="0" anchor="ctr"/>
+          <a:lstStyle>
+            <a:lvl1pPr>
+              <a:defRPr sz="8000" b="1">
+                <a:solidFill>
+                  <a:srgbClr val="FFFFFF"/>
+                </a:solidFill>
+                <a:latin typeface="helium"/>
+                <a:ea typeface="helium"/>
+                <a:cs typeface="helium"/>
+                <a:sym typeface="helium"/>
+              </a:defRPr>
+            </a:lvl1pPr>
+          </a:lstStyle>
+          <a:p>
+            <a:pPr lvl="0">
+              <a:defRPr sz="1800" b="0">
+                <a:solidFill>
+                  <a:srgbClr val="000000"/>
+                </a:solidFill>
+              </a:defRPr>
+            </a:pPr>
+            <a:endParaRPr sz="4000" dirty="0"/>
+          </a:p>
+        </p:txBody>
+      </p:sp>
+      <p:sp>
+        <p:nvSpPr>
+          <p:cNvPr id="437" name="Shape 437"/>
+          <p:cNvSpPr/>
+          <p:nvPr/>
+        </p:nvSpPr>
+        <p:spPr>
+          <a:xfrm>
+            <a:off x="7267842" y="3675011"/>
+            <a:ext cx="1144948" cy="1144948"/>
+          </a:xfrm>
+          <a:custGeom>
+            <a:avLst/>
+            <a:gdLst/>
+            <a:ahLst/>
+            <a:cxnLst>
+              <a:cxn ang="0">
+                <a:pos x="wd2" y="hd2"/>
+              </a:cxn>
+              <a:cxn ang="5400000">
+                <a:pos x="wd2" y="hd2"/>
+              </a:cxn>
+              <a:cxn ang="10800000">
+                <a:pos x="wd2" y="hd2"/>
+              </a:cxn>
+              <a:cxn ang="16200000">
+                <a:pos x="wd2" y="hd2"/>
+              </a:cxn>
+            </a:cxnLst>
+            <a:rect l="0" t="0" r="r" b="b"/>
+            <a:pathLst>
+              <a:path w="19679" h="19679" extrusionOk="0">
+                <a:moveTo>
+                  <a:pt x="16796" y="2882"/>
+                </a:moveTo>
+                <a:cubicBezTo>
+                  <a:pt x="20639" y="6724"/>
+                  <a:pt x="20639" y="12954"/>
+                  <a:pt x="16796" y="16796"/>
+                </a:cubicBezTo>
+                <a:cubicBezTo>
+                  <a:pt x="12954" y="20639"/>
+                  <a:pt x="6724" y="20639"/>
+                  <a:pt x="2882" y="16796"/>
+                </a:cubicBezTo>
+                <a:cubicBezTo>
+                  <a:pt x="-961" y="12954"/>
+                  <a:pt x="-961" y="6724"/>
+                  <a:pt x="2882" y="2882"/>
+                </a:cubicBezTo>
+                <a:cubicBezTo>
+                  <a:pt x="6724" y="-961"/>
+                  <a:pt x="12954" y="-961"/>
+                  <a:pt x="16796" y="2882"/>
+                </a:cubicBezTo>
+                <a:close/>
+              </a:path>
+            </a:pathLst>
+          </a:custGeom>
+          <a:solidFill>
+            <a:schemeClr val="accent5"/>
+          </a:solidFill>
+          <a:ln w="12700">
+            <a:miter lim="400000"/>
+          </a:ln>
+          <a:effectLst>
+            <a:outerShdw blurRad="50800" dist="25400" dir="5400000" algn="ctr" rotWithShape="0">
+              <a:srgbClr val="000000">
+                <a:alpha val="30000"/>
+              </a:srgbClr>
+            </a:outerShdw>
+          </a:effectLst>
+          <a:extLst>
+            <a:ext uri="{C572A759-6A51-4108-AA02-DFA0A04FC94B}">
+              <ma14:wrappingTextBoxFlag xmlns="" xmlns:ma14="http://schemas.microsoft.com/office/mac/drawingml/2011/main" val="1"/>
+            </a:ext>
+          </a:extLst>
+        </p:spPr>
+        <p:txBody>
+          <a:bodyPr lIns="0" tIns="0" rIns="0" bIns="0" anchor="ctr"/>
+          <a:lstStyle>
+            <a:lvl1pPr>
+              <a:defRPr sz="8000">
+                <a:solidFill>
+                  <a:srgbClr val="FFFFFF"/>
+                </a:solidFill>
+                <a:latin typeface="helium"/>
+                <a:ea typeface="helium"/>
+                <a:cs typeface="helium"/>
+                <a:sym typeface="helium"/>
+              </a:defRPr>
+            </a:lvl1pPr>
+          </a:lstStyle>
+          <a:p>
+            <a:pPr lvl="0">
+              <a:defRPr sz="1800">
+                <a:solidFill>
+                  <a:srgbClr val="000000"/>
+                </a:solidFill>
+              </a:defRPr>
+            </a:pPr>
+            <a:endParaRPr sz="4000" b="1" dirty="0"/>
+          </a:p>
+        </p:txBody>
+      </p:sp>
+      <p:sp>
+        <p:nvSpPr>
+          <p:cNvPr id="438" name="Shape 438"/>
+          <p:cNvSpPr/>
+          <p:nvPr/>
+        </p:nvSpPr>
+        <p:spPr>
+          <a:xfrm>
+            <a:off x="5668187" y="3819672"/>
+            <a:ext cx="855626" cy="855626"/>
+          </a:xfrm>
+          <a:custGeom>
+            <a:avLst/>
+            <a:gdLst/>
+            <a:ahLst/>
+            <a:cxnLst>
+              <a:cxn ang="0">
+                <a:pos x="wd2" y="hd2"/>
+              </a:cxn>
+              <a:cxn ang="5400000">
+                <a:pos x="wd2" y="hd2"/>
+              </a:cxn>
+              <a:cxn ang="10800000">
+                <a:pos x="wd2" y="hd2"/>
+              </a:cxn>
+              <a:cxn ang="16200000">
+                <a:pos x="wd2" y="hd2"/>
+              </a:cxn>
+            </a:cxnLst>
+            <a:rect l="0" t="0" r="r" b="b"/>
+            <a:pathLst>
+              <a:path w="19679" h="19679" extrusionOk="0">
+                <a:moveTo>
+                  <a:pt x="16796" y="2882"/>
+                </a:moveTo>
+                <a:cubicBezTo>
+                  <a:pt x="20639" y="6724"/>
+                  <a:pt x="20639" y="12954"/>
+                  <a:pt x="16796" y="16796"/>
+                </a:cubicBezTo>
+                <a:cubicBezTo>
+                  <a:pt x="12954" y="20639"/>
+                  <a:pt x="6724" y="20639"/>
+                  <a:pt x="2882" y="16796"/>
+                </a:cubicBezTo>
+                <a:cubicBezTo>
+                  <a:pt x="-961" y="12954"/>
+                  <a:pt x="-961" y="6724"/>
+                  <a:pt x="2882" y="2882"/>
+                </a:cubicBezTo>
+                <a:cubicBezTo>
+                  <a:pt x="6724" y="-961"/>
+                  <a:pt x="12954" y="-961"/>
+                  <a:pt x="16796" y="2882"/>
+                </a:cubicBezTo>
+                <a:close/>
+              </a:path>
+            </a:pathLst>
+          </a:custGeom>
+          <a:solidFill>
+            <a:schemeClr val="bg1"/>
+          </a:solidFill>
+          <a:ln w="50800">
+            <a:solidFill>
+              <a:schemeClr val="accent2"/>
+            </a:solidFill>
+            <a:miter lim="400000"/>
+          </a:ln>
+          <a:effectLst>
+            <a:outerShdw blurRad="50800" dist="25400" dir="5400000" algn="ctr" rotWithShape="0">
+              <a:srgbClr val="000000">
+                <a:alpha val="30000"/>
+              </a:srgbClr>
+            </a:outerShdw>
+          </a:effectLst>
+          <a:extLst>
+            <a:ext uri="{C572A759-6A51-4108-AA02-DFA0A04FC94B}">
+              <ma14:wrappingTextBoxFlag xmlns="" xmlns:ma14="http://schemas.microsoft.com/office/mac/drawingml/2011/main" val="1"/>
+            </a:ext>
+          </a:extLst>
+        </p:spPr>
+        <p:txBody>
+          <a:bodyPr lIns="25400" tIns="25400" rIns="25400" bIns="25400" anchor="ctr"/>
+          <a:lstStyle>
+            <a:lvl1pPr>
+              <a:defRPr sz="5400">
+                <a:latin typeface="helium"/>
+                <a:ea typeface="helium"/>
+                <a:cs typeface="helium"/>
+                <a:sym typeface="helium"/>
+              </a:defRPr>
+            </a:lvl1pPr>
+          </a:lstStyle>
+          <a:p>
+            <a:pPr lvl="0">
+              <a:defRPr sz="1800"/>
+            </a:pPr>
+            <a:endParaRPr sz="2700" dirty="0"/>
+          </a:p>
+        </p:txBody>
+      </p:sp>
+      <p:sp>
+        <p:nvSpPr>
+          <p:cNvPr id="4" name="Rectangle 3"/>
+          <p:cNvSpPr/>
+          <p:nvPr/>
+        </p:nvSpPr>
+        <p:spPr>
+          <a:xfrm>
+            <a:off x="6821721" y="2209866"/>
+            <a:ext cx="2864592" cy="427746"/>
+          </a:xfrm>
+          <a:prstGeom prst="rect">
+            <a:avLst/>
+          </a:prstGeom>
+        </p:spPr>
+        <p:txBody>
+          <a:bodyPr wrap="square">
+            <a:spAutoFit/>
+          </a:bodyPr>
           <a:lstStyle/>
           <a:p>
-            <a:fld id="{936C95AE-7298-45E1-9514-94AFF5BED89B}" type="slidenum">
-              <a:rPr lang="en-US" smtClean="0"/>
-              <a:pPr/>
-              <a:t>5</a:t>
-            </a:fld>
-            <a:endParaRPr lang="en-US" dirty="0"/>
+            <a:pPr>
+              <a:lnSpc>
+                <a:spcPct val="120000"/>
+              </a:lnSpc>
+            </a:pPr>
+            <a:r>
+              <a:rPr lang="en-US" sz="2000" dirty="0">
+                <a:latin typeface="Roboto Light" charset="0"/>
+                <a:ea typeface="Roboto Light" charset="0"/>
+                <a:cs typeface="Roboto Light" charset="0"/>
+              </a:rPr>
+              <a:t>Client</a:t>
+            </a:r>
+            <a:endParaRPr lang="en-US" sz="1400" dirty="0">
+              <a:solidFill>
+                <a:schemeClr val="bg1">
+                  <a:lumMod val="50000"/>
+                </a:schemeClr>
+              </a:solidFill>
+              <a:latin typeface="Roboto Light" charset="0"/>
+              <a:ea typeface="Roboto Light" charset="0"/>
+              <a:cs typeface="Roboto Light" charset="0"/>
+            </a:endParaRPr>
+          </a:p>
+        </p:txBody>
+      </p:sp>
+      <p:sp>
+        <p:nvSpPr>
+          <p:cNvPr id="25" name="Rectangle 24"/>
+          <p:cNvSpPr/>
+          <p:nvPr/>
+        </p:nvSpPr>
+        <p:spPr>
+          <a:xfrm>
+            <a:off x="8518057" y="3886673"/>
+            <a:ext cx="2864592" cy="427746"/>
+          </a:xfrm>
+          <a:prstGeom prst="rect">
+            <a:avLst/>
+          </a:prstGeom>
+        </p:spPr>
+        <p:txBody>
+          <a:bodyPr wrap="square">
+            <a:spAutoFit/>
+          </a:bodyPr>
+          <a:lstStyle/>
+          <a:p>
+            <a:pPr>
+              <a:lnSpc>
+                <a:spcPct val="120000"/>
+              </a:lnSpc>
+            </a:pPr>
+            <a:r>
+              <a:rPr lang="en-US" sz="2000" dirty="0">
+                <a:latin typeface="Roboto Light" charset="0"/>
+                <a:ea typeface="Roboto Light" charset="0"/>
+                <a:cs typeface="Roboto Light" charset="0"/>
+              </a:rPr>
+              <a:t>Client</a:t>
+            </a:r>
+            <a:endParaRPr lang="en-US" sz="1400" dirty="0">
+              <a:solidFill>
+                <a:schemeClr val="bg1">
+                  <a:lumMod val="50000"/>
+                </a:schemeClr>
+              </a:solidFill>
+              <a:latin typeface="Roboto Light" charset="0"/>
+              <a:ea typeface="Roboto Light" charset="0"/>
+              <a:cs typeface="Roboto Light" charset="0"/>
+            </a:endParaRPr>
+          </a:p>
+        </p:txBody>
+      </p:sp>
+      <p:sp>
+        <p:nvSpPr>
+          <p:cNvPr id="26" name="Rectangle 25"/>
+          <p:cNvSpPr/>
+          <p:nvPr/>
+        </p:nvSpPr>
+        <p:spPr>
+          <a:xfrm>
+            <a:off x="785379" y="3886673"/>
+            <a:ext cx="2864592" cy="427746"/>
+          </a:xfrm>
+          <a:prstGeom prst="rect">
+            <a:avLst/>
+          </a:prstGeom>
+        </p:spPr>
+        <p:txBody>
+          <a:bodyPr wrap="square">
+            <a:spAutoFit/>
+          </a:bodyPr>
+          <a:lstStyle/>
+          <a:p>
+            <a:pPr algn="r">
+              <a:lnSpc>
+                <a:spcPct val="120000"/>
+              </a:lnSpc>
+            </a:pPr>
+            <a:r>
+              <a:rPr lang="en-US" sz="2000" dirty="0">
+                <a:latin typeface="Roboto Light" charset="0"/>
+                <a:ea typeface="Roboto Light" charset="0"/>
+                <a:cs typeface="Roboto Light" charset="0"/>
+              </a:rPr>
+              <a:t>Client</a:t>
+            </a:r>
+          </a:p>
+        </p:txBody>
+      </p:sp>
+      <p:sp>
+        <p:nvSpPr>
+          <p:cNvPr id="27" name="Rectangle 26"/>
+          <p:cNvSpPr/>
+          <p:nvPr/>
+        </p:nvSpPr>
+        <p:spPr>
+          <a:xfrm>
+            <a:off x="2753620" y="5466708"/>
+            <a:ext cx="2864592" cy="797078"/>
+          </a:xfrm>
+          <a:prstGeom prst="rect">
+            <a:avLst/>
+          </a:prstGeom>
+        </p:spPr>
+        <p:txBody>
+          <a:bodyPr wrap="square">
+            <a:spAutoFit/>
+          </a:bodyPr>
+          <a:lstStyle/>
+          <a:p>
+            <a:pPr algn="r">
+              <a:lnSpc>
+                <a:spcPct val="120000"/>
+              </a:lnSpc>
+            </a:pPr>
+            <a:r>
+              <a:rPr lang="en-US" sz="2000" dirty="0">
+                <a:latin typeface="Roboto Light" charset="0"/>
+                <a:ea typeface="Roboto Light" charset="0"/>
+                <a:cs typeface="Roboto Light" charset="0"/>
+              </a:rPr>
+              <a:t>Base de </a:t>
+            </a:r>
+          </a:p>
+          <a:p>
+            <a:pPr algn="r">
+              <a:lnSpc>
+                <a:spcPct val="120000"/>
+              </a:lnSpc>
+            </a:pPr>
+            <a:r>
+              <a:rPr lang="en-US" sz="2000" dirty="0" err="1">
+                <a:latin typeface="Roboto Light" charset="0"/>
+                <a:ea typeface="Roboto Light" charset="0"/>
+                <a:cs typeface="Roboto Light" charset="0"/>
+              </a:rPr>
+              <a:t>données</a:t>
+            </a:r>
+            <a:endParaRPr lang="en-US" sz="2000" dirty="0">
+              <a:latin typeface="Roboto Light" charset="0"/>
+              <a:ea typeface="Roboto Light" charset="0"/>
+              <a:cs typeface="Roboto Light" charset="0"/>
+            </a:endParaRPr>
+          </a:p>
+        </p:txBody>
+      </p:sp>
+      <p:pic>
+        <p:nvPicPr>
+          <p:cNvPr id="24" name="Picture 14">
+            <a:extLst>
+              <a:ext uri="{FF2B5EF4-FFF2-40B4-BE49-F238E27FC236}">
+                <a16:creationId xmlns:a16="http://schemas.microsoft.com/office/drawing/2014/main" id="{84D209FB-E1A6-483E-A3DC-703B4FD8F812}"/>
+              </a:ext>
+            </a:extLst>
+          </p:cNvPr>
+          <p:cNvPicPr>
+            <a:picLocks noChangeAspect="1"/>
+          </p:cNvPicPr>
+          <p:nvPr/>
+        </p:nvPicPr>
+        <p:blipFill>
+          <a:blip r:embed="rId2">
+            <a:duotone>
+              <a:schemeClr val="accent4">
+                <a:shade val="45000"/>
+                <a:satMod val="135000"/>
+              </a:schemeClr>
+              <a:prstClr val="white"/>
+            </a:duotone>
+            <a:extLst>
+              <a:ext uri="{BEBA8EAE-BF5A-486C-A8C5-ECC9F3942E4B}">
+                <a14:imgProps xmlns:a14="http://schemas.microsoft.com/office/drawing/2010/main">
+                  <a14:imgLayer r:embed="rId3">
+                    <a14:imgEffect>
+                      <a14:brightnessContrast bright="100000"/>
+                    </a14:imgEffect>
+                  </a14:imgLayer>
+                </a14:imgProps>
+              </a:ext>
+              <a:ext uri="{28A0092B-C50C-407E-A947-70E740481C1C}">
+                <a14:useLocalDpi xmlns:a14="http://schemas.microsoft.com/office/drawing/2010/main" val="0"/>
+              </a:ext>
+            </a:extLst>
+          </a:blip>
+          <a:stretch>
+            <a:fillRect/>
+          </a:stretch>
+        </p:blipFill>
+        <p:spPr>
+          <a:xfrm>
+            <a:off x="5930965" y="5674989"/>
+            <a:ext cx="330070" cy="330070"/>
+          </a:xfrm>
+          <a:prstGeom prst="rect">
+            <a:avLst/>
+          </a:prstGeom>
+        </p:spPr>
+      </p:pic>
+      <p:sp>
+        <p:nvSpPr>
+          <p:cNvPr id="33" name="Freeform 18">
+            <a:extLst>
+              <a:ext uri="{FF2B5EF4-FFF2-40B4-BE49-F238E27FC236}">
+                <a16:creationId xmlns:a16="http://schemas.microsoft.com/office/drawing/2014/main" id="{9A99DFE0-0C11-41D8-9752-84868C2B704F}"/>
+              </a:ext>
+            </a:extLst>
+          </p:cNvPr>
+          <p:cNvSpPr>
+            <a:spLocks noChangeArrowheads="1"/>
+          </p:cNvSpPr>
+          <p:nvPr/>
+        </p:nvSpPr>
+        <p:spPr bwMode="auto">
+          <a:xfrm>
+            <a:off x="5930965" y="4808652"/>
+            <a:ext cx="352583" cy="519172"/>
+          </a:xfrm>
+          <a:custGeom>
+            <a:avLst/>
+            <a:gdLst>
+              <a:gd name="T0" fmla="*/ 130 w 453"/>
+              <a:gd name="T1" fmla="*/ 0 h 582"/>
+              <a:gd name="T2" fmla="*/ 0 w 453"/>
+              <a:gd name="T3" fmla="*/ 130 h 582"/>
+              <a:gd name="T4" fmla="*/ 99 w 453"/>
+              <a:gd name="T5" fmla="*/ 130 h 582"/>
+              <a:gd name="T6" fmla="*/ 99 w 453"/>
+              <a:gd name="T7" fmla="*/ 358 h 582"/>
+              <a:gd name="T8" fmla="*/ 161 w 453"/>
+              <a:gd name="T9" fmla="*/ 358 h 582"/>
+              <a:gd name="T10" fmla="*/ 161 w 453"/>
+              <a:gd name="T11" fmla="*/ 130 h 582"/>
+              <a:gd name="T12" fmla="*/ 260 w 453"/>
+              <a:gd name="T13" fmla="*/ 130 h 582"/>
+              <a:gd name="T14" fmla="*/ 130 w 453"/>
+              <a:gd name="T15" fmla="*/ 0 h 582"/>
+              <a:gd name="T16" fmla="*/ 359 w 453"/>
+              <a:gd name="T17" fmla="*/ 451 h 582"/>
+              <a:gd name="T18" fmla="*/ 359 w 453"/>
+              <a:gd name="T19" fmla="*/ 229 h 582"/>
+              <a:gd name="T20" fmla="*/ 291 w 453"/>
+              <a:gd name="T21" fmla="*/ 229 h 582"/>
+              <a:gd name="T22" fmla="*/ 291 w 453"/>
+              <a:gd name="T23" fmla="*/ 451 h 582"/>
+              <a:gd name="T24" fmla="*/ 192 w 453"/>
+              <a:gd name="T25" fmla="*/ 451 h 582"/>
+              <a:gd name="T26" fmla="*/ 322 w 453"/>
+              <a:gd name="T27" fmla="*/ 581 h 582"/>
+              <a:gd name="T28" fmla="*/ 452 w 453"/>
+              <a:gd name="T29" fmla="*/ 451 h 582"/>
+              <a:gd name="T30" fmla="*/ 359 w 453"/>
+              <a:gd name="T31" fmla="*/ 451 h 582"/>
+            </a:gdLst>
+            <a:ahLst/>
+            <a:cxnLst>
+              <a:cxn ang="0">
+                <a:pos x="T0" y="T1"/>
+              </a:cxn>
+              <a:cxn ang="0">
+                <a:pos x="T2" y="T3"/>
+              </a:cxn>
+              <a:cxn ang="0">
+                <a:pos x="T4" y="T5"/>
+              </a:cxn>
+              <a:cxn ang="0">
+                <a:pos x="T6" y="T7"/>
+              </a:cxn>
+              <a:cxn ang="0">
+                <a:pos x="T8" y="T9"/>
+              </a:cxn>
+              <a:cxn ang="0">
+                <a:pos x="T10" y="T11"/>
+              </a:cxn>
+              <a:cxn ang="0">
+                <a:pos x="T12" y="T13"/>
+              </a:cxn>
+              <a:cxn ang="0">
+                <a:pos x="T14" y="T15"/>
+              </a:cxn>
+              <a:cxn ang="0">
+                <a:pos x="T16" y="T17"/>
+              </a:cxn>
+              <a:cxn ang="0">
+                <a:pos x="T18" y="T19"/>
+              </a:cxn>
+              <a:cxn ang="0">
+                <a:pos x="T20" y="T21"/>
+              </a:cxn>
+              <a:cxn ang="0">
+                <a:pos x="T22" y="T23"/>
+              </a:cxn>
+              <a:cxn ang="0">
+                <a:pos x="T24" y="T25"/>
+              </a:cxn>
+              <a:cxn ang="0">
+                <a:pos x="T26" y="T27"/>
+              </a:cxn>
+              <a:cxn ang="0">
+                <a:pos x="T28" y="T29"/>
+              </a:cxn>
+              <a:cxn ang="0">
+                <a:pos x="T30" y="T31"/>
+              </a:cxn>
+            </a:cxnLst>
+            <a:rect l="0" t="0" r="r" b="b"/>
+            <a:pathLst>
+              <a:path w="453" h="582">
+                <a:moveTo>
+                  <a:pt x="130" y="0"/>
+                </a:moveTo>
+                <a:lnTo>
+                  <a:pt x="0" y="130"/>
+                </a:lnTo>
+                <a:lnTo>
+                  <a:pt x="99" y="130"/>
+                </a:lnTo>
+                <a:lnTo>
+                  <a:pt x="99" y="358"/>
+                </a:lnTo>
+                <a:lnTo>
+                  <a:pt x="161" y="358"/>
+                </a:lnTo>
+                <a:lnTo>
+                  <a:pt x="161" y="130"/>
+                </a:lnTo>
+                <a:lnTo>
+                  <a:pt x="260" y="130"/>
+                </a:lnTo>
+                <a:lnTo>
+                  <a:pt x="130" y="0"/>
+                </a:lnTo>
+                <a:close/>
+                <a:moveTo>
+                  <a:pt x="359" y="451"/>
+                </a:moveTo>
+                <a:lnTo>
+                  <a:pt x="359" y="229"/>
+                </a:lnTo>
+                <a:lnTo>
+                  <a:pt x="291" y="229"/>
+                </a:lnTo>
+                <a:lnTo>
+                  <a:pt x="291" y="451"/>
+                </a:lnTo>
+                <a:lnTo>
+                  <a:pt x="192" y="451"/>
+                </a:lnTo>
+                <a:lnTo>
+                  <a:pt x="322" y="581"/>
+                </a:lnTo>
+                <a:lnTo>
+                  <a:pt x="452" y="451"/>
+                </a:lnTo>
+                <a:lnTo>
+                  <a:pt x="359" y="451"/>
+                </a:lnTo>
+                <a:close/>
+              </a:path>
+            </a:pathLst>
+          </a:custGeom>
+          <a:solidFill>
+            <a:schemeClr val="bg1">
+              <a:lumMod val="75000"/>
+            </a:schemeClr>
+          </a:solidFill>
+          <a:ln>
+            <a:noFill/>
+          </a:ln>
+          <a:effectLst/>
+        </p:spPr>
+        <p:txBody>
+          <a:bodyPr wrap="none" anchor="ctr"/>
+          <a:lstStyle/>
+          <a:p>
+            <a:endParaRPr lang="en-US" sz="1350"/>
+          </a:p>
+        </p:txBody>
+      </p:sp>
+      <p:pic>
+        <p:nvPicPr>
+          <p:cNvPr id="1032" name="Picture 8" descr="Image associÃ©e">
+            <a:extLst>
+              <a:ext uri="{FF2B5EF4-FFF2-40B4-BE49-F238E27FC236}">
+                <a16:creationId xmlns:a16="http://schemas.microsoft.com/office/drawing/2014/main" id="{4825C99B-7A91-439A-91A9-9F5B2B9C6012}"/>
+              </a:ext>
+            </a:extLst>
+          </p:cNvPr>
+          <p:cNvPicPr>
+            <a:picLocks noChangeAspect="1" noChangeArrowheads="1"/>
+          </p:cNvPicPr>
+          <p:nvPr/>
+        </p:nvPicPr>
+        <p:blipFill>
+          <a:blip r:embed="rId4">
+            <a:duotone>
+              <a:schemeClr val="accent1">
+                <a:shade val="45000"/>
+                <a:satMod val="135000"/>
+              </a:schemeClr>
+              <a:prstClr val="white"/>
+            </a:duotone>
+            <a:extLst>
+              <a:ext uri="{28A0092B-C50C-407E-A947-70E740481C1C}">
+                <a14:useLocalDpi xmlns:a14="http://schemas.microsoft.com/office/drawing/2010/main" val="0"/>
+              </a:ext>
+            </a:extLst>
+          </a:blip>
+          <a:srcRect/>
+          <a:stretch>
+            <a:fillRect/>
+          </a:stretch>
+        </p:blipFill>
+        <p:spPr bwMode="auto">
+          <a:xfrm>
+            <a:off x="5897302" y="4049012"/>
+            <a:ext cx="397395" cy="397395"/>
+          </a:xfrm>
+          <a:prstGeom prst="rect">
+            <a:avLst/>
+          </a:prstGeom>
+          <a:noFill/>
+          <a:extLst>
+            <a:ext uri="{909E8E84-426E-40DD-AFC4-6F175D3DCCD1}">
+              <a14:hiddenFill xmlns:a14="http://schemas.microsoft.com/office/drawing/2010/main">
+                <a:solidFill>
+                  <a:srgbClr val="FFFFFF"/>
+                </a:solidFill>
+              </a14:hiddenFill>
+            </a:ext>
+          </a:extLst>
+        </p:spPr>
+      </p:pic>
+      <p:sp>
+        <p:nvSpPr>
+          <p:cNvPr id="36" name="Freeform 23">
+            <a:extLst>
+              <a:ext uri="{FF2B5EF4-FFF2-40B4-BE49-F238E27FC236}">
+                <a16:creationId xmlns:a16="http://schemas.microsoft.com/office/drawing/2014/main" id="{185BFC58-6D35-48F1-823C-0E2CC3E3B382}"/>
+              </a:ext>
+            </a:extLst>
+          </p:cNvPr>
+          <p:cNvSpPr>
+            <a:spLocks noChangeArrowheads="1"/>
+          </p:cNvSpPr>
+          <p:nvPr/>
+        </p:nvSpPr>
+        <p:spPr bwMode="auto">
+          <a:xfrm>
+            <a:off x="4182888" y="4058179"/>
+            <a:ext cx="337594" cy="334152"/>
+          </a:xfrm>
+          <a:custGeom>
+            <a:avLst/>
+            <a:gdLst>
+              <a:gd name="T0" fmla="*/ 216 w 433"/>
+              <a:gd name="T1" fmla="*/ 51 h 427"/>
+              <a:gd name="T2" fmla="*/ 273 w 433"/>
+              <a:gd name="T3" fmla="*/ 108 h 427"/>
+              <a:gd name="T4" fmla="*/ 216 w 433"/>
+              <a:gd name="T5" fmla="*/ 164 h 427"/>
+              <a:gd name="T6" fmla="*/ 160 w 433"/>
+              <a:gd name="T7" fmla="*/ 108 h 427"/>
+              <a:gd name="T8" fmla="*/ 216 w 433"/>
+              <a:gd name="T9" fmla="*/ 51 h 427"/>
+              <a:gd name="T10" fmla="*/ 216 w 433"/>
+              <a:gd name="T11" fmla="*/ 293 h 427"/>
+              <a:gd name="T12" fmla="*/ 381 w 433"/>
+              <a:gd name="T13" fmla="*/ 349 h 427"/>
+              <a:gd name="T14" fmla="*/ 381 w 433"/>
+              <a:gd name="T15" fmla="*/ 380 h 427"/>
+              <a:gd name="T16" fmla="*/ 52 w 433"/>
+              <a:gd name="T17" fmla="*/ 380 h 427"/>
+              <a:gd name="T18" fmla="*/ 52 w 433"/>
+              <a:gd name="T19" fmla="*/ 349 h 427"/>
+              <a:gd name="T20" fmla="*/ 216 w 433"/>
+              <a:gd name="T21" fmla="*/ 293 h 427"/>
+              <a:gd name="T22" fmla="*/ 216 w 433"/>
+              <a:gd name="T23" fmla="*/ 0 h 427"/>
+              <a:gd name="T24" fmla="*/ 108 w 433"/>
+              <a:gd name="T25" fmla="*/ 108 h 427"/>
+              <a:gd name="T26" fmla="*/ 216 w 433"/>
+              <a:gd name="T27" fmla="*/ 216 h 427"/>
+              <a:gd name="T28" fmla="*/ 324 w 433"/>
+              <a:gd name="T29" fmla="*/ 108 h 427"/>
+              <a:gd name="T30" fmla="*/ 216 w 433"/>
+              <a:gd name="T31" fmla="*/ 0 h 427"/>
+              <a:gd name="T32" fmla="*/ 216 w 433"/>
+              <a:gd name="T33" fmla="*/ 241 h 427"/>
+              <a:gd name="T34" fmla="*/ 0 w 433"/>
+              <a:gd name="T35" fmla="*/ 349 h 427"/>
+              <a:gd name="T36" fmla="*/ 0 w 433"/>
+              <a:gd name="T37" fmla="*/ 426 h 427"/>
+              <a:gd name="T38" fmla="*/ 432 w 433"/>
+              <a:gd name="T39" fmla="*/ 426 h 427"/>
+              <a:gd name="T40" fmla="*/ 432 w 433"/>
+              <a:gd name="T41" fmla="*/ 349 h 427"/>
+              <a:gd name="T42" fmla="*/ 216 w 433"/>
+              <a:gd name="T43" fmla="*/ 241 h 427"/>
+            </a:gdLst>
+            <a:ahLst/>
+            <a:cxnLst>
+              <a:cxn ang="0">
+                <a:pos x="T0" y="T1"/>
+              </a:cxn>
+              <a:cxn ang="0">
+                <a:pos x="T2" y="T3"/>
+              </a:cxn>
+              <a:cxn ang="0">
+                <a:pos x="T4" y="T5"/>
+              </a:cxn>
+              <a:cxn ang="0">
+                <a:pos x="T6" y="T7"/>
+              </a:cxn>
+              <a:cxn ang="0">
+                <a:pos x="T8" y="T9"/>
+              </a:cxn>
+              <a:cxn ang="0">
+                <a:pos x="T10" y="T11"/>
+              </a:cxn>
+              <a:cxn ang="0">
+                <a:pos x="T12" y="T13"/>
+              </a:cxn>
+              <a:cxn ang="0">
+                <a:pos x="T14" y="T15"/>
+              </a:cxn>
+              <a:cxn ang="0">
+                <a:pos x="T16" y="T17"/>
+              </a:cxn>
+              <a:cxn ang="0">
+                <a:pos x="T18" y="T19"/>
+              </a:cxn>
+              <a:cxn ang="0">
+                <a:pos x="T20" y="T21"/>
+              </a:cxn>
+              <a:cxn ang="0">
+                <a:pos x="T22" y="T23"/>
+              </a:cxn>
+              <a:cxn ang="0">
+                <a:pos x="T24" y="T25"/>
+              </a:cxn>
+              <a:cxn ang="0">
+                <a:pos x="T26" y="T27"/>
+              </a:cxn>
+              <a:cxn ang="0">
+                <a:pos x="T28" y="T29"/>
+              </a:cxn>
+              <a:cxn ang="0">
+                <a:pos x="T30" y="T31"/>
+              </a:cxn>
+              <a:cxn ang="0">
+                <a:pos x="T32" y="T33"/>
+              </a:cxn>
+              <a:cxn ang="0">
+                <a:pos x="T34" y="T35"/>
+              </a:cxn>
+              <a:cxn ang="0">
+                <a:pos x="T36" y="T37"/>
+              </a:cxn>
+              <a:cxn ang="0">
+                <a:pos x="T38" y="T39"/>
+              </a:cxn>
+              <a:cxn ang="0">
+                <a:pos x="T40" y="T41"/>
+              </a:cxn>
+              <a:cxn ang="0">
+                <a:pos x="T42" y="T43"/>
+              </a:cxn>
+            </a:cxnLst>
+            <a:rect l="0" t="0" r="r" b="b"/>
+            <a:pathLst>
+              <a:path w="433" h="427">
+                <a:moveTo>
+                  <a:pt x="216" y="51"/>
+                </a:moveTo>
+                <a:cubicBezTo>
+                  <a:pt x="247" y="51"/>
+                  <a:pt x="273" y="74"/>
+                  <a:pt x="273" y="108"/>
+                </a:cubicBezTo>
+                <a:cubicBezTo>
+                  <a:pt x="273" y="141"/>
+                  <a:pt x="250" y="164"/>
+                  <a:pt x="216" y="164"/>
+                </a:cubicBezTo>
+                <a:cubicBezTo>
+                  <a:pt x="183" y="164"/>
+                  <a:pt x="160" y="141"/>
+                  <a:pt x="160" y="108"/>
+                </a:cubicBezTo>
+                <a:cubicBezTo>
+                  <a:pt x="160" y="74"/>
+                  <a:pt x="180" y="51"/>
+                  <a:pt x="216" y="51"/>
+                </a:cubicBezTo>
+                <a:close/>
+                <a:moveTo>
+                  <a:pt x="216" y="293"/>
+                </a:moveTo>
+                <a:cubicBezTo>
+                  <a:pt x="293" y="293"/>
+                  <a:pt x="381" y="334"/>
+                  <a:pt x="381" y="349"/>
+                </a:cubicBezTo>
+                <a:lnTo>
+                  <a:pt x="381" y="380"/>
+                </a:lnTo>
+                <a:lnTo>
+                  <a:pt x="52" y="380"/>
+                </a:lnTo>
+                <a:lnTo>
+                  <a:pt x="52" y="349"/>
+                </a:lnTo>
+                <a:cubicBezTo>
+                  <a:pt x="52" y="334"/>
+                  <a:pt x="134" y="293"/>
+                  <a:pt x="216" y="293"/>
+                </a:cubicBezTo>
+                <a:close/>
+                <a:moveTo>
+                  <a:pt x="216" y="0"/>
+                </a:moveTo>
+                <a:cubicBezTo>
+                  <a:pt x="155" y="0"/>
+                  <a:pt x="108" y="49"/>
+                  <a:pt x="108" y="108"/>
+                </a:cubicBezTo>
+                <a:cubicBezTo>
+                  <a:pt x="108" y="167"/>
+                  <a:pt x="157" y="216"/>
+                  <a:pt x="216" y="216"/>
+                </a:cubicBezTo>
+                <a:cubicBezTo>
+                  <a:pt x="275" y="216"/>
+                  <a:pt x="324" y="167"/>
+                  <a:pt x="324" y="108"/>
+                </a:cubicBezTo>
+                <a:cubicBezTo>
+                  <a:pt x="324" y="49"/>
+                  <a:pt x="273" y="0"/>
+                  <a:pt x="216" y="0"/>
+                </a:cubicBezTo>
+                <a:close/>
+                <a:moveTo>
+                  <a:pt x="216" y="241"/>
+                </a:moveTo>
+                <a:cubicBezTo>
+                  <a:pt x="144" y="241"/>
+                  <a:pt x="0" y="277"/>
+                  <a:pt x="0" y="349"/>
+                </a:cubicBezTo>
+                <a:lnTo>
+                  <a:pt x="0" y="426"/>
+                </a:lnTo>
+                <a:lnTo>
+                  <a:pt x="432" y="426"/>
+                </a:lnTo>
+                <a:lnTo>
+                  <a:pt x="432" y="349"/>
+                </a:lnTo>
+                <a:cubicBezTo>
+                  <a:pt x="432" y="277"/>
+                  <a:pt x="288" y="241"/>
+                  <a:pt x="216" y="241"/>
+                </a:cubicBezTo>
+                <a:close/>
+              </a:path>
+            </a:pathLst>
+          </a:custGeom>
+          <a:solidFill>
+            <a:schemeClr val="bg1"/>
+          </a:solidFill>
+          <a:ln>
+            <a:noFill/>
+          </a:ln>
+          <a:effectLst/>
+        </p:spPr>
+        <p:txBody>
+          <a:bodyPr wrap="none" anchor="ctr"/>
+          <a:lstStyle/>
+          <a:p>
+            <a:endParaRPr lang="en-US" sz="1350"/>
+          </a:p>
+        </p:txBody>
+      </p:sp>
+      <p:sp>
+        <p:nvSpPr>
+          <p:cNvPr id="37" name="Freeform 23">
+            <a:extLst>
+              <a:ext uri="{FF2B5EF4-FFF2-40B4-BE49-F238E27FC236}">
+                <a16:creationId xmlns:a16="http://schemas.microsoft.com/office/drawing/2014/main" id="{3F1CD689-536F-4BBB-A065-766E97983131}"/>
+              </a:ext>
+            </a:extLst>
+          </p:cNvPr>
+          <p:cNvSpPr>
+            <a:spLocks noChangeArrowheads="1"/>
+          </p:cNvSpPr>
+          <p:nvPr/>
+        </p:nvSpPr>
+        <p:spPr bwMode="auto">
+          <a:xfrm>
+            <a:off x="5938459" y="2402888"/>
+            <a:ext cx="337594" cy="334152"/>
+          </a:xfrm>
+          <a:custGeom>
+            <a:avLst/>
+            <a:gdLst>
+              <a:gd name="T0" fmla="*/ 216 w 433"/>
+              <a:gd name="T1" fmla="*/ 51 h 427"/>
+              <a:gd name="T2" fmla="*/ 273 w 433"/>
+              <a:gd name="T3" fmla="*/ 108 h 427"/>
+              <a:gd name="T4" fmla="*/ 216 w 433"/>
+              <a:gd name="T5" fmla="*/ 164 h 427"/>
+              <a:gd name="T6" fmla="*/ 160 w 433"/>
+              <a:gd name="T7" fmla="*/ 108 h 427"/>
+              <a:gd name="T8" fmla="*/ 216 w 433"/>
+              <a:gd name="T9" fmla="*/ 51 h 427"/>
+              <a:gd name="T10" fmla="*/ 216 w 433"/>
+              <a:gd name="T11" fmla="*/ 293 h 427"/>
+              <a:gd name="T12" fmla="*/ 381 w 433"/>
+              <a:gd name="T13" fmla="*/ 349 h 427"/>
+              <a:gd name="T14" fmla="*/ 381 w 433"/>
+              <a:gd name="T15" fmla="*/ 380 h 427"/>
+              <a:gd name="T16" fmla="*/ 52 w 433"/>
+              <a:gd name="T17" fmla="*/ 380 h 427"/>
+              <a:gd name="T18" fmla="*/ 52 w 433"/>
+              <a:gd name="T19" fmla="*/ 349 h 427"/>
+              <a:gd name="T20" fmla="*/ 216 w 433"/>
+              <a:gd name="T21" fmla="*/ 293 h 427"/>
+              <a:gd name="T22" fmla="*/ 216 w 433"/>
+              <a:gd name="T23" fmla="*/ 0 h 427"/>
+              <a:gd name="T24" fmla="*/ 108 w 433"/>
+              <a:gd name="T25" fmla="*/ 108 h 427"/>
+              <a:gd name="T26" fmla="*/ 216 w 433"/>
+              <a:gd name="T27" fmla="*/ 216 h 427"/>
+              <a:gd name="T28" fmla="*/ 324 w 433"/>
+              <a:gd name="T29" fmla="*/ 108 h 427"/>
+              <a:gd name="T30" fmla="*/ 216 w 433"/>
+              <a:gd name="T31" fmla="*/ 0 h 427"/>
+              <a:gd name="T32" fmla="*/ 216 w 433"/>
+              <a:gd name="T33" fmla="*/ 241 h 427"/>
+              <a:gd name="T34" fmla="*/ 0 w 433"/>
+              <a:gd name="T35" fmla="*/ 349 h 427"/>
+              <a:gd name="T36" fmla="*/ 0 w 433"/>
+              <a:gd name="T37" fmla="*/ 426 h 427"/>
+              <a:gd name="T38" fmla="*/ 432 w 433"/>
+              <a:gd name="T39" fmla="*/ 426 h 427"/>
+              <a:gd name="T40" fmla="*/ 432 w 433"/>
+              <a:gd name="T41" fmla="*/ 349 h 427"/>
+              <a:gd name="T42" fmla="*/ 216 w 433"/>
+              <a:gd name="T43" fmla="*/ 241 h 427"/>
+            </a:gdLst>
+            <a:ahLst/>
+            <a:cxnLst>
+              <a:cxn ang="0">
+                <a:pos x="T0" y="T1"/>
+              </a:cxn>
+              <a:cxn ang="0">
+                <a:pos x="T2" y="T3"/>
+              </a:cxn>
+              <a:cxn ang="0">
+                <a:pos x="T4" y="T5"/>
+              </a:cxn>
+              <a:cxn ang="0">
+                <a:pos x="T6" y="T7"/>
+              </a:cxn>
+              <a:cxn ang="0">
+                <a:pos x="T8" y="T9"/>
+              </a:cxn>
+              <a:cxn ang="0">
+                <a:pos x="T10" y="T11"/>
+              </a:cxn>
+              <a:cxn ang="0">
+                <a:pos x="T12" y="T13"/>
+              </a:cxn>
+              <a:cxn ang="0">
+                <a:pos x="T14" y="T15"/>
+              </a:cxn>
+              <a:cxn ang="0">
+                <a:pos x="T16" y="T17"/>
+              </a:cxn>
+              <a:cxn ang="0">
+                <a:pos x="T18" y="T19"/>
+              </a:cxn>
+              <a:cxn ang="0">
+                <a:pos x="T20" y="T21"/>
+              </a:cxn>
+              <a:cxn ang="0">
+                <a:pos x="T22" y="T23"/>
+              </a:cxn>
+              <a:cxn ang="0">
+                <a:pos x="T24" y="T25"/>
+              </a:cxn>
+              <a:cxn ang="0">
+                <a:pos x="T26" y="T27"/>
+              </a:cxn>
+              <a:cxn ang="0">
+                <a:pos x="T28" y="T29"/>
+              </a:cxn>
+              <a:cxn ang="0">
+                <a:pos x="T30" y="T31"/>
+              </a:cxn>
+              <a:cxn ang="0">
+                <a:pos x="T32" y="T33"/>
+              </a:cxn>
+              <a:cxn ang="0">
+                <a:pos x="T34" y="T35"/>
+              </a:cxn>
+              <a:cxn ang="0">
+                <a:pos x="T36" y="T37"/>
+              </a:cxn>
+              <a:cxn ang="0">
+                <a:pos x="T38" y="T39"/>
+              </a:cxn>
+              <a:cxn ang="0">
+                <a:pos x="T40" y="T41"/>
+              </a:cxn>
+              <a:cxn ang="0">
+                <a:pos x="T42" y="T43"/>
+              </a:cxn>
+            </a:cxnLst>
+            <a:rect l="0" t="0" r="r" b="b"/>
+            <a:pathLst>
+              <a:path w="433" h="427">
+                <a:moveTo>
+                  <a:pt x="216" y="51"/>
+                </a:moveTo>
+                <a:cubicBezTo>
+                  <a:pt x="247" y="51"/>
+                  <a:pt x="273" y="74"/>
+                  <a:pt x="273" y="108"/>
+                </a:cubicBezTo>
+                <a:cubicBezTo>
+                  <a:pt x="273" y="141"/>
+                  <a:pt x="250" y="164"/>
+                  <a:pt x="216" y="164"/>
+                </a:cubicBezTo>
+                <a:cubicBezTo>
+                  <a:pt x="183" y="164"/>
+                  <a:pt x="160" y="141"/>
+                  <a:pt x="160" y="108"/>
+                </a:cubicBezTo>
+                <a:cubicBezTo>
+                  <a:pt x="160" y="74"/>
+                  <a:pt x="180" y="51"/>
+                  <a:pt x="216" y="51"/>
+                </a:cubicBezTo>
+                <a:close/>
+                <a:moveTo>
+                  <a:pt x="216" y="293"/>
+                </a:moveTo>
+                <a:cubicBezTo>
+                  <a:pt x="293" y="293"/>
+                  <a:pt x="381" y="334"/>
+                  <a:pt x="381" y="349"/>
+                </a:cubicBezTo>
+                <a:lnTo>
+                  <a:pt x="381" y="380"/>
+                </a:lnTo>
+                <a:lnTo>
+                  <a:pt x="52" y="380"/>
+                </a:lnTo>
+                <a:lnTo>
+                  <a:pt x="52" y="349"/>
+                </a:lnTo>
+                <a:cubicBezTo>
+                  <a:pt x="52" y="334"/>
+                  <a:pt x="134" y="293"/>
+                  <a:pt x="216" y="293"/>
+                </a:cubicBezTo>
+                <a:close/>
+                <a:moveTo>
+                  <a:pt x="216" y="0"/>
+                </a:moveTo>
+                <a:cubicBezTo>
+                  <a:pt x="155" y="0"/>
+                  <a:pt x="108" y="49"/>
+                  <a:pt x="108" y="108"/>
+                </a:cubicBezTo>
+                <a:cubicBezTo>
+                  <a:pt x="108" y="167"/>
+                  <a:pt x="157" y="216"/>
+                  <a:pt x="216" y="216"/>
+                </a:cubicBezTo>
+                <a:cubicBezTo>
+                  <a:pt x="275" y="216"/>
+                  <a:pt x="324" y="167"/>
+                  <a:pt x="324" y="108"/>
+                </a:cubicBezTo>
+                <a:cubicBezTo>
+                  <a:pt x="324" y="49"/>
+                  <a:pt x="273" y="0"/>
+                  <a:pt x="216" y="0"/>
+                </a:cubicBezTo>
+                <a:close/>
+                <a:moveTo>
+                  <a:pt x="216" y="241"/>
+                </a:moveTo>
+                <a:cubicBezTo>
+                  <a:pt x="144" y="241"/>
+                  <a:pt x="0" y="277"/>
+                  <a:pt x="0" y="349"/>
+                </a:cubicBezTo>
+                <a:lnTo>
+                  <a:pt x="0" y="426"/>
+                </a:lnTo>
+                <a:lnTo>
+                  <a:pt x="432" y="426"/>
+                </a:lnTo>
+                <a:lnTo>
+                  <a:pt x="432" y="349"/>
+                </a:lnTo>
+                <a:cubicBezTo>
+                  <a:pt x="432" y="277"/>
+                  <a:pt x="288" y="241"/>
+                  <a:pt x="216" y="241"/>
+                </a:cubicBezTo>
+                <a:close/>
+              </a:path>
+            </a:pathLst>
+          </a:custGeom>
+          <a:solidFill>
+            <a:schemeClr val="bg1"/>
+          </a:solidFill>
+          <a:ln>
+            <a:noFill/>
+          </a:ln>
+          <a:effectLst/>
+        </p:spPr>
+        <p:txBody>
+          <a:bodyPr wrap="none" anchor="ctr"/>
+          <a:lstStyle/>
+          <a:p>
+            <a:endParaRPr lang="en-US" sz="1350"/>
+          </a:p>
+        </p:txBody>
+      </p:sp>
+      <p:sp>
+        <p:nvSpPr>
+          <p:cNvPr id="38" name="Freeform 23">
+            <a:extLst>
+              <a:ext uri="{FF2B5EF4-FFF2-40B4-BE49-F238E27FC236}">
+                <a16:creationId xmlns:a16="http://schemas.microsoft.com/office/drawing/2014/main" id="{BD670B02-D9B7-47FA-8F4E-0566165EE6BD}"/>
+              </a:ext>
+            </a:extLst>
+          </p:cNvPr>
+          <p:cNvSpPr>
+            <a:spLocks noChangeArrowheads="1"/>
+          </p:cNvSpPr>
+          <p:nvPr/>
+        </p:nvSpPr>
+        <p:spPr bwMode="auto">
+          <a:xfrm>
+            <a:off x="7671519" y="4049012"/>
+            <a:ext cx="337594" cy="334152"/>
+          </a:xfrm>
+          <a:custGeom>
+            <a:avLst/>
+            <a:gdLst>
+              <a:gd name="T0" fmla="*/ 216 w 433"/>
+              <a:gd name="T1" fmla="*/ 51 h 427"/>
+              <a:gd name="T2" fmla="*/ 273 w 433"/>
+              <a:gd name="T3" fmla="*/ 108 h 427"/>
+              <a:gd name="T4" fmla="*/ 216 w 433"/>
+              <a:gd name="T5" fmla="*/ 164 h 427"/>
+              <a:gd name="T6" fmla="*/ 160 w 433"/>
+              <a:gd name="T7" fmla="*/ 108 h 427"/>
+              <a:gd name="T8" fmla="*/ 216 w 433"/>
+              <a:gd name="T9" fmla="*/ 51 h 427"/>
+              <a:gd name="T10" fmla="*/ 216 w 433"/>
+              <a:gd name="T11" fmla="*/ 293 h 427"/>
+              <a:gd name="T12" fmla="*/ 381 w 433"/>
+              <a:gd name="T13" fmla="*/ 349 h 427"/>
+              <a:gd name="T14" fmla="*/ 381 w 433"/>
+              <a:gd name="T15" fmla="*/ 380 h 427"/>
+              <a:gd name="T16" fmla="*/ 52 w 433"/>
+              <a:gd name="T17" fmla="*/ 380 h 427"/>
+              <a:gd name="T18" fmla="*/ 52 w 433"/>
+              <a:gd name="T19" fmla="*/ 349 h 427"/>
+              <a:gd name="T20" fmla="*/ 216 w 433"/>
+              <a:gd name="T21" fmla="*/ 293 h 427"/>
+              <a:gd name="T22" fmla="*/ 216 w 433"/>
+              <a:gd name="T23" fmla="*/ 0 h 427"/>
+              <a:gd name="T24" fmla="*/ 108 w 433"/>
+              <a:gd name="T25" fmla="*/ 108 h 427"/>
+              <a:gd name="T26" fmla="*/ 216 w 433"/>
+              <a:gd name="T27" fmla="*/ 216 h 427"/>
+              <a:gd name="T28" fmla="*/ 324 w 433"/>
+              <a:gd name="T29" fmla="*/ 108 h 427"/>
+              <a:gd name="T30" fmla="*/ 216 w 433"/>
+              <a:gd name="T31" fmla="*/ 0 h 427"/>
+              <a:gd name="T32" fmla="*/ 216 w 433"/>
+              <a:gd name="T33" fmla="*/ 241 h 427"/>
+              <a:gd name="T34" fmla="*/ 0 w 433"/>
+              <a:gd name="T35" fmla="*/ 349 h 427"/>
+              <a:gd name="T36" fmla="*/ 0 w 433"/>
+              <a:gd name="T37" fmla="*/ 426 h 427"/>
+              <a:gd name="T38" fmla="*/ 432 w 433"/>
+              <a:gd name="T39" fmla="*/ 426 h 427"/>
+              <a:gd name="T40" fmla="*/ 432 w 433"/>
+              <a:gd name="T41" fmla="*/ 349 h 427"/>
+              <a:gd name="T42" fmla="*/ 216 w 433"/>
+              <a:gd name="T43" fmla="*/ 241 h 427"/>
+            </a:gdLst>
+            <a:ahLst/>
+            <a:cxnLst>
+              <a:cxn ang="0">
+                <a:pos x="T0" y="T1"/>
+              </a:cxn>
+              <a:cxn ang="0">
+                <a:pos x="T2" y="T3"/>
+              </a:cxn>
+              <a:cxn ang="0">
+                <a:pos x="T4" y="T5"/>
+              </a:cxn>
+              <a:cxn ang="0">
+                <a:pos x="T6" y="T7"/>
+              </a:cxn>
+              <a:cxn ang="0">
+                <a:pos x="T8" y="T9"/>
+              </a:cxn>
+              <a:cxn ang="0">
+                <a:pos x="T10" y="T11"/>
+              </a:cxn>
+              <a:cxn ang="0">
+                <a:pos x="T12" y="T13"/>
+              </a:cxn>
+              <a:cxn ang="0">
+                <a:pos x="T14" y="T15"/>
+              </a:cxn>
+              <a:cxn ang="0">
+                <a:pos x="T16" y="T17"/>
+              </a:cxn>
+              <a:cxn ang="0">
+                <a:pos x="T18" y="T19"/>
+              </a:cxn>
+              <a:cxn ang="0">
+                <a:pos x="T20" y="T21"/>
+              </a:cxn>
+              <a:cxn ang="0">
+                <a:pos x="T22" y="T23"/>
+              </a:cxn>
+              <a:cxn ang="0">
+                <a:pos x="T24" y="T25"/>
+              </a:cxn>
+              <a:cxn ang="0">
+                <a:pos x="T26" y="T27"/>
+              </a:cxn>
+              <a:cxn ang="0">
+                <a:pos x="T28" y="T29"/>
+              </a:cxn>
+              <a:cxn ang="0">
+                <a:pos x="T30" y="T31"/>
+              </a:cxn>
+              <a:cxn ang="0">
+                <a:pos x="T32" y="T33"/>
+              </a:cxn>
+              <a:cxn ang="0">
+                <a:pos x="T34" y="T35"/>
+              </a:cxn>
+              <a:cxn ang="0">
+                <a:pos x="T36" y="T37"/>
+              </a:cxn>
+              <a:cxn ang="0">
+                <a:pos x="T38" y="T39"/>
+              </a:cxn>
+              <a:cxn ang="0">
+                <a:pos x="T40" y="T41"/>
+              </a:cxn>
+              <a:cxn ang="0">
+                <a:pos x="T42" y="T43"/>
+              </a:cxn>
+            </a:cxnLst>
+            <a:rect l="0" t="0" r="r" b="b"/>
+            <a:pathLst>
+              <a:path w="433" h="427">
+                <a:moveTo>
+                  <a:pt x="216" y="51"/>
+                </a:moveTo>
+                <a:cubicBezTo>
+                  <a:pt x="247" y="51"/>
+                  <a:pt x="273" y="74"/>
+                  <a:pt x="273" y="108"/>
+                </a:cubicBezTo>
+                <a:cubicBezTo>
+                  <a:pt x="273" y="141"/>
+                  <a:pt x="250" y="164"/>
+                  <a:pt x="216" y="164"/>
+                </a:cubicBezTo>
+                <a:cubicBezTo>
+                  <a:pt x="183" y="164"/>
+                  <a:pt x="160" y="141"/>
+                  <a:pt x="160" y="108"/>
+                </a:cubicBezTo>
+                <a:cubicBezTo>
+                  <a:pt x="160" y="74"/>
+                  <a:pt x="180" y="51"/>
+                  <a:pt x="216" y="51"/>
+                </a:cubicBezTo>
+                <a:close/>
+                <a:moveTo>
+                  <a:pt x="216" y="293"/>
+                </a:moveTo>
+                <a:cubicBezTo>
+                  <a:pt x="293" y="293"/>
+                  <a:pt x="381" y="334"/>
+                  <a:pt x="381" y="349"/>
+                </a:cubicBezTo>
+                <a:lnTo>
+                  <a:pt x="381" y="380"/>
+                </a:lnTo>
+                <a:lnTo>
+                  <a:pt x="52" y="380"/>
+                </a:lnTo>
+                <a:lnTo>
+                  <a:pt x="52" y="349"/>
+                </a:lnTo>
+                <a:cubicBezTo>
+                  <a:pt x="52" y="334"/>
+                  <a:pt x="134" y="293"/>
+                  <a:pt x="216" y="293"/>
+                </a:cubicBezTo>
+                <a:close/>
+                <a:moveTo>
+                  <a:pt x="216" y="0"/>
+                </a:moveTo>
+                <a:cubicBezTo>
+                  <a:pt x="155" y="0"/>
+                  <a:pt x="108" y="49"/>
+                  <a:pt x="108" y="108"/>
+                </a:cubicBezTo>
+                <a:cubicBezTo>
+                  <a:pt x="108" y="167"/>
+                  <a:pt x="157" y="216"/>
+                  <a:pt x="216" y="216"/>
+                </a:cubicBezTo>
+                <a:cubicBezTo>
+                  <a:pt x="275" y="216"/>
+                  <a:pt x="324" y="167"/>
+                  <a:pt x="324" y="108"/>
+                </a:cubicBezTo>
+                <a:cubicBezTo>
+                  <a:pt x="324" y="49"/>
+                  <a:pt x="273" y="0"/>
+                  <a:pt x="216" y="0"/>
+                </a:cubicBezTo>
+                <a:close/>
+                <a:moveTo>
+                  <a:pt x="216" y="241"/>
+                </a:moveTo>
+                <a:cubicBezTo>
+                  <a:pt x="144" y="241"/>
+                  <a:pt x="0" y="277"/>
+                  <a:pt x="0" y="349"/>
+                </a:cubicBezTo>
+                <a:lnTo>
+                  <a:pt x="0" y="426"/>
+                </a:lnTo>
+                <a:lnTo>
+                  <a:pt x="432" y="426"/>
+                </a:lnTo>
+                <a:lnTo>
+                  <a:pt x="432" y="349"/>
+                </a:lnTo>
+                <a:cubicBezTo>
+                  <a:pt x="432" y="277"/>
+                  <a:pt x="288" y="241"/>
+                  <a:pt x="216" y="241"/>
+                </a:cubicBezTo>
+                <a:close/>
+              </a:path>
+            </a:pathLst>
+          </a:custGeom>
+          <a:solidFill>
+            <a:schemeClr val="bg1"/>
+          </a:solidFill>
+          <a:ln>
+            <a:noFill/>
+          </a:ln>
+          <a:effectLst/>
+        </p:spPr>
+        <p:txBody>
+          <a:bodyPr wrap="none" anchor="ctr"/>
+          <a:lstStyle/>
+          <a:p>
+            <a:endParaRPr lang="en-US" sz="1350"/>
+          </a:p>
+        </p:txBody>
+      </p:sp>
+      <p:sp>
+        <p:nvSpPr>
+          <p:cNvPr id="39" name="Freeform 18">
+            <a:extLst>
+              <a:ext uri="{FF2B5EF4-FFF2-40B4-BE49-F238E27FC236}">
+                <a16:creationId xmlns:a16="http://schemas.microsoft.com/office/drawing/2014/main" id="{76DFE742-08C8-49A0-B94C-DE5498D0D4CD}"/>
+              </a:ext>
+            </a:extLst>
+          </p:cNvPr>
+          <p:cNvSpPr>
+            <a:spLocks noChangeArrowheads="1"/>
+          </p:cNvSpPr>
+          <p:nvPr/>
+        </p:nvSpPr>
+        <p:spPr bwMode="auto">
+          <a:xfrm rot="5400000">
+            <a:off x="5087281" y="4035142"/>
+            <a:ext cx="352583" cy="519172"/>
+          </a:xfrm>
+          <a:custGeom>
+            <a:avLst/>
+            <a:gdLst>
+              <a:gd name="T0" fmla="*/ 130 w 453"/>
+              <a:gd name="T1" fmla="*/ 0 h 582"/>
+              <a:gd name="T2" fmla="*/ 0 w 453"/>
+              <a:gd name="T3" fmla="*/ 130 h 582"/>
+              <a:gd name="T4" fmla="*/ 99 w 453"/>
+              <a:gd name="T5" fmla="*/ 130 h 582"/>
+              <a:gd name="T6" fmla="*/ 99 w 453"/>
+              <a:gd name="T7" fmla="*/ 358 h 582"/>
+              <a:gd name="T8" fmla="*/ 161 w 453"/>
+              <a:gd name="T9" fmla="*/ 358 h 582"/>
+              <a:gd name="T10" fmla="*/ 161 w 453"/>
+              <a:gd name="T11" fmla="*/ 130 h 582"/>
+              <a:gd name="T12" fmla="*/ 260 w 453"/>
+              <a:gd name="T13" fmla="*/ 130 h 582"/>
+              <a:gd name="T14" fmla="*/ 130 w 453"/>
+              <a:gd name="T15" fmla="*/ 0 h 582"/>
+              <a:gd name="T16" fmla="*/ 359 w 453"/>
+              <a:gd name="T17" fmla="*/ 451 h 582"/>
+              <a:gd name="T18" fmla="*/ 359 w 453"/>
+              <a:gd name="T19" fmla="*/ 229 h 582"/>
+              <a:gd name="T20" fmla="*/ 291 w 453"/>
+              <a:gd name="T21" fmla="*/ 229 h 582"/>
+              <a:gd name="T22" fmla="*/ 291 w 453"/>
+              <a:gd name="T23" fmla="*/ 451 h 582"/>
+              <a:gd name="T24" fmla="*/ 192 w 453"/>
+              <a:gd name="T25" fmla="*/ 451 h 582"/>
+              <a:gd name="T26" fmla="*/ 322 w 453"/>
+              <a:gd name="T27" fmla="*/ 581 h 582"/>
+              <a:gd name="T28" fmla="*/ 452 w 453"/>
+              <a:gd name="T29" fmla="*/ 451 h 582"/>
+              <a:gd name="T30" fmla="*/ 359 w 453"/>
+              <a:gd name="T31" fmla="*/ 451 h 582"/>
+            </a:gdLst>
+            <a:ahLst/>
+            <a:cxnLst>
+              <a:cxn ang="0">
+                <a:pos x="T0" y="T1"/>
+              </a:cxn>
+              <a:cxn ang="0">
+                <a:pos x="T2" y="T3"/>
+              </a:cxn>
+              <a:cxn ang="0">
+                <a:pos x="T4" y="T5"/>
+              </a:cxn>
+              <a:cxn ang="0">
+                <a:pos x="T6" y="T7"/>
+              </a:cxn>
+              <a:cxn ang="0">
+                <a:pos x="T8" y="T9"/>
+              </a:cxn>
+              <a:cxn ang="0">
+                <a:pos x="T10" y="T11"/>
+              </a:cxn>
+              <a:cxn ang="0">
+                <a:pos x="T12" y="T13"/>
+              </a:cxn>
+              <a:cxn ang="0">
+                <a:pos x="T14" y="T15"/>
+              </a:cxn>
+              <a:cxn ang="0">
+                <a:pos x="T16" y="T17"/>
+              </a:cxn>
+              <a:cxn ang="0">
+                <a:pos x="T18" y="T19"/>
+              </a:cxn>
+              <a:cxn ang="0">
+                <a:pos x="T20" y="T21"/>
+              </a:cxn>
+              <a:cxn ang="0">
+                <a:pos x="T22" y="T23"/>
+              </a:cxn>
+              <a:cxn ang="0">
+                <a:pos x="T24" y="T25"/>
+              </a:cxn>
+              <a:cxn ang="0">
+                <a:pos x="T26" y="T27"/>
+              </a:cxn>
+              <a:cxn ang="0">
+                <a:pos x="T28" y="T29"/>
+              </a:cxn>
+              <a:cxn ang="0">
+                <a:pos x="T30" y="T31"/>
+              </a:cxn>
+            </a:cxnLst>
+            <a:rect l="0" t="0" r="r" b="b"/>
+            <a:pathLst>
+              <a:path w="453" h="582">
+                <a:moveTo>
+                  <a:pt x="130" y="0"/>
+                </a:moveTo>
+                <a:lnTo>
+                  <a:pt x="0" y="130"/>
+                </a:lnTo>
+                <a:lnTo>
+                  <a:pt x="99" y="130"/>
+                </a:lnTo>
+                <a:lnTo>
+                  <a:pt x="99" y="358"/>
+                </a:lnTo>
+                <a:lnTo>
+                  <a:pt x="161" y="358"/>
+                </a:lnTo>
+                <a:lnTo>
+                  <a:pt x="161" y="130"/>
+                </a:lnTo>
+                <a:lnTo>
+                  <a:pt x="260" y="130"/>
+                </a:lnTo>
+                <a:lnTo>
+                  <a:pt x="130" y="0"/>
+                </a:lnTo>
+                <a:close/>
+                <a:moveTo>
+                  <a:pt x="359" y="451"/>
+                </a:moveTo>
+                <a:lnTo>
+                  <a:pt x="359" y="229"/>
+                </a:lnTo>
+                <a:lnTo>
+                  <a:pt x="291" y="229"/>
+                </a:lnTo>
+                <a:lnTo>
+                  <a:pt x="291" y="451"/>
+                </a:lnTo>
+                <a:lnTo>
+                  <a:pt x="192" y="451"/>
+                </a:lnTo>
+                <a:lnTo>
+                  <a:pt x="322" y="581"/>
+                </a:lnTo>
+                <a:lnTo>
+                  <a:pt x="452" y="451"/>
+                </a:lnTo>
+                <a:lnTo>
+                  <a:pt x="359" y="451"/>
+                </a:lnTo>
+                <a:close/>
+              </a:path>
+            </a:pathLst>
+          </a:custGeom>
+          <a:solidFill>
+            <a:schemeClr val="bg1">
+              <a:lumMod val="75000"/>
+            </a:schemeClr>
+          </a:solidFill>
+          <a:ln>
+            <a:noFill/>
+          </a:ln>
+          <a:effectLst/>
+        </p:spPr>
+        <p:txBody>
+          <a:bodyPr wrap="none" anchor="ctr"/>
+          <a:lstStyle/>
+          <a:p>
+            <a:endParaRPr lang="en-US" sz="1350"/>
+          </a:p>
+        </p:txBody>
+      </p:sp>
+      <p:sp>
+        <p:nvSpPr>
+          <p:cNvPr id="40" name="Freeform 18">
+            <a:extLst>
+              <a:ext uri="{FF2B5EF4-FFF2-40B4-BE49-F238E27FC236}">
+                <a16:creationId xmlns:a16="http://schemas.microsoft.com/office/drawing/2014/main" id="{2D8C012F-FB04-4172-B9B1-B9B563C61F71}"/>
+              </a:ext>
+            </a:extLst>
+          </p:cNvPr>
+          <p:cNvSpPr>
+            <a:spLocks noChangeArrowheads="1"/>
+          </p:cNvSpPr>
+          <p:nvPr/>
+        </p:nvSpPr>
+        <p:spPr bwMode="auto">
+          <a:xfrm rot="5400000">
+            <a:off x="6751198" y="4035143"/>
+            <a:ext cx="352583" cy="519172"/>
+          </a:xfrm>
+          <a:custGeom>
+            <a:avLst/>
+            <a:gdLst>
+              <a:gd name="T0" fmla="*/ 130 w 453"/>
+              <a:gd name="T1" fmla="*/ 0 h 582"/>
+              <a:gd name="T2" fmla="*/ 0 w 453"/>
+              <a:gd name="T3" fmla="*/ 130 h 582"/>
+              <a:gd name="T4" fmla="*/ 99 w 453"/>
+              <a:gd name="T5" fmla="*/ 130 h 582"/>
+              <a:gd name="T6" fmla="*/ 99 w 453"/>
+              <a:gd name="T7" fmla="*/ 358 h 582"/>
+              <a:gd name="T8" fmla="*/ 161 w 453"/>
+              <a:gd name="T9" fmla="*/ 358 h 582"/>
+              <a:gd name="T10" fmla="*/ 161 w 453"/>
+              <a:gd name="T11" fmla="*/ 130 h 582"/>
+              <a:gd name="T12" fmla="*/ 260 w 453"/>
+              <a:gd name="T13" fmla="*/ 130 h 582"/>
+              <a:gd name="T14" fmla="*/ 130 w 453"/>
+              <a:gd name="T15" fmla="*/ 0 h 582"/>
+              <a:gd name="T16" fmla="*/ 359 w 453"/>
+              <a:gd name="T17" fmla="*/ 451 h 582"/>
+              <a:gd name="T18" fmla="*/ 359 w 453"/>
+              <a:gd name="T19" fmla="*/ 229 h 582"/>
+              <a:gd name="T20" fmla="*/ 291 w 453"/>
+              <a:gd name="T21" fmla="*/ 229 h 582"/>
+              <a:gd name="T22" fmla="*/ 291 w 453"/>
+              <a:gd name="T23" fmla="*/ 451 h 582"/>
+              <a:gd name="T24" fmla="*/ 192 w 453"/>
+              <a:gd name="T25" fmla="*/ 451 h 582"/>
+              <a:gd name="T26" fmla="*/ 322 w 453"/>
+              <a:gd name="T27" fmla="*/ 581 h 582"/>
+              <a:gd name="T28" fmla="*/ 452 w 453"/>
+              <a:gd name="T29" fmla="*/ 451 h 582"/>
+              <a:gd name="T30" fmla="*/ 359 w 453"/>
+              <a:gd name="T31" fmla="*/ 451 h 582"/>
+            </a:gdLst>
+            <a:ahLst/>
+            <a:cxnLst>
+              <a:cxn ang="0">
+                <a:pos x="T0" y="T1"/>
+              </a:cxn>
+              <a:cxn ang="0">
+                <a:pos x="T2" y="T3"/>
+              </a:cxn>
+              <a:cxn ang="0">
+                <a:pos x="T4" y="T5"/>
+              </a:cxn>
+              <a:cxn ang="0">
+                <a:pos x="T6" y="T7"/>
+              </a:cxn>
+              <a:cxn ang="0">
+                <a:pos x="T8" y="T9"/>
+              </a:cxn>
+              <a:cxn ang="0">
+                <a:pos x="T10" y="T11"/>
+              </a:cxn>
+              <a:cxn ang="0">
+                <a:pos x="T12" y="T13"/>
+              </a:cxn>
+              <a:cxn ang="0">
+                <a:pos x="T14" y="T15"/>
+              </a:cxn>
+              <a:cxn ang="0">
+                <a:pos x="T16" y="T17"/>
+              </a:cxn>
+              <a:cxn ang="0">
+                <a:pos x="T18" y="T19"/>
+              </a:cxn>
+              <a:cxn ang="0">
+                <a:pos x="T20" y="T21"/>
+              </a:cxn>
+              <a:cxn ang="0">
+                <a:pos x="T22" y="T23"/>
+              </a:cxn>
+              <a:cxn ang="0">
+                <a:pos x="T24" y="T25"/>
+              </a:cxn>
+              <a:cxn ang="0">
+                <a:pos x="T26" y="T27"/>
+              </a:cxn>
+              <a:cxn ang="0">
+                <a:pos x="T28" y="T29"/>
+              </a:cxn>
+              <a:cxn ang="0">
+                <a:pos x="T30" y="T31"/>
+              </a:cxn>
+            </a:cxnLst>
+            <a:rect l="0" t="0" r="r" b="b"/>
+            <a:pathLst>
+              <a:path w="453" h="582">
+                <a:moveTo>
+                  <a:pt x="130" y="0"/>
+                </a:moveTo>
+                <a:lnTo>
+                  <a:pt x="0" y="130"/>
+                </a:lnTo>
+                <a:lnTo>
+                  <a:pt x="99" y="130"/>
+                </a:lnTo>
+                <a:lnTo>
+                  <a:pt x="99" y="358"/>
+                </a:lnTo>
+                <a:lnTo>
+                  <a:pt x="161" y="358"/>
+                </a:lnTo>
+                <a:lnTo>
+                  <a:pt x="161" y="130"/>
+                </a:lnTo>
+                <a:lnTo>
+                  <a:pt x="260" y="130"/>
+                </a:lnTo>
+                <a:lnTo>
+                  <a:pt x="130" y="0"/>
+                </a:lnTo>
+                <a:close/>
+                <a:moveTo>
+                  <a:pt x="359" y="451"/>
+                </a:moveTo>
+                <a:lnTo>
+                  <a:pt x="359" y="229"/>
+                </a:lnTo>
+                <a:lnTo>
+                  <a:pt x="291" y="229"/>
+                </a:lnTo>
+                <a:lnTo>
+                  <a:pt x="291" y="451"/>
+                </a:lnTo>
+                <a:lnTo>
+                  <a:pt x="192" y="451"/>
+                </a:lnTo>
+                <a:lnTo>
+                  <a:pt x="322" y="581"/>
+                </a:lnTo>
+                <a:lnTo>
+                  <a:pt x="452" y="451"/>
+                </a:lnTo>
+                <a:lnTo>
+                  <a:pt x="359" y="451"/>
+                </a:lnTo>
+                <a:close/>
+              </a:path>
+            </a:pathLst>
+          </a:custGeom>
+          <a:solidFill>
+            <a:schemeClr val="bg1">
+              <a:lumMod val="75000"/>
+            </a:schemeClr>
+          </a:solidFill>
+          <a:ln>
+            <a:noFill/>
+          </a:ln>
+          <a:effectLst/>
+        </p:spPr>
+        <p:txBody>
+          <a:bodyPr wrap="none" anchor="ctr"/>
+          <a:lstStyle/>
+          <a:p>
+            <a:endParaRPr lang="en-US" sz="1350"/>
+          </a:p>
+        </p:txBody>
+      </p:sp>
+      <p:sp>
+        <p:nvSpPr>
+          <p:cNvPr id="41" name="Freeform 18">
+            <a:extLst>
+              <a:ext uri="{FF2B5EF4-FFF2-40B4-BE49-F238E27FC236}">
+                <a16:creationId xmlns:a16="http://schemas.microsoft.com/office/drawing/2014/main" id="{A06FCDBC-967F-454C-B175-413E66390804}"/>
+              </a:ext>
+            </a:extLst>
+          </p:cNvPr>
+          <p:cNvSpPr>
+            <a:spLocks noChangeArrowheads="1"/>
+          </p:cNvSpPr>
+          <p:nvPr/>
+        </p:nvSpPr>
+        <p:spPr bwMode="auto">
+          <a:xfrm>
+            <a:off x="5930965" y="3223293"/>
+            <a:ext cx="352583" cy="519172"/>
+          </a:xfrm>
+          <a:custGeom>
+            <a:avLst/>
+            <a:gdLst>
+              <a:gd name="T0" fmla="*/ 130 w 453"/>
+              <a:gd name="T1" fmla="*/ 0 h 582"/>
+              <a:gd name="T2" fmla="*/ 0 w 453"/>
+              <a:gd name="T3" fmla="*/ 130 h 582"/>
+              <a:gd name="T4" fmla="*/ 99 w 453"/>
+              <a:gd name="T5" fmla="*/ 130 h 582"/>
+              <a:gd name="T6" fmla="*/ 99 w 453"/>
+              <a:gd name="T7" fmla="*/ 358 h 582"/>
+              <a:gd name="T8" fmla="*/ 161 w 453"/>
+              <a:gd name="T9" fmla="*/ 358 h 582"/>
+              <a:gd name="T10" fmla="*/ 161 w 453"/>
+              <a:gd name="T11" fmla="*/ 130 h 582"/>
+              <a:gd name="T12" fmla="*/ 260 w 453"/>
+              <a:gd name="T13" fmla="*/ 130 h 582"/>
+              <a:gd name="T14" fmla="*/ 130 w 453"/>
+              <a:gd name="T15" fmla="*/ 0 h 582"/>
+              <a:gd name="T16" fmla="*/ 359 w 453"/>
+              <a:gd name="T17" fmla="*/ 451 h 582"/>
+              <a:gd name="T18" fmla="*/ 359 w 453"/>
+              <a:gd name="T19" fmla="*/ 229 h 582"/>
+              <a:gd name="T20" fmla="*/ 291 w 453"/>
+              <a:gd name="T21" fmla="*/ 229 h 582"/>
+              <a:gd name="T22" fmla="*/ 291 w 453"/>
+              <a:gd name="T23" fmla="*/ 451 h 582"/>
+              <a:gd name="T24" fmla="*/ 192 w 453"/>
+              <a:gd name="T25" fmla="*/ 451 h 582"/>
+              <a:gd name="T26" fmla="*/ 322 w 453"/>
+              <a:gd name="T27" fmla="*/ 581 h 582"/>
+              <a:gd name="T28" fmla="*/ 452 w 453"/>
+              <a:gd name="T29" fmla="*/ 451 h 582"/>
+              <a:gd name="T30" fmla="*/ 359 w 453"/>
+              <a:gd name="T31" fmla="*/ 451 h 582"/>
+            </a:gdLst>
+            <a:ahLst/>
+            <a:cxnLst>
+              <a:cxn ang="0">
+                <a:pos x="T0" y="T1"/>
+              </a:cxn>
+              <a:cxn ang="0">
+                <a:pos x="T2" y="T3"/>
+              </a:cxn>
+              <a:cxn ang="0">
+                <a:pos x="T4" y="T5"/>
+              </a:cxn>
+              <a:cxn ang="0">
+                <a:pos x="T6" y="T7"/>
+              </a:cxn>
+              <a:cxn ang="0">
+                <a:pos x="T8" y="T9"/>
+              </a:cxn>
+              <a:cxn ang="0">
+                <a:pos x="T10" y="T11"/>
+              </a:cxn>
+              <a:cxn ang="0">
+                <a:pos x="T12" y="T13"/>
+              </a:cxn>
+              <a:cxn ang="0">
+                <a:pos x="T14" y="T15"/>
+              </a:cxn>
+              <a:cxn ang="0">
+                <a:pos x="T16" y="T17"/>
+              </a:cxn>
+              <a:cxn ang="0">
+                <a:pos x="T18" y="T19"/>
+              </a:cxn>
+              <a:cxn ang="0">
+                <a:pos x="T20" y="T21"/>
+              </a:cxn>
+              <a:cxn ang="0">
+                <a:pos x="T22" y="T23"/>
+              </a:cxn>
+              <a:cxn ang="0">
+                <a:pos x="T24" y="T25"/>
+              </a:cxn>
+              <a:cxn ang="0">
+                <a:pos x="T26" y="T27"/>
+              </a:cxn>
+              <a:cxn ang="0">
+                <a:pos x="T28" y="T29"/>
+              </a:cxn>
+              <a:cxn ang="0">
+                <a:pos x="T30" y="T31"/>
+              </a:cxn>
+            </a:cxnLst>
+            <a:rect l="0" t="0" r="r" b="b"/>
+            <a:pathLst>
+              <a:path w="453" h="582">
+                <a:moveTo>
+                  <a:pt x="130" y="0"/>
+                </a:moveTo>
+                <a:lnTo>
+                  <a:pt x="0" y="130"/>
+                </a:lnTo>
+                <a:lnTo>
+                  <a:pt x="99" y="130"/>
+                </a:lnTo>
+                <a:lnTo>
+                  <a:pt x="99" y="358"/>
+                </a:lnTo>
+                <a:lnTo>
+                  <a:pt x="161" y="358"/>
+                </a:lnTo>
+                <a:lnTo>
+                  <a:pt x="161" y="130"/>
+                </a:lnTo>
+                <a:lnTo>
+                  <a:pt x="260" y="130"/>
+                </a:lnTo>
+                <a:lnTo>
+                  <a:pt x="130" y="0"/>
+                </a:lnTo>
+                <a:close/>
+                <a:moveTo>
+                  <a:pt x="359" y="451"/>
+                </a:moveTo>
+                <a:lnTo>
+                  <a:pt x="359" y="229"/>
+                </a:lnTo>
+                <a:lnTo>
+                  <a:pt x="291" y="229"/>
+                </a:lnTo>
+                <a:lnTo>
+                  <a:pt x="291" y="451"/>
+                </a:lnTo>
+                <a:lnTo>
+                  <a:pt x="192" y="451"/>
+                </a:lnTo>
+                <a:lnTo>
+                  <a:pt x="322" y="581"/>
+                </a:lnTo>
+                <a:lnTo>
+                  <a:pt x="452" y="451"/>
+                </a:lnTo>
+                <a:lnTo>
+                  <a:pt x="359" y="451"/>
+                </a:lnTo>
+                <a:close/>
+              </a:path>
+            </a:pathLst>
+          </a:custGeom>
+          <a:solidFill>
+            <a:schemeClr val="bg1">
+              <a:lumMod val="75000"/>
+            </a:schemeClr>
+          </a:solidFill>
+          <a:ln>
+            <a:noFill/>
+          </a:ln>
+          <a:effectLst/>
+        </p:spPr>
+        <p:txBody>
+          <a:bodyPr wrap="none" anchor="ctr"/>
+          <a:lstStyle/>
+          <a:p>
+            <a:endParaRPr lang="en-US" sz="1350"/>
           </a:p>
         </p:txBody>
       </p:sp>
     </p:spTree>
     <p:extLst>
       <p:ext uri="{BB962C8B-B14F-4D97-AF65-F5344CB8AC3E}">
-        <p14:creationId xmlns:p14="http://schemas.microsoft.com/office/powerpoint/2010/main" val="773446912"/>
+        <p14:creationId xmlns:p14="http://schemas.microsoft.com/office/powerpoint/2010/main" val="1573715235"/>
       </p:ext>
     </p:extLst>
   </p:cSld>
@@ -25466,7 +28631,7 @@
               <a:avLst/>
             </a:prstGeom>
             <a:solidFill>
-              <a:schemeClr val="accent6"/>
+              <a:schemeClr val="accent1"/>
             </a:solidFill>
             <a:ln>
               <a:noFill/>
@@ -26298,12 +29463,7 @@
             <p:ph type="sldNum" sz="quarter" idx="4"/>
           </p:nvPr>
         </p:nvSpPr>
-        <p:spPr>
-          <a:xfrm>
-            <a:off x="10919018" y="1346518"/>
-            <a:ext cx="725296" cy="365125"/>
-          </a:xfrm>
-        </p:spPr>
+        <p:spPr/>
         <p:txBody>
           <a:bodyPr/>
           <a:lstStyle/>
@@ -26783,7 +29943,7 @@
         <p:spPr>
           <a:xfrm>
             <a:off x="9164362" y="2389777"/>
-            <a:ext cx="3125326" cy="523220"/>
+            <a:ext cx="3125326" cy="830997"/>
           </a:xfrm>
           <a:prstGeom prst="rect">
             <a:avLst/>
@@ -26797,7 +29957,7 @@
           <a:lstStyle/>
           <a:p>
             <a:r>
-              <a:rPr lang="en-US" sz="1400" dirty="0" err="1">
+              <a:rPr lang="en-US" sz="2400" dirty="0" err="1">
                 <a:latin typeface="Roboto Thin" charset="0"/>
                 <a:ea typeface="Roboto Thin" charset="0"/>
                 <a:cs typeface="Roboto Thin" charset="0"/>
@@ -26805,7 +29965,7 @@
               <a:t>Jeudi</a:t>
             </a:r>
             <a:r>
-              <a:rPr lang="en-US" sz="1400" dirty="0">
+              <a:rPr lang="en-US" sz="2400" dirty="0">
                 <a:latin typeface="Roboto Thin" charset="0"/>
                 <a:ea typeface="Roboto Thin" charset="0"/>
                 <a:cs typeface="Roboto Thin" charset="0"/>
@@ -26815,14 +29975,14 @@
           </a:p>
           <a:p>
             <a:r>
-              <a:rPr lang="en-US" sz="1400" dirty="0" err="1">
+              <a:rPr lang="en-US" sz="2400" dirty="0" err="1">
                 <a:latin typeface="Roboto Thin" charset="0"/>
                 <a:ea typeface="Roboto Medium" charset="0"/>
                 <a:cs typeface="Roboto Medium" charset="0"/>
               </a:rPr>
               <a:t>Vendredi</a:t>
             </a:r>
-            <a:endParaRPr lang="en-US" sz="2400" dirty="0">
+            <a:endParaRPr lang="en-US" sz="4000" dirty="0">
               <a:latin typeface="Roboto Medium" charset="0"/>
               <a:ea typeface="Roboto Medium" charset="0"/>
               <a:cs typeface="Roboto Medium" charset="0"/>
@@ -28038,18 +31198,18 @@
           <a:p>
             <a:pPr algn="ctr"/>
             <a:r>
-              <a:rPr lang="en-US" dirty="0" err="1"/>
+              <a:rPr lang="en-US" sz="2400" dirty="0" err="1"/>
               <a:t>En</a:t>
             </a:r>
             <a:r>
-              <a:rPr lang="en-US" dirty="0"/>
+              <a:rPr lang="en-US" sz="2400" dirty="0"/>
               <a:t> </a:t>
             </a:r>
             <a:r>
-              <a:rPr lang="en-US" dirty="0" err="1"/>
+              <a:rPr lang="en-US" sz="2400" dirty="0" err="1"/>
               <a:t>équipe</a:t>
             </a:r>
-            <a:endParaRPr lang="en-US" dirty="0"/>
+            <a:endParaRPr lang="en-US" sz="2400" dirty="0"/>
           </a:p>
         </p:txBody>
       </p:sp>
@@ -28148,7 +31308,7 @@
           <a:p>
             <a:pPr algn="ctr"/>
             <a:r>
-              <a:rPr lang="en-US" sz="2000" dirty="0" err="1">
+              <a:rPr lang="en-US" sz="3200" dirty="0" err="1">
                 <a:solidFill>
                   <a:schemeClr val="bg1"/>
                 </a:solidFill>
@@ -28158,7 +31318,7 @@
               </a:rPr>
               <a:t>Régulière</a:t>
             </a:r>
-            <a:endParaRPr lang="en-US" sz="2000" dirty="0">
+            <a:endParaRPr lang="en-US" sz="2800" dirty="0">
               <a:solidFill>
                 <a:schemeClr val="bg1"/>
               </a:solidFill>
@@ -28214,7 +31374,7 @@
           </a:fontRef>
         </p:style>
         <p:txBody>
-          <a:bodyPr lIns="288000" tIns="762000" rIns="288000" rtlCol="0" anchor="ctr"/>
+          <a:bodyPr lIns="288000" tIns="762000" rIns="288000" rtlCol="0" anchor="t"/>
           <a:lstStyle/>
           <a:p>
             <a:pPr algn="ctr"/>
@@ -28297,10 +31457,10 @@
       </p:sp>
       <p:pic>
         <p:nvPicPr>
-          <p:cNvPr id="6150" name="Picture 6" descr="RÃ©sultat de recherche d'images pour &quot;communication icon&quot;">
+          <p:cNvPr id="2050" name="Picture 2" descr="RÃ©sultat de recherche d'images pour &quot;communication icon&quot;">
             <a:extLst>
               <a:ext uri="{FF2B5EF4-FFF2-40B4-BE49-F238E27FC236}">
-                <a16:creationId xmlns:a16="http://schemas.microsoft.com/office/drawing/2014/main" id="{09CC5C72-8A87-4216-87D9-6BBC4F4D456A}"/>
+                <a16:creationId xmlns:a16="http://schemas.microsoft.com/office/drawing/2014/main" id="{F9351842-74CC-4CB9-9CD1-4847A96D9117}"/>
               </a:ext>
             </a:extLst>
           </p:cNvPr>
@@ -28331,8 +31491,8 @@
         </p:blipFill>
         <p:spPr bwMode="auto">
           <a:xfrm>
-            <a:off x="2185190" y="3760517"/>
-            <a:ext cx="2517589" cy="2517589"/>
+            <a:off x="2024750" y="3719608"/>
+            <a:ext cx="2375996" cy="2375996"/>
           </a:xfrm>
           <a:prstGeom prst="rect">
             <a:avLst/>

--- a/Doc/presentation.pptx
+++ b/Doc/presentation.pptx
@@ -726,7 +726,10 @@
           <a:bodyPr/>
           <a:lstStyle/>
           <a:p>
-            <a:endParaRPr lang="en-US" dirty="0"/>
+            <a:r>
+              <a:rPr lang="en-US" dirty="0"/>
+              <a:t>Daniel	</a:t>
+            </a:r>
           </a:p>
         </p:txBody>
       </p:sp>
@@ -810,6 +813,10 @@
           <a:bodyPr/>
           <a:lstStyle/>
           <a:p>
+            <a:r>
+              <a:rPr lang="en-US" dirty="0" err="1"/>
+              <a:t>Héléna</a:t>
+            </a:r>
             <a:endParaRPr lang="en-US" dirty="0"/>
           </a:p>
         </p:txBody>
@@ -831,7 +838,7 @@
           <a:p>
             <a:fld id="{250503B6-F4CD-DE49-AB30-479371E8558D}" type="slidenum">
               <a:rPr lang="en-US" smtClean="0"/>
-              <a:t>12</a:t>
+              <a:t>10</a:t>
             </a:fld>
             <a:endParaRPr lang="en-US"/>
           </a:p>
@@ -840,7 +847,7 @@
     </p:spTree>
     <p:extLst>
       <p:ext uri="{BB962C8B-B14F-4D97-AF65-F5344CB8AC3E}">
-        <p14:creationId xmlns:p14="http://schemas.microsoft.com/office/powerpoint/2010/main" val="4028429707"/>
+        <p14:creationId xmlns:p14="http://schemas.microsoft.com/office/powerpoint/2010/main" val="4158813062"/>
       </p:ext>
     </p:extLst>
   </p:cSld>
@@ -894,7 +901,10 @@
           <a:bodyPr/>
           <a:lstStyle/>
           <a:p>
-            <a:endParaRPr lang="en-US" dirty="0"/>
+            <a:r>
+              <a:rPr lang="en-US" dirty="0"/>
+              <a:t>Daniel</a:t>
+            </a:r>
           </a:p>
         </p:txBody>
       </p:sp>
@@ -915,7 +925,7 @@
           <a:p>
             <a:fld id="{250503B6-F4CD-DE49-AB30-479371E8558D}" type="slidenum">
               <a:rPr lang="en-US" smtClean="0"/>
-              <a:t>13</a:t>
+              <a:t>11</a:t>
             </a:fld>
             <a:endParaRPr lang="en-US"/>
           </a:p>
@@ -924,7 +934,7 @@
     </p:spTree>
     <p:extLst>
       <p:ext uri="{BB962C8B-B14F-4D97-AF65-F5344CB8AC3E}">
-        <p14:creationId xmlns:p14="http://schemas.microsoft.com/office/powerpoint/2010/main" val="2234372038"/>
+        <p14:creationId xmlns:p14="http://schemas.microsoft.com/office/powerpoint/2010/main" val="1566307122"/>
       </p:ext>
     </p:extLst>
   </p:cSld>
@@ -978,7 +988,10 @@
           <a:bodyPr/>
           <a:lstStyle/>
           <a:p>
-            <a:endParaRPr lang="en-US" dirty="0"/>
+            <a:r>
+              <a:rPr lang="en-US" dirty="0"/>
+              <a:t>Bryan</a:t>
+            </a:r>
           </a:p>
         </p:txBody>
       </p:sp>
@@ -999,7 +1012,7 @@
           <a:p>
             <a:fld id="{250503B6-F4CD-DE49-AB30-479371E8558D}" type="slidenum">
               <a:rPr lang="en-US" smtClean="0"/>
-              <a:t>14</a:t>
+              <a:t>12</a:t>
             </a:fld>
             <a:endParaRPr lang="en-US"/>
           </a:p>
@@ -1008,7 +1021,7 @@
     </p:spTree>
     <p:extLst>
       <p:ext uri="{BB962C8B-B14F-4D97-AF65-F5344CB8AC3E}">
-        <p14:creationId xmlns:p14="http://schemas.microsoft.com/office/powerpoint/2010/main" val="2123470838"/>
+        <p14:creationId xmlns:p14="http://schemas.microsoft.com/office/powerpoint/2010/main" val="4028429707"/>
       </p:ext>
     </p:extLst>
   </p:cSld>
@@ -1062,7 +1075,10 @@
           <a:bodyPr/>
           <a:lstStyle/>
           <a:p>
-            <a:endParaRPr lang="en-US" dirty="0"/>
+            <a:r>
+              <a:rPr lang="en-US" dirty="0"/>
+              <a:t>Bryan</a:t>
+            </a:r>
           </a:p>
         </p:txBody>
       </p:sp>
@@ -1083,7 +1099,7 @@
           <a:p>
             <a:fld id="{250503B6-F4CD-DE49-AB30-479371E8558D}" type="slidenum">
               <a:rPr lang="en-US" smtClean="0"/>
-              <a:t>15</a:t>
+              <a:t>13</a:t>
             </a:fld>
             <a:endParaRPr lang="en-US"/>
           </a:p>
@@ -1092,7 +1108,7 @@
     </p:spTree>
     <p:extLst>
       <p:ext uri="{BB962C8B-B14F-4D97-AF65-F5344CB8AC3E}">
-        <p14:creationId xmlns:p14="http://schemas.microsoft.com/office/powerpoint/2010/main" val="1429256191"/>
+        <p14:creationId xmlns:p14="http://schemas.microsoft.com/office/powerpoint/2010/main" val="2234372038"/>
       </p:ext>
     </p:extLst>
   </p:cSld>
@@ -1146,7 +1162,185 @@
           <a:bodyPr/>
           <a:lstStyle/>
           <a:p>
+            <a:r>
+              <a:rPr lang="en-US" dirty="0" err="1"/>
+              <a:t>Héléna</a:t>
+            </a:r>
             <a:endParaRPr lang="en-US" dirty="0"/>
+          </a:p>
+        </p:txBody>
+      </p:sp>
+      <p:sp>
+        <p:nvSpPr>
+          <p:cNvPr id="4" name="Slide Number Placeholder 3"/>
+          <p:cNvSpPr>
+            <a:spLocks noGrp="1"/>
+          </p:cNvSpPr>
+          <p:nvPr>
+            <p:ph type="sldNum" sz="quarter" idx="10"/>
+          </p:nvPr>
+        </p:nvSpPr>
+        <p:spPr/>
+        <p:txBody>
+          <a:bodyPr/>
+          <a:lstStyle/>
+          <a:p>
+            <a:fld id="{250503B6-F4CD-DE49-AB30-479371E8558D}" type="slidenum">
+              <a:rPr lang="en-US" smtClean="0"/>
+              <a:t>14</a:t>
+            </a:fld>
+            <a:endParaRPr lang="en-US"/>
+          </a:p>
+        </p:txBody>
+      </p:sp>
+    </p:spTree>
+    <p:extLst>
+      <p:ext uri="{BB962C8B-B14F-4D97-AF65-F5344CB8AC3E}">
+        <p14:creationId xmlns:p14="http://schemas.microsoft.com/office/powerpoint/2010/main" val="2123470838"/>
+      </p:ext>
+    </p:extLst>
+  </p:cSld>
+  <p:clrMapOvr>
+    <a:masterClrMapping/>
+  </p:clrMapOvr>
+</p:notes>
+</file>
+
+<file path=ppt/notesSlides/notesSlide15.xml><?xml version="1.0" encoding="utf-8"?>
+<p:notes xmlns:a="http://schemas.openxmlformats.org/drawingml/2006/main" xmlns:r="http://schemas.openxmlformats.org/officeDocument/2006/relationships" xmlns:p="http://schemas.openxmlformats.org/presentationml/2006/main">
+  <p:cSld>
+    <p:spTree>
+      <p:nvGrpSpPr>
+        <p:cNvPr id="1" name=""/>
+        <p:cNvGrpSpPr/>
+        <p:nvPr/>
+      </p:nvGrpSpPr>
+      <p:grpSpPr>
+        <a:xfrm>
+          <a:off x="0" y="0"/>
+          <a:ext cx="0" cy="0"/>
+          <a:chOff x="0" y="0"/>
+          <a:chExt cx="0" cy="0"/>
+        </a:xfrm>
+      </p:grpSpPr>
+      <p:sp>
+        <p:nvSpPr>
+          <p:cNvPr id="2" name="Slide Image Placeholder 1"/>
+          <p:cNvSpPr>
+            <a:spLocks noGrp="1" noRot="1" noChangeAspect="1"/>
+          </p:cNvSpPr>
+          <p:nvPr>
+            <p:ph type="sldImg"/>
+          </p:nvPr>
+        </p:nvSpPr>
+        <p:spPr/>
+      </p:sp>
+      <p:sp>
+        <p:nvSpPr>
+          <p:cNvPr id="3" name="Notes Placeholder 2"/>
+          <p:cNvSpPr>
+            <a:spLocks noGrp="1"/>
+          </p:cNvSpPr>
+          <p:nvPr>
+            <p:ph type="body" idx="1"/>
+          </p:nvPr>
+        </p:nvSpPr>
+        <p:spPr/>
+        <p:txBody>
+          <a:bodyPr/>
+          <a:lstStyle/>
+          <a:p>
+            <a:r>
+              <a:rPr lang="en-US" dirty="0"/>
+              <a:t>François</a:t>
+            </a:r>
+          </a:p>
+        </p:txBody>
+      </p:sp>
+      <p:sp>
+        <p:nvSpPr>
+          <p:cNvPr id="4" name="Slide Number Placeholder 3"/>
+          <p:cNvSpPr>
+            <a:spLocks noGrp="1"/>
+          </p:cNvSpPr>
+          <p:nvPr>
+            <p:ph type="sldNum" sz="quarter" idx="10"/>
+          </p:nvPr>
+        </p:nvSpPr>
+        <p:spPr/>
+        <p:txBody>
+          <a:bodyPr/>
+          <a:lstStyle/>
+          <a:p>
+            <a:fld id="{250503B6-F4CD-DE49-AB30-479371E8558D}" type="slidenum">
+              <a:rPr lang="en-US" smtClean="0"/>
+              <a:t>15</a:t>
+            </a:fld>
+            <a:endParaRPr lang="en-US"/>
+          </a:p>
+        </p:txBody>
+      </p:sp>
+    </p:spTree>
+    <p:extLst>
+      <p:ext uri="{BB962C8B-B14F-4D97-AF65-F5344CB8AC3E}">
+        <p14:creationId xmlns:p14="http://schemas.microsoft.com/office/powerpoint/2010/main" val="1429256191"/>
+      </p:ext>
+    </p:extLst>
+  </p:cSld>
+  <p:clrMapOvr>
+    <a:masterClrMapping/>
+  </p:clrMapOvr>
+</p:notes>
+</file>
+
+<file path=ppt/notesSlides/notesSlide16.xml><?xml version="1.0" encoding="utf-8"?>
+<p:notes xmlns:a="http://schemas.openxmlformats.org/drawingml/2006/main" xmlns:r="http://schemas.openxmlformats.org/officeDocument/2006/relationships" xmlns:p="http://schemas.openxmlformats.org/presentationml/2006/main">
+  <p:cSld>
+    <p:spTree>
+      <p:nvGrpSpPr>
+        <p:cNvPr id="1" name=""/>
+        <p:cNvGrpSpPr/>
+        <p:nvPr/>
+      </p:nvGrpSpPr>
+      <p:grpSpPr>
+        <a:xfrm>
+          <a:off x="0" y="0"/>
+          <a:ext cx="0" cy="0"/>
+          <a:chOff x="0" y="0"/>
+          <a:chExt cx="0" cy="0"/>
+        </a:xfrm>
+      </p:grpSpPr>
+      <p:sp>
+        <p:nvSpPr>
+          <p:cNvPr id="2" name="Slide Image Placeholder 1"/>
+          <p:cNvSpPr>
+            <a:spLocks noGrp="1" noRot="1" noChangeAspect="1"/>
+          </p:cNvSpPr>
+          <p:nvPr>
+            <p:ph type="sldImg"/>
+          </p:nvPr>
+        </p:nvSpPr>
+        <p:spPr/>
+      </p:sp>
+      <p:sp>
+        <p:nvSpPr>
+          <p:cNvPr id="3" name="Notes Placeholder 2"/>
+          <p:cNvSpPr>
+            <a:spLocks noGrp="1"/>
+          </p:cNvSpPr>
+          <p:nvPr>
+            <p:ph type="body" idx="1"/>
+          </p:nvPr>
+        </p:nvSpPr>
+        <p:spPr/>
+        <p:txBody>
+          <a:bodyPr/>
+          <a:lstStyle/>
+          <a:p>
+            <a:r>
+              <a:rPr lang="en-US" dirty="0"/>
+              <a:t>Daniel</a:t>
+            </a:r>
           </a:p>
         </p:txBody>
       </p:sp>
@@ -1246,7 +1440,7 @@
 </p:notes>
 </file>
 
-<file path=ppt/notesSlides/notesSlide15.xml><?xml version="1.0" encoding="utf-8"?>
+<file path=ppt/notesSlides/notesSlide17.xml><?xml version="1.0" encoding="utf-8"?>
 <p:notes xmlns:a="http://schemas.openxmlformats.org/drawingml/2006/main" xmlns:r="http://schemas.openxmlformats.org/officeDocument/2006/relationships" xmlns:p="http://schemas.openxmlformats.org/presentationml/2006/main">
   <p:cSld>
     <p:spTree>
@@ -1290,7 +1484,10 @@
           <a:bodyPr/>
           <a:lstStyle/>
           <a:p>
-            <a:endParaRPr lang="en-US"/>
+            <a:r>
+              <a:rPr lang="en-US" dirty="0"/>
+              <a:t>Tout le monde</a:t>
+            </a:r>
           </a:p>
         </p:txBody>
       </p:sp>
@@ -1330,7 +1527,7 @@
 </p:notes>
 </file>
 
-<file path=ppt/notesSlides/notesSlide16.xml><?xml version="1.0" encoding="utf-8"?>
+<file path=ppt/notesSlides/notesSlide18.xml><?xml version="1.0" encoding="utf-8"?>
 <p:notes xmlns:a="http://schemas.openxmlformats.org/drawingml/2006/main" xmlns:r="http://schemas.openxmlformats.org/officeDocument/2006/relationships" xmlns:p="http://schemas.openxmlformats.org/presentationml/2006/main">
   <p:cSld>
     <p:spTree>
@@ -1374,7 +1571,10 @@
           <a:bodyPr/>
           <a:lstStyle/>
           <a:p>
-            <a:endParaRPr lang="en-US" dirty="0"/>
+            <a:r>
+              <a:rPr lang="en-US" dirty="0"/>
+              <a:t>Bryan</a:t>
+            </a:r>
           </a:p>
         </p:txBody>
       </p:sp>
@@ -1405,6 +1605,93 @@
     <p:extLst>
       <p:ext uri="{BB962C8B-B14F-4D97-AF65-F5344CB8AC3E}">
         <p14:creationId xmlns:p14="http://schemas.microsoft.com/office/powerpoint/2010/main" val="800361140"/>
+      </p:ext>
+    </p:extLst>
+  </p:cSld>
+  <p:clrMapOvr>
+    <a:masterClrMapping/>
+  </p:clrMapOvr>
+</p:notes>
+</file>
+
+<file path=ppt/notesSlides/notesSlide19.xml><?xml version="1.0" encoding="utf-8"?>
+<p:notes xmlns:a="http://schemas.openxmlformats.org/drawingml/2006/main" xmlns:r="http://schemas.openxmlformats.org/officeDocument/2006/relationships" xmlns:p="http://schemas.openxmlformats.org/presentationml/2006/main">
+  <p:cSld>
+    <p:spTree>
+      <p:nvGrpSpPr>
+        <p:cNvPr id="1" name=""/>
+        <p:cNvGrpSpPr/>
+        <p:nvPr/>
+      </p:nvGrpSpPr>
+      <p:grpSpPr>
+        <a:xfrm>
+          <a:off x="0" y="0"/>
+          <a:ext cx="0" cy="0"/>
+          <a:chOff x="0" y="0"/>
+          <a:chExt cx="0" cy="0"/>
+        </a:xfrm>
+      </p:grpSpPr>
+      <p:sp>
+        <p:nvSpPr>
+          <p:cNvPr id="2" name="Espace réservé de l'image des diapositives 1"/>
+          <p:cNvSpPr>
+            <a:spLocks noGrp="1" noRot="1" noChangeAspect="1"/>
+          </p:cNvSpPr>
+          <p:nvPr>
+            <p:ph type="sldImg"/>
+          </p:nvPr>
+        </p:nvSpPr>
+        <p:spPr/>
+      </p:sp>
+      <p:sp>
+        <p:nvSpPr>
+          <p:cNvPr id="3" name="Espace réservé des notes 2"/>
+          <p:cNvSpPr>
+            <a:spLocks noGrp="1"/>
+          </p:cNvSpPr>
+          <p:nvPr>
+            <p:ph type="body" idx="1"/>
+          </p:nvPr>
+        </p:nvSpPr>
+        <p:spPr/>
+        <p:txBody>
+          <a:bodyPr/>
+          <a:lstStyle/>
+          <a:p>
+            <a:r>
+              <a:rPr lang="fr-CH" dirty="0"/>
+              <a:t>Bryan</a:t>
+            </a:r>
+          </a:p>
+        </p:txBody>
+      </p:sp>
+      <p:sp>
+        <p:nvSpPr>
+          <p:cNvPr id="4" name="Espace réservé du numéro de diapositive 3"/>
+          <p:cNvSpPr>
+            <a:spLocks noGrp="1"/>
+          </p:cNvSpPr>
+          <p:nvPr>
+            <p:ph type="sldNum" sz="quarter" idx="10"/>
+          </p:nvPr>
+        </p:nvSpPr>
+        <p:spPr/>
+        <p:txBody>
+          <a:bodyPr/>
+          <a:lstStyle/>
+          <a:p>
+            <a:fld id="{B42D1794-8E23-418F-9E90-BFD06F197221}" type="slidenum">
+              <a:rPr lang="fr-CH" smtClean="0"/>
+              <a:t>19</a:t>
+            </a:fld>
+            <a:endParaRPr lang="fr-CH"/>
+          </a:p>
+        </p:txBody>
+      </p:sp>
+    </p:spTree>
+    <p:extLst>
+      <p:ext uri="{BB962C8B-B14F-4D97-AF65-F5344CB8AC3E}">
+        <p14:creationId xmlns:p14="http://schemas.microsoft.com/office/powerpoint/2010/main" val="203655540"/>
       </p:ext>
     </p:extLst>
   </p:cSld>
@@ -1458,7 +1745,10 @@
           <a:bodyPr/>
           <a:lstStyle/>
           <a:p>
-            <a:endParaRPr lang="en-US" dirty="0"/>
+            <a:r>
+              <a:rPr lang="en-US" dirty="0"/>
+              <a:t>Daniel</a:t>
+            </a:r>
           </a:p>
         </p:txBody>
       </p:sp>
@@ -1542,7 +1832,10 @@
           <a:bodyPr/>
           <a:lstStyle/>
           <a:p>
-            <a:endParaRPr lang="en-US" dirty="0"/>
+            <a:r>
+              <a:rPr lang="en-US" dirty="0"/>
+              <a:t>Daniel</a:t>
+            </a:r>
           </a:p>
         </p:txBody>
       </p:sp>
@@ -1626,7 +1919,10 @@
           <a:bodyPr/>
           <a:lstStyle/>
           <a:p>
-            <a:endParaRPr lang="en-US" dirty="0"/>
+            <a:r>
+              <a:rPr lang="en-US" dirty="0"/>
+              <a:t>François</a:t>
+            </a:r>
           </a:p>
         </p:txBody>
       </p:sp>
@@ -1745,7 +2041,7 @@
       </p:grpSpPr>
       <p:sp>
         <p:nvSpPr>
-          <p:cNvPr id="2" name="Slide Image Placeholder 1"/>
+          <p:cNvPr id="2" name="Espace réservé de l'image des diapositives 1"/>
           <p:cNvSpPr>
             <a:spLocks noGrp="1" noRot="1" noChangeAspect="1"/>
           </p:cNvSpPr>
@@ -1757,7 +2053,7 @@
       </p:sp>
       <p:sp>
         <p:nvSpPr>
-          <p:cNvPr id="3" name="Notes Placeholder 2"/>
+          <p:cNvPr id="3" name="Espace réservé des notes 2"/>
           <p:cNvSpPr>
             <a:spLocks noGrp="1"/>
           </p:cNvSpPr>
@@ -1770,13 +2066,16 @@
           <a:bodyPr/>
           <a:lstStyle/>
           <a:p>
-            <a:endParaRPr lang="en-US" dirty="0"/>
-          </a:p>
-        </p:txBody>
-      </p:sp>
-      <p:sp>
-        <p:nvSpPr>
-          <p:cNvPr id="4" name="Slide Number Placeholder 3"/>
+            <a:r>
+              <a:rPr lang="fr-CH" dirty="0"/>
+              <a:t>François</a:t>
+            </a:r>
+          </a:p>
+        </p:txBody>
+      </p:sp>
+      <p:sp>
+        <p:nvSpPr>
+          <p:cNvPr id="4" name="Espace réservé du numéro de diapositive 3"/>
           <p:cNvSpPr>
             <a:spLocks noGrp="1"/>
           </p:cNvSpPr>
@@ -1789,18 +2088,18 @@
           <a:bodyPr/>
           <a:lstStyle/>
           <a:p>
-            <a:fld id="{250503B6-F4CD-DE49-AB30-479371E8558D}" type="slidenum">
-              <a:rPr lang="en-US" smtClean="0"/>
-              <a:t>6</a:t>
+            <a:fld id="{B42D1794-8E23-418F-9E90-BFD06F197221}" type="slidenum">
+              <a:rPr lang="fr-CH" smtClean="0"/>
+              <a:t>5</a:t>
             </a:fld>
-            <a:endParaRPr lang="en-US"/>
+            <a:endParaRPr lang="fr-CH"/>
           </a:p>
         </p:txBody>
       </p:sp>
     </p:spTree>
     <p:extLst>
       <p:ext uri="{BB962C8B-B14F-4D97-AF65-F5344CB8AC3E}">
-        <p14:creationId xmlns:p14="http://schemas.microsoft.com/office/powerpoint/2010/main" val="1458340873"/>
+        <p14:creationId xmlns:p14="http://schemas.microsoft.com/office/powerpoint/2010/main" val="3195529420"/>
       </p:ext>
     </p:extLst>
   </p:cSld>
@@ -1854,7 +2153,97 @@
           <a:bodyPr/>
           <a:lstStyle/>
           <a:p>
-            <a:endParaRPr lang="en-US" dirty="0"/>
+            <a:r>
+              <a:rPr lang="en-US" dirty="0"/>
+              <a:t>François</a:t>
+            </a:r>
+          </a:p>
+        </p:txBody>
+      </p:sp>
+      <p:sp>
+        <p:nvSpPr>
+          <p:cNvPr id="4" name="Slide Number Placeholder 3"/>
+          <p:cNvSpPr>
+            <a:spLocks noGrp="1"/>
+          </p:cNvSpPr>
+          <p:nvPr>
+            <p:ph type="sldNum" sz="quarter" idx="10"/>
+          </p:nvPr>
+        </p:nvSpPr>
+        <p:spPr/>
+        <p:txBody>
+          <a:bodyPr/>
+          <a:lstStyle/>
+          <a:p>
+            <a:fld id="{250503B6-F4CD-DE49-AB30-479371E8558D}" type="slidenum">
+              <a:rPr lang="en-US" smtClean="0"/>
+              <a:t>6</a:t>
+            </a:fld>
+            <a:endParaRPr lang="en-US"/>
+          </a:p>
+        </p:txBody>
+      </p:sp>
+    </p:spTree>
+    <p:extLst>
+      <p:ext uri="{BB962C8B-B14F-4D97-AF65-F5344CB8AC3E}">
+        <p14:creationId xmlns:p14="http://schemas.microsoft.com/office/powerpoint/2010/main" val="1458340873"/>
+      </p:ext>
+    </p:extLst>
+  </p:cSld>
+  <p:clrMapOvr>
+    <a:masterClrMapping/>
+  </p:clrMapOvr>
+</p:notes>
+</file>
+
+<file path=ppt/notesSlides/notesSlide7.xml><?xml version="1.0" encoding="utf-8"?>
+<p:notes xmlns:a="http://schemas.openxmlformats.org/drawingml/2006/main" xmlns:r="http://schemas.openxmlformats.org/officeDocument/2006/relationships" xmlns:p="http://schemas.openxmlformats.org/presentationml/2006/main">
+  <p:cSld>
+    <p:spTree>
+      <p:nvGrpSpPr>
+        <p:cNvPr id="1" name=""/>
+        <p:cNvGrpSpPr/>
+        <p:nvPr/>
+      </p:nvGrpSpPr>
+      <p:grpSpPr>
+        <a:xfrm>
+          <a:off x="0" y="0"/>
+          <a:ext cx="0" cy="0"/>
+          <a:chOff x="0" y="0"/>
+          <a:chExt cx="0" cy="0"/>
+        </a:xfrm>
+      </p:grpSpPr>
+      <p:sp>
+        <p:nvSpPr>
+          <p:cNvPr id="2" name="Slide Image Placeholder 1"/>
+          <p:cNvSpPr>
+            <a:spLocks noGrp="1" noRot="1" noChangeAspect="1"/>
+          </p:cNvSpPr>
+          <p:nvPr>
+            <p:ph type="sldImg"/>
+          </p:nvPr>
+        </p:nvSpPr>
+        <p:spPr/>
+      </p:sp>
+      <p:sp>
+        <p:nvSpPr>
+          <p:cNvPr id="3" name="Notes Placeholder 2"/>
+          <p:cNvSpPr>
+            <a:spLocks noGrp="1"/>
+          </p:cNvSpPr>
+          <p:nvPr>
+            <p:ph type="body" idx="1"/>
+          </p:nvPr>
+        </p:nvSpPr>
+        <p:spPr/>
+        <p:txBody>
+          <a:bodyPr/>
+          <a:lstStyle/>
+          <a:p>
+            <a:r>
+              <a:rPr lang="en-US" dirty="0"/>
+              <a:t>Bryan</a:t>
+            </a:r>
           </a:p>
         </p:txBody>
       </p:sp>
@@ -1954,90 +2343,6 @@
 </p:notes>
 </file>
 
-<file path=ppt/notesSlides/notesSlide7.xml><?xml version="1.0" encoding="utf-8"?>
-<p:notes xmlns:a="http://schemas.openxmlformats.org/drawingml/2006/main" xmlns:r="http://schemas.openxmlformats.org/officeDocument/2006/relationships" xmlns:p="http://schemas.openxmlformats.org/presentationml/2006/main">
-  <p:cSld>
-    <p:spTree>
-      <p:nvGrpSpPr>
-        <p:cNvPr id="1" name=""/>
-        <p:cNvGrpSpPr/>
-        <p:nvPr/>
-      </p:nvGrpSpPr>
-      <p:grpSpPr>
-        <a:xfrm>
-          <a:off x="0" y="0"/>
-          <a:ext cx="0" cy="0"/>
-          <a:chOff x="0" y="0"/>
-          <a:chExt cx="0" cy="0"/>
-        </a:xfrm>
-      </p:grpSpPr>
-      <p:sp>
-        <p:nvSpPr>
-          <p:cNvPr id="2" name="Slide Image Placeholder 1"/>
-          <p:cNvSpPr>
-            <a:spLocks noGrp="1" noRot="1" noChangeAspect="1"/>
-          </p:cNvSpPr>
-          <p:nvPr>
-            <p:ph type="sldImg"/>
-          </p:nvPr>
-        </p:nvSpPr>
-        <p:spPr/>
-      </p:sp>
-      <p:sp>
-        <p:nvSpPr>
-          <p:cNvPr id="3" name="Notes Placeholder 2"/>
-          <p:cNvSpPr>
-            <a:spLocks noGrp="1"/>
-          </p:cNvSpPr>
-          <p:nvPr>
-            <p:ph type="body" idx="1"/>
-          </p:nvPr>
-        </p:nvSpPr>
-        <p:spPr/>
-        <p:txBody>
-          <a:bodyPr/>
-          <a:lstStyle/>
-          <a:p>
-            <a:endParaRPr lang="en-US" dirty="0"/>
-          </a:p>
-        </p:txBody>
-      </p:sp>
-      <p:sp>
-        <p:nvSpPr>
-          <p:cNvPr id="4" name="Slide Number Placeholder 3"/>
-          <p:cNvSpPr>
-            <a:spLocks noGrp="1"/>
-          </p:cNvSpPr>
-          <p:nvPr>
-            <p:ph type="sldNum" sz="quarter" idx="10"/>
-          </p:nvPr>
-        </p:nvSpPr>
-        <p:spPr/>
-        <p:txBody>
-          <a:bodyPr/>
-          <a:lstStyle/>
-          <a:p>
-            <a:fld id="{250503B6-F4CD-DE49-AB30-479371E8558D}" type="slidenum">
-              <a:rPr lang="en-US" smtClean="0"/>
-              <a:t>9</a:t>
-            </a:fld>
-            <a:endParaRPr lang="en-US"/>
-          </a:p>
-        </p:txBody>
-      </p:sp>
-    </p:spTree>
-    <p:extLst>
-      <p:ext uri="{BB962C8B-B14F-4D97-AF65-F5344CB8AC3E}">
-        <p14:creationId xmlns:p14="http://schemas.microsoft.com/office/powerpoint/2010/main" val="3481642961"/>
-      </p:ext>
-    </p:extLst>
-  </p:cSld>
-  <p:clrMapOvr>
-    <a:masterClrMapping/>
-  </p:clrMapOvr>
-</p:notes>
-</file>
-
 <file path=ppt/notesSlides/notesSlide8.xml><?xml version="1.0" encoding="utf-8"?>
 <p:notes xmlns:a="http://schemas.openxmlformats.org/drawingml/2006/main" xmlns:r="http://schemas.openxmlformats.org/officeDocument/2006/relationships" xmlns:p="http://schemas.openxmlformats.org/presentationml/2006/main">
   <p:cSld>
@@ -2057,7 +2362,7 @@
       </p:grpSpPr>
       <p:sp>
         <p:nvSpPr>
-          <p:cNvPr id="2" name="Slide Image Placeholder 1"/>
+          <p:cNvPr id="2" name="Espace réservé de l'image des diapositives 1"/>
           <p:cNvSpPr>
             <a:spLocks noGrp="1" noRot="1" noChangeAspect="1"/>
           </p:cNvSpPr>
@@ -2069,7 +2374,7 @@
       </p:sp>
       <p:sp>
         <p:nvSpPr>
-          <p:cNvPr id="3" name="Notes Placeholder 2"/>
+          <p:cNvPr id="3" name="Espace réservé des notes 2"/>
           <p:cNvSpPr>
             <a:spLocks noGrp="1"/>
           </p:cNvSpPr>
@@ -2082,13 +2387,16 @@
           <a:bodyPr/>
           <a:lstStyle/>
           <a:p>
-            <a:endParaRPr lang="en-US" dirty="0"/>
-          </a:p>
-        </p:txBody>
-      </p:sp>
-      <p:sp>
-        <p:nvSpPr>
-          <p:cNvPr id="4" name="Slide Number Placeholder 3"/>
+            <a:r>
+              <a:rPr lang="fr-CH" dirty="0"/>
+              <a:t>Helena</a:t>
+            </a:r>
+          </a:p>
+        </p:txBody>
+      </p:sp>
+      <p:sp>
+        <p:nvSpPr>
+          <p:cNvPr id="4" name="Espace réservé du numéro de diapositive 3"/>
           <p:cNvSpPr>
             <a:spLocks noGrp="1"/>
           </p:cNvSpPr>
@@ -2101,18 +2409,18 @@
           <a:bodyPr/>
           <a:lstStyle/>
           <a:p>
-            <a:fld id="{250503B6-F4CD-DE49-AB30-479371E8558D}" type="slidenum">
-              <a:rPr lang="en-US" smtClean="0"/>
-              <a:t>10</a:t>
+            <a:fld id="{B42D1794-8E23-418F-9E90-BFD06F197221}" type="slidenum">
+              <a:rPr lang="fr-CH" smtClean="0"/>
+              <a:t>8</a:t>
             </a:fld>
-            <a:endParaRPr lang="en-US"/>
+            <a:endParaRPr lang="fr-CH"/>
           </a:p>
         </p:txBody>
       </p:sp>
     </p:spTree>
     <p:extLst>
       <p:ext uri="{BB962C8B-B14F-4D97-AF65-F5344CB8AC3E}">
-        <p14:creationId xmlns:p14="http://schemas.microsoft.com/office/powerpoint/2010/main" val="4158813062"/>
+        <p14:creationId xmlns:p14="http://schemas.microsoft.com/office/powerpoint/2010/main" val="4014130693"/>
       </p:ext>
     </p:extLst>
   </p:cSld>
@@ -2166,7 +2474,10 @@
           <a:bodyPr/>
           <a:lstStyle/>
           <a:p>
-            <a:endParaRPr lang="en-US"/>
+            <a:r>
+              <a:rPr lang="en-US" dirty="0"/>
+              <a:t>Daniel</a:t>
+            </a:r>
           </a:p>
         </p:txBody>
       </p:sp>
@@ -2187,7 +2498,7 @@
           <a:p>
             <a:fld id="{250503B6-F4CD-DE49-AB30-479371E8558D}" type="slidenum">
               <a:rPr lang="en-US" smtClean="0"/>
-              <a:t>11</a:t>
+              <a:t>9</a:t>
             </a:fld>
             <a:endParaRPr lang="en-US"/>
           </a:p>
@@ -2196,7 +2507,7 @@
     </p:spTree>
     <p:extLst>
       <p:ext uri="{BB962C8B-B14F-4D97-AF65-F5344CB8AC3E}">
-        <p14:creationId xmlns:p14="http://schemas.microsoft.com/office/powerpoint/2010/main" val="1566307122"/>
+        <p14:creationId xmlns:p14="http://schemas.microsoft.com/office/powerpoint/2010/main" val="3481642961"/>
       </p:ext>
     </p:extLst>
   </p:cSld>
@@ -14727,12 +15038,12 @@
           </a:ln>
           <a:extLst>
             <a:ext uri="{909E8E84-426E-40dd-AFC4-6F175D3DCCD1}">
-              <a14:hiddenFill xmlns="" xmlns:a14="http://schemas.microsoft.com/office/drawing/2010/main">
+              <a14:hiddenFill xmlns:a14="http://schemas.microsoft.com/office/drawing/2010/main" xmlns="">
                 <a:noFill/>
               </a14:hiddenFill>
             </a:ext>
             <a:ext uri="{91240B29-F687-4f45-9708-019B960494DF}">
-              <a14:hiddenLine xmlns="" xmlns:a14="http://schemas.microsoft.com/office/drawing/2010/main" w="9525">
+              <a14:hiddenLine xmlns:a14="http://schemas.microsoft.com/office/drawing/2010/main" xmlns="" w="9525">
                 <a:solidFill>
                   <a:srgbClr val="000000"/>
                 </a:solidFill>
@@ -14777,12 +15088,12 @@
           </a:ln>
           <a:extLst>
             <a:ext uri="{909E8E84-426E-40dd-AFC4-6F175D3DCCD1}">
-              <a14:hiddenFill xmlns="" xmlns:a14="http://schemas.microsoft.com/office/drawing/2010/main">
+              <a14:hiddenFill xmlns:a14="http://schemas.microsoft.com/office/drawing/2010/main" xmlns="">
                 <a:noFill/>
               </a14:hiddenFill>
             </a:ext>
             <a:ext uri="{91240B29-F687-4f45-9708-019B960494DF}">
-              <a14:hiddenLine xmlns="" xmlns:a14="http://schemas.microsoft.com/office/drawing/2010/main" w="9525">
+              <a14:hiddenLine xmlns:a14="http://schemas.microsoft.com/office/drawing/2010/main" xmlns="" w="9525">
                 <a:solidFill>
                   <a:srgbClr val="000000"/>
                 </a:solidFill>
@@ -19920,12 +20231,12 @@
           </a:ln>
           <a:extLst>
             <a:ext uri="{909E8E84-426E-40dd-AFC4-6F175D3DCCD1}">
-              <a14:hiddenFill xmlns="" xmlns:a14="http://schemas.microsoft.com/office/drawing/2010/main">
+              <a14:hiddenFill xmlns:a14="http://schemas.microsoft.com/office/drawing/2010/main" xmlns="">
                 <a:noFill/>
               </a14:hiddenFill>
             </a:ext>
             <a:ext uri="{91240B29-F687-4f45-9708-019B960494DF}">
-              <a14:hiddenLine xmlns="" xmlns:a14="http://schemas.microsoft.com/office/drawing/2010/main" w="9525">
+              <a14:hiddenLine xmlns:a14="http://schemas.microsoft.com/office/drawing/2010/main" xmlns="" w="9525">
                 <a:solidFill>
                   <a:srgbClr val="000000"/>
                 </a:solidFill>
@@ -19970,12 +20281,12 @@
           </a:ln>
           <a:extLst>
             <a:ext uri="{909E8E84-426E-40dd-AFC4-6F175D3DCCD1}">
-              <a14:hiddenFill xmlns="" xmlns:a14="http://schemas.microsoft.com/office/drawing/2010/main">
+              <a14:hiddenFill xmlns:a14="http://schemas.microsoft.com/office/drawing/2010/main" xmlns="">
                 <a:noFill/>
               </a14:hiddenFill>
             </a:ext>
             <a:ext uri="{91240B29-F687-4f45-9708-019B960494DF}">
-              <a14:hiddenLine xmlns="" xmlns:a14="http://schemas.microsoft.com/office/drawing/2010/main" w="9525">
+              <a14:hiddenLine xmlns:a14="http://schemas.microsoft.com/office/drawing/2010/main" xmlns="" w="9525">
                 <a:solidFill>
                   <a:srgbClr val="000000"/>
                 </a:solidFill>
@@ -22176,7 +22487,7 @@
           <p:nvPr/>
         </p:nvPicPr>
         <p:blipFill>
-          <a:blip r:embed="rId2"/>
+          <a:blip r:embed="rId3"/>
           <a:stretch>
             <a:fillRect/>
           </a:stretch>
@@ -25300,7 +25611,7 @@
           </a:effectLst>
           <a:extLst>
             <a:ext uri="{C572A759-6A51-4108-AA02-DFA0A04FC94B}">
-              <ma14:wrappingTextBoxFlag xmlns="" xmlns:ma14="http://schemas.microsoft.com/office/mac/drawingml/2011/main" val="1"/>
+              <ma14:wrappingTextBoxFlag xmlns:ma14="http://schemas.microsoft.com/office/mac/drawingml/2011/main" xmlns="" val="1"/>
             </a:ext>
           </a:extLst>
         </p:spPr>
@@ -25405,7 +25716,7 @@
           </a:effectLst>
           <a:extLst>
             <a:ext uri="{C572A759-6A51-4108-AA02-DFA0A04FC94B}">
-              <ma14:wrappingTextBoxFlag xmlns="" xmlns:ma14="http://schemas.microsoft.com/office/mac/drawingml/2011/main" val="1"/>
+              <ma14:wrappingTextBoxFlag xmlns:ma14="http://schemas.microsoft.com/office/mac/drawingml/2011/main" xmlns="" val="1"/>
             </a:ext>
           </a:extLst>
         </p:spPr>
@@ -25510,7 +25821,7 @@
           </a:effectLst>
           <a:extLst>
             <a:ext uri="{C572A759-6A51-4108-AA02-DFA0A04FC94B}">
-              <ma14:wrappingTextBoxFlag xmlns="" xmlns:ma14="http://schemas.microsoft.com/office/mac/drawingml/2011/main" val="1"/>
+              <ma14:wrappingTextBoxFlag xmlns:ma14="http://schemas.microsoft.com/office/mac/drawingml/2011/main" xmlns="" val="1"/>
             </a:ext>
           </a:extLst>
         </p:spPr>
@@ -25615,7 +25926,7 @@
           </a:effectLst>
           <a:extLst>
             <a:ext uri="{C572A759-6A51-4108-AA02-DFA0A04FC94B}">
-              <ma14:wrappingTextBoxFlag xmlns="" xmlns:ma14="http://schemas.microsoft.com/office/mac/drawingml/2011/main" val="1"/>
+              <ma14:wrappingTextBoxFlag xmlns:ma14="http://schemas.microsoft.com/office/mac/drawingml/2011/main" xmlns="" val="1"/>
             </a:ext>
           </a:extLst>
         </p:spPr>
@@ -25723,7 +26034,7 @@
           </a:effectLst>
           <a:extLst>
             <a:ext uri="{C572A759-6A51-4108-AA02-DFA0A04FC94B}">
-              <ma14:wrappingTextBoxFlag xmlns="" xmlns:ma14="http://schemas.microsoft.com/office/mac/drawingml/2011/main" val="1"/>
+              <ma14:wrappingTextBoxFlag xmlns:ma14="http://schemas.microsoft.com/office/mac/drawingml/2011/main" xmlns="" val="1"/>
             </a:ext>
           </a:extLst>
         </p:spPr>
@@ -25950,7 +26261,7 @@
           <p:nvPr/>
         </p:nvPicPr>
         <p:blipFill>
-          <a:blip r:embed="rId2">
+          <a:blip r:embed="rId3">
             <a:duotone>
               <a:schemeClr val="accent4">
                 <a:shade val="45000"/>
@@ -25961,7 +26272,7 @@
             <a:extLst>
               <a:ext uri="{BEBA8EAE-BF5A-486C-A8C5-ECC9F3942E4B}">
                 <a14:imgProps xmlns:a14="http://schemas.microsoft.com/office/drawing/2010/main">
-                  <a14:imgLayer r:embed="rId3">
+                  <a14:imgLayer r:embed="rId4">
                     <a14:imgEffect>
                       <a14:brightnessContrast bright="100000"/>
                     </a14:imgEffect>
@@ -26182,7 +26493,7 @@
           <p:nvPr/>
         </p:nvPicPr>
         <p:blipFill>
-          <a:blip r:embed="rId4">
+          <a:blip r:embed="rId5">
             <a:duotone>
               <a:schemeClr val="accent1">
                 <a:shade val="45000"/>
@@ -28538,8 +28849,39 @@
                   <a:ea typeface="Roboto Light" charset="0"/>
                   <a:cs typeface="Roboto Light" charset="0"/>
                 </a:rPr>
-                <a:t> Helena</a:t>
+                <a:t> </a:t>
               </a:r>
+              <a:r>
+                <a:rPr kumimoji="0" lang="en-US" sz="1800" b="0" i="0" u="none" strike="noStrike" kern="1200" cap="none" spc="0" normalizeH="0" baseline="0" noProof="0" dirty="0" err="1">
+                  <a:ln>
+                    <a:noFill/>
+                  </a:ln>
+                  <a:solidFill>
+                    <a:srgbClr val="000000"/>
+                  </a:solidFill>
+                  <a:effectLst/>
+                  <a:uLnTx/>
+                  <a:uFillTx/>
+                  <a:latin typeface="Roboto Light" charset="0"/>
+                  <a:ea typeface="Roboto Light" charset="0"/>
+                  <a:cs typeface="Roboto Light" charset="0"/>
+                </a:rPr>
+                <a:t>Héléna</a:t>
+              </a:r>
+              <a:endParaRPr kumimoji="0" lang="en-US" sz="1800" b="0" i="0" u="none" strike="noStrike" kern="1200" cap="none" spc="0" normalizeH="0" baseline="0" noProof="0" dirty="0">
+                <a:ln>
+                  <a:noFill/>
+                </a:ln>
+                <a:solidFill>
+                  <a:srgbClr val="000000"/>
+                </a:solidFill>
+                <a:effectLst/>
+                <a:uLnTx/>
+                <a:uFillTx/>
+                <a:latin typeface="Roboto Light" charset="0"/>
+                <a:ea typeface="Roboto Light" charset="0"/>
+                <a:cs typeface="Roboto Light" charset="0"/>
+              </a:endParaRPr>
             </a:p>
             <a:p>
               <a:pPr marL="0" marR="0" lvl="0" indent="0" algn="l" defTabSz="914400" rtl="0" eaLnBrk="1" fontAlgn="auto" latinLnBrk="0" hangingPunct="1">

--- a/Doc/presentation.pptx
+++ b/Doc/presentation.pptx
@@ -9,10 +9,10 @@
     <p:sldMasterId id="2147483679" r:id="rId5"/>
   </p:sldMasterIdLst>
   <p:notesMasterIdLst>
-    <p:notesMasterId r:id="rId25"/>
+    <p:notesMasterId r:id="rId26"/>
   </p:notesMasterIdLst>
   <p:handoutMasterIdLst>
-    <p:handoutMasterId r:id="rId26"/>
+    <p:handoutMasterId r:id="rId27"/>
   </p:handoutMasterIdLst>
   <p:sldIdLst>
     <p:sldId id="265" r:id="rId6"/>
@@ -32,8 +32,9 @@
     <p:sldId id="450" r:id="rId20"/>
     <p:sldId id="281" r:id="rId21"/>
     <p:sldId id="402" r:id="rId22"/>
-    <p:sldId id="451" r:id="rId23"/>
-    <p:sldId id="374" r:id="rId24"/>
+    <p:sldId id="436" r:id="rId23"/>
+    <p:sldId id="451" r:id="rId24"/>
+    <p:sldId id="374" r:id="rId25"/>
   </p:sldIdLst>
   <p:sldSz cx="12192000" cy="6858000"/>
   <p:notesSz cx="6858000" cy="9144000"/>
@@ -1595,7 +1596,7 @@
           <a:p>
             <a:fld id="{250503B6-F4CD-DE49-AB30-479371E8558D}" type="slidenum">
               <a:rPr lang="en-US" smtClean="0"/>
-              <a:t>18</a:t>
+              <a:t>19</a:t>
             </a:fld>
             <a:endParaRPr lang="en-US"/>
           </a:p>
@@ -1682,7 +1683,7 @@
           <a:p>
             <a:fld id="{B42D1794-8E23-418F-9E90-BFD06F197221}" type="slidenum">
               <a:rPr lang="fr-CH" smtClean="0"/>
-              <a:t>19</a:t>
+              <a:t>20</a:t>
             </a:fld>
             <a:endParaRPr lang="fr-CH"/>
           </a:p>
@@ -3399,6 +3400,361 @@
 </file>
 
 <file path=ppt/slideLayouts/slideLayout14.xml><?xml version="1.0" encoding="utf-8"?>
+<p:sldLayout xmlns:a="http://schemas.openxmlformats.org/drawingml/2006/main" xmlns:r="http://schemas.openxmlformats.org/officeDocument/2006/relationships" xmlns:p="http://schemas.openxmlformats.org/presentationml/2006/main" userDrawn="1">
+  <p:cSld name="Title + Section 1">
+    <p:bg>
+      <p:bgRef idx="1001">
+        <a:schemeClr val="bg1"/>
+      </p:bgRef>
+    </p:bg>
+    <p:spTree>
+      <p:nvGrpSpPr>
+        <p:cNvPr id="1" name=""/>
+        <p:cNvGrpSpPr/>
+        <p:nvPr/>
+      </p:nvGrpSpPr>
+      <p:grpSpPr>
+        <a:xfrm>
+          <a:off x="0" y="0"/>
+          <a:ext cx="0" cy="0"/>
+          <a:chOff x="0" y="0"/>
+          <a:chExt cx="0" cy="0"/>
+        </a:xfrm>
+      </p:grpSpPr>
+      <p:sp>
+        <p:nvSpPr>
+          <p:cNvPr id="8" name="Title 1"/>
+          <p:cNvSpPr>
+            <a:spLocks noGrp="1"/>
+          </p:cNvSpPr>
+          <p:nvPr>
+            <p:ph type="title"/>
+          </p:nvPr>
+        </p:nvSpPr>
+        <p:spPr>
+          <a:xfrm>
+            <a:off x="526941" y="573317"/>
+            <a:ext cx="11230421" cy="431020"/>
+          </a:xfrm>
+          <a:prstGeom prst="rect">
+            <a:avLst/>
+          </a:prstGeom>
+        </p:spPr>
+        <p:txBody>
+          <a:bodyPr/>
+          <a:lstStyle>
+            <a:lvl1pPr algn="l">
+              <a:defRPr sz="2400" b="0" i="0">
+                <a:solidFill>
+                  <a:schemeClr val="bg1"/>
+                </a:solidFill>
+                <a:latin typeface="Roboto Medium" charset="0"/>
+                <a:ea typeface="Roboto Medium" charset="0"/>
+                <a:cs typeface="Roboto Medium" charset="0"/>
+              </a:defRPr>
+            </a:lvl1pPr>
+          </a:lstStyle>
+          <a:p>
+            <a:r>
+              <a:rPr lang="en-US" dirty="0"/>
+              <a:t>Click to edit Master title style</a:t>
+            </a:r>
+          </a:p>
+        </p:txBody>
+      </p:sp>
+      <p:sp>
+        <p:nvSpPr>
+          <p:cNvPr id="2" name="TextBox 1"/>
+          <p:cNvSpPr txBox="1"/>
+          <p:nvPr userDrawn="1"/>
+        </p:nvSpPr>
+        <p:spPr>
+          <a:xfrm>
+            <a:off x="526941" y="1232607"/>
+            <a:ext cx="1843280" cy="246221"/>
+          </a:xfrm>
+          <a:prstGeom prst="rect">
+            <a:avLst/>
+          </a:prstGeom>
+          <a:noFill/>
+        </p:spPr>
+        <p:txBody>
+          <a:bodyPr wrap="square" rtlCol="0">
+            <a:spAutoFit/>
+          </a:bodyPr>
+          <a:lstStyle/>
+          <a:p>
+            <a:pPr algn="ctr"/>
+            <a:r>
+              <a:rPr lang="en-US" sz="1000" spc="160" dirty="0">
+                <a:solidFill>
+                  <a:schemeClr val="bg1"/>
+                </a:solidFill>
+                <a:latin typeface="Noto Sans" charset="0"/>
+                <a:ea typeface="Noto Sans" charset="0"/>
+                <a:cs typeface="Noto Sans" charset="0"/>
+              </a:rPr>
+              <a:t>OUR</a:t>
+            </a:r>
+            <a:r>
+              <a:rPr lang="en-US" sz="1000" spc="160" baseline="0" dirty="0">
+                <a:solidFill>
+                  <a:schemeClr val="bg1"/>
+                </a:solidFill>
+                <a:latin typeface="Noto Sans" charset="0"/>
+                <a:ea typeface="Noto Sans" charset="0"/>
+                <a:cs typeface="Noto Sans" charset="0"/>
+              </a:rPr>
+              <a:t> COMPANY</a:t>
+            </a:r>
+            <a:endParaRPr lang="en-US" sz="1000" spc="160" dirty="0">
+              <a:solidFill>
+                <a:schemeClr val="bg1"/>
+              </a:solidFill>
+              <a:latin typeface="Noto Sans" charset="0"/>
+              <a:ea typeface="Noto Sans" charset="0"/>
+              <a:cs typeface="Noto Sans" charset="0"/>
+            </a:endParaRPr>
+          </a:p>
+        </p:txBody>
+      </p:sp>
+      <p:cxnSp>
+        <p:nvCxnSpPr>
+          <p:cNvPr id="6" name="Straight Connector 5"/>
+          <p:cNvCxnSpPr/>
+          <p:nvPr userDrawn="1"/>
+        </p:nvCxnSpPr>
+        <p:spPr>
+          <a:xfrm>
+            <a:off x="526941" y="1602414"/>
+            <a:ext cx="1843280" cy="0"/>
+          </a:xfrm>
+          <a:prstGeom prst="line">
+            <a:avLst/>
+          </a:prstGeom>
+          <a:ln w="57150">
+            <a:solidFill>
+              <a:schemeClr val="accent6"/>
+            </a:solidFill>
+          </a:ln>
+        </p:spPr>
+        <p:style>
+          <a:lnRef idx="1">
+            <a:schemeClr val="accent1"/>
+          </a:lnRef>
+          <a:fillRef idx="0">
+            <a:schemeClr val="accent1"/>
+          </a:fillRef>
+          <a:effectRef idx="0">
+            <a:schemeClr val="accent1"/>
+          </a:effectRef>
+          <a:fontRef idx="minor">
+            <a:schemeClr val="tx1"/>
+          </a:fontRef>
+        </p:style>
+      </p:cxnSp>
+      <p:sp>
+        <p:nvSpPr>
+          <p:cNvPr id="12" name="TextBox 11"/>
+          <p:cNvSpPr txBox="1"/>
+          <p:nvPr userDrawn="1"/>
+        </p:nvSpPr>
+        <p:spPr>
+          <a:xfrm>
+            <a:off x="2604393" y="1232607"/>
+            <a:ext cx="1843280" cy="246221"/>
+          </a:xfrm>
+          <a:prstGeom prst="rect">
+            <a:avLst/>
+          </a:prstGeom>
+          <a:noFill/>
+        </p:spPr>
+        <p:txBody>
+          <a:bodyPr wrap="square" rtlCol="0">
+            <a:spAutoFit/>
+          </a:bodyPr>
+          <a:lstStyle/>
+          <a:p>
+            <a:pPr algn="ctr"/>
+            <a:r>
+              <a:rPr lang="en-US" sz="1000" spc="160" dirty="0">
+                <a:solidFill>
+                  <a:schemeClr val="accent3">
+                    <a:lumMod val="60000"/>
+                    <a:lumOff val="40000"/>
+                  </a:schemeClr>
+                </a:solidFill>
+                <a:latin typeface="Noto Sans" charset="0"/>
+                <a:ea typeface="Noto Sans" charset="0"/>
+                <a:cs typeface="Noto Sans" charset="0"/>
+              </a:rPr>
+              <a:t>ABOUT</a:t>
+            </a:r>
+            <a:r>
+              <a:rPr lang="en-US" sz="1000" spc="160" baseline="0" dirty="0">
+                <a:solidFill>
+                  <a:schemeClr val="accent3">
+                    <a:lumMod val="60000"/>
+                    <a:lumOff val="40000"/>
+                  </a:schemeClr>
+                </a:solidFill>
+                <a:latin typeface="Noto Sans" charset="0"/>
+                <a:ea typeface="Noto Sans" charset="0"/>
+                <a:cs typeface="Noto Sans" charset="0"/>
+              </a:rPr>
+              <a:t> US</a:t>
+            </a:r>
+            <a:endParaRPr lang="en-US" sz="1000" spc="160" dirty="0">
+              <a:solidFill>
+                <a:schemeClr val="accent3">
+                  <a:lumMod val="60000"/>
+                  <a:lumOff val="40000"/>
+                </a:schemeClr>
+              </a:solidFill>
+              <a:latin typeface="Noto Sans" charset="0"/>
+              <a:ea typeface="Noto Sans" charset="0"/>
+              <a:cs typeface="Noto Sans" charset="0"/>
+            </a:endParaRPr>
+          </a:p>
+        </p:txBody>
+      </p:sp>
+      <p:sp>
+        <p:nvSpPr>
+          <p:cNvPr id="13" name="TextBox 12"/>
+          <p:cNvSpPr txBox="1"/>
+          <p:nvPr userDrawn="1"/>
+        </p:nvSpPr>
+        <p:spPr>
+          <a:xfrm>
+            <a:off x="4583588" y="1232607"/>
+            <a:ext cx="1843280" cy="246221"/>
+          </a:xfrm>
+          <a:prstGeom prst="rect">
+            <a:avLst/>
+          </a:prstGeom>
+          <a:noFill/>
+        </p:spPr>
+        <p:txBody>
+          <a:bodyPr wrap="square" rtlCol="0">
+            <a:spAutoFit/>
+          </a:bodyPr>
+          <a:lstStyle/>
+          <a:p>
+            <a:pPr algn="ctr"/>
+            <a:r>
+              <a:rPr lang="en-US" sz="1000" spc="160" dirty="0">
+                <a:solidFill>
+                  <a:schemeClr val="accent3">
+                    <a:lumMod val="60000"/>
+                    <a:lumOff val="40000"/>
+                  </a:schemeClr>
+                </a:solidFill>
+                <a:latin typeface="Noto Sans" charset="0"/>
+                <a:ea typeface="Noto Sans" charset="0"/>
+                <a:cs typeface="Noto Sans" charset="0"/>
+              </a:rPr>
+              <a:t>INFOGRAPHICS</a:t>
+            </a:r>
+          </a:p>
+        </p:txBody>
+      </p:sp>
+      <p:sp>
+        <p:nvSpPr>
+          <p:cNvPr id="14" name="TextBox 13"/>
+          <p:cNvSpPr txBox="1"/>
+          <p:nvPr userDrawn="1"/>
+        </p:nvSpPr>
+        <p:spPr>
+          <a:xfrm>
+            <a:off x="6562782" y="1232607"/>
+            <a:ext cx="1843280" cy="246221"/>
+          </a:xfrm>
+          <a:prstGeom prst="rect">
+            <a:avLst/>
+          </a:prstGeom>
+          <a:noFill/>
+        </p:spPr>
+        <p:txBody>
+          <a:bodyPr wrap="square" rtlCol="0">
+            <a:spAutoFit/>
+          </a:bodyPr>
+          <a:lstStyle/>
+          <a:p>
+            <a:pPr algn="ctr"/>
+            <a:r>
+              <a:rPr lang="en-US" sz="1000" spc="160" dirty="0">
+                <a:solidFill>
+                  <a:schemeClr val="accent3">
+                    <a:lumMod val="60000"/>
+                    <a:lumOff val="40000"/>
+                  </a:schemeClr>
+                </a:solidFill>
+                <a:latin typeface="Noto Sans" charset="0"/>
+                <a:ea typeface="Noto Sans" charset="0"/>
+                <a:cs typeface="Noto Sans" charset="0"/>
+              </a:rPr>
+              <a:t>CONTACT</a:t>
+            </a:r>
+          </a:p>
+        </p:txBody>
+      </p:sp>
+      <p:sp>
+        <p:nvSpPr>
+          <p:cNvPr id="10" name="Slide Number Placeholder 5"/>
+          <p:cNvSpPr>
+            <a:spLocks noGrp="1"/>
+          </p:cNvSpPr>
+          <p:nvPr>
+            <p:ph type="sldNum" sz="quarter" idx="4"/>
+          </p:nvPr>
+        </p:nvSpPr>
+        <p:spPr>
+          <a:xfrm>
+            <a:off x="10919018" y="1346518"/>
+            <a:ext cx="725296" cy="365125"/>
+          </a:xfrm>
+          <a:prstGeom prst="rect">
+            <a:avLst/>
+          </a:prstGeom>
+        </p:spPr>
+        <p:txBody>
+          <a:bodyPr anchor="ctr"/>
+          <a:lstStyle>
+            <a:lvl1pPr algn="ctr">
+              <a:defRPr sz="1600" b="0" i="0">
+                <a:solidFill>
+                  <a:schemeClr val="bg1"/>
+                </a:solidFill>
+                <a:latin typeface="Roboto Light" charset="0"/>
+                <a:ea typeface="Roboto Light" charset="0"/>
+                <a:cs typeface="Roboto Light" charset="0"/>
+              </a:defRPr>
+            </a:lvl1pPr>
+          </a:lstStyle>
+          <a:p>
+            <a:fld id="{936C95AE-7298-45E1-9514-94AFF5BED89B}" type="slidenum">
+              <a:rPr lang="en-US" smtClean="0"/>
+              <a:pPr/>
+              <a:t>‹N°›</a:t>
+            </a:fld>
+            <a:endParaRPr lang="en-US" dirty="0"/>
+          </a:p>
+        </p:txBody>
+      </p:sp>
+    </p:spTree>
+    <p:extLst>
+      <p:ext uri="{BB962C8B-B14F-4D97-AF65-F5344CB8AC3E}">
+        <p14:creationId xmlns:p14="http://schemas.microsoft.com/office/powerpoint/2010/main" val="2149766269"/>
+      </p:ext>
+    </p:extLst>
+  </p:cSld>
+  <p:clrMapOvr>
+    <a:overrideClrMapping bg1="lt1" tx1="dk1" bg2="lt2" tx2="dk2" accent1="accent1" accent2="accent2" accent3="accent3" accent4="accent4" accent5="accent5" accent6="accent6" hlink="hlink" folHlink="folHlink"/>
+  </p:clrMapOvr>
+</p:sldLayout>
+</file>
+
+<file path=ppt/slideLayouts/slideLayout15.xml><?xml version="1.0" encoding="utf-8"?>
 <p:sldLayout xmlns:a="http://schemas.openxmlformats.org/drawingml/2006/main" xmlns:r="http://schemas.openxmlformats.org/officeDocument/2006/relationships" xmlns:p="http://schemas.openxmlformats.org/presentationml/2006/main" preserve="1" userDrawn="1">
   <p:cSld name="Blank">
     <p:bg>
@@ -3433,7 +3789,7 @@
 </p:sldLayout>
 </file>
 
-<file path=ppt/slideLayouts/slideLayout15.xml><?xml version="1.0" encoding="utf-8"?>
+<file path=ppt/slideLayouts/slideLayout16.xml><?xml version="1.0" encoding="utf-8"?>
 <p:sldLayout xmlns:a="http://schemas.openxmlformats.org/drawingml/2006/main" xmlns:r="http://schemas.openxmlformats.org/officeDocument/2006/relationships" xmlns:p="http://schemas.openxmlformats.org/presentationml/2006/main" preserve="1" userDrawn="1">
   <p:cSld name="Blank with Slide Nr.">
     <p:bg>
@@ -3508,7 +3864,7 @@
 </p:sldLayout>
 </file>
 
-<file path=ppt/slideLayouts/slideLayout16.xml><?xml version="1.0" encoding="utf-8"?>
+<file path=ppt/slideLayouts/slideLayout17.xml><?xml version="1.0" encoding="utf-8"?>
 <p:sldLayout xmlns:a="http://schemas.openxmlformats.org/drawingml/2006/main" xmlns:r="http://schemas.openxmlformats.org/officeDocument/2006/relationships" xmlns:p="http://schemas.openxmlformats.org/presentationml/2006/main" userDrawn="1">
   <p:cSld name="Title + Subtitle (Left)">
     <p:bg>
@@ -3682,7 +4038,7 @@
 </p:sldLayout>
 </file>
 
-<file path=ppt/slideLayouts/slideLayout17.xml><?xml version="1.0" encoding="utf-8"?>
+<file path=ppt/slideLayouts/slideLayout18.xml><?xml version="1.0" encoding="utf-8"?>
 <p:sldLayout xmlns:a="http://schemas.openxmlformats.org/drawingml/2006/main" xmlns:r="http://schemas.openxmlformats.org/officeDocument/2006/relationships" xmlns:p="http://schemas.openxmlformats.org/presentationml/2006/main" userDrawn="1">
   <p:cSld name="Title + Section 3">
     <p:bg>
@@ -4018,7 +4374,7 @@
 </p:sldLayout>
 </file>
 
-<file path=ppt/slideLayouts/slideLayout18.xml><?xml version="1.0" encoding="utf-8"?>
+<file path=ppt/slideLayouts/slideLayout19.xml><?xml version="1.0" encoding="utf-8"?>
 <p:sldLayout xmlns:a="http://schemas.openxmlformats.org/drawingml/2006/main" xmlns:r="http://schemas.openxmlformats.org/officeDocument/2006/relationships" xmlns:p="http://schemas.openxmlformats.org/presentationml/2006/main" preserve="1" userDrawn="1">
   <p:cSld name="Title + Subtitle">
     <p:bg>
@@ -4189,7 +4545,207 @@
 </p:sldLayout>
 </file>
 
-<file path=ppt/slideLayouts/slideLayout19.xml><?xml version="1.0" encoding="utf-8"?>
+<file path=ppt/slideLayouts/slideLayout2.xml><?xml version="1.0" encoding="utf-8"?>
+<p:sldLayout xmlns:a="http://schemas.openxmlformats.org/drawingml/2006/main" xmlns:r="http://schemas.openxmlformats.org/officeDocument/2006/relationships" xmlns:p="http://schemas.openxmlformats.org/presentationml/2006/main" type="obj" preserve="1">
+  <p:cSld name="Titre et contenu">
+    <p:spTree>
+      <p:nvGrpSpPr>
+        <p:cNvPr id="1" name=""/>
+        <p:cNvGrpSpPr/>
+        <p:nvPr/>
+      </p:nvGrpSpPr>
+      <p:grpSpPr>
+        <a:xfrm>
+          <a:off x="0" y="0"/>
+          <a:ext cx="0" cy="0"/>
+          <a:chOff x="0" y="0"/>
+          <a:chExt cx="0" cy="0"/>
+        </a:xfrm>
+      </p:grpSpPr>
+      <p:sp>
+        <p:nvSpPr>
+          <p:cNvPr id="2" name="Titre 1">
+            <a:extLst>
+              <a:ext uri="{FF2B5EF4-FFF2-40B4-BE49-F238E27FC236}">
+                <a16:creationId xmlns:a16="http://schemas.microsoft.com/office/drawing/2014/main" id="{848AE1DD-0584-4650-9382-710B029837DF}"/>
+              </a:ext>
+            </a:extLst>
+          </p:cNvPr>
+          <p:cNvSpPr>
+            <a:spLocks noGrp="1"/>
+          </p:cNvSpPr>
+          <p:nvPr>
+            <p:ph type="title"/>
+          </p:nvPr>
+        </p:nvSpPr>
+        <p:spPr/>
+        <p:txBody>
+          <a:bodyPr/>
+          <a:lstStyle/>
+          <a:p>
+            <a:r>
+              <a:rPr lang="fr-FR"/>
+              <a:t>Modifiez le style du titre</a:t>
+            </a:r>
+            <a:endParaRPr lang="fr-CH"/>
+          </a:p>
+        </p:txBody>
+      </p:sp>
+      <p:sp>
+        <p:nvSpPr>
+          <p:cNvPr id="3" name="Espace réservé du contenu 2">
+            <a:extLst>
+              <a:ext uri="{FF2B5EF4-FFF2-40B4-BE49-F238E27FC236}">
+                <a16:creationId xmlns:a16="http://schemas.microsoft.com/office/drawing/2014/main" id="{27BAA40E-C604-4FAA-AE2F-4C7EEBBF35BA}"/>
+              </a:ext>
+            </a:extLst>
+          </p:cNvPr>
+          <p:cNvSpPr>
+            <a:spLocks noGrp="1"/>
+          </p:cNvSpPr>
+          <p:nvPr>
+            <p:ph idx="1"/>
+          </p:nvPr>
+        </p:nvSpPr>
+        <p:spPr/>
+        <p:txBody>
+          <a:bodyPr/>
+          <a:lstStyle/>
+          <a:p>
+            <a:pPr lvl="0"/>
+            <a:r>
+              <a:rPr lang="fr-FR"/>
+              <a:t>Modifier les styles du texte du masque</a:t>
+            </a:r>
+          </a:p>
+          <a:p>
+            <a:pPr lvl="1"/>
+            <a:r>
+              <a:rPr lang="fr-FR"/>
+              <a:t>Deuxième niveau</a:t>
+            </a:r>
+          </a:p>
+          <a:p>
+            <a:pPr lvl="2"/>
+            <a:r>
+              <a:rPr lang="fr-FR"/>
+              <a:t>Troisième niveau</a:t>
+            </a:r>
+          </a:p>
+          <a:p>
+            <a:pPr lvl="3"/>
+            <a:r>
+              <a:rPr lang="fr-FR"/>
+              <a:t>Quatrième niveau</a:t>
+            </a:r>
+          </a:p>
+          <a:p>
+            <a:pPr lvl="4"/>
+            <a:r>
+              <a:rPr lang="fr-FR"/>
+              <a:t>Cinquième niveau</a:t>
+            </a:r>
+            <a:endParaRPr lang="fr-CH"/>
+          </a:p>
+        </p:txBody>
+      </p:sp>
+      <p:sp>
+        <p:nvSpPr>
+          <p:cNvPr id="4" name="Espace réservé de la date 3">
+            <a:extLst>
+              <a:ext uri="{FF2B5EF4-FFF2-40B4-BE49-F238E27FC236}">
+                <a16:creationId xmlns:a16="http://schemas.microsoft.com/office/drawing/2014/main" id="{CFC5014A-8D00-427B-B7C0-03413D2914EF}"/>
+              </a:ext>
+            </a:extLst>
+          </p:cNvPr>
+          <p:cNvSpPr>
+            <a:spLocks noGrp="1"/>
+          </p:cNvSpPr>
+          <p:nvPr>
+            <p:ph type="dt" sz="half" idx="10"/>
+          </p:nvPr>
+        </p:nvSpPr>
+        <p:spPr/>
+        <p:txBody>
+          <a:bodyPr/>
+          <a:lstStyle/>
+          <a:p>
+            <a:fld id="{7DAECAA3-EED9-4F83-9C39-4E8F2572032F}" type="datetimeFigureOut">
+              <a:rPr lang="fr-CH" smtClean="0"/>
+              <a:t>15.06.2018</a:t>
+            </a:fld>
+            <a:endParaRPr lang="fr-CH"/>
+          </a:p>
+        </p:txBody>
+      </p:sp>
+      <p:sp>
+        <p:nvSpPr>
+          <p:cNvPr id="5" name="Espace réservé du pied de page 4">
+            <a:extLst>
+              <a:ext uri="{FF2B5EF4-FFF2-40B4-BE49-F238E27FC236}">
+                <a16:creationId xmlns:a16="http://schemas.microsoft.com/office/drawing/2014/main" id="{2428FFA8-0E85-4792-B20A-3F9C5818FFAF}"/>
+              </a:ext>
+            </a:extLst>
+          </p:cNvPr>
+          <p:cNvSpPr>
+            <a:spLocks noGrp="1"/>
+          </p:cNvSpPr>
+          <p:nvPr>
+            <p:ph type="ftr" sz="quarter" idx="11"/>
+          </p:nvPr>
+        </p:nvSpPr>
+        <p:spPr/>
+        <p:txBody>
+          <a:bodyPr/>
+          <a:lstStyle/>
+          <a:p>
+            <a:endParaRPr lang="fr-CH"/>
+          </a:p>
+        </p:txBody>
+      </p:sp>
+      <p:sp>
+        <p:nvSpPr>
+          <p:cNvPr id="6" name="Espace réservé du numéro de diapositive 5">
+            <a:extLst>
+              <a:ext uri="{FF2B5EF4-FFF2-40B4-BE49-F238E27FC236}">
+                <a16:creationId xmlns:a16="http://schemas.microsoft.com/office/drawing/2014/main" id="{5AD3227D-8088-41CD-8BB1-C5A9485DBCA8}"/>
+              </a:ext>
+            </a:extLst>
+          </p:cNvPr>
+          <p:cNvSpPr>
+            <a:spLocks noGrp="1"/>
+          </p:cNvSpPr>
+          <p:nvPr>
+            <p:ph type="sldNum" sz="quarter" idx="12"/>
+          </p:nvPr>
+        </p:nvSpPr>
+        <p:spPr/>
+        <p:txBody>
+          <a:bodyPr/>
+          <a:lstStyle/>
+          <a:p>
+            <a:fld id="{9325FB86-ECE3-40B9-B8CA-81B3DEC214F6}" type="slidenum">
+              <a:rPr lang="fr-CH" smtClean="0"/>
+              <a:t>‹N°›</a:t>
+            </a:fld>
+            <a:endParaRPr lang="fr-CH"/>
+          </a:p>
+        </p:txBody>
+      </p:sp>
+    </p:spTree>
+    <p:extLst>
+      <p:ext uri="{BB962C8B-B14F-4D97-AF65-F5344CB8AC3E}">
+        <p14:creationId xmlns:p14="http://schemas.microsoft.com/office/powerpoint/2010/main" val="905324329"/>
+      </p:ext>
+    </p:extLst>
+  </p:cSld>
+  <p:clrMapOvr>
+    <a:masterClrMapping/>
+  </p:clrMapOvr>
+</p:sldLayout>
+</file>
+
+<file path=ppt/slideLayouts/slideLayout20.xml><?xml version="1.0" encoding="utf-8"?>
 <p:sldLayout xmlns:a="http://schemas.openxmlformats.org/drawingml/2006/main" xmlns:r="http://schemas.openxmlformats.org/officeDocument/2006/relationships" xmlns:p="http://schemas.openxmlformats.org/presentationml/2006/main" preserve="1" userDrawn="1">
   <p:cSld name="Title + Section 1">
     <p:bg>
@@ -4482,207 +5038,7 @@
 </p:sldLayout>
 </file>
 
-<file path=ppt/slideLayouts/slideLayout2.xml><?xml version="1.0" encoding="utf-8"?>
-<p:sldLayout xmlns:a="http://schemas.openxmlformats.org/drawingml/2006/main" xmlns:r="http://schemas.openxmlformats.org/officeDocument/2006/relationships" xmlns:p="http://schemas.openxmlformats.org/presentationml/2006/main" type="obj" preserve="1">
-  <p:cSld name="Titre et contenu">
-    <p:spTree>
-      <p:nvGrpSpPr>
-        <p:cNvPr id="1" name=""/>
-        <p:cNvGrpSpPr/>
-        <p:nvPr/>
-      </p:nvGrpSpPr>
-      <p:grpSpPr>
-        <a:xfrm>
-          <a:off x="0" y="0"/>
-          <a:ext cx="0" cy="0"/>
-          <a:chOff x="0" y="0"/>
-          <a:chExt cx="0" cy="0"/>
-        </a:xfrm>
-      </p:grpSpPr>
-      <p:sp>
-        <p:nvSpPr>
-          <p:cNvPr id="2" name="Titre 1">
-            <a:extLst>
-              <a:ext uri="{FF2B5EF4-FFF2-40B4-BE49-F238E27FC236}">
-                <a16:creationId xmlns:a16="http://schemas.microsoft.com/office/drawing/2014/main" id="{848AE1DD-0584-4650-9382-710B029837DF}"/>
-              </a:ext>
-            </a:extLst>
-          </p:cNvPr>
-          <p:cNvSpPr>
-            <a:spLocks noGrp="1"/>
-          </p:cNvSpPr>
-          <p:nvPr>
-            <p:ph type="title"/>
-          </p:nvPr>
-        </p:nvSpPr>
-        <p:spPr/>
-        <p:txBody>
-          <a:bodyPr/>
-          <a:lstStyle/>
-          <a:p>
-            <a:r>
-              <a:rPr lang="fr-FR"/>
-              <a:t>Modifiez le style du titre</a:t>
-            </a:r>
-            <a:endParaRPr lang="fr-CH"/>
-          </a:p>
-        </p:txBody>
-      </p:sp>
-      <p:sp>
-        <p:nvSpPr>
-          <p:cNvPr id="3" name="Espace réservé du contenu 2">
-            <a:extLst>
-              <a:ext uri="{FF2B5EF4-FFF2-40B4-BE49-F238E27FC236}">
-                <a16:creationId xmlns:a16="http://schemas.microsoft.com/office/drawing/2014/main" id="{27BAA40E-C604-4FAA-AE2F-4C7EEBBF35BA}"/>
-              </a:ext>
-            </a:extLst>
-          </p:cNvPr>
-          <p:cNvSpPr>
-            <a:spLocks noGrp="1"/>
-          </p:cNvSpPr>
-          <p:nvPr>
-            <p:ph idx="1"/>
-          </p:nvPr>
-        </p:nvSpPr>
-        <p:spPr/>
-        <p:txBody>
-          <a:bodyPr/>
-          <a:lstStyle/>
-          <a:p>
-            <a:pPr lvl="0"/>
-            <a:r>
-              <a:rPr lang="fr-FR"/>
-              <a:t>Modifier les styles du texte du masque</a:t>
-            </a:r>
-          </a:p>
-          <a:p>
-            <a:pPr lvl="1"/>
-            <a:r>
-              <a:rPr lang="fr-FR"/>
-              <a:t>Deuxième niveau</a:t>
-            </a:r>
-          </a:p>
-          <a:p>
-            <a:pPr lvl="2"/>
-            <a:r>
-              <a:rPr lang="fr-FR"/>
-              <a:t>Troisième niveau</a:t>
-            </a:r>
-          </a:p>
-          <a:p>
-            <a:pPr lvl="3"/>
-            <a:r>
-              <a:rPr lang="fr-FR"/>
-              <a:t>Quatrième niveau</a:t>
-            </a:r>
-          </a:p>
-          <a:p>
-            <a:pPr lvl="4"/>
-            <a:r>
-              <a:rPr lang="fr-FR"/>
-              <a:t>Cinquième niveau</a:t>
-            </a:r>
-            <a:endParaRPr lang="fr-CH"/>
-          </a:p>
-        </p:txBody>
-      </p:sp>
-      <p:sp>
-        <p:nvSpPr>
-          <p:cNvPr id="4" name="Espace réservé de la date 3">
-            <a:extLst>
-              <a:ext uri="{FF2B5EF4-FFF2-40B4-BE49-F238E27FC236}">
-                <a16:creationId xmlns:a16="http://schemas.microsoft.com/office/drawing/2014/main" id="{CFC5014A-8D00-427B-B7C0-03413D2914EF}"/>
-              </a:ext>
-            </a:extLst>
-          </p:cNvPr>
-          <p:cNvSpPr>
-            <a:spLocks noGrp="1"/>
-          </p:cNvSpPr>
-          <p:nvPr>
-            <p:ph type="dt" sz="half" idx="10"/>
-          </p:nvPr>
-        </p:nvSpPr>
-        <p:spPr/>
-        <p:txBody>
-          <a:bodyPr/>
-          <a:lstStyle/>
-          <a:p>
-            <a:fld id="{7DAECAA3-EED9-4F83-9C39-4E8F2572032F}" type="datetimeFigureOut">
-              <a:rPr lang="fr-CH" smtClean="0"/>
-              <a:t>15.06.2018</a:t>
-            </a:fld>
-            <a:endParaRPr lang="fr-CH"/>
-          </a:p>
-        </p:txBody>
-      </p:sp>
-      <p:sp>
-        <p:nvSpPr>
-          <p:cNvPr id="5" name="Espace réservé du pied de page 4">
-            <a:extLst>
-              <a:ext uri="{FF2B5EF4-FFF2-40B4-BE49-F238E27FC236}">
-                <a16:creationId xmlns:a16="http://schemas.microsoft.com/office/drawing/2014/main" id="{2428FFA8-0E85-4792-B20A-3F9C5818FFAF}"/>
-              </a:ext>
-            </a:extLst>
-          </p:cNvPr>
-          <p:cNvSpPr>
-            <a:spLocks noGrp="1"/>
-          </p:cNvSpPr>
-          <p:nvPr>
-            <p:ph type="ftr" sz="quarter" idx="11"/>
-          </p:nvPr>
-        </p:nvSpPr>
-        <p:spPr/>
-        <p:txBody>
-          <a:bodyPr/>
-          <a:lstStyle/>
-          <a:p>
-            <a:endParaRPr lang="fr-CH"/>
-          </a:p>
-        </p:txBody>
-      </p:sp>
-      <p:sp>
-        <p:nvSpPr>
-          <p:cNvPr id="6" name="Espace réservé du numéro de diapositive 5">
-            <a:extLst>
-              <a:ext uri="{FF2B5EF4-FFF2-40B4-BE49-F238E27FC236}">
-                <a16:creationId xmlns:a16="http://schemas.microsoft.com/office/drawing/2014/main" id="{5AD3227D-8088-41CD-8BB1-C5A9485DBCA8}"/>
-              </a:ext>
-            </a:extLst>
-          </p:cNvPr>
-          <p:cNvSpPr>
-            <a:spLocks noGrp="1"/>
-          </p:cNvSpPr>
-          <p:nvPr>
-            <p:ph type="sldNum" sz="quarter" idx="12"/>
-          </p:nvPr>
-        </p:nvSpPr>
-        <p:spPr/>
-        <p:txBody>
-          <a:bodyPr/>
-          <a:lstStyle/>
-          <a:p>
-            <a:fld id="{9325FB86-ECE3-40B9-B8CA-81B3DEC214F6}" type="slidenum">
-              <a:rPr lang="fr-CH" smtClean="0"/>
-              <a:t>‹N°›</a:t>
-            </a:fld>
-            <a:endParaRPr lang="fr-CH"/>
-          </a:p>
-        </p:txBody>
-      </p:sp>
-    </p:spTree>
-    <p:extLst>
-      <p:ext uri="{BB962C8B-B14F-4D97-AF65-F5344CB8AC3E}">
-        <p14:creationId xmlns:p14="http://schemas.microsoft.com/office/powerpoint/2010/main" val="905324329"/>
-      </p:ext>
-    </p:extLst>
-  </p:cSld>
-  <p:clrMapOvr>
-    <a:masterClrMapping/>
-  </p:clrMapOvr>
-</p:sldLayout>
-</file>
-
-<file path=ppt/slideLayouts/slideLayout20.xml><?xml version="1.0" encoding="utf-8"?>
+<file path=ppt/slideLayouts/slideLayout21.xml><?xml version="1.0" encoding="utf-8"?>
 <p:sldLayout xmlns:a="http://schemas.openxmlformats.org/drawingml/2006/main" xmlns:r="http://schemas.openxmlformats.org/officeDocument/2006/relationships" xmlns:p="http://schemas.openxmlformats.org/presentationml/2006/main" preserve="1" userDrawn="1">
   <p:cSld name="Title + Section 2">
     <p:bg>
@@ -4988,7 +5344,7 @@
 </p:sldLayout>
 </file>
 
-<file path=ppt/slideLayouts/slideLayout21.xml><?xml version="1.0" encoding="utf-8"?>
+<file path=ppt/slideLayouts/slideLayout22.xml><?xml version="1.0" encoding="utf-8"?>
 <p:sldLayout xmlns:a="http://schemas.openxmlformats.org/drawingml/2006/main" xmlns:r="http://schemas.openxmlformats.org/officeDocument/2006/relationships" xmlns:p="http://schemas.openxmlformats.org/presentationml/2006/main" preserve="1" userDrawn="1">
   <p:cSld name="Title + Section 3">
     <p:bg>
@@ -5278,7 +5634,7 @@
 </p:sldLayout>
 </file>
 
-<file path=ppt/slideLayouts/slideLayout22.xml><?xml version="1.0" encoding="utf-8"?>
+<file path=ppt/slideLayouts/slideLayout23.xml><?xml version="1.0" encoding="utf-8"?>
 <p:sldLayout xmlns:a="http://schemas.openxmlformats.org/drawingml/2006/main" xmlns:r="http://schemas.openxmlformats.org/officeDocument/2006/relationships" xmlns:p="http://schemas.openxmlformats.org/presentationml/2006/main" preserve="1" userDrawn="1">
   <p:cSld name="Title + Section 4">
     <p:bg>
@@ -5614,7 +5970,7 @@
 </p:sldLayout>
 </file>
 
-<file path=ppt/slideLayouts/slideLayout23.xml><?xml version="1.0" encoding="utf-8"?>
+<file path=ppt/slideLayouts/slideLayout24.xml><?xml version="1.0" encoding="utf-8"?>
 <p:sldLayout xmlns:a="http://schemas.openxmlformats.org/drawingml/2006/main" xmlns:r="http://schemas.openxmlformats.org/officeDocument/2006/relationships" xmlns:p="http://schemas.openxmlformats.org/presentationml/2006/main" userDrawn="1">
   <p:cSld name="Blank with Slide Nr.">
     <p:bg>
@@ -5689,7 +6045,7 @@
 </p:sldLayout>
 </file>
 
-<file path=ppt/slideLayouts/slideLayout24.xml><?xml version="1.0" encoding="utf-8"?>
+<file path=ppt/slideLayouts/slideLayout25.xml><?xml version="1.0" encoding="utf-8"?>
 <p:sldLayout xmlns:a="http://schemas.openxmlformats.org/drawingml/2006/main" xmlns:r="http://schemas.openxmlformats.org/officeDocument/2006/relationships" xmlns:p="http://schemas.openxmlformats.org/presentationml/2006/main" userDrawn="1">
   <p:cSld name="Blank">
     <p:bg>
@@ -5764,7 +6120,7 @@
 </p:sldLayout>
 </file>
 
-<file path=ppt/slideLayouts/slideLayout25.xml><?xml version="1.0" encoding="utf-8"?>
+<file path=ppt/slideLayouts/slideLayout26.xml><?xml version="1.0" encoding="utf-8"?>
 <p:sldLayout xmlns:a="http://schemas.openxmlformats.org/drawingml/2006/main" xmlns:r="http://schemas.openxmlformats.org/officeDocument/2006/relationships" xmlns:p="http://schemas.openxmlformats.org/presentationml/2006/main" preserve="1" userDrawn="1">
   <p:cSld name="Title + Subtitle (Left)">
     <p:bg>
@@ -5938,7 +6294,7 @@
 </p:sldLayout>
 </file>
 
-<file path=ppt/slideLayouts/slideLayout26.xml><?xml version="1.0" encoding="utf-8"?>
+<file path=ppt/slideLayouts/slideLayout27.xml><?xml version="1.0" encoding="utf-8"?>
 <p:sldLayout xmlns:a="http://schemas.openxmlformats.org/drawingml/2006/main" xmlns:r="http://schemas.openxmlformats.org/officeDocument/2006/relationships" xmlns:p="http://schemas.openxmlformats.org/presentationml/2006/main" preserve="1" userDrawn="1">
   <p:cSld name="Title + Subtitle (Centered)">
     <p:bg>
@@ -6113,7 +6469,7 @@
 </p:sldLayout>
 </file>
 
-<file path=ppt/slideLayouts/slideLayout27.xml><?xml version="1.0" encoding="utf-8"?>
+<file path=ppt/slideLayouts/slideLayout28.xml><?xml version="1.0" encoding="utf-8"?>
 <p:sldLayout xmlns:a="http://schemas.openxmlformats.org/drawingml/2006/main" xmlns:r="http://schemas.openxmlformats.org/officeDocument/2006/relationships" xmlns:p="http://schemas.openxmlformats.org/presentationml/2006/main" userDrawn="1">
   <p:cSld name="Blank">
     <p:bg>
@@ -6188,7 +6544,7 @@
 </p:sldLayout>
 </file>
 
-<file path=ppt/slideLayouts/slideLayout28.xml><?xml version="1.0" encoding="utf-8"?>
+<file path=ppt/slideLayouts/slideLayout29.xml><?xml version="1.0" encoding="utf-8"?>
 <p:sldLayout xmlns:a="http://schemas.openxmlformats.org/drawingml/2006/main" xmlns:r="http://schemas.openxmlformats.org/officeDocument/2006/relationships" xmlns:p="http://schemas.openxmlformats.org/presentationml/2006/main" preserve="1" userDrawn="1">
   <p:cSld name="Title + Subtitle">
     <p:bg>
@@ -6350,361 +6706,6 @@
     <p:extLst>
       <p:ext uri="{BB962C8B-B14F-4D97-AF65-F5344CB8AC3E}">
         <p14:creationId xmlns:p14="http://schemas.microsoft.com/office/powerpoint/2010/main" val="48285337"/>
-      </p:ext>
-    </p:extLst>
-  </p:cSld>
-  <p:clrMapOvr>
-    <a:overrideClrMapping bg1="lt1" tx1="dk1" bg2="lt2" tx2="dk2" accent1="accent1" accent2="accent2" accent3="accent3" accent4="accent4" accent5="accent5" accent6="accent6" hlink="hlink" folHlink="folHlink"/>
-  </p:clrMapOvr>
-</p:sldLayout>
-</file>
-
-<file path=ppt/slideLayouts/slideLayout29.xml><?xml version="1.0" encoding="utf-8"?>
-<p:sldLayout xmlns:a="http://schemas.openxmlformats.org/drawingml/2006/main" xmlns:r="http://schemas.openxmlformats.org/officeDocument/2006/relationships" xmlns:p="http://schemas.openxmlformats.org/presentationml/2006/main" preserve="1" userDrawn="1">
-  <p:cSld name="Title + Section 1">
-    <p:bg>
-      <p:bgRef idx="1001">
-        <a:schemeClr val="bg1"/>
-      </p:bgRef>
-    </p:bg>
-    <p:spTree>
-      <p:nvGrpSpPr>
-        <p:cNvPr id="1" name=""/>
-        <p:cNvGrpSpPr/>
-        <p:nvPr/>
-      </p:nvGrpSpPr>
-      <p:grpSpPr>
-        <a:xfrm>
-          <a:off x="0" y="0"/>
-          <a:ext cx="0" cy="0"/>
-          <a:chOff x="0" y="0"/>
-          <a:chExt cx="0" cy="0"/>
-        </a:xfrm>
-      </p:grpSpPr>
-      <p:sp>
-        <p:nvSpPr>
-          <p:cNvPr id="8" name="Title 1"/>
-          <p:cNvSpPr>
-            <a:spLocks noGrp="1"/>
-          </p:cNvSpPr>
-          <p:nvPr>
-            <p:ph type="title"/>
-          </p:nvPr>
-        </p:nvSpPr>
-        <p:spPr>
-          <a:xfrm>
-            <a:off x="526941" y="573317"/>
-            <a:ext cx="11230421" cy="431020"/>
-          </a:xfrm>
-          <a:prstGeom prst="rect">
-            <a:avLst/>
-          </a:prstGeom>
-        </p:spPr>
-        <p:txBody>
-          <a:bodyPr/>
-          <a:lstStyle>
-            <a:lvl1pPr algn="l">
-              <a:defRPr sz="2400" b="0" i="0">
-                <a:solidFill>
-                  <a:schemeClr val="bg1"/>
-                </a:solidFill>
-                <a:latin typeface="Roboto Medium" charset="0"/>
-                <a:ea typeface="Roboto Medium" charset="0"/>
-                <a:cs typeface="Roboto Medium" charset="0"/>
-              </a:defRPr>
-            </a:lvl1pPr>
-          </a:lstStyle>
-          <a:p>
-            <a:r>
-              <a:rPr lang="en-US" dirty="0"/>
-              <a:t>Click to edit Master title style</a:t>
-            </a:r>
-          </a:p>
-        </p:txBody>
-      </p:sp>
-      <p:sp>
-        <p:nvSpPr>
-          <p:cNvPr id="2" name="TextBox 1"/>
-          <p:cNvSpPr txBox="1"/>
-          <p:nvPr userDrawn="1"/>
-        </p:nvSpPr>
-        <p:spPr>
-          <a:xfrm>
-            <a:off x="526941" y="1232607"/>
-            <a:ext cx="1843280" cy="246221"/>
-          </a:xfrm>
-          <a:prstGeom prst="rect">
-            <a:avLst/>
-          </a:prstGeom>
-          <a:noFill/>
-        </p:spPr>
-        <p:txBody>
-          <a:bodyPr wrap="square" rtlCol="0">
-            <a:spAutoFit/>
-          </a:bodyPr>
-          <a:lstStyle/>
-          <a:p>
-            <a:pPr algn="ctr"/>
-            <a:r>
-              <a:rPr lang="en-US" sz="1000" spc="160" dirty="0">
-                <a:solidFill>
-                  <a:schemeClr val="bg1"/>
-                </a:solidFill>
-                <a:latin typeface="Noto Sans" charset="0"/>
-                <a:ea typeface="Noto Sans" charset="0"/>
-                <a:cs typeface="Noto Sans" charset="0"/>
-              </a:rPr>
-              <a:t>OUR</a:t>
-            </a:r>
-            <a:r>
-              <a:rPr lang="en-US" sz="1000" spc="160" baseline="0" dirty="0">
-                <a:solidFill>
-                  <a:schemeClr val="bg1"/>
-                </a:solidFill>
-                <a:latin typeface="Noto Sans" charset="0"/>
-                <a:ea typeface="Noto Sans" charset="0"/>
-                <a:cs typeface="Noto Sans" charset="0"/>
-              </a:rPr>
-              <a:t> COMPANY</a:t>
-            </a:r>
-            <a:endParaRPr lang="en-US" sz="1000" spc="160" dirty="0">
-              <a:solidFill>
-                <a:schemeClr val="bg1"/>
-              </a:solidFill>
-              <a:latin typeface="Noto Sans" charset="0"/>
-              <a:ea typeface="Noto Sans" charset="0"/>
-              <a:cs typeface="Noto Sans" charset="0"/>
-            </a:endParaRPr>
-          </a:p>
-        </p:txBody>
-      </p:sp>
-      <p:cxnSp>
-        <p:nvCxnSpPr>
-          <p:cNvPr id="6" name="Straight Connector 5"/>
-          <p:cNvCxnSpPr/>
-          <p:nvPr userDrawn="1"/>
-        </p:nvCxnSpPr>
-        <p:spPr>
-          <a:xfrm>
-            <a:off x="526941" y="1602414"/>
-            <a:ext cx="1843280" cy="0"/>
-          </a:xfrm>
-          <a:prstGeom prst="line">
-            <a:avLst/>
-          </a:prstGeom>
-          <a:ln w="57150">
-            <a:solidFill>
-              <a:schemeClr val="accent6"/>
-            </a:solidFill>
-          </a:ln>
-        </p:spPr>
-        <p:style>
-          <a:lnRef idx="1">
-            <a:schemeClr val="accent1"/>
-          </a:lnRef>
-          <a:fillRef idx="0">
-            <a:schemeClr val="accent1"/>
-          </a:fillRef>
-          <a:effectRef idx="0">
-            <a:schemeClr val="accent1"/>
-          </a:effectRef>
-          <a:fontRef idx="minor">
-            <a:schemeClr val="tx1"/>
-          </a:fontRef>
-        </p:style>
-      </p:cxnSp>
-      <p:sp>
-        <p:nvSpPr>
-          <p:cNvPr id="12" name="TextBox 11"/>
-          <p:cNvSpPr txBox="1"/>
-          <p:nvPr userDrawn="1"/>
-        </p:nvSpPr>
-        <p:spPr>
-          <a:xfrm>
-            <a:off x="2604393" y="1232607"/>
-            <a:ext cx="1843280" cy="246221"/>
-          </a:xfrm>
-          <a:prstGeom prst="rect">
-            <a:avLst/>
-          </a:prstGeom>
-          <a:noFill/>
-        </p:spPr>
-        <p:txBody>
-          <a:bodyPr wrap="square" rtlCol="0">
-            <a:spAutoFit/>
-          </a:bodyPr>
-          <a:lstStyle/>
-          <a:p>
-            <a:pPr algn="ctr"/>
-            <a:r>
-              <a:rPr lang="en-US" sz="1000" spc="160" dirty="0">
-                <a:solidFill>
-                  <a:schemeClr val="accent3">
-                    <a:lumMod val="60000"/>
-                    <a:lumOff val="40000"/>
-                  </a:schemeClr>
-                </a:solidFill>
-                <a:latin typeface="Noto Sans" charset="0"/>
-                <a:ea typeface="Noto Sans" charset="0"/>
-                <a:cs typeface="Noto Sans" charset="0"/>
-              </a:rPr>
-              <a:t>ABOUT</a:t>
-            </a:r>
-            <a:r>
-              <a:rPr lang="en-US" sz="1000" spc="160" baseline="0" dirty="0">
-                <a:solidFill>
-                  <a:schemeClr val="accent3">
-                    <a:lumMod val="60000"/>
-                    <a:lumOff val="40000"/>
-                  </a:schemeClr>
-                </a:solidFill>
-                <a:latin typeface="Noto Sans" charset="0"/>
-                <a:ea typeface="Noto Sans" charset="0"/>
-                <a:cs typeface="Noto Sans" charset="0"/>
-              </a:rPr>
-              <a:t> US</a:t>
-            </a:r>
-            <a:endParaRPr lang="en-US" sz="1000" spc="160" dirty="0">
-              <a:solidFill>
-                <a:schemeClr val="accent3">
-                  <a:lumMod val="60000"/>
-                  <a:lumOff val="40000"/>
-                </a:schemeClr>
-              </a:solidFill>
-              <a:latin typeface="Noto Sans" charset="0"/>
-              <a:ea typeface="Noto Sans" charset="0"/>
-              <a:cs typeface="Noto Sans" charset="0"/>
-            </a:endParaRPr>
-          </a:p>
-        </p:txBody>
-      </p:sp>
-      <p:sp>
-        <p:nvSpPr>
-          <p:cNvPr id="13" name="TextBox 12"/>
-          <p:cNvSpPr txBox="1"/>
-          <p:nvPr userDrawn="1"/>
-        </p:nvSpPr>
-        <p:spPr>
-          <a:xfrm>
-            <a:off x="4583588" y="1232607"/>
-            <a:ext cx="1843280" cy="246221"/>
-          </a:xfrm>
-          <a:prstGeom prst="rect">
-            <a:avLst/>
-          </a:prstGeom>
-          <a:noFill/>
-        </p:spPr>
-        <p:txBody>
-          <a:bodyPr wrap="square" rtlCol="0">
-            <a:spAutoFit/>
-          </a:bodyPr>
-          <a:lstStyle/>
-          <a:p>
-            <a:pPr algn="ctr"/>
-            <a:r>
-              <a:rPr lang="en-US" sz="1000" spc="160" dirty="0">
-                <a:solidFill>
-                  <a:schemeClr val="accent3">
-                    <a:lumMod val="60000"/>
-                    <a:lumOff val="40000"/>
-                  </a:schemeClr>
-                </a:solidFill>
-                <a:latin typeface="Noto Sans" charset="0"/>
-                <a:ea typeface="Noto Sans" charset="0"/>
-                <a:cs typeface="Noto Sans" charset="0"/>
-              </a:rPr>
-              <a:t>INFOGRAPHICS</a:t>
-            </a:r>
-          </a:p>
-        </p:txBody>
-      </p:sp>
-      <p:sp>
-        <p:nvSpPr>
-          <p:cNvPr id="14" name="TextBox 13"/>
-          <p:cNvSpPr txBox="1"/>
-          <p:nvPr userDrawn="1"/>
-        </p:nvSpPr>
-        <p:spPr>
-          <a:xfrm>
-            <a:off x="6562782" y="1232607"/>
-            <a:ext cx="1843280" cy="246221"/>
-          </a:xfrm>
-          <a:prstGeom prst="rect">
-            <a:avLst/>
-          </a:prstGeom>
-          <a:noFill/>
-        </p:spPr>
-        <p:txBody>
-          <a:bodyPr wrap="square" rtlCol="0">
-            <a:spAutoFit/>
-          </a:bodyPr>
-          <a:lstStyle/>
-          <a:p>
-            <a:pPr algn="ctr"/>
-            <a:r>
-              <a:rPr lang="en-US" sz="1000" spc="160" dirty="0">
-                <a:solidFill>
-                  <a:schemeClr val="accent3">
-                    <a:lumMod val="60000"/>
-                    <a:lumOff val="40000"/>
-                  </a:schemeClr>
-                </a:solidFill>
-                <a:latin typeface="Noto Sans" charset="0"/>
-                <a:ea typeface="Noto Sans" charset="0"/>
-                <a:cs typeface="Noto Sans" charset="0"/>
-              </a:rPr>
-              <a:t>CONTACT</a:t>
-            </a:r>
-          </a:p>
-        </p:txBody>
-      </p:sp>
-      <p:sp>
-        <p:nvSpPr>
-          <p:cNvPr id="10" name="Slide Number Placeholder 5"/>
-          <p:cNvSpPr>
-            <a:spLocks noGrp="1"/>
-          </p:cNvSpPr>
-          <p:nvPr>
-            <p:ph type="sldNum" sz="quarter" idx="4"/>
-          </p:nvPr>
-        </p:nvSpPr>
-        <p:spPr>
-          <a:xfrm>
-            <a:off x="10919018" y="1346518"/>
-            <a:ext cx="725296" cy="365125"/>
-          </a:xfrm>
-          <a:prstGeom prst="rect">
-            <a:avLst/>
-          </a:prstGeom>
-        </p:spPr>
-        <p:txBody>
-          <a:bodyPr anchor="ctr"/>
-          <a:lstStyle>
-            <a:lvl1pPr algn="ctr">
-              <a:defRPr sz="1600" b="0" i="0">
-                <a:solidFill>
-                  <a:schemeClr val="bg1"/>
-                </a:solidFill>
-                <a:latin typeface="Roboto Light" charset="0"/>
-                <a:ea typeface="Roboto Light" charset="0"/>
-                <a:cs typeface="Roboto Light" charset="0"/>
-              </a:defRPr>
-            </a:lvl1pPr>
-          </a:lstStyle>
-          <a:p>
-            <a:fld id="{936C95AE-7298-45E1-9514-94AFF5BED89B}" type="slidenum">
-              <a:rPr lang="en-US" smtClean="0"/>
-              <a:pPr/>
-              <a:t>‹N°›</a:t>
-            </a:fld>
-            <a:endParaRPr lang="en-US" dirty="0"/>
-          </a:p>
-        </p:txBody>
-      </p:sp>
-    </p:spTree>
-    <p:extLst>
-      <p:ext uri="{BB962C8B-B14F-4D97-AF65-F5344CB8AC3E}">
-        <p14:creationId xmlns:p14="http://schemas.microsoft.com/office/powerpoint/2010/main" val="965528816"/>
       </p:ext>
     </p:extLst>
   </p:cSld>
@@ -6992,6 +6993,361 @@
 
 <file path=ppt/slideLayouts/slideLayout30.xml><?xml version="1.0" encoding="utf-8"?>
 <p:sldLayout xmlns:a="http://schemas.openxmlformats.org/drawingml/2006/main" xmlns:r="http://schemas.openxmlformats.org/officeDocument/2006/relationships" xmlns:p="http://schemas.openxmlformats.org/presentationml/2006/main" preserve="1" userDrawn="1">
+  <p:cSld name="Title + Section 1">
+    <p:bg>
+      <p:bgRef idx="1001">
+        <a:schemeClr val="bg1"/>
+      </p:bgRef>
+    </p:bg>
+    <p:spTree>
+      <p:nvGrpSpPr>
+        <p:cNvPr id="1" name=""/>
+        <p:cNvGrpSpPr/>
+        <p:nvPr/>
+      </p:nvGrpSpPr>
+      <p:grpSpPr>
+        <a:xfrm>
+          <a:off x="0" y="0"/>
+          <a:ext cx="0" cy="0"/>
+          <a:chOff x="0" y="0"/>
+          <a:chExt cx="0" cy="0"/>
+        </a:xfrm>
+      </p:grpSpPr>
+      <p:sp>
+        <p:nvSpPr>
+          <p:cNvPr id="8" name="Title 1"/>
+          <p:cNvSpPr>
+            <a:spLocks noGrp="1"/>
+          </p:cNvSpPr>
+          <p:nvPr>
+            <p:ph type="title"/>
+          </p:nvPr>
+        </p:nvSpPr>
+        <p:spPr>
+          <a:xfrm>
+            <a:off x="526941" y="573317"/>
+            <a:ext cx="11230421" cy="431020"/>
+          </a:xfrm>
+          <a:prstGeom prst="rect">
+            <a:avLst/>
+          </a:prstGeom>
+        </p:spPr>
+        <p:txBody>
+          <a:bodyPr/>
+          <a:lstStyle>
+            <a:lvl1pPr algn="l">
+              <a:defRPr sz="2400" b="0" i="0">
+                <a:solidFill>
+                  <a:schemeClr val="bg1"/>
+                </a:solidFill>
+                <a:latin typeface="Roboto Medium" charset="0"/>
+                <a:ea typeface="Roboto Medium" charset="0"/>
+                <a:cs typeface="Roboto Medium" charset="0"/>
+              </a:defRPr>
+            </a:lvl1pPr>
+          </a:lstStyle>
+          <a:p>
+            <a:r>
+              <a:rPr lang="en-US" dirty="0"/>
+              <a:t>Click to edit Master title style</a:t>
+            </a:r>
+          </a:p>
+        </p:txBody>
+      </p:sp>
+      <p:sp>
+        <p:nvSpPr>
+          <p:cNvPr id="2" name="TextBox 1"/>
+          <p:cNvSpPr txBox="1"/>
+          <p:nvPr userDrawn="1"/>
+        </p:nvSpPr>
+        <p:spPr>
+          <a:xfrm>
+            <a:off x="526941" y="1232607"/>
+            <a:ext cx="1843280" cy="246221"/>
+          </a:xfrm>
+          <a:prstGeom prst="rect">
+            <a:avLst/>
+          </a:prstGeom>
+          <a:noFill/>
+        </p:spPr>
+        <p:txBody>
+          <a:bodyPr wrap="square" rtlCol="0">
+            <a:spAutoFit/>
+          </a:bodyPr>
+          <a:lstStyle/>
+          <a:p>
+            <a:pPr algn="ctr"/>
+            <a:r>
+              <a:rPr lang="en-US" sz="1000" spc="160" dirty="0">
+                <a:solidFill>
+                  <a:schemeClr val="bg1"/>
+                </a:solidFill>
+                <a:latin typeface="Noto Sans" charset="0"/>
+                <a:ea typeface="Noto Sans" charset="0"/>
+                <a:cs typeface="Noto Sans" charset="0"/>
+              </a:rPr>
+              <a:t>OUR</a:t>
+            </a:r>
+            <a:r>
+              <a:rPr lang="en-US" sz="1000" spc="160" baseline="0" dirty="0">
+                <a:solidFill>
+                  <a:schemeClr val="bg1"/>
+                </a:solidFill>
+                <a:latin typeface="Noto Sans" charset="0"/>
+                <a:ea typeface="Noto Sans" charset="0"/>
+                <a:cs typeface="Noto Sans" charset="0"/>
+              </a:rPr>
+              <a:t> COMPANY</a:t>
+            </a:r>
+            <a:endParaRPr lang="en-US" sz="1000" spc="160" dirty="0">
+              <a:solidFill>
+                <a:schemeClr val="bg1"/>
+              </a:solidFill>
+              <a:latin typeface="Noto Sans" charset="0"/>
+              <a:ea typeface="Noto Sans" charset="0"/>
+              <a:cs typeface="Noto Sans" charset="0"/>
+            </a:endParaRPr>
+          </a:p>
+        </p:txBody>
+      </p:sp>
+      <p:cxnSp>
+        <p:nvCxnSpPr>
+          <p:cNvPr id="6" name="Straight Connector 5"/>
+          <p:cNvCxnSpPr/>
+          <p:nvPr userDrawn="1"/>
+        </p:nvCxnSpPr>
+        <p:spPr>
+          <a:xfrm>
+            <a:off x="526941" y="1602414"/>
+            <a:ext cx="1843280" cy="0"/>
+          </a:xfrm>
+          <a:prstGeom prst="line">
+            <a:avLst/>
+          </a:prstGeom>
+          <a:ln w="57150">
+            <a:solidFill>
+              <a:schemeClr val="accent6"/>
+            </a:solidFill>
+          </a:ln>
+        </p:spPr>
+        <p:style>
+          <a:lnRef idx="1">
+            <a:schemeClr val="accent1"/>
+          </a:lnRef>
+          <a:fillRef idx="0">
+            <a:schemeClr val="accent1"/>
+          </a:fillRef>
+          <a:effectRef idx="0">
+            <a:schemeClr val="accent1"/>
+          </a:effectRef>
+          <a:fontRef idx="minor">
+            <a:schemeClr val="tx1"/>
+          </a:fontRef>
+        </p:style>
+      </p:cxnSp>
+      <p:sp>
+        <p:nvSpPr>
+          <p:cNvPr id="12" name="TextBox 11"/>
+          <p:cNvSpPr txBox="1"/>
+          <p:nvPr userDrawn="1"/>
+        </p:nvSpPr>
+        <p:spPr>
+          <a:xfrm>
+            <a:off x="2604393" y="1232607"/>
+            <a:ext cx="1843280" cy="246221"/>
+          </a:xfrm>
+          <a:prstGeom prst="rect">
+            <a:avLst/>
+          </a:prstGeom>
+          <a:noFill/>
+        </p:spPr>
+        <p:txBody>
+          <a:bodyPr wrap="square" rtlCol="0">
+            <a:spAutoFit/>
+          </a:bodyPr>
+          <a:lstStyle/>
+          <a:p>
+            <a:pPr algn="ctr"/>
+            <a:r>
+              <a:rPr lang="en-US" sz="1000" spc="160" dirty="0">
+                <a:solidFill>
+                  <a:schemeClr val="accent3">
+                    <a:lumMod val="60000"/>
+                    <a:lumOff val="40000"/>
+                  </a:schemeClr>
+                </a:solidFill>
+                <a:latin typeface="Noto Sans" charset="0"/>
+                <a:ea typeface="Noto Sans" charset="0"/>
+                <a:cs typeface="Noto Sans" charset="0"/>
+              </a:rPr>
+              <a:t>ABOUT</a:t>
+            </a:r>
+            <a:r>
+              <a:rPr lang="en-US" sz="1000" spc="160" baseline="0" dirty="0">
+                <a:solidFill>
+                  <a:schemeClr val="accent3">
+                    <a:lumMod val="60000"/>
+                    <a:lumOff val="40000"/>
+                  </a:schemeClr>
+                </a:solidFill>
+                <a:latin typeface="Noto Sans" charset="0"/>
+                <a:ea typeface="Noto Sans" charset="0"/>
+                <a:cs typeface="Noto Sans" charset="0"/>
+              </a:rPr>
+              <a:t> US</a:t>
+            </a:r>
+            <a:endParaRPr lang="en-US" sz="1000" spc="160" dirty="0">
+              <a:solidFill>
+                <a:schemeClr val="accent3">
+                  <a:lumMod val="60000"/>
+                  <a:lumOff val="40000"/>
+                </a:schemeClr>
+              </a:solidFill>
+              <a:latin typeface="Noto Sans" charset="0"/>
+              <a:ea typeface="Noto Sans" charset="0"/>
+              <a:cs typeface="Noto Sans" charset="0"/>
+            </a:endParaRPr>
+          </a:p>
+        </p:txBody>
+      </p:sp>
+      <p:sp>
+        <p:nvSpPr>
+          <p:cNvPr id="13" name="TextBox 12"/>
+          <p:cNvSpPr txBox="1"/>
+          <p:nvPr userDrawn="1"/>
+        </p:nvSpPr>
+        <p:spPr>
+          <a:xfrm>
+            <a:off x="4583588" y="1232607"/>
+            <a:ext cx="1843280" cy="246221"/>
+          </a:xfrm>
+          <a:prstGeom prst="rect">
+            <a:avLst/>
+          </a:prstGeom>
+          <a:noFill/>
+        </p:spPr>
+        <p:txBody>
+          <a:bodyPr wrap="square" rtlCol="0">
+            <a:spAutoFit/>
+          </a:bodyPr>
+          <a:lstStyle/>
+          <a:p>
+            <a:pPr algn="ctr"/>
+            <a:r>
+              <a:rPr lang="en-US" sz="1000" spc="160" dirty="0">
+                <a:solidFill>
+                  <a:schemeClr val="accent3">
+                    <a:lumMod val="60000"/>
+                    <a:lumOff val="40000"/>
+                  </a:schemeClr>
+                </a:solidFill>
+                <a:latin typeface="Noto Sans" charset="0"/>
+                <a:ea typeface="Noto Sans" charset="0"/>
+                <a:cs typeface="Noto Sans" charset="0"/>
+              </a:rPr>
+              <a:t>INFOGRAPHICS</a:t>
+            </a:r>
+          </a:p>
+        </p:txBody>
+      </p:sp>
+      <p:sp>
+        <p:nvSpPr>
+          <p:cNvPr id="14" name="TextBox 13"/>
+          <p:cNvSpPr txBox="1"/>
+          <p:nvPr userDrawn="1"/>
+        </p:nvSpPr>
+        <p:spPr>
+          <a:xfrm>
+            <a:off x="6562782" y="1232607"/>
+            <a:ext cx="1843280" cy="246221"/>
+          </a:xfrm>
+          <a:prstGeom prst="rect">
+            <a:avLst/>
+          </a:prstGeom>
+          <a:noFill/>
+        </p:spPr>
+        <p:txBody>
+          <a:bodyPr wrap="square" rtlCol="0">
+            <a:spAutoFit/>
+          </a:bodyPr>
+          <a:lstStyle/>
+          <a:p>
+            <a:pPr algn="ctr"/>
+            <a:r>
+              <a:rPr lang="en-US" sz="1000" spc="160" dirty="0">
+                <a:solidFill>
+                  <a:schemeClr val="accent3">
+                    <a:lumMod val="60000"/>
+                    <a:lumOff val="40000"/>
+                  </a:schemeClr>
+                </a:solidFill>
+                <a:latin typeface="Noto Sans" charset="0"/>
+                <a:ea typeface="Noto Sans" charset="0"/>
+                <a:cs typeface="Noto Sans" charset="0"/>
+              </a:rPr>
+              <a:t>CONTACT</a:t>
+            </a:r>
+          </a:p>
+        </p:txBody>
+      </p:sp>
+      <p:sp>
+        <p:nvSpPr>
+          <p:cNvPr id="10" name="Slide Number Placeholder 5"/>
+          <p:cNvSpPr>
+            <a:spLocks noGrp="1"/>
+          </p:cNvSpPr>
+          <p:nvPr>
+            <p:ph type="sldNum" sz="quarter" idx="4"/>
+          </p:nvPr>
+        </p:nvSpPr>
+        <p:spPr>
+          <a:xfrm>
+            <a:off x="10919018" y="1346518"/>
+            <a:ext cx="725296" cy="365125"/>
+          </a:xfrm>
+          <a:prstGeom prst="rect">
+            <a:avLst/>
+          </a:prstGeom>
+        </p:spPr>
+        <p:txBody>
+          <a:bodyPr anchor="ctr"/>
+          <a:lstStyle>
+            <a:lvl1pPr algn="ctr">
+              <a:defRPr sz="1600" b="0" i="0">
+                <a:solidFill>
+                  <a:schemeClr val="bg1"/>
+                </a:solidFill>
+                <a:latin typeface="Roboto Light" charset="0"/>
+                <a:ea typeface="Roboto Light" charset="0"/>
+                <a:cs typeface="Roboto Light" charset="0"/>
+              </a:defRPr>
+            </a:lvl1pPr>
+          </a:lstStyle>
+          <a:p>
+            <a:fld id="{936C95AE-7298-45E1-9514-94AFF5BED89B}" type="slidenum">
+              <a:rPr lang="en-US" smtClean="0"/>
+              <a:pPr/>
+              <a:t>‹N°›</a:t>
+            </a:fld>
+            <a:endParaRPr lang="en-US" dirty="0"/>
+          </a:p>
+        </p:txBody>
+      </p:sp>
+    </p:spTree>
+    <p:extLst>
+      <p:ext uri="{BB962C8B-B14F-4D97-AF65-F5344CB8AC3E}">
+        <p14:creationId xmlns:p14="http://schemas.microsoft.com/office/powerpoint/2010/main" val="965528816"/>
+      </p:ext>
+    </p:extLst>
+  </p:cSld>
+  <p:clrMapOvr>
+    <a:overrideClrMapping bg1="lt1" tx1="dk1" bg2="lt2" tx2="dk2" accent1="accent1" accent2="accent2" accent3="accent3" accent4="accent4" accent5="accent5" accent6="accent6" hlink="hlink" folHlink="folHlink"/>
+  </p:clrMapOvr>
+</p:sldLayout>
+</file>
+
+<file path=ppt/slideLayouts/slideLayout31.xml><?xml version="1.0" encoding="utf-8"?>
+<p:sldLayout xmlns:a="http://schemas.openxmlformats.org/drawingml/2006/main" xmlns:r="http://schemas.openxmlformats.org/officeDocument/2006/relationships" xmlns:p="http://schemas.openxmlformats.org/presentationml/2006/main" preserve="1" userDrawn="1">
   <p:cSld name="Title + Section 2">
     <p:bg>
       <p:bgRef idx="1001">
@@ -7336,7 +7692,7 @@
 </p:sldLayout>
 </file>
 
-<file path=ppt/slideLayouts/slideLayout31.xml><?xml version="1.0" encoding="utf-8"?>
+<file path=ppt/slideLayouts/slideLayout32.xml><?xml version="1.0" encoding="utf-8"?>
 <p:sldLayout xmlns:a="http://schemas.openxmlformats.org/drawingml/2006/main" xmlns:r="http://schemas.openxmlformats.org/officeDocument/2006/relationships" xmlns:p="http://schemas.openxmlformats.org/presentationml/2006/main" preserve="1" userDrawn="1">
   <p:cSld name="Title + Section 3">
     <p:bg>
@@ -7672,7 +8028,7 @@
 </p:sldLayout>
 </file>
 
-<file path=ppt/slideLayouts/slideLayout32.xml><?xml version="1.0" encoding="utf-8"?>
+<file path=ppt/slideLayouts/slideLayout33.xml><?xml version="1.0" encoding="utf-8"?>
 <p:sldLayout xmlns:a="http://schemas.openxmlformats.org/drawingml/2006/main" xmlns:r="http://schemas.openxmlformats.org/officeDocument/2006/relationships" xmlns:p="http://schemas.openxmlformats.org/presentationml/2006/main" preserve="1" userDrawn="1">
   <p:cSld name="Title + Section 4">
     <p:bg>
@@ -9836,6 +10192,7 @@
     <p:sldLayoutId id="2147483659" r:id="rId11"/>
     <p:sldLayoutId id="2147483663" r:id="rId12"/>
     <p:sldLayoutId id="2147483671" r:id="rId13"/>
+    <p:sldLayoutId id="2147483685" r:id="rId14"/>
   </p:sldLayoutIdLst>
   <p:txStyles>
     <p:titleStyle>
@@ -10685,8 +11042,33 @@
                 <a:ea typeface="Roboto Light" charset="0"/>
                 <a:cs typeface="Roboto Light" charset="0"/>
               </a:rPr>
-              <a:t> Helena</a:t>
-            </a:r>
+              <a:t> </a:t>
+            </a:r>
+            <a:r>
+              <a:rPr lang="en-US" sz="1200" b="0" i="0" dirty="0" err="1">
+                <a:solidFill>
+                  <a:schemeClr val="accent3">
+                    <a:lumMod val="40000"/>
+                    <a:lumOff val="60000"/>
+                  </a:schemeClr>
+                </a:solidFill>
+                <a:latin typeface="Roboto Light" charset="0"/>
+                <a:ea typeface="Roboto Light" charset="0"/>
+                <a:cs typeface="Roboto Light" charset="0"/>
+              </a:rPr>
+              <a:t>Héléna</a:t>
+            </a:r>
+            <a:endParaRPr lang="en-US" sz="1200" b="0" i="0" dirty="0">
+              <a:solidFill>
+                <a:schemeClr val="accent3">
+                  <a:lumMod val="40000"/>
+                  <a:lumOff val="60000"/>
+                </a:schemeClr>
+              </a:solidFill>
+              <a:latin typeface="Roboto Light" charset="0"/>
+              <a:ea typeface="Roboto Light" charset="0"/>
+              <a:cs typeface="Roboto Light" charset="0"/>
+            </a:endParaRPr>
           </a:p>
         </p:txBody>
       </p:sp>
@@ -15038,12 +15420,12 @@
           </a:ln>
           <a:extLst>
             <a:ext uri="{909E8E84-426E-40dd-AFC4-6F175D3DCCD1}">
-              <a14:hiddenFill xmlns:a14="http://schemas.microsoft.com/office/drawing/2010/main" xmlns="">
+              <a14:hiddenFill xmlns="" xmlns:a14="http://schemas.microsoft.com/office/drawing/2010/main">
                 <a:noFill/>
               </a14:hiddenFill>
             </a:ext>
             <a:ext uri="{91240B29-F687-4f45-9708-019B960494DF}">
-              <a14:hiddenLine xmlns:a14="http://schemas.microsoft.com/office/drawing/2010/main" xmlns="" w="9525">
+              <a14:hiddenLine xmlns="" xmlns:a14="http://schemas.microsoft.com/office/drawing/2010/main" w="9525">
                 <a:solidFill>
                   <a:srgbClr val="000000"/>
                 </a:solidFill>
@@ -15088,12 +15470,12 @@
           </a:ln>
           <a:extLst>
             <a:ext uri="{909E8E84-426E-40dd-AFC4-6F175D3DCCD1}">
-              <a14:hiddenFill xmlns:a14="http://schemas.microsoft.com/office/drawing/2010/main" xmlns="">
+              <a14:hiddenFill xmlns="" xmlns:a14="http://schemas.microsoft.com/office/drawing/2010/main">
                 <a:noFill/>
               </a14:hiddenFill>
             </a:ext>
             <a:ext uri="{91240B29-F687-4f45-9708-019B960494DF}">
-              <a14:hiddenLine xmlns:a14="http://schemas.microsoft.com/office/drawing/2010/main" xmlns="" w="9525">
+              <a14:hiddenLine xmlns="" xmlns:a14="http://schemas.microsoft.com/office/drawing/2010/main" w="9525">
                 <a:solidFill>
                   <a:srgbClr val="000000"/>
                 </a:solidFill>
@@ -20231,12 +20613,12 @@
           </a:ln>
           <a:extLst>
             <a:ext uri="{909E8E84-426E-40dd-AFC4-6F175D3DCCD1}">
-              <a14:hiddenFill xmlns:a14="http://schemas.microsoft.com/office/drawing/2010/main" xmlns="">
+              <a14:hiddenFill xmlns="" xmlns:a14="http://schemas.microsoft.com/office/drawing/2010/main">
                 <a:noFill/>
               </a14:hiddenFill>
             </a:ext>
             <a:ext uri="{91240B29-F687-4f45-9708-019B960494DF}">
-              <a14:hiddenLine xmlns:a14="http://schemas.microsoft.com/office/drawing/2010/main" xmlns="" w="9525">
+              <a14:hiddenLine xmlns="" xmlns:a14="http://schemas.microsoft.com/office/drawing/2010/main" w="9525">
                 <a:solidFill>
                   <a:srgbClr val="000000"/>
                 </a:solidFill>
@@ -20281,12 +20663,12 @@
           </a:ln>
           <a:extLst>
             <a:ext uri="{909E8E84-426E-40dd-AFC4-6F175D3DCCD1}">
-              <a14:hiddenFill xmlns:a14="http://schemas.microsoft.com/office/drawing/2010/main" xmlns="">
+              <a14:hiddenFill xmlns="" xmlns:a14="http://schemas.microsoft.com/office/drawing/2010/main">
                 <a:noFill/>
               </a14:hiddenFill>
             </a:ext>
             <a:ext uri="{91240B29-F687-4f45-9708-019B960494DF}">
-              <a14:hiddenLine xmlns:a14="http://schemas.microsoft.com/office/drawing/2010/main" xmlns="" w="9525">
+              <a14:hiddenLine xmlns="" xmlns:a14="http://schemas.microsoft.com/office/drawing/2010/main" w="9525">
                 <a:solidFill>
                   <a:srgbClr val="000000"/>
                 </a:solidFill>
@@ -20750,6 +21132,151 @@
       </p:grpSpPr>
       <p:sp>
         <p:nvSpPr>
+          <p:cNvPr id="2" name="Title 1"/>
+          <p:cNvSpPr>
+            <a:spLocks noGrp="1"/>
+          </p:cNvSpPr>
+          <p:nvPr>
+            <p:ph type="title"/>
+          </p:nvPr>
+        </p:nvSpPr>
+        <p:spPr/>
+        <p:txBody>
+          <a:bodyPr/>
+          <a:lstStyle/>
+          <a:p>
+            <a:r>
+              <a:rPr lang="en-US" dirty="0"/>
+              <a:t>Burnup du </a:t>
+            </a:r>
+            <a:r>
+              <a:rPr lang="en-US" dirty="0" err="1"/>
+              <a:t>projet</a:t>
+            </a:r>
+            <a:endParaRPr lang="en-US" dirty="0"/>
+          </a:p>
+        </p:txBody>
+      </p:sp>
+      <p:sp>
+        <p:nvSpPr>
+          <p:cNvPr id="5" name="Espace réservé du texte 4">
+            <a:extLst>
+              <a:ext uri="{FF2B5EF4-FFF2-40B4-BE49-F238E27FC236}">
+                <a16:creationId xmlns:a16="http://schemas.microsoft.com/office/drawing/2014/main" id="{50C55174-CDBD-4CA6-B6ED-31DD59F16D4F}"/>
+              </a:ext>
+            </a:extLst>
+          </p:cNvPr>
+          <p:cNvSpPr>
+            <a:spLocks noGrp="1"/>
+          </p:cNvSpPr>
+          <p:nvPr>
+            <p:ph type="body" sz="quarter" idx="13"/>
+          </p:nvPr>
+        </p:nvSpPr>
+        <p:spPr/>
+        <p:txBody>
+          <a:bodyPr/>
+          <a:lstStyle/>
+          <a:p>
+            <a:endParaRPr lang="fr-CH"/>
+          </a:p>
+        </p:txBody>
+      </p:sp>
+      <p:sp>
+        <p:nvSpPr>
+          <p:cNvPr id="3" name="Slide Number Placeholder 2"/>
+          <p:cNvSpPr>
+            <a:spLocks noGrp="1"/>
+          </p:cNvSpPr>
+          <p:nvPr>
+            <p:ph type="sldNum" sz="quarter" idx="4"/>
+          </p:nvPr>
+        </p:nvSpPr>
+        <p:spPr/>
+        <p:txBody>
+          <a:bodyPr/>
+          <a:lstStyle/>
+          <a:p>
+            <a:fld id="{D60D1EDE-7116-2443-9BDD-368CE5B37660}" type="slidenum">
+              <a:rPr lang="en-US" smtClean="0"/>
+              <a:pPr/>
+              <a:t>18</a:t>
+            </a:fld>
+            <a:endParaRPr lang="en-US" dirty="0"/>
+          </a:p>
+        </p:txBody>
+      </p:sp>
+      <p:pic>
+        <p:nvPicPr>
+          <p:cNvPr id="7" name="Image 6" descr="Une image contenant carte, texte, ciel, eau&#10;&#10;Description générée avec un niveau de confiance très élevé">
+            <a:extLst>
+              <a:ext uri="{FF2B5EF4-FFF2-40B4-BE49-F238E27FC236}">
+                <a16:creationId xmlns:a16="http://schemas.microsoft.com/office/drawing/2014/main" id="{31203BB9-9D08-4CB3-B35A-532591635ADA}"/>
+              </a:ext>
+            </a:extLst>
+          </p:cNvPr>
+          <p:cNvPicPr>
+            <a:picLocks noChangeAspect="1"/>
+          </p:cNvPicPr>
+          <p:nvPr/>
+        </p:nvPicPr>
+        <p:blipFill>
+          <a:blip r:embed="rId2">
+            <a:extLst>
+              <a:ext uri="{28A0092B-C50C-407E-A947-70E740481C1C}">
+                <a14:useLocalDpi xmlns:a14="http://schemas.microsoft.com/office/drawing/2010/main" val="0"/>
+              </a:ext>
+            </a:extLst>
+          </a:blip>
+          <a:stretch>
+            <a:fillRect/>
+          </a:stretch>
+        </p:blipFill>
+        <p:spPr>
+          <a:xfrm>
+            <a:off x="1313769" y="1711643"/>
+            <a:ext cx="9564461" cy="5021342"/>
+          </a:xfrm>
+          <a:prstGeom prst="rect">
+            <a:avLst/>
+          </a:prstGeom>
+        </p:spPr>
+      </p:pic>
+    </p:spTree>
+    <p:extLst>
+      <p:ext uri="{BB962C8B-B14F-4D97-AF65-F5344CB8AC3E}">
+        <p14:creationId xmlns:p14="http://schemas.microsoft.com/office/powerpoint/2010/main" val="838139053"/>
+      </p:ext>
+    </p:extLst>
+  </p:cSld>
+  <p:clrMapOvr>
+    <a:masterClrMapping/>
+  </p:clrMapOvr>
+  <p:transition spd="slow">
+    <p:push dir="u"/>
+  </p:transition>
+</p:sld>
+</file>
+
+<file path=ppt/slides/slide19.xml><?xml version="1.0" encoding="utf-8"?>
+<p:sld xmlns:a="http://schemas.openxmlformats.org/drawingml/2006/main" xmlns:r="http://schemas.openxmlformats.org/officeDocument/2006/relationships" xmlns:p="http://schemas.openxmlformats.org/presentationml/2006/main">
+  <p:cSld>
+    <p:spTree>
+      <p:nvGrpSpPr>
+        <p:cNvPr id="1" name=""/>
+        <p:cNvGrpSpPr/>
+        <p:nvPr/>
+      </p:nvGrpSpPr>
+      <p:grpSpPr>
+        <a:xfrm>
+          <a:off x="0" y="0"/>
+          <a:ext cx="0" cy="0"/>
+          <a:chOff x="0" y="0"/>
+          <a:chExt cx="0" cy="0"/>
+        </a:xfrm>
+      </p:grpSpPr>
+      <p:sp>
+        <p:nvSpPr>
           <p:cNvPr id="4" name="Slide Number Placeholder 3"/>
           <p:cNvSpPr>
             <a:spLocks noGrp="1"/>
@@ -20771,7 +21298,7 @@
             <a:fld id="{936C95AE-7298-45E1-9514-94AFF5BED89B}" type="slidenum">
               <a:rPr lang="en-US" smtClean="0"/>
               <a:pPr/>
-              <a:t>18</a:t>
+              <a:t>19</a:t>
             </a:fld>
             <a:endParaRPr lang="en-US" dirty="0"/>
           </a:p>
@@ -22378,195 +22905,6 @@
 </p:sld>
 </file>
 
-<file path=ppt/slides/slide19.xml><?xml version="1.0" encoding="utf-8"?>
-<p:sld xmlns:a="http://schemas.openxmlformats.org/drawingml/2006/main" xmlns:r="http://schemas.openxmlformats.org/officeDocument/2006/relationships" xmlns:p="http://schemas.openxmlformats.org/presentationml/2006/main">
-  <p:cSld>
-    <p:spTree>
-      <p:nvGrpSpPr>
-        <p:cNvPr id="1" name=""/>
-        <p:cNvGrpSpPr/>
-        <p:nvPr/>
-      </p:nvGrpSpPr>
-      <p:grpSpPr>
-        <a:xfrm>
-          <a:off x="0" y="0"/>
-          <a:ext cx="0" cy="0"/>
-          <a:chOff x="0" y="0"/>
-          <a:chExt cx="0" cy="0"/>
-        </a:xfrm>
-      </p:grpSpPr>
-      <p:sp>
-        <p:nvSpPr>
-          <p:cNvPr id="35" name="Rectangle 34"/>
-          <p:cNvSpPr/>
-          <p:nvPr/>
-        </p:nvSpPr>
-        <p:spPr>
-          <a:xfrm>
-            <a:off x="1281467" y="3685575"/>
-            <a:ext cx="9629068" cy="2137268"/>
-          </a:xfrm>
-          <a:prstGeom prst="rect">
-            <a:avLst/>
-          </a:prstGeom>
-          <a:noFill/>
-          <a:ln w="6350" cmpd="sng">
-            <a:noFill/>
-          </a:ln>
-          <a:effectLst/>
-        </p:spPr>
-        <p:style>
-          <a:lnRef idx="1">
-            <a:schemeClr val="accent1"/>
-          </a:lnRef>
-          <a:fillRef idx="3">
-            <a:schemeClr val="accent1"/>
-          </a:fillRef>
-          <a:effectRef idx="2">
-            <a:schemeClr val="accent1"/>
-          </a:effectRef>
-          <a:fontRef idx="minor">
-            <a:schemeClr val="lt1"/>
-          </a:fontRef>
-        </p:style>
-        <p:txBody>
-          <a:bodyPr rtlCol="0" anchor="ctr"/>
-          <a:lstStyle/>
-          <a:p>
-            <a:pPr algn="ctr"/>
-            <a:r>
-              <a:rPr lang="en-US" sz="2400" dirty="0">
-                <a:solidFill>
-                  <a:schemeClr val="tx1"/>
-                </a:solidFill>
-                <a:latin typeface="Roboto Light" charset="0"/>
-                <a:ea typeface="Roboto Light" charset="0"/>
-                <a:cs typeface="Roboto Light" charset="0"/>
-              </a:rPr>
-              <a:t>Questions ?</a:t>
-            </a:r>
-          </a:p>
-        </p:txBody>
-      </p:sp>
-      <p:sp>
-        <p:nvSpPr>
-          <p:cNvPr id="2" name="Slide Number Placeholder 1"/>
-          <p:cNvSpPr>
-            <a:spLocks noGrp="1"/>
-          </p:cNvSpPr>
-          <p:nvPr>
-            <p:ph type="sldNum" sz="quarter" idx="4"/>
-          </p:nvPr>
-        </p:nvSpPr>
-        <p:spPr/>
-        <p:txBody>
-          <a:bodyPr/>
-          <a:lstStyle/>
-          <a:p>
-            <a:fld id="{936C95AE-7298-45E1-9514-94AFF5BED89B}" type="slidenum">
-              <a:rPr lang="en-US" smtClean="0"/>
-              <a:pPr/>
-              <a:t>19</a:t>
-            </a:fld>
-            <a:endParaRPr lang="en-US" dirty="0"/>
-          </a:p>
-        </p:txBody>
-      </p:sp>
-      <p:pic>
-        <p:nvPicPr>
-          <p:cNvPr id="24" name="Image 23">
-            <a:extLst>
-              <a:ext uri="{FF2B5EF4-FFF2-40B4-BE49-F238E27FC236}">
-                <a16:creationId xmlns:a16="http://schemas.microsoft.com/office/drawing/2014/main" id="{0C74E6A6-F1E8-4DD5-8CCE-FB8EECD7E9A7}"/>
-              </a:ext>
-            </a:extLst>
-          </p:cNvPr>
-          <p:cNvPicPr>
-            <a:picLocks noChangeAspect="1"/>
-          </p:cNvPicPr>
-          <p:nvPr/>
-        </p:nvPicPr>
-        <p:blipFill>
-          <a:blip r:embed="rId3"/>
-          <a:stretch>
-            <a:fillRect/>
-          </a:stretch>
-        </p:blipFill>
-        <p:spPr>
-          <a:xfrm>
-            <a:off x="4576043" y="679021"/>
-            <a:ext cx="3039914" cy="2749979"/>
-          </a:xfrm>
-          <a:prstGeom prst="rect">
-            <a:avLst/>
-          </a:prstGeom>
-        </p:spPr>
-      </p:pic>
-      <p:sp>
-        <p:nvSpPr>
-          <p:cNvPr id="4" name="ZoneTexte 3">
-            <a:extLst>
-              <a:ext uri="{FF2B5EF4-FFF2-40B4-BE49-F238E27FC236}">
-                <a16:creationId xmlns:a16="http://schemas.microsoft.com/office/drawing/2014/main" id="{E5BD4C69-0EBF-42EB-9712-849D3654344F}"/>
-              </a:ext>
-            </a:extLst>
-          </p:cNvPr>
-          <p:cNvSpPr txBox="1"/>
-          <p:nvPr/>
-        </p:nvSpPr>
-        <p:spPr>
-          <a:xfrm>
-            <a:off x="4657724" y="1981198"/>
-            <a:ext cx="2895601" cy="1352552"/>
-          </a:xfrm>
-          <a:prstGeom prst="rect">
-            <a:avLst/>
-          </a:prstGeom>
-          <a:solidFill>
-            <a:srgbClr val="E20613"/>
-          </a:solidFill>
-        </p:spPr>
-        <p:txBody>
-          <a:bodyPr wrap="square" rtlCol="0" anchor="ctr">
-            <a:noAutofit/>
-          </a:bodyPr>
-          <a:lstStyle/>
-          <a:p>
-            <a:pPr algn="ctr"/>
-            <a:r>
-              <a:rPr lang="fr-FR" sz="6000" dirty="0">
-                <a:solidFill>
-                  <a:schemeClr val="bg1"/>
-                </a:solidFill>
-                <a:latin typeface="Roboto Light"/>
-              </a:rPr>
-              <a:t>Merci !</a:t>
-            </a:r>
-            <a:endParaRPr lang="fr-CH" sz="6000" dirty="0">
-              <a:solidFill>
-                <a:schemeClr val="bg1"/>
-              </a:solidFill>
-              <a:latin typeface="Roboto Light"/>
-            </a:endParaRPr>
-          </a:p>
-        </p:txBody>
-      </p:sp>
-    </p:spTree>
-    <p:extLst>
-      <p:ext uri="{BB962C8B-B14F-4D97-AF65-F5344CB8AC3E}">
-        <p14:creationId xmlns:p14="http://schemas.microsoft.com/office/powerpoint/2010/main" val="6939507"/>
-      </p:ext>
-    </p:extLst>
-  </p:cSld>
-  <p:clrMapOvr>
-    <a:masterClrMapping/>
-  </p:clrMapOvr>
-  <p:transition spd="slow">
-    <p:push dir="u"/>
-  </p:transition>
-</p:sld>
-</file>
-
 <file path=ppt/slides/slide2.xml><?xml version="1.0" encoding="utf-8"?>
 <p:sld xmlns:a="http://schemas.openxmlformats.org/drawingml/2006/main" xmlns:r="http://schemas.openxmlformats.org/officeDocument/2006/relationships" xmlns:p="http://schemas.openxmlformats.org/presentationml/2006/main">
   <p:cSld>
@@ -24027,6 +24365,195 @@
 </p:sld>
 </file>
 
+<file path=ppt/slides/slide20.xml><?xml version="1.0" encoding="utf-8"?>
+<p:sld xmlns:a="http://schemas.openxmlformats.org/drawingml/2006/main" xmlns:r="http://schemas.openxmlformats.org/officeDocument/2006/relationships" xmlns:p="http://schemas.openxmlformats.org/presentationml/2006/main">
+  <p:cSld>
+    <p:spTree>
+      <p:nvGrpSpPr>
+        <p:cNvPr id="1" name=""/>
+        <p:cNvGrpSpPr/>
+        <p:nvPr/>
+      </p:nvGrpSpPr>
+      <p:grpSpPr>
+        <a:xfrm>
+          <a:off x="0" y="0"/>
+          <a:ext cx="0" cy="0"/>
+          <a:chOff x="0" y="0"/>
+          <a:chExt cx="0" cy="0"/>
+        </a:xfrm>
+      </p:grpSpPr>
+      <p:sp>
+        <p:nvSpPr>
+          <p:cNvPr id="35" name="Rectangle 34"/>
+          <p:cNvSpPr/>
+          <p:nvPr/>
+        </p:nvSpPr>
+        <p:spPr>
+          <a:xfrm>
+            <a:off x="1281467" y="3685575"/>
+            <a:ext cx="9629068" cy="2137268"/>
+          </a:xfrm>
+          <a:prstGeom prst="rect">
+            <a:avLst/>
+          </a:prstGeom>
+          <a:noFill/>
+          <a:ln w="6350" cmpd="sng">
+            <a:noFill/>
+          </a:ln>
+          <a:effectLst/>
+        </p:spPr>
+        <p:style>
+          <a:lnRef idx="1">
+            <a:schemeClr val="accent1"/>
+          </a:lnRef>
+          <a:fillRef idx="3">
+            <a:schemeClr val="accent1"/>
+          </a:fillRef>
+          <a:effectRef idx="2">
+            <a:schemeClr val="accent1"/>
+          </a:effectRef>
+          <a:fontRef idx="minor">
+            <a:schemeClr val="lt1"/>
+          </a:fontRef>
+        </p:style>
+        <p:txBody>
+          <a:bodyPr rtlCol="0" anchor="ctr"/>
+          <a:lstStyle/>
+          <a:p>
+            <a:pPr algn="ctr"/>
+            <a:r>
+              <a:rPr lang="en-US" sz="2400" dirty="0">
+                <a:solidFill>
+                  <a:schemeClr val="tx1"/>
+                </a:solidFill>
+                <a:latin typeface="Roboto Light" charset="0"/>
+                <a:ea typeface="Roboto Light" charset="0"/>
+                <a:cs typeface="Roboto Light" charset="0"/>
+              </a:rPr>
+              <a:t>Questions ?</a:t>
+            </a:r>
+          </a:p>
+        </p:txBody>
+      </p:sp>
+      <p:sp>
+        <p:nvSpPr>
+          <p:cNvPr id="2" name="Slide Number Placeholder 1"/>
+          <p:cNvSpPr>
+            <a:spLocks noGrp="1"/>
+          </p:cNvSpPr>
+          <p:nvPr>
+            <p:ph type="sldNum" sz="quarter" idx="4"/>
+          </p:nvPr>
+        </p:nvSpPr>
+        <p:spPr/>
+        <p:txBody>
+          <a:bodyPr/>
+          <a:lstStyle/>
+          <a:p>
+            <a:fld id="{936C95AE-7298-45E1-9514-94AFF5BED89B}" type="slidenum">
+              <a:rPr lang="en-US" smtClean="0"/>
+              <a:pPr/>
+              <a:t>20</a:t>
+            </a:fld>
+            <a:endParaRPr lang="en-US" dirty="0"/>
+          </a:p>
+        </p:txBody>
+      </p:sp>
+      <p:pic>
+        <p:nvPicPr>
+          <p:cNvPr id="24" name="Image 23">
+            <a:extLst>
+              <a:ext uri="{FF2B5EF4-FFF2-40B4-BE49-F238E27FC236}">
+                <a16:creationId xmlns:a16="http://schemas.microsoft.com/office/drawing/2014/main" id="{0C74E6A6-F1E8-4DD5-8CCE-FB8EECD7E9A7}"/>
+              </a:ext>
+            </a:extLst>
+          </p:cNvPr>
+          <p:cNvPicPr>
+            <a:picLocks noChangeAspect="1"/>
+          </p:cNvPicPr>
+          <p:nvPr/>
+        </p:nvPicPr>
+        <p:blipFill>
+          <a:blip r:embed="rId3"/>
+          <a:stretch>
+            <a:fillRect/>
+          </a:stretch>
+        </p:blipFill>
+        <p:spPr>
+          <a:xfrm>
+            <a:off x="4576043" y="679021"/>
+            <a:ext cx="3039914" cy="2749979"/>
+          </a:xfrm>
+          <a:prstGeom prst="rect">
+            <a:avLst/>
+          </a:prstGeom>
+        </p:spPr>
+      </p:pic>
+      <p:sp>
+        <p:nvSpPr>
+          <p:cNvPr id="4" name="ZoneTexte 3">
+            <a:extLst>
+              <a:ext uri="{FF2B5EF4-FFF2-40B4-BE49-F238E27FC236}">
+                <a16:creationId xmlns:a16="http://schemas.microsoft.com/office/drawing/2014/main" id="{E5BD4C69-0EBF-42EB-9712-849D3654344F}"/>
+              </a:ext>
+            </a:extLst>
+          </p:cNvPr>
+          <p:cNvSpPr txBox="1"/>
+          <p:nvPr/>
+        </p:nvSpPr>
+        <p:spPr>
+          <a:xfrm>
+            <a:off x="4657724" y="1981198"/>
+            <a:ext cx="2895601" cy="1352552"/>
+          </a:xfrm>
+          <a:prstGeom prst="rect">
+            <a:avLst/>
+          </a:prstGeom>
+          <a:solidFill>
+            <a:srgbClr val="E20613"/>
+          </a:solidFill>
+        </p:spPr>
+        <p:txBody>
+          <a:bodyPr wrap="square" rtlCol="0" anchor="ctr">
+            <a:noAutofit/>
+          </a:bodyPr>
+          <a:lstStyle/>
+          <a:p>
+            <a:pPr algn="ctr"/>
+            <a:r>
+              <a:rPr lang="fr-FR" sz="6000" dirty="0">
+                <a:solidFill>
+                  <a:schemeClr val="bg1"/>
+                </a:solidFill>
+                <a:latin typeface="Roboto Light"/>
+              </a:rPr>
+              <a:t>Merci !</a:t>
+            </a:r>
+            <a:endParaRPr lang="fr-CH" sz="6000" dirty="0">
+              <a:solidFill>
+                <a:schemeClr val="bg1"/>
+              </a:solidFill>
+              <a:latin typeface="Roboto Light"/>
+            </a:endParaRPr>
+          </a:p>
+        </p:txBody>
+      </p:sp>
+    </p:spTree>
+    <p:extLst>
+      <p:ext uri="{BB962C8B-B14F-4D97-AF65-F5344CB8AC3E}">
+        <p14:creationId xmlns:p14="http://schemas.microsoft.com/office/powerpoint/2010/main" val="6939507"/>
+      </p:ext>
+    </p:extLst>
+  </p:cSld>
+  <p:clrMapOvr>
+    <a:masterClrMapping/>
+  </p:clrMapOvr>
+  <p:transition spd="slow">
+    <p:push dir="u"/>
+  </p:transition>
+</p:sld>
+</file>
+
 <file path=ppt/slides/slide3.xml><?xml version="1.0" encoding="utf-8"?>
 <p:sld xmlns:a="http://schemas.openxmlformats.org/drawingml/2006/main" xmlns:r="http://schemas.openxmlformats.org/officeDocument/2006/relationships" xmlns:p="http://schemas.openxmlformats.org/presentationml/2006/main">
   <p:cSld>
@@ -25611,7 +26138,7 @@
           </a:effectLst>
           <a:extLst>
             <a:ext uri="{C572A759-6A51-4108-AA02-DFA0A04FC94B}">
-              <ma14:wrappingTextBoxFlag xmlns:ma14="http://schemas.microsoft.com/office/mac/drawingml/2011/main" xmlns="" val="1"/>
+              <ma14:wrappingTextBoxFlag xmlns="" xmlns:ma14="http://schemas.microsoft.com/office/mac/drawingml/2011/main" val="1"/>
             </a:ext>
           </a:extLst>
         </p:spPr>
@@ -25716,7 +26243,7 @@
           </a:effectLst>
           <a:extLst>
             <a:ext uri="{C572A759-6A51-4108-AA02-DFA0A04FC94B}">
-              <ma14:wrappingTextBoxFlag xmlns:ma14="http://schemas.microsoft.com/office/mac/drawingml/2011/main" xmlns="" val="1"/>
+              <ma14:wrappingTextBoxFlag xmlns="" xmlns:ma14="http://schemas.microsoft.com/office/mac/drawingml/2011/main" val="1"/>
             </a:ext>
           </a:extLst>
         </p:spPr>
@@ -25821,7 +26348,7 @@
           </a:effectLst>
           <a:extLst>
             <a:ext uri="{C572A759-6A51-4108-AA02-DFA0A04FC94B}">
-              <ma14:wrappingTextBoxFlag xmlns:ma14="http://schemas.microsoft.com/office/mac/drawingml/2011/main" xmlns="" val="1"/>
+              <ma14:wrappingTextBoxFlag xmlns="" xmlns:ma14="http://schemas.microsoft.com/office/mac/drawingml/2011/main" val="1"/>
             </a:ext>
           </a:extLst>
         </p:spPr>
@@ -25926,7 +26453,7 @@
           </a:effectLst>
           <a:extLst>
             <a:ext uri="{C572A759-6A51-4108-AA02-DFA0A04FC94B}">
-              <ma14:wrappingTextBoxFlag xmlns:ma14="http://schemas.microsoft.com/office/mac/drawingml/2011/main" xmlns="" val="1"/>
+              <ma14:wrappingTextBoxFlag xmlns="" xmlns:ma14="http://schemas.microsoft.com/office/mac/drawingml/2011/main" val="1"/>
             </a:ext>
           </a:extLst>
         </p:spPr>
@@ -26034,7 +26561,7 @@
           </a:effectLst>
           <a:extLst>
             <a:ext uri="{C572A759-6A51-4108-AA02-DFA0A04FC94B}">
-              <ma14:wrappingTextBoxFlag xmlns:ma14="http://schemas.microsoft.com/office/mac/drawingml/2011/main" xmlns="" val="1"/>
+              <ma14:wrappingTextBoxFlag xmlns="" xmlns:ma14="http://schemas.microsoft.com/office/mac/drawingml/2011/main" val="1"/>
             </a:ext>
           </a:extLst>
         </p:spPr>
